--- a/benefits_charts/halfpage_graduate_premiums.pptx
+++ b/benefits_charts/halfpage_graduate_premiums.pptx
@@ -5,19 +5,20 @@
     <p:sldMasterId id="2147483682" r:id="rId1"/>
   </p:sldMasterIdLst>
   <p:notesMasterIdLst>
-    <p:notesMasterId r:id="rId9"/>
+    <p:notesMasterId r:id="rId10"/>
   </p:notesMasterIdLst>
   <p:handoutMasterIdLst>
-    <p:handoutMasterId r:id="rId10"/>
+    <p:handoutMasterId r:id="rId11"/>
   </p:handoutMasterIdLst>
   <p:sldIdLst>
     <p:sldId id="258" r:id="rId2"/>
-    <p:sldId id="259" r:id="rId3"/>
-    <p:sldId id="262" r:id="rId4"/>
-    <p:sldId id="263" r:id="rId5"/>
-    <p:sldId id="265" r:id="rId6"/>
-    <p:sldId id="268" r:id="rId7"/>
-    <p:sldId id="267" r:id="rId8"/>
+    <p:sldId id="269" r:id="rId3"/>
+    <p:sldId id="259" r:id="rId4"/>
+    <p:sldId id="262" r:id="rId5"/>
+    <p:sldId id="263" r:id="rId6"/>
+    <p:sldId id="265" r:id="rId7"/>
+    <p:sldId id="268" r:id="rId8"/>
+    <p:sldId id="267" r:id="rId9"/>
   </p:sldIdLst>
   <p:sldSz cx="7977188" cy="7977188"/>
   <p:notesSz cx="9939338" cy="14368463"/>
@@ -514,16 +515,6 @@
             <c:idx val="0"/>
             <c:invertIfNegative val="0"/>
             <c:bubble3D val="0"/>
-            <c:spPr>
-              <a:solidFill>
-                <a:srgbClr val="EC700A"/>
-              </a:solidFill>
-              <a:ln w="9525">
-                <a:solidFill>
-                  <a:srgbClr val="FFFFFF"/>
-                </a:solidFill>
-              </a:ln>
-            </c:spPr>
             <c:extLst>
               <c:ext xmlns:c16="http://schemas.microsoft.com/office/drawing/2014/chart" uri="{C3380CC4-5D6E-409C-BE32-E72D297353CC}">
                 <c16:uniqueId val="{0000000B-8971-9D44-B874-A559F382D7EA}"/>
@@ -534,16 +525,6 @@
             <c:idx val="1"/>
             <c:invertIfNegative val="0"/>
             <c:bubble3D val="0"/>
-            <c:spPr>
-              <a:solidFill>
-                <a:srgbClr val="EC700A"/>
-              </a:solidFill>
-              <a:ln w="9525">
-                <a:solidFill>
-                  <a:srgbClr val="FFFFFF"/>
-                </a:solidFill>
-              </a:ln>
-            </c:spPr>
             <c:extLst>
               <c:ext xmlns:c16="http://schemas.microsoft.com/office/drawing/2014/chart" uri="{C3380CC4-5D6E-409C-BE32-E72D297353CC}">
                 <c16:uniqueId val="{0000000D-8971-9D44-B874-A559F382D7EA}"/>
@@ -769,6 +750,1248 @@
   <c:chart>
     <c:autoTitleDeleted val="0"/>
     <c:plotArea>
+      <c:layout/>
+      <c:barChart>
+        <c:barDir val="col"/>
+        <c:grouping val="clustered"/>
+        <c:varyColors val="0"/>
+        <c:ser>
+          <c:idx val="0"/>
+          <c:order val="0"/>
+          <c:tx>
+            <c:strRef>
+              <c:f>Sheet1!$B$1</c:f>
+              <c:strCache>
+                <c:ptCount val="1"/>
+                <c:pt idx="0">
+                  <c:v>2006</c:v>
+                </c:pt>
+              </c:strCache>
+            </c:strRef>
+          </c:tx>
+          <c:spPr>
+            <a:solidFill>
+              <a:srgbClr val="B7595C"/>
+            </a:solidFill>
+            <a:ln w="9525">
+              <a:noFill/>
+            </a:ln>
+          </c:spPr>
+          <c:invertIfNegative val="0"/>
+          <c:dPt>
+            <c:idx val="1"/>
+            <c:invertIfNegative val="0"/>
+            <c:bubble3D val="0"/>
+            <c:spPr>
+              <a:solidFill>
+                <a:srgbClr val="B7595C"/>
+              </a:solidFill>
+              <a:ln w="12700">
+                <a:solidFill>
+                  <a:srgbClr val="000000"/>
+                </a:solidFill>
+              </a:ln>
+            </c:spPr>
+            <c:extLst>
+              <c:ext xmlns:c16="http://schemas.microsoft.com/office/drawing/2014/chart" uri="{C3380CC4-5D6E-409C-BE32-E72D297353CC}">
+                <c16:uniqueId val="{00000001-0875-B944-AB9C-F6FA5D4BD96E}"/>
+              </c:ext>
+            </c:extLst>
+          </c:dPt>
+          <c:dPt>
+            <c:idx val="6"/>
+            <c:invertIfNegative val="0"/>
+            <c:bubble3D val="0"/>
+            <c:spPr>
+              <a:solidFill>
+                <a:srgbClr val="B7595C"/>
+              </a:solidFill>
+              <a:ln w="12700">
+                <a:solidFill>
+                  <a:srgbClr val="000000"/>
+                </a:solidFill>
+              </a:ln>
+            </c:spPr>
+            <c:extLst>
+              <c:ext xmlns:c16="http://schemas.microsoft.com/office/drawing/2014/chart" uri="{C3380CC4-5D6E-409C-BE32-E72D297353CC}">
+                <c16:uniqueId val="{00000003-0875-B944-AB9C-F6FA5D4BD96E}"/>
+              </c:ext>
+            </c:extLst>
+          </c:dPt>
+          <c:cat>
+            <c:strRef>
+              <c:f>Sheet1!$A$2:$A$14</c:f>
+              <c:strCache>
+                <c:ptCount val="13"/>
+                <c:pt idx="0">
+                  <c:v>Performing arts</c:v>
+                </c:pt>
+                <c:pt idx="1">
+                  <c:v>Year 12</c:v>
+                </c:pt>
+                <c:pt idx="2">
+                  <c:v>Humanities</c:v>
+                </c:pt>
+                <c:pt idx="3">
+                  <c:v>Nursing</c:v>
+                </c:pt>
+                <c:pt idx="4">
+                  <c:v>Education</c:v>
+                </c:pt>
+                <c:pt idx="5">
+                  <c:v>Science</c:v>
+                </c:pt>
+                <c:pt idx="6">
+                  <c:v>Bachalor (all)</c:v>
+                </c:pt>
+                <c:pt idx="7">
+                  <c:v>Other health</c:v>
+                </c:pt>
+                <c:pt idx="8">
+                  <c:v>IT</c:v>
+                </c:pt>
+                <c:pt idx="9">
+                  <c:v>Engneering</c:v>
+                </c:pt>
+                <c:pt idx="10">
+                  <c:v>Commerce</c:v>
+                </c:pt>
+                <c:pt idx="11">
+                  <c:v>Law</c:v>
+                </c:pt>
+                <c:pt idx="12">
+                  <c:v>Medicine</c:v>
+                </c:pt>
+              </c:strCache>
+            </c:strRef>
+          </c:cat>
+          <c:val>
+            <c:numRef>
+              <c:f>Sheet1!$B$2:$B$14</c:f>
+              <c:numCache>
+                <c:formatCode>General</c:formatCode>
+                <c:ptCount val="13"/>
+                <c:pt idx="0">
+                  <c:v>1.7203283251291077</c:v>
+                </c:pt>
+                <c:pt idx="1">
+                  <c:v>1.890644338306728</c:v>
+                </c:pt>
+                <c:pt idx="2">
+                  <c:v>1.936938538192706</c:v>
+                </c:pt>
+                <c:pt idx="3">
+                  <c:v>2.3725889444604835</c:v>
+                </c:pt>
+                <c:pt idx="4">
+                  <c:v>2.3712367072849365</c:v>
+                </c:pt>
+                <c:pt idx="5">
+                  <c:v>2.4533109525394265</c:v>
+                </c:pt>
+                <c:pt idx="6">
+                  <c:v>2.6935024335067492</c:v>
+                </c:pt>
+                <c:pt idx="7">
+                  <c:v>2.6996703913249394</c:v>
+                </c:pt>
+                <c:pt idx="8">
+                  <c:v>2.7905326517416498</c:v>
+                </c:pt>
+                <c:pt idx="9">
+                  <c:v>2.935106691562531</c:v>
+                </c:pt>
+                <c:pt idx="10">
+                  <c:v>2.9877879042471092</c:v>
+                </c:pt>
+                <c:pt idx="11">
+                  <c:v>3.5382729929057972</c:v>
+                </c:pt>
+                <c:pt idx="12">
+                  <c:v>3.6669760114450396</c:v>
+                </c:pt>
+              </c:numCache>
+            </c:numRef>
+          </c:val>
+          <c:extLst>
+            <c:ext xmlns:c16="http://schemas.microsoft.com/office/drawing/2014/chart" uri="{C3380CC4-5D6E-409C-BE32-E72D297353CC}">
+              <c16:uniqueId val="{00000004-0875-B944-AB9C-F6FA5D4BD96E}"/>
+            </c:ext>
+          </c:extLst>
+        </c:ser>
+        <c:ser>
+          <c:idx val="1"/>
+          <c:order val="1"/>
+          <c:tx>
+            <c:strRef>
+              <c:f>Sheet1!$C$1</c:f>
+              <c:strCache>
+                <c:ptCount val="1"/>
+                <c:pt idx="0">
+                  <c:v>2011</c:v>
+                </c:pt>
+              </c:strCache>
+            </c:strRef>
+          </c:tx>
+          <c:spPr>
+            <a:solidFill>
+              <a:srgbClr val="A02226"/>
+            </a:solidFill>
+            <a:ln w="9525">
+              <a:noFill/>
+            </a:ln>
+          </c:spPr>
+          <c:invertIfNegative val="0"/>
+          <c:dPt>
+            <c:idx val="1"/>
+            <c:invertIfNegative val="0"/>
+            <c:bubble3D val="0"/>
+            <c:spPr>
+              <a:solidFill>
+                <a:srgbClr val="A02226"/>
+              </a:solidFill>
+              <a:ln w="12700">
+                <a:solidFill>
+                  <a:srgbClr val="000000"/>
+                </a:solidFill>
+              </a:ln>
+            </c:spPr>
+            <c:extLst>
+              <c:ext xmlns:c16="http://schemas.microsoft.com/office/drawing/2014/chart" uri="{C3380CC4-5D6E-409C-BE32-E72D297353CC}">
+                <c16:uniqueId val="{00000006-0875-B944-AB9C-F6FA5D4BD96E}"/>
+              </c:ext>
+            </c:extLst>
+          </c:dPt>
+          <c:dPt>
+            <c:idx val="6"/>
+            <c:invertIfNegative val="0"/>
+            <c:bubble3D val="0"/>
+            <c:spPr>
+              <a:solidFill>
+                <a:srgbClr val="A02226"/>
+              </a:solidFill>
+              <a:ln w="12700">
+                <a:solidFill>
+                  <a:srgbClr val="000000"/>
+                </a:solidFill>
+              </a:ln>
+            </c:spPr>
+            <c:extLst>
+              <c:ext xmlns:c16="http://schemas.microsoft.com/office/drawing/2014/chart" uri="{C3380CC4-5D6E-409C-BE32-E72D297353CC}">
+                <c16:uniqueId val="{00000008-0875-B944-AB9C-F6FA5D4BD96E}"/>
+              </c:ext>
+            </c:extLst>
+          </c:dPt>
+          <c:cat>
+            <c:strRef>
+              <c:f>Sheet1!$A$2:$A$14</c:f>
+              <c:strCache>
+                <c:ptCount val="13"/>
+                <c:pt idx="0">
+                  <c:v>Performing arts</c:v>
+                </c:pt>
+                <c:pt idx="1">
+                  <c:v>Year 12</c:v>
+                </c:pt>
+                <c:pt idx="2">
+                  <c:v>Humanities</c:v>
+                </c:pt>
+                <c:pt idx="3">
+                  <c:v>Nursing</c:v>
+                </c:pt>
+                <c:pt idx="4">
+                  <c:v>Education</c:v>
+                </c:pt>
+                <c:pt idx="5">
+                  <c:v>Science</c:v>
+                </c:pt>
+                <c:pt idx="6">
+                  <c:v>Bachalor (all)</c:v>
+                </c:pt>
+                <c:pt idx="7">
+                  <c:v>Other health</c:v>
+                </c:pt>
+                <c:pt idx="8">
+                  <c:v>IT</c:v>
+                </c:pt>
+                <c:pt idx="9">
+                  <c:v>Engneering</c:v>
+                </c:pt>
+                <c:pt idx="10">
+                  <c:v>Commerce</c:v>
+                </c:pt>
+                <c:pt idx="11">
+                  <c:v>Law</c:v>
+                </c:pt>
+                <c:pt idx="12">
+                  <c:v>Medicine</c:v>
+                </c:pt>
+              </c:strCache>
+            </c:strRef>
+          </c:cat>
+          <c:val>
+            <c:numRef>
+              <c:f>Sheet1!$C$2:$C$14</c:f>
+              <c:numCache>
+                <c:formatCode>General</c:formatCode>
+                <c:ptCount val="13"/>
+                <c:pt idx="0">
+                  <c:v>1.8111079065093199</c:v>
+                </c:pt>
+                <c:pt idx="1">
+                  <c:v>1.95900410269614</c:v>
+                </c:pt>
+                <c:pt idx="2">
+                  <c:v>2.0450531072410305</c:v>
+                </c:pt>
+                <c:pt idx="3">
+                  <c:v>2.4868686266708826</c:v>
+                </c:pt>
+                <c:pt idx="4">
+                  <c:v>2.5678832662270037</c:v>
+                </c:pt>
+                <c:pt idx="5">
+                  <c:v>2.5884630641523039</c:v>
+                </c:pt>
+                <c:pt idx="6">
+                  <c:v>2.8308837591205109</c:v>
+                </c:pt>
+                <c:pt idx="7">
+                  <c:v>2.7934190696635923</c:v>
+                </c:pt>
+                <c:pt idx="8">
+                  <c:v>2.9060027514404658</c:v>
+                </c:pt>
+                <c:pt idx="9">
+                  <c:v>3.1453347322885326</c:v>
+                </c:pt>
+                <c:pt idx="10">
+                  <c:v>3.0386430366200243</c:v>
+                </c:pt>
+                <c:pt idx="11">
+                  <c:v>3.3009167761302898</c:v>
+                </c:pt>
+                <c:pt idx="12">
+                  <c:v>3.3211536423131549</c:v>
+                </c:pt>
+              </c:numCache>
+            </c:numRef>
+          </c:val>
+          <c:extLst>
+            <c:ext xmlns:c16="http://schemas.microsoft.com/office/drawing/2014/chart" uri="{C3380CC4-5D6E-409C-BE32-E72D297353CC}">
+              <c16:uniqueId val="{00000009-0875-B944-AB9C-F6FA5D4BD96E}"/>
+            </c:ext>
+          </c:extLst>
+        </c:ser>
+        <c:ser>
+          <c:idx val="2"/>
+          <c:order val="2"/>
+          <c:tx>
+            <c:strRef>
+              <c:f>Sheet1!$D$1</c:f>
+              <c:strCache>
+                <c:ptCount val="1"/>
+                <c:pt idx="0">
+                  <c:v>2016</c:v>
+                </c:pt>
+              </c:strCache>
+            </c:strRef>
+          </c:tx>
+          <c:spPr>
+            <a:solidFill>
+              <a:srgbClr val="76191C"/>
+            </a:solidFill>
+            <a:ln w="9525">
+              <a:noFill/>
+            </a:ln>
+          </c:spPr>
+          <c:invertIfNegative val="0"/>
+          <c:dPt>
+            <c:idx val="1"/>
+            <c:invertIfNegative val="0"/>
+            <c:bubble3D val="0"/>
+            <c:spPr>
+              <a:solidFill>
+                <a:srgbClr val="76191C"/>
+              </a:solidFill>
+              <a:ln w="12700">
+                <a:solidFill>
+                  <a:srgbClr val="000000"/>
+                </a:solidFill>
+              </a:ln>
+            </c:spPr>
+            <c:extLst>
+              <c:ext xmlns:c16="http://schemas.microsoft.com/office/drawing/2014/chart" uri="{C3380CC4-5D6E-409C-BE32-E72D297353CC}">
+                <c16:uniqueId val="{0000000B-0875-B944-AB9C-F6FA5D4BD96E}"/>
+              </c:ext>
+            </c:extLst>
+          </c:dPt>
+          <c:dPt>
+            <c:idx val="6"/>
+            <c:invertIfNegative val="0"/>
+            <c:bubble3D val="0"/>
+            <c:spPr>
+              <a:solidFill>
+                <a:srgbClr val="76191C"/>
+              </a:solidFill>
+              <a:ln w="12700">
+                <a:solidFill>
+                  <a:srgbClr val="000000"/>
+                </a:solidFill>
+              </a:ln>
+            </c:spPr>
+            <c:extLst>
+              <c:ext xmlns:c16="http://schemas.microsoft.com/office/drawing/2014/chart" uri="{C3380CC4-5D6E-409C-BE32-E72D297353CC}">
+                <c16:uniqueId val="{0000000D-0875-B944-AB9C-F6FA5D4BD96E}"/>
+              </c:ext>
+            </c:extLst>
+          </c:dPt>
+          <c:cat>
+            <c:strRef>
+              <c:f>Sheet1!$A$2:$A$14</c:f>
+              <c:strCache>
+                <c:ptCount val="13"/>
+                <c:pt idx="0">
+                  <c:v>Performing arts</c:v>
+                </c:pt>
+                <c:pt idx="1">
+                  <c:v>Year 12</c:v>
+                </c:pt>
+                <c:pt idx="2">
+                  <c:v>Humanities</c:v>
+                </c:pt>
+                <c:pt idx="3">
+                  <c:v>Nursing</c:v>
+                </c:pt>
+                <c:pt idx="4">
+                  <c:v>Education</c:v>
+                </c:pt>
+                <c:pt idx="5">
+                  <c:v>Science</c:v>
+                </c:pt>
+                <c:pt idx="6">
+                  <c:v>Bachalor (all)</c:v>
+                </c:pt>
+                <c:pt idx="7">
+                  <c:v>Other health</c:v>
+                </c:pt>
+                <c:pt idx="8">
+                  <c:v>IT</c:v>
+                </c:pt>
+                <c:pt idx="9">
+                  <c:v>Engneering</c:v>
+                </c:pt>
+                <c:pt idx="10">
+                  <c:v>Commerce</c:v>
+                </c:pt>
+                <c:pt idx="11">
+                  <c:v>Law</c:v>
+                </c:pt>
+                <c:pt idx="12">
+                  <c:v>Medicine</c:v>
+                </c:pt>
+              </c:strCache>
+            </c:strRef>
+          </c:cat>
+          <c:val>
+            <c:numRef>
+              <c:f>Sheet1!$D$2:$D$14</c:f>
+              <c:numCache>
+                <c:formatCode>General</c:formatCode>
+                <c:ptCount val="13"/>
+                <c:pt idx="0">
+                  <c:v>1.7874941402990527</c:v>
+                </c:pt>
+                <c:pt idx="1">
+                  <c:v>1.9503594451429558</c:v>
+                </c:pt>
+                <c:pt idx="2">
+                  <c:v>2.0470029587021168</c:v>
+                </c:pt>
+                <c:pt idx="3">
+                  <c:v>2.5367879776717164</c:v>
+                </c:pt>
+                <c:pt idx="4">
+                  <c:v>2.6298803548089502</c:v>
+                </c:pt>
+                <c:pt idx="5">
+                  <c:v>2.4891391616228353</c:v>
+                </c:pt>
+                <c:pt idx="6">
+                  <c:v>2.7389256040145726</c:v>
+                </c:pt>
+                <c:pt idx="7">
+                  <c:v>2.7245578180583014</c:v>
+                </c:pt>
+                <c:pt idx="8">
+                  <c:v>2.8893965323916184</c:v>
+                </c:pt>
+                <c:pt idx="9">
+                  <c:v>3.0772313082636038</c:v>
+                </c:pt>
+                <c:pt idx="10">
+                  <c:v>2.9777274494913613</c:v>
+                </c:pt>
+                <c:pt idx="11">
+                  <c:v>3.7947799701597011</c:v>
+                </c:pt>
+                <c:pt idx="12">
+                  <c:v>4.1608156317344589</c:v>
+                </c:pt>
+              </c:numCache>
+            </c:numRef>
+          </c:val>
+          <c:extLst>
+            <c:ext xmlns:c16="http://schemas.microsoft.com/office/drawing/2014/chart" uri="{C3380CC4-5D6E-409C-BE32-E72D297353CC}">
+              <c16:uniqueId val="{0000000E-0875-B944-AB9C-F6FA5D4BD96E}"/>
+            </c:ext>
+          </c:extLst>
+        </c:ser>
+        <c:dLbls>
+          <c:showLegendKey val="0"/>
+          <c:showVal val="0"/>
+          <c:showCatName val="0"/>
+          <c:showSerName val="0"/>
+          <c:showPercent val="0"/>
+          <c:showBubbleSize val="0"/>
+        </c:dLbls>
+        <c:gapWidth val="100"/>
+        <c:axId val="324265856"/>
+        <c:axId val="327427200"/>
+      </c:barChart>
+      <c:catAx>
+        <c:axId val="324265856"/>
+        <c:scaling>
+          <c:orientation val="minMax"/>
+        </c:scaling>
+        <c:delete val="0"/>
+        <c:axPos val="b"/>
+        <c:numFmt formatCode="General" sourceLinked="1"/>
+        <c:majorTickMark val="none"/>
+        <c:minorTickMark val="none"/>
+        <c:tickLblPos val="nextTo"/>
+        <c:spPr>
+          <a:ln>
+            <a:solidFill>
+              <a:schemeClr val="tx1"/>
+            </a:solidFill>
+          </a:ln>
+        </c:spPr>
+        <c:txPr>
+          <a:bodyPr/>
+          <a:lstStyle/>
+          <a:p>
+            <a:pPr>
+              <a:defRPr sz="1800"/>
+            </a:pPr>
+            <a:endParaRPr lang="en-US"/>
+          </a:p>
+        </c:txPr>
+        <c:crossAx val="327427200"/>
+        <c:crosses val="autoZero"/>
+        <c:auto val="1"/>
+        <c:lblAlgn val="ctr"/>
+        <c:lblOffset val="100"/>
+        <c:noMultiLvlLbl val="0"/>
+      </c:catAx>
+      <c:valAx>
+        <c:axId val="327427200"/>
+        <c:scaling>
+          <c:orientation val="minMax"/>
+          <c:max val="4.2"/>
+          <c:min val="0"/>
+        </c:scaling>
+        <c:delete val="0"/>
+        <c:axPos val="l"/>
+        <c:majorGridlines>
+          <c:spPr>
+            <a:ln>
+              <a:solidFill>
+                <a:srgbClr val="6A737B">
+                  <a:lumMod val="40000"/>
+                  <a:lumOff val="60000"/>
+                </a:srgbClr>
+              </a:solidFill>
+            </a:ln>
+          </c:spPr>
+        </c:majorGridlines>
+        <c:numFmt formatCode="General" sourceLinked="0"/>
+        <c:majorTickMark val="out"/>
+        <c:minorTickMark val="none"/>
+        <c:tickLblPos val="nextTo"/>
+        <c:spPr>
+          <a:ln>
+            <a:noFill/>
+          </a:ln>
+        </c:spPr>
+        <c:txPr>
+          <a:bodyPr/>
+          <a:lstStyle/>
+          <a:p>
+            <a:pPr>
+              <a:defRPr sz="1800"/>
+            </a:pPr>
+            <a:endParaRPr lang="en-US"/>
+          </a:p>
+        </c:txPr>
+        <c:crossAx val="324265856"/>
+        <c:crosses val="autoZero"/>
+        <c:crossBetween val="between"/>
+        <c:majorUnit val="1"/>
+      </c:valAx>
+    </c:plotArea>
+    <c:plotVisOnly val="1"/>
+    <c:dispBlanksAs val="gap"/>
+    <c:showDLblsOverMax val="0"/>
+  </c:chart>
+  <c:txPr>
+    <a:bodyPr/>
+    <a:lstStyle/>
+    <a:p>
+      <a:pPr>
+        <a:defRPr sz="1800"/>
+      </a:pPr>
+      <a:endParaRPr lang="en-US"/>
+    </a:p>
+  </c:txPr>
+  <c:externalData r:id="rId2">
+    <c:autoUpdate val="0"/>
+  </c:externalData>
+</c:chartSpace>
+</file>
+
+<file path=ppt/charts/chart11.xml><?xml version="1.0" encoding="utf-8"?>
+<c:chartSpace xmlns:c="http://schemas.openxmlformats.org/drawingml/2006/chart" xmlns:a="http://schemas.openxmlformats.org/drawingml/2006/main" xmlns:r="http://schemas.openxmlformats.org/officeDocument/2006/relationships" xmlns:c16r2="http://schemas.microsoft.com/office/drawing/2015/06/chart">
+  <c:date1904 val="0"/>
+  <c:lang val="en-US"/>
+  <c:roundedCorners val="0"/>
+  <mc:AlternateContent xmlns:mc="http://schemas.openxmlformats.org/markup-compatibility/2006">
+    <mc:Choice xmlns:c14="http://schemas.microsoft.com/office/drawing/2007/8/2/chart" Requires="c14">
+      <c14:style val="102"/>
+    </mc:Choice>
+    <mc:Fallback>
+      <c:style val="2"/>
+    </mc:Fallback>
+  </mc:AlternateContent>
+  <c:clrMapOvr bg1="lt1" tx1="dk1" bg2="lt2" tx2="dk2" accent1="accent1" accent2="accent2" accent3="accent3" accent4="accent4" accent5="accent5" accent6="accent6" hlink="hlink" folHlink="folHlink"/>
+  <c:chart>
+    <c:autoTitleDeleted val="0"/>
+    <c:plotArea>
+      <c:layout/>
+      <c:barChart>
+        <c:barDir val="col"/>
+        <c:grouping val="clustered"/>
+        <c:varyColors val="0"/>
+        <c:ser>
+          <c:idx val="0"/>
+          <c:order val="0"/>
+          <c:tx>
+            <c:strRef>
+              <c:f>Sheet1!$B$1</c:f>
+              <c:strCache>
+                <c:ptCount val="1"/>
+                <c:pt idx="0">
+                  <c:v>2006</c:v>
+                </c:pt>
+              </c:strCache>
+            </c:strRef>
+          </c:tx>
+          <c:spPr>
+            <a:solidFill>
+              <a:srgbClr val="F8A866"/>
+            </a:solidFill>
+            <a:ln w="9525">
+              <a:noFill/>
+            </a:ln>
+          </c:spPr>
+          <c:invertIfNegative val="0"/>
+          <c:dPt>
+            <c:idx val="1"/>
+            <c:invertIfNegative val="0"/>
+            <c:bubble3D val="0"/>
+            <c:spPr>
+              <a:solidFill>
+                <a:srgbClr val="F8A866"/>
+              </a:solidFill>
+              <a:ln w="12700">
+                <a:solidFill>
+                  <a:srgbClr val="000000"/>
+                </a:solidFill>
+              </a:ln>
+            </c:spPr>
+            <c:extLst>
+              <c:ext xmlns:c16="http://schemas.microsoft.com/office/drawing/2014/chart" uri="{C3380CC4-5D6E-409C-BE32-E72D297353CC}">
+                <c16:uniqueId val="{00000001-4493-ED42-BD86-75F5E4C8F6AE}"/>
+              </c:ext>
+            </c:extLst>
+          </c:dPt>
+          <c:dPt>
+            <c:idx val="6"/>
+            <c:invertIfNegative val="0"/>
+            <c:bubble3D val="0"/>
+            <c:spPr>
+              <a:solidFill>
+                <a:srgbClr val="F8A866"/>
+              </a:solidFill>
+              <a:ln w="12700">
+                <a:solidFill>
+                  <a:srgbClr val="000000"/>
+                </a:solidFill>
+              </a:ln>
+            </c:spPr>
+            <c:extLst>
+              <c:ext xmlns:c16="http://schemas.microsoft.com/office/drawing/2014/chart" uri="{C3380CC4-5D6E-409C-BE32-E72D297353CC}">
+                <c16:uniqueId val="{00000003-4493-ED42-BD86-75F5E4C8F6AE}"/>
+              </c:ext>
+            </c:extLst>
+          </c:dPt>
+          <c:cat>
+            <c:strRef>
+              <c:f>Sheet1!$A$2:$A$14</c:f>
+              <c:strCache>
+                <c:ptCount val="13"/>
+                <c:pt idx="0">
+                  <c:v>Performing arts</c:v>
+                </c:pt>
+                <c:pt idx="1">
+                  <c:v>Year 12</c:v>
+                </c:pt>
+                <c:pt idx="2">
+                  <c:v>Humanities</c:v>
+                </c:pt>
+                <c:pt idx="3">
+                  <c:v>Nursing</c:v>
+                </c:pt>
+                <c:pt idx="4">
+                  <c:v>Education</c:v>
+                </c:pt>
+                <c:pt idx="5">
+                  <c:v>Science</c:v>
+                </c:pt>
+                <c:pt idx="6">
+                  <c:v>Bachalor (all)</c:v>
+                </c:pt>
+                <c:pt idx="7">
+                  <c:v>Other health</c:v>
+                </c:pt>
+                <c:pt idx="8">
+                  <c:v>IT</c:v>
+                </c:pt>
+                <c:pt idx="9">
+                  <c:v>Engneering</c:v>
+                </c:pt>
+                <c:pt idx="10">
+                  <c:v>Commerce</c:v>
+                </c:pt>
+                <c:pt idx="11">
+                  <c:v>Law</c:v>
+                </c:pt>
+                <c:pt idx="12">
+                  <c:v>Medicine</c:v>
+                </c:pt>
+              </c:strCache>
+            </c:strRef>
+          </c:cat>
+          <c:val>
+            <c:numRef>
+              <c:f>Sheet1!$B$2:$B$14</c:f>
+              <c:numCache>
+                <c:formatCode>General</c:formatCode>
+                <c:ptCount val="13"/>
+                <c:pt idx="0">
+                  <c:v>1.3845984388152448</c:v>
+                </c:pt>
+                <c:pt idx="1">
+                  <c:v>1.2753646466442372</c:v>
+                </c:pt>
+                <c:pt idx="2">
+                  <c:v>1.6107808079196815</c:v>
+                </c:pt>
+                <c:pt idx="3">
+                  <c:v>1.7956075509092353</c:v>
+                </c:pt>
+                <c:pt idx="4">
+                  <c:v>1.9235021550370976</c:v>
+                </c:pt>
+                <c:pt idx="5">
+                  <c:v>1.7618968414090197</c:v>
+                </c:pt>
+                <c:pt idx="6">
+                  <c:v>1.8800678279899339</c:v>
+                </c:pt>
+                <c:pt idx="7">
+                  <c:v>1.9342006167710288</c:v>
+                </c:pt>
+                <c:pt idx="8">
+                  <c:v>2.1615467665726023</c:v>
+                </c:pt>
+                <c:pt idx="9">
+                  <c:v>1.8000586313060052</c:v>
+                </c:pt>
+                <c:pt idx="10">
+                  <c:v>1.9993131007810832</c:v>
+                </c:pt>
+                <c:pt idx="11">
+                  <c:v>2.621671750787443</c:v>
+                </c:pt>
+                <c:pt idx="12">
+                  <c:v>3.0705778995696362</c:v>
+                </c:pt>
+              </c:numCache>
+            </c:numRef>
+          </c:val>
+          <c:extLst>
+            <c:ext xmlns:c16="http://schemas.microsoft.com/office/drawing/2014/chart" uri="{C3380CC4-5D6E-409C-BE32-E72D297353CC}">
+              <c16:uniqueId val="{00000004-4493-ED42-BD86-75F5E4C8F6AE}"/>
+            </c:ext>
+          </c:extLst>
+        </c:ser>
+        <c:ser>
+          <c:idx val="1"/>
+          <c:order val="1"/>
+          <c:tx>
+            <c:strRef>
+              <c:f>Sheet1!$C$1</c:f>
+              <c:strCache>
+                <c:ptCount val="1"/>
+                <c:pt idx="0">
+                  <c:v>2011</c:v>
+                </c:pt>
+              </c:strCache>
+            </c:strRef>
+          </c:tx>
+          <c:spPr>
+            <a:solidFill>
+              <a:srgbClr val="F68B33"/>
+            </a:solidFill>
+            <a:ln w="9525">
+              <a:noFill/>
+            </a:ln>
+          </c:spPr>
+          <c:invertIfNegative val="0"/>
+          <c:dPt>
+            <c:idx val="1"/>
+            <c:invertIfNegative val="0"/>
+            <c:bubble3D val="0"/>
+            <c:spPr>
+              <a:solidFill>
+                <a:srgbClr val="F68B33"/>
+              </a:solidFill>
+              <a:ln w="12700">
+                <a:solidFill>
+                  <a:srgbClr val="000000"/>
+                </a:solidFill>
+              </a:ln>
+            </c:spPr>
+            <c:extLst>
+              <c:ext xmlns:c16="http://schemas.microsoft.com/office/drawing/2014/chart" uri="{C3380CC4-5D6E-409C-BE32-E72D297353CC}">
+                <c16:uniqueId val="{00000006-4493-ED42-BD86-75F5E4C8F6AE}"/>
+              </c:ext>
+            </c:extLst>
+          </c:dPt>
+          <c:dPt>
+            <c:idx val="6"/>
+            <c:invertIfNegative val="0"/>
+            <c:bubble3D val="0"/>
+            <c:spPr>
+              <a:solidFill>
+                <a:srgbClr val="F68B33"/>
+              </a:solidFill>
+              <a:ln w="12700">
+                <a:solidFill>
+                  <a:srgbClr val="000000"/>
+                </a:solidFill>
+              </a:ln>
+            </c:spPr>
+            <c:extLst>
+              <c:ext xmlns:c16="http://schemas.microsoft.com/office/drawing/2014/chart" uri="{C3380CC4-5D6E-409C-BE32-E72D297353CC}">
+                <c16:uniqueId val="{00000008-4493-ED42-BD86-75F5E4C8F6AE}"/>
+              </c:ext>
+            </c:extLst>
+          </c:dPt>
+          <c:cat>
+            <c:strRef>
+              <c:f>Sheet1!$A$2:$A$14</c:f>
+              <c:strCache>
+                <c:ptCount val="13"/>
+                <c:pt idx="0">
+                  <c:v>Performing arts</c:v>
+                </c:pt>
+                <c:pt idx="1">
+                  <c:v>Year 12</c:v>
+                </c:pt>
+                <c:pt idx="2">
+                  <c:v>Humanities</c:v>
+                </c:pt>
+                <c:pt idx="3">
+                  <c:v>Nursing</c:v>
+                </c:pt>
+                <c:pt idx="4">
+                  <c:v>Education</c:v>
+                </c:pt>
+                <c:pt idx="5">
+                  <c:v>Science</c:v>
+                </c:pt>
+                <c:pt idx="6">
+                  <c:v>Bachalor (all)</c:v>
+                </c:pt>
+                <c:pt idx="7">
+                  <c:v>Other health</c:v>
+                </c:pt>
+                <c:pt idx="8">
+                  <c:v>IT</c:v>
+                </c:pt>
+                <c:pt idx="9">
+                  <c:v>Engneering</c:v>
+                </c:pt>
+                <c:pt idx="10">
+                  <c:v>Commerce</c:v>
+                </c:pt>
+                <c:pt idx="11">
+                  <c:v>Law</c:v>
+                </c:pt>
+                <c:pt idx="12">
+                  <c:v>Medicine</c:v>
+                </c:pt>
+              </c:strCache>
+            </c:strRef>
+          </c:cat>
+          <c:val>
+            <c:numRef>
+              <c:f>Sheet1!$C$2:$C$14</c:f>
+              <c:numCache>
+                <c:formatCode>General</c:formatCode>
+                <c:ptCount val="13"/>
+                <c:pt idx="0">
+                  <c:v>1.4047606323618442</c:v>
+                </c:pt>
+                <c:pt idx="1">
+                  <c:v>1.3509920464012946</c:v>
+                </c:pt>
+                <c:pt idx="2">
+                  <c:v>1.6534592991835237</c:v>
+                </c:pt>
+                <c:pt idx="3">
+                  <c:v>1.944156901619196</c:v>
+                </c:pt>
+                <c:pt idx="4">
+                  <c:v>2.0172875033692055</c:v>
+                </c:pt>
+                <c:pt idx="5">
+                  <c:v>1.8012598797414345</c:v>
+                </c:pt>
+                <c:pt idx="6">
+                  <c:v>1.977099560201969</c:v>
+                </c:pt>
+                <c:pt idx="7">
+                  <c:v>1.9832087787571357</c:v>
+                </c:pt>
+                <c:pt idx="8">
+                  <c:v>2.278228835352536</c:v>
+                </c:pt>
+                <c:pt idx="9">
+                  <c:v>2.0279491672038157</c:v>
+                </c:pt>
+                <c:pt idx="10">
+                  <c:v>2.0627088417931385</c:v>
+                </c:pt>
+                <c:pt idx="11">
+                  <c:v>2.7330782189296614</c:v>
+                </c:pt>
+                <c:pt idx="12">
+                  <c:v>3.2009395651775159</c:v>
+                </c:pt>
+              </c:numCache>
+            </c:numRef>
+          </c:val>
+          <c:extLst>
+            <c:ext xmlns:c16="http://schemas.microsoft.com/office/drawing/2014/chart" uri="{C3380CC4-5D6E-409C-BE32-E72D297353CC}">
+              <c16:uniqueId val="{00000009-4493-ED42-BD86-75F5E4C8F6AE}"/>
+            </c:ext>
+          </c:extLst>
+        </c:ser>
+        <c:ser>
+          <c:idx val="2"/>
+          <c:order val="2"/>
+          <c:tx>
+            <c:strRef>
+              <c:f>Sheet1!$D$1</c:f>
+              <c:strCache>
+                <c:ptCount val="1"/>
+                <c:pt idx="0">
+                  <c:v>2016</c:v>
+                </c:pt>
+              </c:strCache>
+            </c:strRef>
+          </c:tx>
+          <c:spPr>
+            <a:solidFill>
+              <a:srgbClr val="EC700A"/>
+            </a:solidFill>
+            <a:ln w="9525">
+              <a:noFill/>
+            </a:ln>
+          </c:spPr>
+          <c:invertIfNegative val="0"/>
+          <c:dPt>
+            <c:idx val="1"/>
+            <c:invertIfNegative val="0"/>
+            <c:bubble3D val="0"/>
+            <c:spPr>
+              <a:solidFill>
+                <a:srgbClr val="EC700A"/>
+              </a:solidFill>
+              <a:ln w="12700">
+                <a:solidFill>
+                  <a:srgbClr val="000000"/>
+                </a:solidFill>
+              </a:ln>
+            </c:spPr>
+            <c:extLst>
+              <c:ext xmlns:c16="http://schemas.microsoft.com/office/drawing/2014/chart" uri="{C3380CC4-5D6E-409C-BE32-E72D297353CC}">
+                <c16:uniqueId val="{0000000B-4493-ED42-BD86-75F5E4C8F6AE}"/>
+              </c:ext>
+            </c:extLst>
+          </c:dPt>
+          <c:dPt>
+            <c:idx val="6"/>
+            <c:invertIfNegative val="0"/>
+            <c:bubble3D val="0"/>
+            <c:spPr>
+              <a:solidFill>
+                <a:srgbClr val="EC700A"/>
+              </a:solidFill>
+              <a:ln w="12700">
+                <a:solidFill>
+                  <a:srgbClr val="000000"/>
+                </a:solidFill>
+              </a:ln>
+            </c:spPr>
+            <c:extLst>
+              <c:ext xmlns:c16="http://schemas.microsoft.com/office/drawing/2014/chart" uri="{C3380CC4-5D6E-409C-BE32-E72D297353CC}">
+                <c16:uniqueId val="{0000000D-4493-ED42-BD86-75F5E4C8F6AE}"/>
+              </c:ext>
+            </c:extLst>
+          </c:dPt>
+          <c:cat>
+            <c:strRef>
+              <c:f>Sheet1!$A$2:$A$14</c:f>
+              <c:strCache>
+                <c:ptCount val="13"/>
+                <c:pt idx="0">
+                  <c:v>Performing arts</c:v>
+                </c:pt>
+                <c:pt idx="1">
+                  <c:v>Year 12</c:v>
+                </c:pt>
+                <c:pt idx="2">
+                  <c:v>Humanities</c:v>
+                </c:pt>
+                <c:pt idx="3">
+                  <c:v>Nursing</c:v>
+                </c:pt>
+                <c:pt idx="4">
+                  <c:v>Education</c:v>
+                </c:pt>
+                <c:pt idx="5">
+                  <c:v>Science</c:v>
+                </c:pt>
+                <c:pt idx="6">
+                  <c:v>Bachalor (all)</c:v>
+                </c:pt>
+                <c:pt idx="7">
+                  <c:v>Other health</c:v>
+                </c:pt>
+                <c:pt idx="8">
+                  <c:v>IT</c:v>
+                </c:pt>
+                <c:pt idx="9">
+                  <c:v>Engneering</c:v>
+                </c:pt>
+                <c:pt idx="10">
+                  <c:v>Commerce</c:v>
+                </c:pt>
+                <c:pt idx="11">
+                  <c:v>Law</c:v>
+                </c:pt>
+                <c:pt idx="12">
+                  <c:v>Medicine</c:v>
+                </c:pt>
+              </c:strCache>
+            </c:strRef>
+          </c:cat>
+          <c:val>
+            <c:numRef>
+              <c:f>Sheet1!$D$2:$D$14</c:f>
+              <c:numCache>
+                <c:formatCode>General</c:formatCode>
+                <c:ptCount val="13"/>
+                <c:pt idx="0">
+                  <c:v>1.4338900027462573</c:v>
+                </c:pt>
+                <c:pt idx="1">
+                  <c:v>1.4060272470859609</c:v>
+                </c:pt>
+                <c:pt idx="2">
+                  <c:v>1.6389675653307234</c:v>
+                </c:pt>
+                <c:pt idx="3">
+                  <c:v>2.0597417549157173</c:v>
+                </c:pt>
+                <c:pt idx="4">
+                  <c:v>2.1167942981887413</c:v>
+                </c:pt>
+                <c:pt idx="5">
+                  <c:v>1.8366746129150577</c:v>
+                </c:pt>
+                <c:pt idx="6">
+                  <c:v>1.9912006971264504</c:v>
+                </c:pt>
+                <c:pt idx="7">
+                  <c:v>2.0175785182379067</c:v>
+                </c:pt>
+                <c:pt idx="8">
+                  <c:v>2.2734362671067005</c:v>
+                </c:pt>
+                <c:pt idx="9">
+                  <c:v>2.0659693767290448</c:v>
+                </c:pt>
+                <c:pt idx="10">
+                  <c:v>2.0739020750330863</c:v>
+                </c:pt>
+                <c:pt idx="11">
+                  <c:v>2.7380207127496665</c:v>
+                </c:pt>
+                <c:pt idx="12">
+                  <c:v>3.5518469732487632</c:v>
+                </c:pt>
+              </c:numCache>
+            </c:numRef>
+          </c:val>
+          <c:extLst>
+            <c:ext xmlns:c16="http://schemas.microsoft.com/office/drawing/2014/chart" uri="{C3380CC4-5D6E-409C-BE32-E72D297353CC}">
+              <c16:uniqueId val="{0000000E-4493-ED42-BD86-75F5E4C8F6AE}"/>
+            </c:ext>
+          </c:extLst>
+        </c:ser>
+        <c:dLbls>
+          <c:showLegendKey val="0"/>
+          <c:showVal val="0"/>
+          <c:showCatName val="0"/>
+          <c:showSerName val="0"/>
+          <c:showPercent val="0"/>
+          <c:showBubbleSize val="0"/>
+        </c:dLbls>
+        <c:gapWidth val="100"/>
+        <c:axId val="324265856"/>
+        <c:axId val="327427200"/>
+      </c:barChart>
+      <c:catAx>
+        <c:axId val="324265856"/>
+        <c:scaling>
+          <c:orientation val="minMax"/>
+        </c:scaling>
+        <c:delete val="0"/>
+        <c:axPos val="b"/>
+        <c:numFmt formatCode="General" sourceLinked="1"/>
+        <c:majorTickMark val="none"/>
+        <c:minorTickMark val="none"/>
+        <c:tickLblPos val="none"/>
+        <c:spPr>
+          <a:ln>
+            <a:solidFill>
+              <a:srgbClr val="000000"/>
+            </a:solidFill>
+          </a:ln>
+        </c:spPr>
+        <c:crossAx val="327427200"/>
+        <c:crosses val="autoZero"/>
+        <c:auto val="1"/>
+        <c:lblAlgn val="ctr"/>
+        <c:lblOffset val="100"/>
+        <c:noMultiLvlLbl val="0"/>
+      </c:catAx>
+      <c:valAx>
+        <c:axId val="327427200"/>
+        <c:scaling>
+          <c:orientation val="minMax"/>
+        </c:scaling>
+        <c:delete val="0"/>
+        <c:axPos val="l"/>
+        <c:majorGridlines>
+          <c:spPr>
+            <a:ln>
+              <a:solidFill>
+                <a:srgbClr val="6A737B">
+                  <a:lumMod val="40000"/>
+                  <a:lumOff val="60000"/>
+                </a:srgbClr>
+              </a:solidFill>
+            </a:ln>
+          </c:spPr>
+        </c:majorGridlines>
+        <c:numFmt formatCode="General" sourceLinked="1"/>
+        <c:majorTickMark val="out"/>
+        <c:minorTickMark val="none"/>
+        <c:tickLblPos val="nextTo"/>
+        <c:spPr>
+          <a:ln>
+            <a:noFill/>
+          </a:ln>
+        </c:spPr>
+        <c:txPr>
+          <a:bodyPr/>
+          <a:lstStyle/>
+          <a:p>
+            <a:pPr>
+              <a:defRPr sz="1800"/>
+            </a:pPr>
+            <a:endParaRPr lang="en-US"/>
+          </a:p>
+        </c:txPr>
+        <c:crossAx val="324265856"/>
+        <c:crosses val="autoZero"/>
+        <c:crossBetween val="between"/>
+        <c:majorUnit val="1"/>
+      </c:valAx>
+    </c:plotArea>
+    <c:plotVisOnly val="1"/>
+    <c:dispBlanksAs val="gap"/>
+    <c:showDLblsOverMax val="0"/>
+  </c:chart>
+  <c:txPr>
+    <a:bodyPr/>
+    <a:lstStyle/>
+    <a:p>
+      <a:pPr>
+        <a:defRPr sz="1800"/>
+      </a:pPr>
+      <a:endParaRPr lang="en-US"/>
+    </a:p>
+  </c:txPr>
+  <c:externalData r:id="rId2">
+    <c:autoUpdate val="0"/>
+  </c:externalData>
+</c:chartSpace>
+</file>
+
+<file path=ppt/charts/chart12.xml><?xml version="1.0" encoding="utf-8"?>
+<c:chartSpace xmlns:c="http://schemas.openxmlformats.org/drawingml/2006/chart" xmlns:a="http://schemas.openxmlformats.org/drawingml/2006/main" xmlns:r="http://schemas.openxmlformats.org/officeDocument/2006/relationships" xmlns:c16r2="http://schemas.microsoft.com/office/drawing/2015/06/chart">
+  <c:date1904 val="0"/>
+  <c:lang val="en-US"/>
+  <c:roundedCorners val="0"/>
+  <mc:AlternateContent xmlns:mc="http://schemas.openxmlformats.org/markup-compatibility/2006">
+    <mc:Choice xmlns:c14="http://schemas.microsoft.com/office/drawing/2007/8/2/chart" Requires="c14">
+      <c14:style val="102"/>
+    </mc:Choice>
+    <mc:Fallback>
+      <c:style val="2"/>
+    </mc:Fallback>
+  </mc:AlternateContent>
+  <c:clrMapOvr bg1="lt1" tx1="dk1" bg2="lt2" tx2="dk2" accent1="accent1" accent2="accent2" accent3="accent3" accent4="accent4" accent5="accent5" accent6="accent6" hlink="hlink" folHlink="folHlink"/>
+  <c:chart>
+    <c:autoTitleDeleted val="0"/>
+    <c:plotArea>
       <c:layout>
         <c:manualLayout>
           <c:layoutTarget val="inner"/>
@@ -1346,7 +2569,7 @@
 </c:chartSpace>
 </file>
 
-<file path=ppt/charts/chart11.xml><?xml version="1.0" encoding="utf-8"?>
+<file path=ppt/charts/chart13.xml><?xml version="1.0" encoding="utf-8"?>
 <c:chartSpace xmlns:c="http://schemas.openxmlformats.org/drawingml/2006/chart" xmlns:a="http://schemas.openxmlformats.org/drawingml/2006/main" xmlns:r="http://schemas.openxmlformats.org/officeDocument/2006/relationships" xmlns:c16r2="http://schemas.microsoft.com/office/drawing/2015/06/chart">
   <c:date1904 val="0"/>
   <c:lang val="en-US"/>
@@ -2091,16 +3314,6 @@
             <c:idx val="4"/>
             <c:invertIfNegative val="0"/>
             <c:bubble3D val="0"/>
-            <c:spPr>
-              <a:solidFill>
-                <a:srgbClr val="F9B074"/>
-              </a:solidFill>
-              <a:ln w="9525">
-                <a:solidFill>
-                  <a:srgbClr val="FFFFFF"/>
-                </a:solidFill>
-              </a:ln>
-            </c:spPr>
             <c:extLst>
               <c:ext xmlns:c16="http://schemas.microsoft.com/office/drawing/2014/chart" uri="{C3380CC4-5D6E-409C-BE32-E72D297353CC}">
                 <c16:uniqueId val="{00000001-796D-0644-8507-F548E9A9863C}"/>
@@ -2287,16 +3500,6 @@
             <c:idx val="4"/>
             <c:invertIfNegative val="0"/>
             <c:bubble3D val="0"/>
-            <c:spPr>
-              <a:solidFill>
-                <a:srgbClr val="F68B33"/>
-              </a:solidFill>
-              <a:ln w="9525">
-                <a:solidFill>
-                  <a:srgbClr val="FFFFFF"/>
-                </a:solidFill>
-              </a:ln>
-            </c:spPr>
             <c:extLst>
               <c:ext xmlns:c16="http://schemas.microsoft.com/office/drawing/2014/chart" uri="{C3380CC4-5D6E-409C-BE32-E72D297353CC}">
                 <c16:uniqueId val="{0000000C-796D-0644-8507-F548E9A9863C}"/>
@@ -2483,16 +3686,6 @@
             <c:idx val="4"/>
             <c:invertIfNegative val="0"/>
             <c:bubble3D val="0"/>
-            <c:spPr>
-              <a:solidFill>
-                <a:srgbClr val="EC700A"/>
-              </a:solidFill>
-              <a:ln w="9525">
-                <a:solidFill>
-                  <a:srgbClr val="FFFFFF"/>
-                </a:solidFill>
-              </a:ln>
-            </c:spPr>
             <c:extLst>
               <c:ext xmlns:c16="http://schemas.microsoft.com/office/drawing/2014/chart" uri="{C3380CC4-5D6E-409C-BE32-E72D297353CC}">
                 <c16:uniqueId val="{00000017-796D-0644-8507-F548E9A9863C}"/>
@@ -2778,22 +3971,24 @@
       <c:style val="2"/>
     </mc:Fallback>
   </mc:AlternateContent>
+  <c:clrMapOvr bg1="lt1" tx1="dk1" bg2="lt2" tx2="dk2" accent1="accent1" accent2="accent2" accent3="accent3" accent4="accent4" accent5="accent5" accent6="accent6" hlink="hlink" folHlink="folHlink"/>
   <c:chart>
-    <c:autoTitleDeleted val="1"/>
+    <c:autoTitleDeleted val="0"/>
     <c:plotArea>
       <c:layout>
         <c:manualLayout>
           <c:layoutTarget val="inner"/>
           <c:xMode val="edge"/>
           <c:yMode val="edge"/>
-          <c:x val="4.8513162702222841E-2"/>
-          <c:y val="1.5943096378219241E-2"/>
-          <c:w val="0.9222681749150351"/>
-          <c:h val="0.91222923192305994"/>
+          <c:x val="4.9712509712509713E-2"/>
+          <c:y val="4.8244034269961135E-2"/>
+          <c:w val="0.93319347319347323"/>
+          <c:h val="0.84770271972319911"/>
         </c:manualLayout>
       </c:layout>
-      <c:lineChart>
-        <c:grouping val="standard"/>
+      <c:barChart>
+        <c:barDir val="col"/>
+        <c:grouping val="clustered"/>
         <c:varyColors val="0"/>
         <c:ser>
           <c:idx val="0"/>
@@ -2804,128 +3999,146 @@
               <c:strCache>
                 <c:ptCount val="1"/>
                 <c:pt idx="0">
-                  <c:v>Bachelor Degree Level_Female_FT</c:v>
+                  <c:v>2006</c:v>
                 </c:pt>
               </c:strCache>
             </c:strRef>
           </c:tx>
           <c:spPr>
-            <a:ln w="28575" cap="rnd">
+            <a:solidFill>
+              <a:srgbClr val="F9B074"/>
+            </a:solidFill>
+            <a:ln w="9525">
               <a:solidFill>
-                <a:schemeClr val="accent3"/>
+                <a:srgbClr val="FFFFFF"/>
               </a:solidFill>
-              <a:round/>
             </a:ln>
-            <a:effectLst/>
           </c:spPr>
-          <c:marker>
-            <c:symbol val="circle"/>
-            <c:size val="7"/>
+          <c:invertIfNegative val="0"/>
+          <c:dPt>
+            <c:idx val="0"/>
+            <c:invertIfNegative val="0"/>
+            <c:bubble3D val="0"/>
             <c:spPr>
               <a:solidFill>
-                <a:schemeClr val="accent3"/>
+                <a:srgbClr val="F8A866"/>
               </a:solidFill>
               <a:ln w="9525">
                 <a:solidFill>
-                  <a:schemeClr val="accent3"/>
+                  <a:srgbClr val="FFFFFF"/>
                 </a:solidFill>
               </a:ln>
-              <a:effectLst/>
             </c:spPr>
-          </c:marker>
+            <c:extLst>
+              <c:ext xmlns:c16="http://schemas.microsoft.com/office/drawing/2014/chart" uri="{C3380CC4-5D6E-409C-BE32-E72D297353CC}">
+                <c16:uniqueId val="{00000000-7355-9C45-A290-AE6835D50C18}"/>
+              </c:ext>
+            </c:extLst>
+          </c:dPt>
+          <c:dPt>
+            <c:idx val="1"/>
+            <c:invertIfNegative val="0"/>
+            <c:bubble3D val="0"/>
+            <c:spPr>
+              <a:solidFill>
+                <a:srgbClr val="F8A866"/>
+              </a:solidFill>
+              <a:ln w="9525">
+                <a:solidFill>
+                  <a:srgbClr val="FFFFFF"/>
+                </a:solidFill>
+              </a:ln>
+            </c:spPr>
+            <c:extLst>
+              <c:ext xmlns:c16="http://schemas.microsoft.com/office/drawing/2014/chart" uri="{C3380CC4-5D6E-409C-BE32-E72D297353CC}">
+                <c16:uniqueId val="{00000000-80F0-E24E-A7BB-0E43CD07105A}"/>
+              </c:ext>
+            </c:extLst>
+          </c:dPt>
+          <c:dPt>
+            <c:idx val="2"/>
+            <c:invertIfNegative val="0"/>
+            <c:bubble3D val="0"/>
+            <c:spPr>
+              <a:solidFill>
+                <a:srgbClr val="B7595C"/>
+              </a:solidFill>
+              <a:ln w="9525">
+                <a:solidFill>
+                  <a:srgbClr val="FFFFFF"/>
+                </a:solidFill>
+              </a:ln>
+            </c:spPr>
+            <c:extLst>
+              <c:ext xmlns:c16="http://schemas.microsoft.com/office/drawing/2014/chart" uri="{C3380CC4-5D6E-409C-BE32-E72D297353CC}">
+                <c16:uniqueId val="{00000001-8971-9D44-B874-A559F382D7EA}"/>
+              </c:ext>
+            </c:extLst>
+          </c:dPt>
+          <c:dPt>
+            <c:idx val="3"/>
+            <c:invertIfNegative val="0"/>
+            <c:bubble3D val="0"/>
+            <c:spPr>
+              <a:solidFill>
+                <a:srgbClr val="B7595C"/>
+              </a:solidFill>
+              <a:ln w="9525">
+                <a:solidFill>
+                  <a:srgbClr val="FFFFFF"/>
+                </a:solidFill>
+              </a:ln>
+            </c:spPr>
+            <c:extLst>
+              <c:ext xmlns:c16="http://schemas.microsoft.com/office/drawing/2014/chart" uri="{C3380CC4-5D6E-409C-BE32-E72D297353CC}">
+                <c16:uniqueId val="{00000003-8971-9D44-B874-A559F382D7EA}"/>
+              </c:ext>
+            </c:extLst>
+          </c:dPt>
           <c:cat>
             <c:strRef>
-              <c:f>Sheet1!$A$2:$A$17</c:f>
+              <c:f>Sheet1!$A$2:$A$5</c:f>
               <c:strCache>
-                <c:ptCount val="15"/>
+                <c:ptCount val="4"/>
                 <c:pt idx="0">
-                  <c:v>2006</c:v>
+                  <c:v>Year 12</c:v>
                 </c:pt>
                 <c:pt idx="1">
-                  <c:v>11</c:v>
+                  <c:v>Bachelor</c:v>
                 </c:pt>
                 <c:pt idx="2">
-                  <c:v>16</c:v>
-                </c:pt>
-                <c:pt idx="4">
-                  <c:v>06</c:v>
-                </c:pt>
-                <c:pt idx="5">
-                  <c:v>11</c:v>
-                </c:pt>
-                <c:pt idx="6">
-                  <c:v>16</c:v>
-                </c:pt>
-                <c:pt idx="8">
-                  <c:v>06</c:v>
-                </c:pt>
-                <c:pt idx="9">
-                  <c:v>11</c:v>
-                </c:pt>
-                <c:pt idx="10">
-                  <c:v>16</c:v>
-                </c:pt>
-                <c:pt idx="12">
-                  <c:v>06</c:v>
-                </c:pt>
-                <c:pt idx="13">
-                  <c:v>11</c:v>
-                </c:pt>
-                <c:pt idx="14">
-                  <c:v>16</c:v>
+                  <c:v>Year 12</c:v>
+                </c:pt>
+                <c:pt idx="3">
+                  <c:v>Bachelor</c:v>
                 </c:pt>
               </c:strCache>
             </c:strRef>
           </c:cat>
           <c:val>
             <c:numRef>
-              <c:f>Sheet1!$B$2:$B$17</c:f>
+              <c:f>Sheet1!$B$2:$B$5</c:f>
               <c:numCache>
-                <c:formatCode>_(* #,##0.00_);_(* \(#,##0.00\);_(* "-"??_);_(@_)</c:formatCode>
-                <c:ptCount val="16"/>
+                <c:formatCode>0.0000</c:formatCode>
+                <c:ptCount val="4"/>
                 <c:pt idx="0">
-                  <c:v>57.057600752865902</c:v>
+                  <c:v>1.2753646466442372</c:v>
                 </c:pt>
                 <c:pt idx="1">
-                  <c:v>56.383711429418511</c:v>
+                  <c:v>1.8800678279899339</c:v>
                 </c:pt>
                 <c:pt idx="2">
-                  <c:v>56.138924128634088</c:v>
-                </c:pt>
-                <c:pt idx="4">
-                  <c:v>41.01483421146807</c:v>
-                </c:pt>
-                <c:pt idx="5">
-                  <c:v>39.833964761862532</c:v>
-                </c:pt>
-                <c:pt idx="6">
-                  <c:v>41.743249525768405</c:v>
-                </c:pt>
-                <c:pt idx="8">
-                  <c:v>81.293574084586453</c:v>
-                </c:pt>
-                <c:pt idx="9">
-                  <c:v>80.665135911752358</c:v>
-                </c:pt>
-                <c:pt idx="10">
-                  <c:v>78.441029343379967</c:v>
-                </c:pt>
-                <c:pt idx="12">
-                  <c:v>82.328584012704269</c:v>
-                </c:pt>
-                <c:pt idx="13">
-                  <c:v>82.821935504311611</c:v>
-                </c:pt>
-                <c:pt idx="14">
-                  <c:v>82.346778391386238</c:v>
+                  <c:v>1.890644338306728</c:v>
+                </c:pt>
+                <c:pt idx="3">
+                  <c:v>2.6935024335067492</c:v>
                 </c:pt>
               </c:numCache>
             </c:numRef>
           </c:val>
-          <c:smooth val="0"/>
           <c:extLst>
             <c:ext xmlns:c16="http://schemas.microsoft.com/office/drawing/2014/chart" uri="{C3380CC4-5D6E-409C-BE32-E72D297353CC}">
-              <c16:uniqueId val="{00000000-C353-A643-9756-BC8828084916}"/>
+              <c16:uniqueId val="{00000004-8971-9D44-B874-A559F382D7EA}"/>
             </c:ext>
           </c:extLst>
         </c:ser>
@@ -2938,130 +4151,106 @@
               <c:strCache>
                 <c:ptCount val="1"/>
                 <c:pt idx="0">
-                  <c:v>Bachelor Degree Level_Female_PT</c:v>
+                  <c:v>2011</c:v>
                 </c:pt>
               </c:strCache>
             </c:strRef>
           </c:tx>
           <c:spPr>
-            <a:ln w="28575" cap="rnd">
+            <a:solidFill>
+              <a:schemeClr val="accent2"/>
+            </a:solidFill>
+            <a:ln w="9525">
               <a:solidFill>
-                <a:schemeClr val="accent2"/>
+                <a:srgbClr val="FFFFFF"/>
               </a:solidFill>
-              <a:prstDash val="solid"/>
-              <a:round/>
             </a:ln>
-            <a:effectLst/>
           </c:spPr>
-          <c:marker>
-            <c:symbol val="circle"/>
-            <c:size val="7"/>
+          <c:invertIfNegative val="0"/>
+          <c:dPt>
+            <c:idx val="2"/>
+            <c:invertIfNegative val="0"/>
+            <c:bubble3D val="0"/>
             <c:spPr>
               <a:solidFill>
-                <a:schemeClr val="accent2"/>
+                <a:srgbClr val="A02226"/>
               </a:solidFill>
               <a:ln w="9525">
                 <a:solidFill>
-                  <a:schemeClr val="accent2"/>
+                  <a:srgbClr val="FFFFFF"/>
                 </a:solidFill>
-                <a:prstDash val="solid"/>
               </a:ln>
-              <a:effectLst/>
             </c:spPr>
-          </c:marker>
+            <c:extLst>
+              <c:ext xmlns:c16="http://schemas.microsoft.com/office/drawing/2014/chart" uri="{C3380CC4-5D6E-409C-BE32-E72D297353CC}">
+                <c16:uniqueId val="{00000006-8971-9D44-B874-A559F382D7EA}"/>
+              </c:ext>
+            </c:extLst>
+          </c:dPt>
+          <c:dPt>
+            <c:idx val="3"/>
+            <c:invertIfNegative val="0"/>
+            <c:bubble3D val="0"/>
+            <c:spPr>
+              <a:solidFill>
+                <a:srgbClr val="A02226"/>
+              </a:solidFill>
+              <a:ln w="9525">
+                <a:solidFill>
+                  <a:srgbClr val="FFFFFF"/>
+                </a:solidFill>
+              </a:ln>
+            </c:spPr>
+            <c:extLst>
+              <c:ext xmlns:c16="http://schemas.microsoft.com/office/drawing/2014/chart" uri="{C3380CC4-5D6E-409C-BE32-E72D297353CC}">
+                <c16:uniqueId val="{00000008-8971-9D44-B874-A559F382D7EA}"/>
+              </c:ext>
+            </c:extLst>
+          </c:dPt>
           <c:cat>
             <c:strRef>
-              <c:f>Sheet1!$A$2:$A$17</c:f>
+              <c:f>Sheet1!$A$2:$A$5</c:f>
               <c:strCache>
-                <c:ptCount val="15"/>
+                <c:ptCount val="4"/>
                 <c:pt idx="0">
-                  <c:v>2006</c:v>
+                  <c:v>Year 12</c:v>
                 </c:pt>
                 <c:pt idx="1">
-                  <c:v>11</c:v>
+                  <c:v>Bachelor</c:v>
                 </c:pt>
                 <c:pt idx="2">
-                  <c:v>16</c:v>
-                </c:pt>
-                <c:pt idx="4">
-                  <c:v>06</c:v>
-                </c:pt>
-                <c:pt idx="5">
-                  <c:v>11</c:v>
-                </c:pt>
-                <c:pt idx="6">
-                  <c:v>16</c:v>
-                </c:pt>
-                <c:pt idx="8">
-                  <c:v>06</c:v>
-                </c:pt>
-                <c:pt idx="9">
-                  <c:v>11</c:v>
-                </c:pt>
-                <c:pt idx="10">
-                  <c:v>16</c:v>
-                </c:pt>
-                <c:pt idx="12">
-                  <c:v>06</c:v>
-                </c:pt>
-                <c:pt idx="13">
-                  <c:v>11</c:v>
-                </c:pt>
-                <c:pt idx="14">
-                  <c:v>16</c:v>
+                  <c:v>Year 12</c:v>
+                </c:pt>
+                <c:pt idx="3">
+                  <c:v>Bachelor</c:v>
                 </c:pt>
               </c:strCache>
             </c:strRef>
           </c:cat>
           <c:val>
             <c:numRef>
-              <c:f>Sheet1!$C$2:$C$17</c:f>
+              <c:f>Sheet1!$C$2:$C$5</c:f>
               <c:numCache>
-                <c:formatCode>_(* #,##0.00_);_(* \(#,##0.00\);_(* "-"??_);_(@_)</c:formatCode>
-                <c:ptCount val="16"/>
+                <c:formatCode>0.0000</c:formatCode>
+                <c:ptCount val="4"/>
                 <c:pt idx="0">
-                  <c:v>22.391236096198988</c:v>
+                  <c:v>1.3509920464012946</c:v>
                 </c:pt>
                 <c:pt idx="1">
-                  <c:v>22.660812284502427</c:v>
+                  <c:v>1.977099560201969</c:v>
                 </c:pt>
                 <c:pt idx="2">
-                  <c:v>24.202443092766771</c:v>
-                </c:pt>
-                <c:pt idx="4">
-                  <c:v>36.120440722870676</c:v>
-                </c:pt>
-                <c:pt idx="5">
-                  <c:v>37.119670020335754</c:v>
-                </c:pt>
-                <c:pt idx="6">
-                  <c:v>37.798140933440777</c:v>
-                </c:pt>
-                <c:pt idx="8">
-                  <c:v>9.1809360741946904</c:v>
-                </c:pt>
-                <c:pt idx="9">
-                  <c:v>9.7268152629779099</c:v>
-                </c:pt>
-                <c:pt idx="10">
-                  <c:v>11.382797236406599</c:v>
-                </c:pt>
-                <c:pt idx="12">
-                  <c:v>8.6144513878222302</c:v>
-                </c:pt>
-                <c:pt idx="13">
-                  <c:v>8.6324633889927771</c:v>
-                </c:pt>
-                <c:pt idx="14">
-                  <c:v>9.1024170009586332</c:v>
+                  <c:v>1.95900410269614</c:v>
+                </c:pt>
+                <c:pt idx="3">
+                  <c:v>2.8308837591205109</c:v>
                 </c:pt>
               </c:numCache>
             </c:numRef>
           </c:val>
-          <c:smooth val="0"/>
           <c:extLst>
             <c:ext xmlns:c16="http://schemas.microsoft.com/office/drawing/2014/chart" uri="{C3380CC4-5D6E-409C-BE32-E72D297353CC}">
-              <c16:uniqueId val="{00000001-C353-A643-9756-BC8828084916}"/>
+              <c16:uniqueId val="{00000009-8971-9D44-B874-A559F382D7EA}"/>
             </c:ext>
           </c:extLst>
         </c:ser>
@@ -3074,398 +4263,146 @@
               <c:strCache>
                 <c:ptCount val="1"/>
                 <c:pt idx="0">
-                  <c:v>Bachelor Degree Level_Female_Away</c:v>
+                  <c:v>2016</c:v>
                 </c:pt>
               </c:strCache>
             </c:strRef>
           </c:tx>
           <c:spPr>
-            <a:ln w="28575" cap="rnd">
+            <a:solidFill>
+              <a:srgbClr val="EC700A"/>
+            </a:solidFill>
+            <a:ln w="9525">
               <a:solidFill>
-                <a:schemeClr val="accent1"/>
+                <a:srgbClr val="FFFFFF"/>
               </a:solidFill>
-              <a:round/>
             </a:ln>
-            <a:effectLst/>
           </c:spPr>
-          <c:marker>
-            <c:symbol val="circle"/>
-            <c:size val="7"/>
+          <c:invertIfNegative val="0"/>
+          <c:dPt>
+            <c:idx val="0"/>
+            <c:invertIfNegative val="0"/>
+            <c:bubble3D val="0"/>
             <c:spPr>
               <a:solidFill>
-                <a:schemeClr val="accent1"/>
+                <a:srgbClr val="EC700A"/>
               </a:solidFill>
               <a:ln w="9525">
                 <a:solidFill>
-                  <a:schemeClr val="accent1"/>
+                  <a:srgbClr val="FFFFFF"/>
                 </a:solidFill>
               </a:ln>
-              <a:effectLst/>
             </c:spPr>
-          </c:marker>
+            <c:extLst>
+              <c:ext xmlns:c16="http://schemas.microsoft.com/office/drawing/2014/chart" uri="{C3380CC4-5D6E-409C-BE32-E72D297353CC}">
+                <c16:uniqueId val="{0000000B-8971-9D44-B874-A559F382D7EA}"/>
+              </c:ext>
+            </c:extLst>
+          </c:dPt>
+          <c:dPt>
+            <c:idx val="1"/>
+            <c:invertIfNegative val="0"/>
+            <c:bubble3D val="0"/>
+            <c:spPr>
+              <a:solidFill>
+                <a:srgbClr val="EC700A"/>
+              </a:solidFill>
+              <a:ln w="9525">
+                <a:solidFill>
+                  <a:srgbClr val="FFFFFF"/>
+                </a:solidFill>
+              </a:ln>
+            </c:spPr>
+            <c:extLst>
+              <c:ext xmlns:c16="http://schemas.microsoft.com/office/drawing/2014/chart" uri="{C3380CC4-5D6E-409C-BE32-E72D297353CC}">
+                <c16:uniqueId val="{0000000D-8971-9D44-B874-A559F382D7EA}"/>
+              </c:ext>
+            </c:extLst>
+          </c:dPt>
+          <c:dPt>
+            <c:idx val="2"/>
+            <c:invertIfNegative val="0"/>
+            <c:bubble3D val="0"/>
+            <c:spPr>
+              <a:solidFill>
+                <a:srgbClr val="76191C"/>
+              </a:solidFill>
+              <a:ln w="9525">
+                <a:solidFill>
+                  <a:srgbClr val="FFFFFF"/>
+                </a:solidFill>
+              </a:ln>
+            </c:spPr>
+            <c:extLst>
+              <c:ext xmlns:c16="http://schemas.microsoft.com/office/drawing/2014/chart" uri="{C3380CC4-5D6E-409C-BE32-E72D297353CC}">
+                <c16:uniqueId val="{0000000F-8971-9D44-B874-A559F382D7EA}"/>
+              </c:ext>
+            </c:extLst>
+          </c:dPt>
+          <c:dPt>
+            <c:idx val="3"/>
+            <c:invertIfNegative val="0"/>
+            <c:bubble3D val="0"/>
+            <c:spPr>
+              <a:solidFill>
+                <a:srgbClr val="76191C"/>
+              </a:solidFill>
+              <a:ln w="9525">
+                <a:solidFill>
+                  <a:srgbClr val="FFFFFF"/>
+                </a:solidFill>
+              </a:ln>
+            </c:spPr>
+            <c:extLst>
+              <c:ext xmlns:c16="http://schemas.microsoft.com/office/drawing/2014/chart" uri="{C3380CC4-5D6E-409C-BE32-E72D297353CC}">
+                <c16:uniqueId val="{00000011-8971-9D44-B874-A559F382D7EA}"/>
+              </c:ext>
+            </c:extLst>
+          </c:dPt>
           <c:cat>
             <c:strRef>
-              <c:f>Sheet1!$A$2:$A$17</c:f>
+              <c:f>Sheet1!$A$2:$A$5</c:f>
               <c:strCache>
-                <c:ptCount val="15"/>
+                <c:ptCount val="4"/>
                 <c:pt idx="0">
-                  <c:v>2006</c:v>
+                  <c:v>Year 12</c:v>
                 </c:pt>
                 <c:pt idx="1">
-                  <c:v>11</c:v>
+                  <c:v>Bachelor</c:v>
                 </c:pt>
                 <c:pt idx="2">
-                  <c:v>16</c:v>
-                </c:pt>
-                <c:pt idx="4">
-                  <c:v>06</c:v>
-                </c:pt>
-                <c:pt idx="5">
-                  <c:v>11</c:v>
-                </c:pt>
-                <c:pt idx="6">
-                  <c:v>16</c:v>
-                </c:pt>
-                <c:pt idx="8">
-                  <c:v>06</c:v>
-                </c:pt>
-                <c:pt idx="9">
-                  <c:v>11</c:v>
-                </c:pt>
-                <c:pt idx="10">
-                  <c:v>16</c:v>
-                </c:pt>
-                <c:pt idx="12">
-                  <c:v>06</c:v>
-                </c:pt>
-                <c:pt idx="13">
-                  <c:v>11</c:v>
-                </c:pt>
-                <c:pt idx="14">
-                  <c:v>16</c:v>
+                  <c:v>Year 12</c:v>
+                </c:pt>
+                <c:pt idx="3">
+                  <c:v>Bachelor</c:v>
                 </c:pt>
               </c:strCache>
             </c:strRef>
           </c:cat>
           <c:val>
             <c:numRef>
-              <c:f>Sheet1!$D$2:$D$17</c:f>
+              <c:f>Sheet1!$D$2:$D$5</c:f>
               <c:numCache>
-                <c:formatCode>_(* #,##0.00_);_(* \(#,##0.00\);_(* "-"??_);_(@_)</c:formatCode>
-                <c:ptCount val="16"/>
+                <c:formatCode>0.0000</c:formatCode>
+                <c:ptCount val="4"/>
                 <c:pt idx="0">
-                  <c:v>6.4447735544461953</c:v>
+                  <c:v>1.4060272470859609</c:v>
                 </c:pt>
                 <c:pt idx="1">
-                  <c:v>7.5357710659346377</c:v>
+                  <c:v>1.9912006971264504</c:v>
                 </c:pt>
                 <c:pt idx="2">
-                  <c:v>7.54961700036114</c:v>
-                </c:pt>
-                <c:pt idx="4">
-                  <c:v>5.0251613957749486</c:v>
-                </c:pt>
-                <c:pt idx="5">
-                  <c:v>5.3536753238420349</c:v>
-                </c:pt>
-                <c:pt idx="6">
-                  <c:v>4.8095272699401166</c:v>
-                </c:pt>
-                <c:pt idx="8">
-                  <c:v>3.8264012640516869</c:v>
-                </c:pt>
-                <c:pt idx="9">
-                  <c:v>3.3443466359471534</c:v>
-                </c:pt>
-                <c:pt idx="10">
-                  <c:v>2.9151028060913475</c:v>
-                </c:pt>
-                <c:pt idx="12">
-                  <c:v>3.8395677854550256</c:v>
-                </c:pt>
-                <c:pt idx="13">
-                  <c:v>3.2864310512100396</c:v>
-                </c:pt>
-                <c:pt idx="14">
-                  <c:v>2.5590941529288522</c:v>
+                  <c:v>1.9503594451429558</c:v>
+                </c:pt>
+                <c:pt idx="3">
+                  <c:v>2.7389256040145726</c:v>
                 </c:pt>
               </c:numCache>
             </c:numRef>
           </c:val>
-          <c:smooth val="0"/>
           <c:extLst>
             <c:ext xmlns:c16="http://schemas.microsoft.com/office/drawing/2014/chart" uri="{C3380CC4-5D6E-409C-BE32-E72D297353CC}">
-              <c16:uniqueId val="{00000002-C353-A643-9756-BC8828084916}"/>
-            </c:ext>
-          </c:extLst>
-        </c:ser>
-        <c:ser>
-          <c:idx val="3"/>
-          <c:order val="3"/>
-          <c:tx>
-            <c:strRef>
-              <c:f>Sheet1!$E$1</c:f>
-              <c:strCache>
-                <c:ptCount val="1"/>
-                <c:pt idx="0">
-                  <c:v>Bachelor Degree Level_Female_Unemp</c:v>
-                </c:pt>
-              </c:strCache>
-            </c:strRef>
-          </c:tx>
-          <c:spPr>
-            <a:ln w="28575" cap="rnd">
-              <a:solidFill>
-                <a:schemeClr val="tx2"/>
-              </a:solidFill>
-              <a:prstDash val="dash"/>
-              <a:round/>
-            </a:ln>
-            <a:effectLst/>
-          </c:spPr>
-          <c:marker>
-            <c:symbol val="circle"/>
-            <c:size val="7"/>
-            <c:spPr>
-              <a:solidFill>
-                <a:schemeClr val="tx2"/>
-              </a:solidFill>
-              <a:ln w="9525">
-                <a:noFill/>
-                <a:prstDash val="dash"/>
-              </a:ln>
-              <a:effectLst/>
-            </c:spPr>
-          </c:marker>
-          <c:cat>
-            <c:strRef>
-              <c:f>Sheet1!$A$2:$A$17</c:f>
-              <c:strCache>
-                <c:ptCount val="15"/>
-                <c:pt idx="0">
-                  <c:v>2006</c:v>
-                </c:pt>
-                <c:pt idx="1">
-                  <c:v>11</c:v>
-                </c:pt>
-                <c:pt idx="2">
-                  <c:v>16</c:v>
-                </c:pt>
-                <c:pt idx="4">
-                  <c:v>06</c:v>
-                </c:pt>
-                <c:pt idx="5">
-                  <c:v>11</c:v>
-                </c:pt>
-                <c:pt idx="6">
-                  <c:v>16</c:v>
-                </c:pt>
-                <c:pt idx="8">
-                  <c:v>06</c:v>
-                </c:pt>
-                <c:pt idx="9">
-                  <c:v>11</c:v>
-                </c:pt>
-                <c:pt idx="10">
-                  <c:v>16</c:v>
-                </c:pt>
-                <c:pt idx="12">
-                  <c:v>06</c:v>
-                </c:pt>
-                <c:pt idx="13">
-                  <c:v>11</c:v>
-                </c:pt>
-                <c:pt idx="14">
-                  <c:v>16</c:v>
-                </c:pt>
-              </c:strCache>
-            </c:strRef>
-          </c:cat>
-          <c:val>
-            <c:numRef>
-              <c:f>Sheet1!$E$2:$E$17</c:f>
-              <c:numCache>
-                <c:formatCode>_(* #,##0.00_);_(* \(#,##0.00\);_(* "-"??_);_(@_)</c:formatCode>
-                <c:ptCount val="16"/>
-                <c:pt idx="0">
-                  <c:v>1.5273523112815857</c:v>
-                </c:pt>
-                <c:pt idx="1">
-                  <c:v>1.8518147583586568</c:v>
-                </c:pt>
-                <c:pt idx="2">
-                  <c:v>2.135256304506985</c:v>
-                </c:pt>
-                <c:pt idx="4">
-                  <c:v>1.801041067938101</c:v>
-                </c:pt>
-                <c:pt idx="5">
-                  <c:v>2.0584050531106115</c:v>
-                </c:pt>
-                <c:pt idx="6">
-                  <c:v>2.5041783073286226</c:v>
-                </c:pt>
-                <c:pt idx="8">
-                  <c:v>2.0171223664694198</c:v>
-                </c:pt>
-                <c:pt idx="9">
-                  <c:v>2.3612181219082258</c:v>
-                </c:pt>
-                <c:pt idx="10">
-                  <c:v>3.0184458983014859</c:v>
-                </c:pt>
-                <c:pt idx="12">
-                  <c:v>1.7872262085537058</c:v>
-                </c:pt>
-                <c:pt idx="13">
-                  <c:v>2.0243665455156545</c:v>
-                </c:pt>
-                <c:pt idx="14">
-                  <c:v>2.4585164720443915</c:v>
-                </c:pt>
-              </c:numCache>
-            </c:numRef>
-          </c:val>
-          <c:smooth val="0"/>
-          <c:extLst>
-            <c:ext xmlns:c16="http://schemas.microsoft.com/office/drawing/2014/chart" uri="{C3380CC4-5D6E-409C-BE32-E72D297353CC}">
-              <c16:uniqueId val="{00000003-C353-A643-9756-BC8828084916}"/>
-            </c:ext>
-          </c:extLst>
-        </c:ser>
-        <c:ser>
-          <c:idx val="4"/>
-          <c:order val="4"/>
-          <c:tx>
-            <c:strRef>
-              <c:f>Sheet1!$F$1</c:f>
-              <c:strCache>
-                <c:ptCount val="1"/>
-                <c:pt idx="0">
-                  <c:v>Participation</c:v>
-                </c:pt>
-              </c:strCache>
-            </c:strRef>
-          </c:tx>
-          <c:spPr>
-            <a:ln w="28575" cap="rnd">
-              <a:solidFill>
-                <a:schemeClr val="tx1"/>
-              </a:solidFill>
-              <a:prstDash val="solid"/>
-              <a:round/>
-            </a:ln>
-            <a:effectLst/>
-          </c:spPr>
-          <c:marker>
-            <c:symbol val="circle"/>
-            <c:size val="7"/>
-            <c:spPr>
-              <a:solidFill>
-                <a:schemeClr val="tx1"/>
-              </a:solidFill>
-              <a:ln w="9525">
-                <a:solidFill>
-                  <a:schemeClr val="tx1"/>
-                </a:solidFill>
-                <a:prstDash val="solid"/>
-              </a:ln>
-              <a:effectLst/>
-            </c:spPr>
-          </c:marker>
-          <c:cat>
-            <c:strRef>
-              <c:f>Sheet1!$A$2:$A$17</c:f>
-              <c:strCache>
-                <c:ptCount val="15"/>
-                <c:pt idx="0">
-                  <c:v>2006</c:v>
-                </c:pt>
-                <c:pt idx="1">
-                  <c:v>11</c:v>
-                </c:pt>
-                <c:pt idx="2">
-                  <c:v>16</c:v>
-                </c:pt>
-                <c:pt idx="4">
-                  <c:v>06</c:v>
-                </c:pt>
-                <c:pt idx="5">
-                  <c:v>11</c:v>
-                </c:pt>
-                <c:pt idx="6">
-                  <c:v>16</c:v>
-                </c:pt>
-                <c:pt idx="8">
-                  <c:v>06</c:v>
-                </c:pt>
-                <c:pt idx="9">
-                  <c:v>11</c:v>
-                </c:pt>
-                <c:pt idx="10">
-                  <c:v>16</c:v>
-                </c:pt>
-                <c:pt idx="12">
-                  <c:v>06</c:v>
-                </c:pt>
-                <c:pt idx="13">
-                  <c:v>11</c:v>
-                </c:pt>
-                <c:pt idx="14">
-                  <c:v>16</c:v>
-                </c:pt>
-              </c:strCache>
-            </c:strRef>
-          </c:cat>
-          <c:val>
-            <c:numRef>
-              <c:f>Sheet1!$F$2:$F$17</c:f>
-              <c:numCache>
-                <c:formatCode>_(* #,##0.00_);_(* \(#,##0.00\);_(* "-"??_);_(@_)</c:formatCode>
-                <c:ptCount val="16"/>
-                <c:pt idx="0">
-                  <c:v>87.42096271479268</c:v>
-                </c:pt>
-                <c:pt idx="1">
-                  <c:v>88.43210953821422</c:v>
-                </c:pt>
-                <c:pt idx="2">
-                  <c:v>90.026240526268992</c:v>
-                </c:pt>
-                <c:pt idx="4">
-                  <c:v>83.961477398051798</c:v>
-                </c:pt>
-                <c:pt idx="5">
-                  <c:v>84.365715159150938</c:v>
-                </c:pt>
-                <c:pt idx="6">
-                  <c:v>86.855096036477931</c:v>
-                </c:pt>
-                <c:pt idx="8">
-                  <c:v>96.318033789302248</c:v>
-                </c:pt>
-                <c:pt idx="9">
-                  <c:v>96.097515932585651</c:v>
-                </c:pt>
-                <c:pt idx="10">
-                  <c:v>95.757375284179403</c:v>
-                </c:pt>
-                <c:pt idx="12">
-                  <c:v>96.569829394535233</c:v>
-                </c:pt>
-                <c:pt idx="13">
-                  <c:v>96.765196490030078</c:v>
-                </c:pt>
-                <c:pt idx="14">
-                  <c:v>96.466806017318106</c:v>
-                </c:pt>
-              </c:numCache>
-            </c:numRef>
-          </c:val>
-          <c:smooth val="0"/>
-          <c:extLst>
-            <c:ext xmlns:c16="http://schemas.microsoft.com/office/drawing/2014/chart" uri="{C3380CC4-5D6E-409C-BE32-E72D297353CC}">
-              <c16:uniqueId val="{00000004-C353-A643-9756-BC8828084916}"/>
+              <c16:uniqueId val="{00000012-8971-9D44-B874-A559F382D7EA}"/>
             </c:ext>
           </c:extLst>
         </c:ser>
@@ -3477,13 +4414,12 @@
           <c:showPercent val="0"/>
           <c:showBubbleSize val="0"/>
         </c:dLbls>
-        <c:marker val="1"/>
-        <c:smooth val="0"/>
-        <c:axId val="266766111"/>
-        <c:axId val="315424735"/>
-      </c:lineChart>
+        <c:gapWidth val="100"/>
+        <c:axId val="324265856"/>
+        <c:axId val="327427200"/>
+      </c:barChart>
       <c:catAx>
-        <c:axId val="266766111"/>
+        <c:axId val="324265856"/>
         <c:scaling>
           <c:orientation val="minMax"/>
         </c:scaling>
@@ -3494,33 +4430,23 @@
         <c:minorTickMark val="none"/>
         <c:tickLblPos val="nextTo"/>
         <c:spPr>
-          <a:noFill/>
-          <a:ln w="9525" cap="flat" cmpd="sng" algn="ctr">
+          <a:ln>
             <a:solidFill>
               <a:schemeClr val="tx1"/>
             </a:solidFill>
-            <a:round/>
           </a:ln>
-          <a:effectLst/>
         </c:spPr>
         <c:txPr>
-          <a:bodyPr rot="-60000000" spcFirstLastPara="1" vertOverflow="ellipsis" vert="horz" wrap="square" anchor="ctr" anchorCtr="1"/>
+          <a:bodyPr/>
           <a:lstStyle/>
           <a:p>
             <a:pPr>
-              <a:defRPr sz="1800" b="0" i="0" u="none" strike="noStrike" kern="1200" baseline="0">
-                <a:solidFill>
-                  <a:schemeClr val="tx1"/>
-                </a:solidFill>
-                <a:latin typeface="+mn-lt"/>
-                <a:ea typeface="+mn-ea"/>
-                <a:cs typeface="+mn-cs"/>
-              </a:defRPr>
+              <a:defRPr sz="1800"/>
             </a:pPr>
             <a:endParaRPr lang="en-US"/>
           </a:p>
         </c:txPr>
-        <c:crossAx val="315424735"/>
+        <c:crossAx val="327427200"/>
         <c:crosses val="autoZero"/>
         <c:auto val="1"/>
         <c:lblAlgn val="ctr"/>
@@ -3528,98 +4454,68 @@
         <c:noMultiLvlLbl val="0"/>
       </c:catAx>
       <c:valAx>
-        <c:axId val="315424735"/>
+        <c:axId val="327427200"/>
         <c:scaling>
           <c:orientation val="minMax"/>
-          <c:max val="100"/>
+          <c:max val="3.2"/>
           <c:min val="0"/>
         </c:scaling>
         <c:delete val="0"/>
         <c:axPos val="l"/>
         <c:majorGridlines>
           <c:spPr>
-            <a:ln w="9525" cap="flat" cmpd="sng" algn="ctr">
+            <a:ln>
               <a:solidFill>
-                <a:schemeClr val="tx1">
-                  <a:lumMod val="15000"/>
-                  <a:lumOff val="85000"/>
-                </a:schemeClr>
+                <a:srgbClr val="6A737B">
+                  <a:lumMod val="40000"/>
+                  <a:lumOff val="60000"/>
+                </a:srgbClr>
               </a:solidFill>
-              <a:round/>
             </a:ln>
-            <a:effectLst/>
           </c:spPr>
         </c:majorGridlines>
-        <c:numFmt formatCode="#,##0" sourceLinked="0"/>
-        <c:majorTickMark val="none"/>
+        <c:minorGridlines/>
+        <c:numFmt formatCode="0" sourceLinked="0"/>
+        <c:majorTickMark val="out"/>
         <c:minorTickMark val="none"/>
         <c:tickLblPos val="nextTo"/>
         <c:spPr>
-          <a:noFill/>
           <a:ln>
             <a:noFill/>
           </a:ln>
-          <a:effectLst/>
         </c:spPr>
         <c:txPr>
-          <a:bodyPr rot="-60000000" spcFirstLastPara="1" vertOverflow="ellipsis" vert="horz" wrap="square" anchor="ctr" anchorCtr="1"/>
+          <a:bodyPr/>
           <a:lstStyle/>
           <a:p>
             <a:pPr>
-              <a:defRPr sz="1800" b="0" i="0" u="none" strike="noStrike" kern="1200" baseline="0">
-                <a:solidFill>
-                  <a:schemeClr val="tx1"/>
-                </a:solidFill>
-                <a:latin typeface="+mn-lt"/>
-                <a:ea typeface="+mn-ea"/>
-                <a:cs typeface="+mn-cs"/>
-              </a:defRPr>
+              <a:defRPr sz="1800"/>
             </a:pPr>
             <a:endParaRPr lang="en-US"/>
           </a:p>
         </c:txPr>
-        <c:crossAx val="266766111"/>
+        <c:crossAx val="324265856"/>
         <c:crosses val="autoZero"/>
-        <c:crossBetween val="midCat"/>
-        <c:majorUnit val="10"/>
+        <c:crossBetween val="between"/>
+        <c:majorUnit val="1"/>
+        <c:minorUnit val="0.5"/>
       </c:valAx>
-      <c:spPr>
-        <a:noFill/>
-        <a:ln>
-          <a:noFill/>
-        </a:ln>
-        <a:effectLst/>
-      </c:spPr>
     </c:plotArea>
     <c:plotVisOnly val="1"/>
     <c:dispBlanksAs val="gap"/>
-    <c:extLst>
-      <c:ext xmlns:c16r3="http://schemas.microsoft.com/office/drawing/2017/03/chart" uri="{56B9EC1D-385E-4148-901F-78D8002777C0}">
-        <c16r3:dataDisplayOptions16>
-          <c16r3:dispNaAsBlank val="1"/>
-        </c16r3:dataDisplayOptions16>
-      </c:ext>
-    </c:extLst>
     <c:showDLblsOverMax val="0"/>
   </c:chart>
-  <c:spPr>
-    <a:noFill/>
-    <a:ln>
-      <a:noFill/>
-    </a:ln>
-    <a:effectLst/>
-  </c:spPr>
   <c:txPr>
     <a:bodyPr/>
     <a:lstStyle/>
     <a:p>
       <a:pPr>
-        <a:defRPr/>
+        <a:defRPr sz="1800"/>
       </a:pPr>
       <a:endParaRPr lang="en-US"/>
     </a:p>
   </c:txPr>
-  <c:externalData r:id="rId3">
+  <c:externalData r:id="rId2">
     <c:autoUpdate val="0"/>
   </c:externalData>
 </c:chartSpace>
@@ -3638,22 +4534,24 @@
       <c:style val="2"/>
     </mc:Fallback>
   </mc:AlternateContent>
+  <c:clrMapOvr bg1="lt1" tx1="dk1" bg2="lt2" tx2="dk2" accent1="accent1" accent2="accent2" accent3="accent3" accent4="accent4" accent5="accent5" accent6="accent6" hlink="hlink" folHlink="folHlink"/>
   <c:chart>
-    <c:autoTitleDeleted val="1"/>
+    <c:autoTitleDeleted val="0"/>
     <c:plotArea>
       <c:layout>
         <c:manualLayout>
           <c:layoutTarget val="inner"/>
           <c:xMode val="edge"/>
           <c:yMode val="edge"/>
-          <c:x val="4.8513162702222841E-2"/>
-          <c:y val="1.5943096378219241E-2"/>
-          <c:w val="0.9222681749150351"/>
-          <c:h val="0.91222923192305994"/>
+          <c:x val="8.0823620823620823E-2"/>
+          <c:y val="0.12700527121237884"/>
+          <c:w val="0.90208236208236203"/>
+          <c:h val="0.77388086184313021"/>
         </c:manualLayout>
       </c:layout>
-      <c:lineChart>
-        <c:grouping val="standard"/>
+      <c:barChart>
+        <c:barDir val="col"/>
+        <c:grouping val="clustered"/>
         <c:varyColors val="0"/>
         <c:ser>
           <c:idx val="0"/>
@@ -3664,137 +4562,260 @@
               <c:strCache>
                 <c:ptCount val="1"/>
                 <c:pt idx="0">
-                  <c:v>__FT</c:v>
+                  <c:v>2006</c:v>
                 </c:pt>
               </c:strCache>
             </c:strRef>
           </c:tx>
           <c:spPr>
-            <a:ln w="28575" cap="rnd">
+            <a:solidFill>
+              <a:srgbClr val="F9B074"/>
+            </a:solidFill>
+            <a:ln w="9525">
               <a:solidFill>
-                <a:schemeClr val="accent3"/>
+                <a:srgbClr val="FFFFFF"/>
               </a:solidFill>
-              <a:round/>
             </a:ln>
-            <a:effectLst/>
           </c:spPr>
-          <c:marker>
-            <c:symbol val="circle"/>
-            <c:size val="7"/>
+          <c:invertIfNegative val="0"/>
+          <c:dPt>
+            <c:idx val="0"/>
+            <c:invertIfNegative val="0"/>
+            <c:bubble3D val="0"/>
             <c:spPr>
               <a:solidFill>
-                <a:schemeClr val="accent3"/>
+                <a:srgbClr val="F8A866"/>
               </a:solidFill>
               <a:ln w="9525">
                 <a:solidFill>
-                  <a:schemeClr val="accent3"/>
+                  <a:srgbClr val="FFFFFF"/>
                 </a:solidFill>
               </a:ln>
-              <a:effectLst/>
             </c:spPr>
-          </c:marker>
+            <c:extLst>
+              <c:ext xmlns:c16="http://schemas.microsoft.com/office/drawing/2014/chart" uri="{C3380CC4-5D6E-409C-BE32-E72D297353CC}">
+                <c16:uniqueId val="{00000000-60A5-2D48-920B-632FE23EC326}"/>
+              </c:ext>
+            </c:extLst>
+          </c:dPt>
+          <c:dPt>
+            <c:idx val="1"/>
+            <c:invertIfNegative val="0"/>
+            <c:bubble3D val="0"/>
+            <c:spPr>
+              <a:solidFill>
+                <a:srgbClr val="F8A866"/>
+              </a:solidFill>
+              <a:ln w="9525">
+                <a:solidFill>
+                  <a:srgbClr val="FFFFFF"/>
+                </a:solidFill>
+              </a:ln>
+            </c:spPr>
+            <c:extLst>
+              <c:ext xmlns:c16="http://schemas.microsoft.com/office/drawing/2014/chart" uri="{C3380CC4-5D6E-409C-BE32-E72D297353CC}">
+                <c16:uniqueId val="{00000001-60A5-2D48-920B-632FE23EC326}"/>
+              </c:ext>
+            </c:extLst>
+          </c:dPt>
+          <c:dPt>
+            <c:idx val="2"/>
+            <c:invertIfNegative val="0"/>
+            <c:bubble3D val="0"/>
+            <c:spPr>
+              <a:solidFill>
+                <a:srgbClr val="F8A866"/>
+              </a:solidFill>
+              <a:ln w="9525">
+                <a:solidFill>
+                  <a:srgbClr val="FFFFFF"/>
+                </a:solidFill>
+              </a:ln>
+            </c:spPr>
+            <c:extLst>
+              <c:ext xmlns:c16="http://schemas.microsoft.com/office/drawing/2014/chart" uri="{C3380CC4-5D6E-409C-BE32-E72D297353CC}">
+                <c16:uniqueId val="{00000002-60A5-2D48-920B-632FE23EC326}"/>
+              </c:ext>
+            </c:extLst>
+          </c:dPt>
+          <c:dPt>
+            <c:idx val="3"/>
+            <c:invertIfNegative val="0"/>
+            <c:bubble3D val="0"/>
+            <c:spPr>
+              <a:solidFill>
+                <a:srgbClr val="F8A866"/>
+              </a:solidFill>
+              <a:ln w="9525">
+                <a:solidFill>
+                  <a:srgbClr val="FFFFFF"/>
+                </a:solidFill>
+              </a:ln>
+            </c:spPr>
+            <c:extLst>
+              <c:ext xmlns:c16="http://schemas.microsoft.com/office/drawing/2014/chart" uri="{C3380CC4-5D6E-409C-BE32-E72D297353CC}">
+                <c16:uniqueId val="{00000003-60A5-2D48-920B-632FE23EC326}"/>
+              </c:ext>
+            </c:extLst>
+          </c:dPt>
+          <c:dPt>
+            <c:idx val="4"/>
+            <c:invertIfNegative val="0"/>
+            <c:bubble3D val="0"/>
+            <c:extLst>
+              <c:ext xmlns:c16="http://schemas.microsoft.com/office/drawing/2014/chart" uri="{C3380CC4-5D6E-409C-BE32-E72D297353CC}">
+                <c16:uniqueId val="{00000001-796D-0644-8507-F548E9A9863C}"/>
+              </c:ext>
+            </c:extLst>
+          </c:dPt>
+          <c:dPt>
+            <c:idx val="5"/>
+            <c:invertIfNegative val="0"/>
+            <c:bubble3D val="0"/>
+            <c:spPr>
+              <a:solidFill>
+                <a:srgbClr val="B7595C"/>
+              </a:solidFill>
+              <a:ln w="9525">
+                <a:solidFill>
+                  <a:srgbClr val="FFFFFF"/>
+                </a:solidFill>
+              </a:ln>
+            </c:spPr>
+            <c:extLst>
+              <c:ext xmlns:c16="http://schemas.microsoft.com/office/drawing/2014/chart" uri="{C3380CC4-5D6E-409C-BE32-E72D297353CC}">
+                <c16:uniqueId val="{00000003-796D-0644-8507-F548E9A9863C}"/>
+              </c:ext>
+            </c:extLst>
+          </c:dPt>
+          <c:dPt>
+            <c:idx val="6"/>
+            <c:invertIfNegative val="0"/>
+            <c:bubble3D val="0"/>
+            <c:spPr>
+              <a:solidFill>
+                <a:srgbClr val="B7595C"/>
+              </a:solidFill>
+              <a:ln w="9525">
+                <a:solidFill>
+                  <a:srgbClr val="FFFFFF"/>
+                </a:solidFill>
+              </a:ln>
+            </c:spPr>
+            <c:extLst>
+              <c:ext xmlns:c16="http://schemas.microsoft.com/office/drawing/2014/chart" uri="{C3380CC4-5D6E-409C-BE32-E72D297353CC}">
+                <c16:uniqueId val="{00000005-796D-0644-8507-F548E9A9863C}"/>
+              </c:ext>
+            </c:extLst>
+          </c:dPt>
+          <c:dPt>
+            <c:idx val="7"/>
+            <c:invertIfNegative val="0"/>
+            <c:bubble3D val="0"/>
+            <c:spPr>
+              <a:solidFill>
+                <a:srgbClr val="B7595C"/>
+              </a:solidFill>
+              <a:ln w="9525">
+                <a:solidFill>
+                  <a:srgbClr val="FFFFFF"/>
+                </a:solidFill>
+              </a:ln>
+            </c:spPr>
+            <c:extLst>
+              <c:ext xmlns:c16="http://schemas.microsoft.com/office/drawing/2014/chart" uri="{C3380CC4-5D6E-409C-BE32-E72D297353CC}">
+                <c16:uniqueId val="{00000007-796D-0644-8507-F548E9A9863C}"/>
+              </c:ext>
+            </c:extLst>
+          </c:dPt>
+          <c:dPt>
+            <c:idx val="8"/>
+            <c:invertIfNegative val="0"/>
+            <c:bubble3D val="0"/>
+            <c:spPr>
+              <a:solidFill>
+                <a:srgbClr val="B7595C"/>
+              </a:solidFill>
+              <a:ln w="9525">
+                <a:solidFill>
+                  <a:srgbClr val="FFFFFF"/>
+                </a:solidFill>
+              </a:ln>
+            </c:spPr>
+            <c:extLst>
+              <c:ext xmlns:c16="http://schemas.microsoft.com/office/drawing/2014/chart" uri="{C3380CC4-5D6E-409C-BE32-E72D297353CC}">
+                <c16:uniqueId val="{00000009-796D-0644-8507-F548E9A9863C}"/>
+              </c:ext>
+            </c:extLst>
+          </c:dPt>
           <c:cat>
             <c:strRef>
-              <c:f>Sheet1!$A$2:$A$17</c:f>
+              <c:f>Sheet1!$A$2:$A$10</c:f>
               <c:strCache>
-                <c:ptCount val="15"/>
+                <c:ptCount val="9"/>
                 <c:pt idx="0">
-                  <c:v>2006</c:v>
+                  <c:v>25-34</c:v>
                 </c:pt>
                 <c:pt idx="1">
-                  <c:v>11</c:v>
+                  <c:v>35-44</c:v>
                 </c:pt>
                 <c:pt idx="2">
-                  <c:v>16</c:v>
-                </c:pt>
-                <c:pt idx="4">
-                  <c:v>06</c:v>
+                  <c:v>45-54</c:v>
+                </c:pt>
+                <c:pt idx="3">
+                  <c:v>55-64</c:v>
                 </c:pt>
                 <c:pt idx="5">
-                  <c:v>11</c:v>
+                  <c:v>25-34</c:v>
                 </c:pt>
                 <c:pt idx="6">
-                  <c:v>16</c:v>
+                  <c:v>35-44</c:v>
+                </c:pt>
+                <c:pt idx="7">
+                  <c:v>45-54</c:v>
                 </c:pt>
                 <c:pt idx="8">
-                  <c:v>06</c:v>
-                </c:pt>
-                <c:pt idx="9">
-                  <c:v>11</c:v>
-                </c:pt>
-                <c:pt idx="10">
-                  <c:v>16</c:v>
-                </c:pt>
-                <c:pt idx="12">
-                  <c:v>06</c:v>
-                </c:pt>
-                <c:pt idx="13">
-                  <c:v>11</c:v>
-                </c:pt>
-                <c:pt idx="14">
-                  <c:v>16</c:v>
+                  <c:v>55-64</c:v>
                 </c:pt>
               </c:strCache>
             </c:strRef>
           </c:cat>
           <c:val>
             <c:numRef>
-              <c:f>Sheet1!$B$2:$B$17</c:f>
+              <c:f>Sheet1!$B$2:$B$10</c:f>
               <c:numCache>
-                <c:formatCode>_(* #,##0.00_);_(* \(#,##0.00\);_(* "-"??_);_(@_)</c:formatCode>
-                <c:ptCount val="16"/>
+                <c:formatCode>0</c:formatCode>
+                <c:ptCount val="9"/>
                 <c:pt idx="0">
-                  <c:v>18.634748108528203</c:v>
+                  <c:v>442.58457848324252</c:v>
                 </c:pt>
                 <c:pt idx="1">
-                  <c:v>18.456957716953887</c:v>
+                  <c:v>424.04001003868916</c:v>
                 </c:pt>
                 <c:pt idx="2">
-                  <c:v>20.275304011480944</c:v>
+                  <c:v>484.89349563228603</c:v>
                 </c:pt>
                 <c:pt idx="3">
-                  <c:v>#N/A</c:v>
-                </c:pt>
-                <c:pt idx="4">
-                  <c:v>76.358118310048383</c:v>
+                  <c:v>367.65834355687281</c:v>
                 </c:pt>
                 <c:pt idx="5">
-                  <c:v>75.888279074577852</c:v>
+                  <c:v>557.67313044455068</c:v>
                 </c:pt>
                 <c:pt idx="6">
-                  <c:v>74.443352386671691</c:v>
+                  <c:v>698.04514467966203</c:v>
                 </c:pt>
                 <c:pt idx="7">
-                  <c:v>#N/A</c:v>
+                  <c:v>694.8055529777879</c:v>
                 </c:pt>
                 <c:pt idx="8">
-                  <c:v>31.891539595031503</c:v>
-                </c:pt>
-                <c:pt idx="9">
-                  <c:v>30.967083236504784</c:v>
-                </c:pt>
-                <c:pt idx="10">
-                  <c:v>33.999273791239297</c:v>
-                </c:pt>
-                <c:pt idx="11">
-                  <c:v>#N/A</c:v>
-                </c:pt>
-                <c:pt idx="12">
-                  <c:v>68.755999829686573</c:v>
-                </c:pt>
-                <c:pt idx="13">
-                  <c:v>69.541554090480147</c:v>
-                </c:pt>
-                <c:pt idx="14">
-                  <c:v>69.341067080408436</c:v>
+                  <c:v>565.38981170101954</c:v>
                 </c:pt>
               </c:numCache>
             </c:numRef>
           </c:val>
-          <c:smooth val="0"/>
           <c:extLst>
             <c:ext xmlns:c16="http://schemas.microsoft.com/office/drawing/2014/chart" uri="{C3380CC4-5D6E-409C-BE32-E72D297353CC}">
-              <c16:uniqueId val="{00000000-C353-A643-9756-BC8828084916}"/>
+              <c16:uniqueId val="{0000000A-796D-0644-8507-F548E9A9863C}"/>
             </c:ext>
           </c:extLst>
         </c:ser>
@@ -3807,139 +4828,180 @@
               <c:strCache>
                 <c:ptCount val="1"/>
                 <c:pt idx="0">
-                  <c:v>__PT</c:v>
+                  <c:v>2011</c:v>
                 </c:pt>
               </c:strCache>
             </c:strRef>
           </c:tx>
           <c:spPr>
-            <a:ln w="28575" cap="rnd">
+            <a:solidFill>
+              <a:srgbClr val="F68B33"/>
+            </a:solidFill>
+            <a:ln w="9525">
               <a:solidFill>
-                <a:schemeClr val="accent2"/>
+                <a:srgbClr val="FFFFFF"/>
               </a:solidFill>
-              <a:prstDash val="solid"/>
-              <a:round/>
             </a:ln>
-            <a:effectLst/>
           </c:spPr>
-          <c:marker>
-            <c:symbol val="circle"/>
-            <c:size val="7"/>
+          <c:invertIfNegative val="0"/>
+          <c:dPt>
+            <c:idx val="4"/>
+            <c:invertIfNegative val="0"/>
+            <c:bubble3D val="0"/>
+            <c:extLst>
+              <c:ext xmlns:c16="http://schemas.microsoft.com/office/drawing/2014/chart" uri="{C3380CC4-5D6E-409C-BE32-E72D297353CC}">
+                <c16:uniqueId val="{0000000C-796D-0644-8507-F548E9A9863C}"/>
+              </c:ext>
+            </c:extLst>
+          </c:dPt>
+          <c:dPt>
+            <c:idx val="5"/>
+            <c:invertIfNegative val="0"/>
+            <c:bubble3D val="0"/>
             <c:spPr>
               <a:solidFill>
-                <a:schemeClr val="accent2"/>
+                <a:srgbClr val="A02226"/>
               </a:solidFill>
               <a:ln w="9525">
                 <a:solidFill>
-                  <a:schemeClr val="accent2"/>
+                  <a:srgbClr val="FFFFFF"/>
                 </a:solidFill>
-                <a:prstDash val="solid"/>
               </a:ln>
-              <a:effectLst/>
             </c:spPr>
-          </c:marker>
+            <c:extLst>
+              <c:ext xmlns:c16="http://schemas.microsoft.com/office/drawing/2014/chart" uri="{C3380CC4-5D6E-409C-BE32-E72D297353CC}">
+                <c16:uniqueId val="{0000000E-796D-0644-8507-F548E9A9863C}"/>
+              </c:ext>
+            </c:extLst>
+          </c:dPt>
+          <c:dPt>
+            <c:idx val="6"/>
+            <c:invertIfNegative val="0"/>
+            <c:bubble3D val="0"/>
+            <c:spPr>
+              <a:solidFill>
+                <a:srgbClr val="A02226"/>
+              </a:solidFill>
+              <a:ln w="9525">
+                <a:solidFill>
+                  <a:srgbClr val="FFFFFF"/>
+                </a:solidFill>
+              </a:ln>
+            </c:spPr>
+            <c:extLst>
+              <c:ext xmlns:c16="http://schemas.microsoft.com/office/drawing/2014/chart" uri="{C3380CC4-5D6E-409C-BE32-E72D297353CC}">
+                <c16:uniqueId val="{00000010-796D-0644-8507-F548E9A9863C}"/>
+              </c:ext>
+            </c:extLst>
+          </c:dPt>
+          <c:dPt>
+            <c:idx val="7"/>
+            <c:invertIfNegative val="0"/>
+            <c:bubble3D val="0"/>
+            <c:spPr>
+              <a:solidFill>
+                <a:srgbClr val="A02226"/>
+              </a:solidFill>
+              <a:ln w="9525">
+                <a:solidFill>
+                  <a:srgbClr val="FFFFFF"/>
+                </a:solidFill>
+              </a:ln>
+            </c:spPr>
+            <c:extLst>
+              <c:ext xmlns:c16="http://schemas.microsoft.com/office/drawing/2014/chart" uri="{C3380CC4-5D6E-409C-BE32-E72D297353CC}">
+                <c16:uniqueId val="{00000012-796D-0644-8507-F548E9A9863C}"/>
+              </c:ext>
+            </c:extLst>
+          </c:dPt>
+          <c:dPt>
+            <c:idx val="8"/>
+            <c:invertIfNegative val="0"/>
+            <c:bubble3D val="0"/>
+            <c:spPr>
+              <a:solidFill>
+                <a:srgbClr val="A02226"/>
+              </a:solidFill>
+              <a:ln w="9525">
+                <a:solidFill>
+                  <a:srgbClr val="FFFFFF"/>
+                </a:solidFill>
+              </a:ln>
+            </c:spPr>
+            <c:extLst>
+              <c:ext xmlns:c16="http://schemas.microsoft.com/office/drawing/2014/chart" uri="{C3380CC4-5D6E-409C-BE32-E72D297353CC}">
+                <c16:uniqueId val="{00000014-796D-0644-8507-F548E9A9863C}"/>
+              </c:ext>
+            </c:extLst>
+          </c:dPt>
           <c:cat>
             <c:strRef>
-              <c:f>Sheet1!$A$2:$A$17</c:f>
+              <c:f>Sheet1!$A$2:$A$10</c:f>
               <c:strCache>
-                <c:ptCount val="15"/>
+                <c:ptCount val="9"/>
                 <c:pt idx="0">
-                  <c:v>2006</c:v>
+                  <c:v>25-34</c:v>
                 </c:pt>
                 <c:pt idx="1">
-                  <c:v>11</c:v>
+                  <c:v>35-44</c:v>
                 </c:pt>
                 <c:pt idx="2">
-                  <c:v>16</c:v>
-                </c:pt>
-                <c:pt idx="4">
-                  <c:v>06</c:v>
+                  <c:v>45-54</c:v>
+                </c:pt>
+                <c:pt idx="3">
+                  <c:v>55-64</c:v>
                 </c:pt>
                 <c:pt idx="5">
-                  <c:v>11</c:v>
+                  <c:v>25-34</c:v>
                 </c:pt>
                 <c:pt idx="6">
-                  <c:v>16</c:v>
+                  <c:v>35-44</c:v>
+                </c:pt>
+                <c:pt idx="7">
+                  <c:v>45-54</c:v>
                 </c:pt>
                 <c:pt idx="8">
-                  <c:v>06</c:v>
-                </c:pt>
-                <c:pt idx="9">
-                  <c:v>11</c:v>
-                </c:pt>
-                <c:pt idx="10">
-                  <c:v>16</c:v>
-                </c:pt>
-                <c:pt idx="12">
-                  <c:v>06</c:v>
-                </c:pt>
-                <c:pt idx="13">
-                  <c:v>11</c:v>
-                </c:pt>
-                <c:pt idx="14">
-                  <c:v>16</c:v>
+                  <c:v>55-64</c:v>
                 </c:pt>
               </c:strCache>
             </c:strRef>
           </c:cat>
           <c:val>
             <c:numRef>
-              <c:f>Sheet1!$C$2:$C$17</c:f>
+              <c:f>Sheet1!$C$2:$C$10</c:f>
               <c:numCache>
-                <c:formatCode>_(* #,##0.00_);_(* \(#,##0.00\);_(* "-"??_);_(@_)</c:formatCode>
-                <c:ptCount val="16"/>
+                <c:formatCode>0</c:formatCode>
+                <c:ptCount val="9"/>
                 <c:pt idx="0">
-                  <c:v>37.147658021551614</c:v>
+                  <c:v>457.67987728415358</c:v>
                 </c:pt>
                 <c:pt idx="1">
-                  <c:v>36.801249179817844</c:v>
+                  <c:v>451.29839139703034</c:v>
                 </c:pt>
                 <c:pt idx="2">
-                  <c:v>37.138818347117351</c:v>
+                  <c:v>501.74597759772359</c:v>
                 </c:pt>
                 <c:pt idx="3">
-                  <c:v>#N/A</c:v>
-                </c:pt>
-                <c:pt idx="4">
-                  <c:v>13.860241514419211</c:v>
+                  <c:v>406.01300545146705</c:v>
                 </c:pt>
                 <c:pt idx="5">
-                  <c:v>14.045873600007226</c:v>
+                  <c:v>576.54396229115991</c:v>
                 </c:pt>
                 <c:pt idx="6">
-                  <c:v>15.856215642008602</c:v>
+                  <c:v>739.19192799120765</c:v>
                 </c:pt>
                 <c:pt idx="7">
-                  <c:v>#N/A</c:v>
+                  <c:v>738.60077989142121</c:v>
                 </c:pt>
                 <c:pt idx="8">
-                  <c:v>41.989321836068257</c:v>
-                </c:pt>
-                <c:pt idx="9">
-                  <c:v>43.076949931327007</c:v>
-                </c:pt>
-                <c:pt idx="10">
-                  <c:v>43.480109066115048</c:v>
-                </c:pt>
-                <c:pt idx="11">
-                  <c:v>#N/A</c:v>
-                </c:pt>
-                <c:pt idx="12">
-                  <c:v>17.801719263493229</c:v>
-                </c:pt>
-                <c:pt idx="13">
-                  <c:v>16.659261544541529</c:v>
-                </c:pt>
-                <c:pt idx="14">
-                  <c:v>16.940561528858932</c:v>
+                  <c:v>604.0561754458314</c:v>
                 </c:pt>
               </c:numCache>
             </c:numRef>
           </c:val>
-          <c:smooth val="0"/>
           <c:extLst>
             <c:ext xmlns:c16="http://schemas.microsoft.com/office/drawing/2014/chart" uri="{C3380CC4-5D6E-409C-BE32-E72D297353CC}">
-              <c16:uniqueId val="{00000001-C353-A643-9756-BC8828084916}"/>
+              <c16:uniqueId val="{00000015-796D-0644-8507-F548E9A9863C}"/>
             </c:ext>
           </c:extLst>
         </c:ser>
@@ -3952,416 +5014,180 @@
               <c:strCache>
                 <c:ptCount val="1"/>
                 <c:pt idx="0">
-                  <c:v>__Away</c:v>
+                  <c:v>2016</c:v>
                 </c:pt>
               </c:strCache>
             </c:strRef>
           </c:tx>
           <c:spPr>
-            <a:ln w="28575" cap="rnd">
+            <a:solidFill>
+              <a:srgbClr val="EC700A"/>
+            </a:solidFill>
+            <a:ln w="9525">
               <a:solidFill>
-                <a:schemeClr val="accent1"/>
+                <a:srgbClr val="FFFFFF"/>
               </a:solidFill>
-              <a:round/>
             </a:ln>
-            <a:effectLst/>
           </c:spPr>
-          <c:marker>
-            <c:symbol val="circle"/>
-            <c:size val="7"/>
+          <c:invertIfNegative val="0"/>
+          <c:dPt>
+            <c:idx val="4"/>
+            <c:invertIfNegative val="0"/>
+            <c:bubble3D val="0"/>
+            <c:extLst>
+              <c:ext xmlns:c16="http://schemas.microsoft.com/office/drawing/2014/chart" uri="{C3380CC4-5D6E-409C-BE32-E72D297353CC}">
+                <c16:uniqueId val="{00000017-796D-0644-8507-F548E9A9863C}"/>
+              </c:ext>
+            </c:extLst>
+          </c:dPt>
+          <c:dPt>
+            <c:idx val="5"/>
+            <c:invertIfNegative val="0"/>
+            <c:bubble3D val="0"/>
             <c:spPr>
               <a:solidFill>
-                <a:schemeClr val="accent1"/>
+                <a:srgbClr val="76191C"/>
               </a:solidFill>
               <a:ln w="9525">
                 <a:solidFill>
-                  <a:schemeClr val="accent1"/>
+                  <a:srgbClr val="FFFFFF"/>
                 </a:solidFill>
               </a:ln>
-              <a:effectLst/>
             </c:spPr>
-          </c:marker>
+            <c:extLst>
+              <c:ext xmlns:c16="http://schemas.microsoft.com/office/drawing/2014/chart" uri="{C3380CC4-5D6E-409C-BE32-E72D297353CC}">
+                <c16:uniqueId val="{00000019-796D-0644-8507-F548E9A9863C}"/>
+              </c:ext>
+            </c:extLst>
+          </c:dPt>
+          <c:dPt>
+            <c:idx val="6"/>
+            <c:invertIfNegative val="0"/>
+            <c:bubble3D val="0"/>
+            <c:spPr>
+              <a:solidFill>
+                <a:srgbClr val="76191C"/>
+              </a:solidFill>
+              <a:ln w="9525">
+                <a:solidFill>
+                  <a:srgbClr val="FFFFFF"/>
+                </a:solidFill>
+              </a:ln>
+            </c:spPr>
+            <c:extLst>
+              <c:ext xmlns:c16="http://schemas.microsoft.com/office/drawing/2014/chart" uri="{C3380CC4-5D6E-409C-BE32-E72D297353CC}">
+                <c16:uniqueId val="{0000001B-796D-0644-8507-F548E9A9863C}"/>
+              </c:ext>
+            </c:extLst>
+          </c:dPt>
+          <c:dPt>
+            <c:idx val="7"/>
+            <c:invertIfNegative val="0"/>
+            <c:bubble3D val="0"/>
+            <c:spPr>
+              <a:solidFill>
+                <a:srgbClr val="76191C"/>
+              </a:solidFill>
+              <a:ln w="9525">
+                <a:solidFill>
+                  <a:srgbClr val="FFFFFF"/>
+                </a:solidFill>
+              </a:ln>
+            </c:spPr>
+            <c:extLst>
+              <c:ext xmlns:c16="http://schemas.microsoft.com/office/drawing/2014/chart" uri="{C3380CC4-5D6E-409C-BE32-E72D297353CC}">
+                <c16:uniqueId val="{0000001D-796D-0644-8507-F548E9A9863C}"/>
+              </c:ext>
+            </c:extLst>
+          </c:dPt>
+          <c:dPt>
+            <c:idx val="8"/>
+            <c:invertIfNegative val="0"/>
+            <c:bubble3D val="0"/>
+            <c:spPr>
+              <a:solidFill>
+                <a:srgbClr val="76191C"/>
+              </a:solidFill>
+              <a:ln w="9525">
+                <a:solidFill>
+                  <a:srgbClr val="FFFFFF"/>
+                </a:solidFill>
+              </a:ln>
+            </c:spPr>
+            <c:extLst>
+              <c:ext xmlns:c16="http://schemas.microsoft.com/office/drawing/2014/chart" uri="{C3380CC4-5D6E-409C-BE32-E72D297353CC}">
+                <c16:uniqueId val="{0000001F-796D-0644-8507-F548E9A9863C}"/>
+              </c:ext>
+            </c:extLst>
+          </c:dPt>
           <c:cat>
             <c:strRef>
-              <c:f>Sheet1!$A$2:$A$17</c:f>
+              <c:f>Sheet1!$A$2:$A$10</c:f>
               <c:strCache>
-                <c:ptCount val="15"/>
+                <c:ptCount val="9"/>
                 <c:pt idx="0">
-                  <c:v>2006</c:v>
+                  <c:v>25-34</c:v>
                 </c:pt>
                 <c:pt idx="1">
-                  <c:v>11</c:v>
+                  <c:v>35-44</c:v>
                 </c:pt>
                 <c:pt idx="2">
-                  <c:v>16</c:v>
-                </c:pt>
-                <c:pt idx="4">
-                  <c:v>06</c:v>
+                  <c:v>45-54</c:v>
+                </c:pt>
+                <c:pt idx="3">
+                  <c:v>55-64</c:v>
                 </c:pt>
                 <c:pt idx="5">
-                  <c:v>11</c:v>
+                  <c:v>25-34</c:v>
                 </c:pt>
                 <c:pt idx="6">
-                  <c:v>16</c:v>
+                  <c:v>35-44</c:v>
+                </c:pt>
+                <c:pt idx="7">
+                  <c:v>45-54</c:v>
                 </c:pt>
                 <c:pt idx="8">
-                  <c:v>06</c:v>
-                </c:pt>
-                <c:pt idx="9">
-                  <c:v>11</c:v>
-                </c:pt>
-                <c:pt idx="10">
-                  <c:v>16</c:v>
-                </c:pt>
-                <c:pt idx="12">
-                  <c:v>06</c:v>
-                </c:pt>
-                <c:pt idx="13">
-                  <c:v>11</c:v>
-                </c:pt>
-                <c:pt idx="14">
-                  <c:v>16</c:v>
+                  <c:v>55-64</c:v>
                 </c:pt>
               </c:strCache>
             </c:strRef>
           </c:cat>
           <c:val>
             <c:numRef>
-              <c:f>Sheet1!$D$2:$D$17</c:f>
+              <c:f>Sheet1!$D$2:$D$10</c:f>
               <c:numCache>
-                <c:formatCode>_(* #,##0.00_);_(* \(#,##0.00\);_(* "-"??_);_(@_)</c:formatCode>
-                <c:ptCount val="16"/>
+                <c:formatCode>0</c:formatCode>
+                <c:ptCount val="9"/>
                 <c:pt idx="0">
-                  <c:v>11.858664360085871</c:v>
+                  <c:v>460.85930319917048</c:v>
                 </c:pt>
                 <c:pt idx="1">
-                  <c:v>16.256997080416042</c:v>
+                  <c:v>467.00065688144036</c:v>
                 </c:pt>
                 <c:pt idx="2">
-                  <c:v>17.635891678884665</c:v>
+                  <c:v>508.9395784058899</c:v>
                 </c:pt>
                 <c:pt idx="3">
-                  <c:v>#N/A</c:v>
-                </c:pt>
-                <c:pt idx="4">
-                  <c:v>4.1013911087244352</c:v>
+                  <c:v>428.77868626958968</c:v>
                 </c:pt>
                 <c:pt idx="5">
-                  <c:v>3.9125507900933263</c:v>
+                  <c:v>543.4841617431731</c:v>
                 </c:pt>
                 <c:pt idx="6">
-                  <c:v>3.2142051922659647</c:v>
+                  <c:v>722.27762989431119</c:v>
                 </c:pt>
                 <c:pt idx="7">
-                  <c:v>#N/A</c:v>
+                  <c:v>729.56857251372537</c:v>
                 </c:pt>
                 <c:pt idx="8">
-                  <c:v>5.1738044128297478</c:v>
-                </c:pt>
-                <c:pt idx="9">
-                  <c:v>5.7187153559620629</c:v>
-                </c:pt>
-                <c:pt idx="10">
-                  <c:v>5.2286331140415303</c:v>
-                </c:pt>
-                <c:pt idx="11">
-                  <c:v>#N/A</c:v>
-                </c:pt>
-                <c:pt idx="12">
-                  <c:v>4.751097566284737</c:v>
-                </c:pt>
-                <c:pt idx="13">
-                  <c:v>4.3563220749444396</c:v>
-                </c:pt>
-                <c:pt idx="14">
-                  <c:v>3.6323839092520211</c:v>
+                  <c:v>607.98489468183254</c:v>
                 </c:pt>
               </c:numCache>
             </c:numRef>
           </c:val>
-          <c:smooth val="0"/>
           <c:extLst>
             <c:ext xmlns:c16="http://schemas.microsoft.com/office/drawing/2014/chart" uri="{C3380CC4-5D6E-409C-BE32-E72D297353CC}">
-              <c16:uniqueId val="{00000002-C353-A643-9756-BC8828084916}"/>
-            </c:ext>
-          </c:extLst>
-        </c:ser>
-        <c:ser>
-          <c:idx val="3"/>
-          <c:order val="3"/>
-          <c:tx>
-            <c:strRef>
-              <c:f>Sheet1!$E$1</c:f>
-              <c:strCache>
-                <c:ptCount val="1"/>
-                <c:pt idx="0">
-                  <c:v>__Unemp</c:v>
-                </c:pt>
-              </c:strCache>
-            </c:strRef>
-          </c:tx>
-          <c:spPr>
-            <a:ln w="28575" cap="rnd">
-              <a:solidFill>
-                <a:schemeClr val="tx2"/>
-              </a:solidFill>
-              <a:prstDash val="dash"/>
-              <a:round/>
-            </a:ln>
-            <a:effectLst/>
-          </c:spPr>
-          <c:marker>
-            <c:symbol val="circle"/>
-            <c:size val="7"/>
-            <c:spPr>
-              <a:solidFill>
-                <a:schemeClr val="tx2"/>
-              </a:solidFill>
-              <a:ln w="9525">
-                <a:noFill/>
-                <a:prstDash val="dash"/>
-              </a:ln>
-              <a:effectLst/>
-            </c:spPr>
-          </c:marker>
-          <c:cat>
-            <c:strRef>
-              <c:f>Sheet1!$A$2:$A$17</c:f>
-              <c:strCache>
-                <c:ptCount val="15"/>
-                <c:pt idx="0">
-                  <c:v>2006</c:v>
-                </c:pt>
-                <c:pt idx="1">
-                  <c:v>11</c:v>
-                </c:pt>
-                <c:pt idx="2">
-                  <c:v>16</c:v>
-                </c:pt>
-                <c:pt idx="4">
-                  <c:v>06</c:v>
-                </c:pt>
-                <c:pt idx="5">
-                  <c:v>11</c:v>
-                </c:pt>
-                <c:pt idx="6">
-                  <c:v>16</c:v>
-                </c:pt>
-                <c:pt idx="8">
-                  <c:v>06</c:v>
-                </c:pt>
-                <c:pt idx="9">
-                  <c:v>11</c:v>
-                </c:pt>
-                <c:pt idx="10">
-                  <c:v>16</c:v>
-                </c:pt>
-                <c:pt idx="12">
-                  <c:v>06</c:v>
-                </c:pt>
-                <c:pt idx="13">
-                  <c:v>11</c:v>
-                </c:pt>
-                <c:pt idx="14">
-                  <c:v>16</c:v>
-                </c:pt>
-              </c:strCache>
-            </c:strRef>
-          </c:cat>
-          <c:val>
-            <c:numRef>
-              <c:f>Sheet1!$E$2:$E$17</c:f>
-              <c:numCache>
-                <c:formatCode>_(* #,##0.00_);_(* \(#,##0.00\);_(* "-"??_);_(@_)</c:formatCode>
-                <c:ptCount val="16"/>
-                <c:pt idx="0">
-                  <c:v>1.4714708408340222</c:v>
-                </c:pt>
-                <c:pt idx="1">
-                  <c:v>1.7925584960529402</c:v>
-                </c:pt>
-                <c:pt idx="2">
-                  <c:v>2.1039710752953686</c:v>
-                </c:pt>
-                <c:pt idx="3">
-                  <c:v>#N/A</c:v>
-                </c:pt>
-                <c:pt idx="4">
-                  <c:v>1.5670681477080317</c:v>
-                </c:pt>
-                <c:pt idx="5">
-                  <c:v>1.9294909256464756</c:v>
-                </c:pt>
-                <c:pt idx="6">
-                  <c:v>2.193540292268148</c:v>
-                </c:pt>
-                <c:pt idx="7">
-                  <c:v>#N/A</c:v>
-                </c:pt>
-                <c:pt idx="8">
-                  <c:v>1.7138146282211408</c:v>
-                </c:pt>
-                <c:pt idx="9">
-                  <c:v>1.9215192447875542</c:v>
-                </c:pt>
-                <c:pt idx="10">
-                  <c:v>2.3687507318675984</c:v>
-                </c:pt>
-                <c:pt idx="11">
-                  <c:v>#N/A</c:v>
-                </c:pt>
-                <c:pt idx="12">
-                  <c:v>2.0083702155398826</c:v>
-                </c:pt>
-                <c:pt idx="13">
-                  <c:v>2.5189253965079947</c:v>
-                </c:pt>
-                <c:pt idx="14">
-                  <c:v>3.0138734522051469</c:v>
-                </c:pt>
-              </c:numCache>
-            </c:numRef>
-          </c:val>
-          <c:smooth val="0"/>
-          <c:extLst>
-            <c:ext xmlns:c16="http://schemas.microsoft.com/office/drawing/2014/chart" uri="{C3380CC4-5D6E-409C-BE32-E72D297353CC}">
-              <c16:uniqueId val="{00000003-C353-A643-9756-BC8828084916}"/>
-            </c:ext>
-          </c:extLst>
-        </c:ser>
-        <c:ser>
-          <c:idx val="4"/>
-          <c:order val="4"/>
-          <c:tx>
-            <c:strRef>
-              <c:f>Sheet1!$F$1</c:f>
-              <c:strCache>
-                <c:ptCount val="1"/>
-                <c:pt idx="0">
-                  <c:v>Participation</c:v>
-                </c:pt>
-              </c:strCache>
-            </c:strRef>
-          </c:tx>
-          <c:spPr>
-            <a:ln w="28575" cap="rnd">
-              <a:solidFill>
-                <a:schemeClr val="tx1"/>
-              </a:solidFill>
-              <a:prstDash val="solid"/>
-              <a:round/>
-            </a:ln>
-            <a:effectLst/>
-          </c:spPr>
-          <c:marker>
-            <c:symbol val="circle"/>
-            <c:size val="7"/>
-            <c:spPr>
-              <a:solidFill>
-                <a:schemeClr val="tx1"/>
-              </a:solidFill>
-              <a:ln w="9525">
-                <a:solidFill>
-                  <a:schemeClr val="tx1"/>
-                </a:solidFill>
-                <a:prstDash val="solid"/>
-              </a:ln>
-              <a:effectLst/>
-            </c:spPr>
-          </c:marker>
-          <c:cat>
-            <c:strRef>
-              <c:f>Sheet1!$A$2:$A$17</c:f>
-              <c:strCache>
-                <c:ptCount val="15"/>
-                <c:pt idx="0">
-                  <c:v>2006</c:v>
-                </c:pt>
-                <c:pt idx="1">
-                  <c:v>11</c:v>
-                </c:pt>
-                <c:pt idx="2">
-                  <c:v>16</c:v>
-                </c:pt>
-                <c:pt idx="4">
-                  <c:v>06</c:v>
-                </c:pt>
-                <c:pt idx="5">
-                  <c:v>11</c:v>
-                </c:pt>
-                <c:pt idx="6">
-                  <c:v>16</c:v>
-                </c:pt>
-                <c:pt idx="8">
-                  <c:v>06</c:v>
-                </c:pt>
-                <c:pt idx="9">
-                  <c:v>11</c:v>
-                </c:pt>
-                <c:pt idx="10">
-                  <c:v>16</c:v>
-                </c:pt>
-                <c:pt idx="12">
-                  <c:v>06</c:v>
-                </c:pt>
-                <c:pt idx="13">
-                  <c:v>11</c:v>
-                </c:pt>
-                <c:pt idx="14">
-                  <c:v>16</c:v>
-                </c:pt>
-              </c:strCache>
-            </c:strRef>
-          </c:cat>
-          <c:val>
-            <c:numRef>
-              <c:f>Sheet1!$F$2:$F$17</c:f>
-              <c:numCache>
-                <c:formatCode>_(* #,##0.00_);_(* \(#,##0.00\);_(* "-"??_);_(@_)</c:formatCode>
-                <c:ptCount val="16"/>
-                <c:pt idx="0">
-                  <c:v>69.112541330999704</c:v>
-                </c:pt>
-                <c:pt idx="1">
-                  <c:v>73.307762473240714</c:v>
-                </c:pt>
-                <c:pt idx="2">
-                  <c:v>77.153985112778344</c:v>
-                </c:pt>
-                <c:pt idx="4">
-                  <c:v>95.886819080900068</c:v>
-                </c:pt>
-                <c:pt idx="5">
-                  <c:v>95.776194390324875</c:v>
-                </c:pt>
-                <c:pt idx="6">
-                  <c:v>95.707313513214416</c:v>
-                </c:pt>
-                <c:pt idx="8">
-                  <c:v>80.768480472150642</c:v>
-                </c:pt>
-                <c:pt idx="9">
-                  <c:v>81.684267768581407</c:v>
-                </c:pt>
-                <c:pt idx="10">
-                  <c:v>85.076766703263459</c:v>
-                </c:pt>
-                <c:pt idx="12">
-                  <c:v>93.317186875004424</c:v>
-                </c:pt>
-                <c:pt idx="13">
-                  <c:v>93.076063106474095</c:v>
-                </c:pt>
-                <c:pt idx="14">
-                  <c:v>92.927885970724532</c:v>
-                </c:pt>
-              </c:numCache>
-            </c:numRef>
-          </c:val>
-          <c:smooth val="0"/>
-          <c:extLst>
-            <c:ext xmlns:c16="http://schemas.microsoft.com/office/drawing/2014/chart" uri="{C3380CC4-5D6E-409C-BE32-E72D297353CC}">
-              <c16:uniqueId val="{00000004-C353-A643-9756-BC8828084916}"/>
+              <c16:uniqueId val="{00000020-796D-0644-8507-F548E9A9863C}"/>
             </c:ext>
           </c:extLst>
         </c:ser>
@@ -4373,13 +5199,12 @@
           <c:showPercent val="0"/>
           <c:showBubbleSize val="0"/>
         </c:dLbls>
-        <c:marker val="1"/>
-        <c:smooth val="0"/>
-        <c:axId val="266766111"/>
-        <c:axId val="315424735"/>
-      </c:lineChart>
+        <c:gapWidth val="100"/>
+        <c:axId val="324265856"/>
+        <c:axId val="327427200"/>
+      </c:barChart>
       <c:catAx>
-        <c:axId val="266766111"/>
+        <c:axId val="324265856"/>
         <c:scaling>
           <c:orientation val="minMax"/>
         </c:scaling>
@@ -4390,33 +5215,23 @@
         <c:minorTickMark val="none"/>
         <c:tickLblPos val="nextTo"/>
         <c:spPr>
-          <a:noFill/>
-          <a:ln w="9525" cap="flat" cmpd="sng" algn="ctr">
+          <a:ln>
             <a:solidFill>
               <a:schemeClr val="tx1"/>
             </a:solidFill>
-            <a:round/>
           </a:ln>
-          <a:effectLst/>
         </c:spPr>
         <c:txPr>
-          <a:bodyPr rot="-60000000" spcFirstLastPara="1" vertOverflow="ellipsis" vert="horz" wrap="square" anchor="ctr" anchorCtr="1"/>
+          <a:bodyPr/>
           <a:lstStyle/>
           <a:p>
             <a:pPr>
-              <a:defRPr sz="1800" b="0" i="0" u="none" strike="noStrike" kern="1200" baseline="0">
-                <a:solidFill>
-                  <a:schemeClr val="tx1"/>
-                </a:solidFill>
-                <a:latin typeface="+mn-lt"/>
-                <a:ea typeface="+mn-ea"/>
-                <a:cs typeface="+mn-cs"/>
-              </a:defRPr>
+              <a:defRPr sz="1800"/>
             </a:pPr>
             <a:endParaRPr lang="en-US"/>
           </a:p>
         </c:txPr>
-        <c:crossAx val="315424735"/>
+        <c:crossAx val="327427200"/>
         <c:crosses val="autoZero"/>
         <c:auto val="1"/>
         <c:lblAlgn val="ctr"/>
@@ -4424,98 +5239,68 @@
         <c:noMultiLvlLbl val="0"/>
       </c:catAx>
       <c:valAx>
-        <c:axId val="315424735"/>
+        <c:axId val="327427200"/>
         <c:scaling>
           <c:orientation val="minMax"/>
-          <c:max val="100"/>
+          <c:max val="800"/>
           <c:min val="0"/>
         </c:scaling>
         <c:delete val="0"/>
         <c:axPos val="l"/>
         <c:majorGridlines>
           <c:spPr>
-            <a:ln w="9525" cap="flat" cmpd="sng" algn="ctr">
+            <a:ln>
               <a:solidFill>
-                <a:schemeClr val="tx1">
-                  <a:lumMod val="15000"/>
-                  <a:lumOff val="85000"/>
-                </a:schemeClr>
+                <a:srgbClr val="6A737B">
+                  <a:lumMod val="40000"/>
+                  <a:lumOff val="60000"/>
+                </a:srgbClr>
               </a:solidFill>
-              <a:round/>
             </a:ln>
-            <a:effectLst/>
           </c:spPr>
         </c:majorGridlines>
-        <c:numFmt formatCode="#,##0" sourceLinked="0"/>
-        <c:majorTickMark val="none"/>
+        <c:minorGridlines/>
+        <c:numFmt formatCode="0" sourceLinked="1"/>
+        <c:majorTickMark val="out"/>
         <c:minorTickMark val="none"/>
         <c:tickLblPos val="nextTo"/>
         <c:spPr>
-          <a:noFill/>
           <a:ln>
             <a:noFill/>
           </a:ln>
-          <a:effectLst/>
         </c:spPr>
         <c:txPr>
-          <a:bodyPr rot="-60000000" spcFirstLastPara="1" vertOverflow="ellipsis" vert="horz" wrap="square" anchor="ctr" anchorCtr="1"/>
+          <a:bodyPr/>
           <a:lstStyle/>
           <a:p>
             <a:pPr>
-              <a:defRPr sz="1800" b="0" i="0" u="none" strike="noStrike" kern="1200" baseline="0">
-                <a:solidFill>
-                  <a:schemeClr val="tx1"/>
-                </a:solidFill>
-                <a:latin typeface="+mn-lt"/>
-                <a:ea typeface="+mn-ea"/>
-                <a:cs typeface="+mn-cs"/>
-              </a:defRPr>
+              <a:defRPr sz="1800"/>
             </a:pPr>
             <a:endParaRPr lang="en-US"/>
           </a:p>
         </c:txPr>
-        <c:crossAx val="266766111"/>
+        <c:crossAx val="324265856"/>
         <c:crosses val="autoZero"/>
-        <c:crossBetween val="midCat"/>
-        <c:majorUnit val="10"/>
+        <c:crossBetween val="between"/>
+        <c:majorUnit val="200"/>
+        <c:minorUnit val="100"/>
       </c:valAx>
-      <c:spPr>
-        <a:noFill/>
-        <a:ln>
-          <a:noFill/>
-        </a:ln>
-        <a:effectLst/>
-      </c:spPr>
     </c:plotArea>
     <c:plotVisOnly val="1"/>
     <c:dispBlanksAs val="gap"/>
-    <c:extLst>
-      <c:ext xmlns:c16r3="http://schemas.microsoft.com/office/drawing/2017/03/chart" uri="{56B9EC1D-385E-4148-901F-78D8002777C0}">
-        <c16r3:dataDisplayOptions16>
-          <c16r3:dispNaAsBlank val="1"/>
-        </c16r3:dataDisplayOptions16>
-      </c:ext>
-    </c:extLst>
     <c:showDLblsOverMax val="0"/>
   </c:chart>
-  <c:spPr>
-    <a:noFill/>
-    <a:ln>
-      <a:noFill/>
-    </a:ln>
-    <a:effectLst/>
-  </c:spPr>
   <c:txPr>
     <a:bodyPr/>
     <a:lstStyle/>
     <a:p>
       <a:pPr>
-        <a:defRPr/>
+        <a:defRPr sz="1800"/>
       </a:pPr>
       <a:endParaRPr lang="en-US"/>
     </a:p>
   </c:txPr>
-  <c:externalData r:id="rId3">
+  <c:externalData r:id="rId2">
     <c:autoUpdate val="0"/>
   </c:externalData>
 </c:chartSpace>
@@ -4560,7 +5345,7 @@
               <c:strCache>
                 <c:ptCount val="1"/>
                 <c:pt idx="0">
-                  <c:v>__FT</c:v>
+                  <c:v>Bachelor Degree Level_Female_FT</c:v>
                 </c:pt>
               </c:strCache>
             </c:strRef>
@@ -4640,40 +5425,40 @@
                 <c:formatCode>_(* #,##0.00_);_(* \(#,##0.00\);_(* "-"??_);_(@_)</c:formatCode>
                 <c:ptCount val="16"/>
                 <c:pt idx="0">
-                  <c:v>30.225545103846496</c:v>
+                  <c:v>57.057600752865902</c:v>
                 </c:pt>
                 <c:pt idx="1">
-                  <c:v>33.293104944960056</c:v>
+                  <c:v>56.383711429418511</c:v>
                 </c:pt>
                 <c:pt idx="2">
-                  <c:v>33.99481761219208</c:v>
+                  <c:v>56.138924128634088</c:v>
                 </c:pt>
                 <c:pt idx="4">
-                  <c:v>53.077321541791662</c:v>
+                  <c:v>41.01483421146807</c:v>
                 </c:pt>
                 <c:pt idx="5">
-                  <c:v>55.393468056532903</c:v>
+                  <c:v>39.833964761862532</c:v>
                 </c:pt>
                 <c:pt idx="6">
-                  <c:v>54.972633735911963</c:v>
+                  <c:v>41.743249525768405</c:v>
                 </c:pt>
                 <c:pt idx="8">
-                  <c:v>21.904274173676896</c:v>
+                  <c:v>81.293574084586453</c:v>
                 </c:pt>
                 <c:pt idx="9">
-                  <c:v>24.925938736941667</c:v>
+                  <c:v>80.665135911752358</c:v>
                 </c:pt>
                 <c:pt idx="10">
-                  <c:v>25.837104340612477</c:v>
+                  <c:v>78.441029343379967</c:v>
                 </c:pt>
                 <c:pt idx="12">
-                  <c:v>46.19573560508266</c:v>
+                  <c:v>82.328584012704269</c:v>
                 </c:pt>
                 <c:pt idx="13">
-                  <c:v>48.482885810536381</c:v>
+                  <c:v>82.821935504311611</c:v>
                 </c:pt>
                 <c:pt idx="14">
-                  <c:v>48.729923561723837</c:v>
+                  <c:v>82.346778391386238</c:v>
                 </c:pt>
               </c:numCache>
             </c:numRef>
@@ -4694,7 +5479,7 @@
               <c:strCache>
                 <c:ptCount val="1"/>
                 <c:pt idx="0">
-                  <c:v>__PT</c:v>
+                  <c:v>Bachelor Degree Level_Female_PT</c:v>
                 </c:pt>
               </c:strCache>
             </c:strRef>
@@ -4776,40 +5561,40 @@
                 <c:formatCode>_(* #,##0.00_);_(* \(#,##0.00\);_(* "-"??_);_(@_)</c:formatCode>
                 <c:ptCount val="16"/>
                 <c:pt idx="0">
-                  <c:v>27.300592003676019</c:v>
+                  <c:v>22.391236096198988</c:v>
                 </c:pt>
                 <c:pt idx="1">
-                  <c:v>28.73423957534245</c:v>
+                  <c:v>22.660812284502427</c:v>
                 </c:pt>
                 <c:pt idx="2">
-                  <c:v>29.532040228647212</c:v>
+                  <c:v>24.202443092766771</c:v>
                 </c:pt>
                 <c:pt idx="4">
-                  <c:v>16.36872217862696</c:v>
+                  <c:v>36.120440722870676</c:v>
                 </c:pt>
                 <c:pt idx="5">
-                  <c:v>16.356279676623725</c:v>
+                  <c:v>37.119670020335754</c:v>
                 </c:pt>
                 <c:pt idx="6">
-                  <c:v>16.011082979473379</c:v>
+                  <c:v>37.798140933440777</c:v>
                 </c:pt>
                 <c:pt idx="8">
-                  <c:v>19.612917027214408</c:v>
+                  <c:v>9.1809360741946904</c:v>
                 </c:pt>
                 <c:pt idx="9">
-                  <c:v>22.20208270146269</c:v>
+                  <c:v>9.7268152629779099</c:v>
                 </c:pt>
                 <c:pt idx="10">
-                  <c:v>24.028115926830687</c:v>
+                  <c:v>11.382797236406599</c:v>
                 </c:pt>
                 <c:pt idx="12">
-                  <c:v>12.936287904031872</c:v>
+                  <c:v>8.6144513878222302</c:v>
                 </c:pt>
                 <c:pt idx="13">
-                  <c:v>13.487905052282079</c:v>
+                  <c:v>8.6324633889927771</c:v>
                 </c:pt>
                 <c:pt idx="14">
-                  <c:v>13.996107437387291</c:v>
+                  <c:v>9.1024170009586332</c:v>
                 </c:pt>
               </c:numCache>
             </c:numRef>
@@ -4830,7 +5615,7 @@
               <c:strCache>
                 <c:ptCount val="1"/>
                 <c:pt idx="0">
-                  <c:v>__Away</c:v>
+                  <c:v>Bachelor Degree Level_Female_Away</c:v>
                 </c:pt>
               </c:strCache>
             </c:strRef>
@@ -4910,40 +5695,40 @@
                 <c:formatCode>_(* #,##0.00_);_(* \(#,##0.00\);_(* "-"??_);_(@_)</c:formatCode>
                 <c:ptCount val="16"/>
                 <c:pt idx="0">
-                  <c:v>4.510918697616539</c:v>
+                  <c:v>6.4447735544461953</c:v>
                 </c:pt>
                 <c:pt idx="1">
-                  <c:v>4.5843529594136125</c:v>
+                  <c:v>7.5357710659346377</c:v>
                 </c:pt>
                 <c:pt idx="2">
-                  <c:v>3.9034961156004626</c:v>
+                  <c:v>7.54961700036114</c:v>
                 </c:pt>
                 <c:pt idx="4">
-                  <c:v>3.6939980448305412</c:v>
+                  <c:v>5.0251613957749486</c:v>
                 </c:pt>
                 <c:pt idx="5">
-                  <c:v>3.6522333281694137</c:v>
+                  <c:v>5.3536753238420349</c:v>
                 </c:pt>
                 <c:pt idx="6">
-                  <c:v>3.0521073956301854</c:v>
+                  <c:v>4.8095272699401166</c:v>
                 </c:pt>
                 <c:pt idx="8">
-                  <c:v>2.9814413886667128</c:v>
+                  <c:v>3.8264012640516869</c:v>
                 </c:pt>
                 <c:pt idx="9">
-                  <c:v>3.1332161197771677</c:v>
+                  <c:v>3.3443466359471534</c:v>
                 </c:pt>
                 <c:pt idx="10">
-                  <c:v>2.6301823948100882</c:v>
+                  <c:v>2.9151028060913475</c:v>
                 </c:pt>
                 <c:pt idx="12">
-                  <c:v>3.5252821691494196</c:v>
+                  <c:v>3.8395677854550256</c:v>
                 </c:pt>
                 <c:pt idx="13">
-                  <c:v>3.7777196020423474</c:v>
+                  <c:v>3.2864310512100396</c:v>
                 </c:pt>
                 <c:pt idx="14">
-                  <c:v>3.2145811106981284</c:v>
+                  <c:v>2.5590941529288522</c:v>
                 </c:pt>
               </c:numCache>
             </c:numRef>
@@ -4964,7 +5749,7 @@
               <c:strCache>
                 <c:ptCount val="1"/>
                 <c:pt idx="0">
-                  <c:v>__Unemp</c:v>
+                  <c:v>Bachelor Degree Level_Female_Unemp</c:v>
                 </c:pt>
               </c:strCache>
             </c:strRef>
@@ -5044,40 +5829,40 @@
                 <c:formatCode>_(* #,##0.00_);_(* \(#,##0.00\);_(* "-"??_);_(@_)</c:formatCode>
                 <c:ptCount val="16"/>
                 <c:pt idx="0">
-                  <c:v>1.3291940656176839</c:v>
+                  <c:v>1.5273523112815857</c:v>
                 </c:pt>
                 <c:pt idx="1">
-                  <c:v>1.5700568851280461</c:v>
+                  <c:v>1.8518147583586568</c:v>
                 </c:pt>
                 <c:pt idx="2">
-                  <c:v>2.2309899466576981</c:v>
+                  <c:v>2.135256304506985</c:v>
                 </c:pt>
                 <c:pt idx="4">
-                  <c:v>2.4326818560334438</c:v>
+                  <c:v>1.801041067938101</c:v>
                 </c:pt>
                 <c:pt idx="5">
-                  <c:v>2.6902726302688951</c:v>
+                  <c:v>2.0584050531106115</c:v>
                 </c:pt>
                 <c:pt idx="6">
-                  <c:v>3.7322037029111628</c:v>
+                  <c:v>2.5041783073286226</c:v>
                 </c:pt>
                 <c:pt idx="8">
-                  <c:v>1.5235800289764676</c:v>
+                  <c:v>2.0171223664694198</c:v>
                 </c:pt>
                 <c:pt idx="9">
-                  <c:v>1.7098729248427205</c:v>
+                  <c:v>2.3612181219082258</c:v>
                 </c:pt>
                 <c:pt idx="10">
-                  <c:v>2.5320997496314837</c:v>
+                  <c:v>3.0184458983014859</c:v>
                 </c:pt>
                 <c:pt idx="12">
-                  <c:v>3.3849762831228318</c:v>
+                  <c:v>1.7872262085537058</c:v>
                 </c:pt>
                 <c:pt idx="13">
-                  <c:v>3.1744993118232281</c:v>
+                  <c:v>2.0243665455156545</c:v>
                 </c:pt>
                 <c:pt idx="14">
-                  <c:v>4.094648775824572</c:v>
+                  <c:v>2.4585164720443915</c:v>
                 </c:pt>
               </c:numCache>
             </c:numRef>
@@ -5180,40 +5965,40 @@
                 <c:formatCode>_(* #,##0.00_);_(* \(#,##0.00\);_(* "-"??_);_(@_)</c:formatCode>
                 <c:ptCount val="16"/>
                 <c:pt idx="0">
-                  <c:v>63.366249870756739</c:v>
+                  <c:v>87.42096271479268</c:v>
                 </c:pt>
                 <c:pt idx="1">
-                  <c:v>68.181754364844167</c:v>
+                  <c:v>88.43210953821422</c:v>
                 </c:pt>
                 <c:pt idx="2">
-                  <c:v>69.661343903097446</c:v>
+                  <c:v>90.026240526268992</c:v>
                 </c:pt>
                 <c:pt idx="4">
-                  <c:v>75.572723621282606</c:v>
+                  <c:v>83.961477398051798</c:v>
                 </c:pt>
                 <c:pt idx="5">
-                  <c:v>78.092253691594919</c:v>
+                  <c:v>84.365715159150938</c:v>
                 </c:pt>
                 <c:pt idx="6">
-                  <c:v>77.768027813926679</c:v>
+                  <c:v>86.855096036477931</c:v>
                 </c:pt>
                 <c:pt idx="8">
-                  <c:v>46.022212618534489</c:v>
+                  <c:v>96.318033789302248</c:v>
                 </c:pt>
                 <c:pt idx="9">
-                  <c:v>51.971110483024248</c:v>
+                  <c:v>96.097515932585651</c:v>
                 </c:pt>
                 <c:pt idx="10">
-                  <c:v>55.02750241188474</c:v>
+                  <c:v>95.757375284179403</c:v>
                 </c:pt>
                 <c:pt idx="12">
-                  <c:v>66.042281961386777</c:v>
+                  <c:v>96.569829394535233</c:v>
                 </c:pt>
                 <c:pt idx="13">
-                  <c:v>68.92300977668404</c:v>
+                  <c:v>96.765196490030078</c:v>
                 </c:pt>
                 <c:pt idx="14">
-                  <c:v>70.035260885633832</c:v>
+                  <c:v>96.466806017318106</c:v>
                 </c:pt>
               </c:numCache>
             </c:numRef>
@@ -5394,6 +6179,1762 @@
       <c:style val="2"/>
     </mc:Fallback>
   </mc:AlternateContent>
+  <c:chart>
+    <c:autoTitleDeleted val="1"/>
+    <c:plotArea>
+      <c:layout>
+        <c:manualLayout>
+          <c:layoutTarget val="inner"/>
+          <c:xMode val="edge"/>
+          <c:yMode val="edge"/>
+          <c:x val="4.8513162702222841E-2"/>
+          <c:y val="1.5943096378219241E-2"/>
+          <c:w val="0.9222681749150351"/>
+          <c:h val="0.91222923192305994"/>
+        </c:manualLayout>
+      </c:layout>
+      <c:lineChart>
+        <c:grouping val="standard"/>
+        <c:varyColors val="0"/>
+        <c:ser>
+          <c:idx val="0"/>
+          <c:order val="0"/>
+          <c:tx>
+            <c:strRef>
+              <c:f>Sheet1!$B$1</c:f>
+              <c:strCache>
+                <c:ptCount val="1"/>
+                <c:pt idx="0">
+                  <c:v>__FT</c:v>
+                </c:pt>
+              </c:strCache>
+            </c:strRef>
+          </c:tx>
+          <c:spPr>
+            <a:ln w="28575" cap="rnd">
+              <a:solidFill>
+                <a:schemeClr val="accent3"/>
+              </a:solidFill>
+              <a:round/>
+            </a:ln>
+            <a:effectLst/>
+          </c:spPr>
+          <c:marker>
+            <c:symbol val="circle"/>
+            <c:size val="7"/>
+            <c:spPr>
+              <a:solidFill>
+                <a:schemeClr val="accent3"/>
+              </a:solidFill>
+              <a:ln w="9525">
+                <a:solidFill>
+                  <a:schemeClr val="accent3"/>
+                </a:solidFill>
+              </a:ln>
+              <a:effectLst/>
+            </c:spPr>
+          </c:marker>
+          <c:cat>
+            <c:strRef>
+              <c:f>Sheet1!$A$2:$A$17</c:f>
+              <c:strCache>
+                <c:ptCount val="15"/>
+                <c:pt idx="0">
+                  <c:v>2006</c:v>
+                </c:pt>
+                <c:pt idx="1">
+                  <c:v>11</c:v>
+                </c:pt>
+                <c:pt idx="2">
+                  <c:v>16</c:v>
+                </c:pt>
+                <c:pt idx="4">
+                  <c:v>06</c:v>
+                </c:pt>
+                <c:pt idx="5">
+                  <c:v>11</c:v>
+                </c:pt>
+                <c:pt idx="6">
+                  <c:v>16</c:v>
+                </c:pt>
+                <c:pt idx="8">
+                  <c:v>06</c:v>
+                </c:pt>
+                <c:pt idx="9">
+                  <c:v>11</c:v>
+                </c:pt>
+                <c:pt idx="10">
+                  <c:v>16</c:v>
+                </c:pt>
+                <c:pt idx="12">
+                  <c:v>06</c:v>
+                </c:pt>
+                <c:pt idx="13">
+                  <c:v>11</c:v>
+                </c:pt>
+                <c:pt idx="14">
+                  <c:v>16</c:v>
+                </c:pt>
+              </c:strCache>
+            </c:strRef>
+          </c:cat>
+          <c:val>
+            <c:numRef>
+              <c:f>Sheet1!$B$2:$B$17</c:f>
+              <c:numCache>
+                <c:formatCode>_(* #,##0.00_);_(* \(#,##0.00\);_(* "-"??_);_(@_)</c:formatCode>
+                <c:ptCount val="16"/>
+                <c:pt idx="0">
+                  <c:v>18.634748108528203</c:v>
+                </c:pt>
+                <c:pt idx="1">
+                  <c:v>18.456957716953887</c:v>
+                </c:pt>
+                <c:pt idx="2">
+                  <c:v>20.275304011480944</c:v>
+                </c:pt>
+                <c:pt idx="3">
+                  <c:v>#N/A</c:v>
+                </c:pt>
+                <c:pt idx="4">
+                  <c:v>76.358118310048383</c:v>
+                </c:pt>
+                <c:pt idx="5">
+                  <c:v>75.888279074577852</c:v>
+                </c:pt>
+                <c:pt idx="6">
+                  <c:v>74.443352386671691</c:v>
+                </c:pt>
+                <c:pt idx="7">
+                  <c:v>#N/A</c:v>
+                </c:pt>
+                <c:pt idx="8">
+                  <c:v>31.891539595031503</c:v>
+                </c:pt>
+                <c:pt idx="9">
+                  <c:v>30.967083236504784</c:v>
+                </c:pt>
+                <c:pt idx="10">
+                  <c:v>33.999273791239297</c:v>
+                </c:pt>
+                <c:pt idx="11">
+                  <c:v>#N/A</c:v>
+                </c:pt>
+                <c:pt idx="12">
+                  <c:v>68.755999829686573</c:v>
+                </c:pt>
+                <c:pt idx="13">
+                  <c:v>69.541554090480147</c:v>
+                </c:pt>
+                <c:pt idx="14">
+                  <c:v>69.341067080408436</c:v>
+                </c:pt>
+              </c:numCache>
+            </c:numRef>
+          </c:val>
+          <c:smooth val="0"/>
+          <c:extLst>
+            <c:ext xmlns:c16="http://schemas.microsoft.com/office/drawing/2014/chart" uri="{C3380CC4-5D6E-409C-BE32-E72D297353CC}">
+              <c16:uniqueId val="{00000000-C353-A643-9756-BC8828084916}"/>
+            </c:ext>
+          </c:extLst>
+        </c:ser>
+        <c:ser>
+          <c:idx val="1"/>
+          <c:order val="1"/>
+          <c:tx>
+            <c:strRef>
+              <c:f>Sheet1!$C$1</c:f>
+              <c:strCache>
+                <c:ptCount val="1"/>
+                <c:pt idx="0">
+                  <c:v>__PT</c:v>
+                </c:pt>
+              </c:strCache>
+            </c:strRef>
+          </c:tx>
+          <c:spPr>
+            <a:ln w="28575" cap="rnd">
+              <a:solidFill>
+                <a:schemeClr val="accent2"/>
+              </a:solidFill>
+              <a:prstDash val="solid"/>
+              <a:round/>
+            </a:ln>
+            <a:effectLst/>
+          </c:spPr>
+          <c:marker>
+            <c:symbol val="circle"/>
+            <c:size val="7"/>
+            <c:spPr>
+              <a:solidFill>
+                <a:schemeClr val="accent2"/>
+              </a:solidFill>
+              <a:ln w="9525">
+                <a:solidFill>
+                  <a:schemeClr val="accent2"/>
+                </a:solidFill>
+                <a:prstDash val="solid"/>
+              </a:ln>
+              <a:effectLst/>
+            </c:spPr>
+          </c:marker>
+          <c:cat>
+            <c:strRef>
+              <c:f>Sheet1!$A$2:$A$17</c:f>
+              <c:strCache>
+                <c:ptCount val="15"/>
+                <c:pt idx="0">
+                  <c:v>2006</c:v>
+                </c:pt>
+                <c:pt idx="1">
+                  <c:v>11</c:v>
+                </c:pt>
+                <c:pt idx="2">
+                  <c:v>16</c:v>
+                </c:pt>
+                <c:pt idx="4">
+                  <c:v>06</c:v>
+                </c:pt>
+                <c:pt idx="5">
+                  <c:v>11</c:v>
+                </c:pt>
+                <c:pt idx="6">
+                  <c:v>16</c:v>
+                </c:pt>
+                <c:pt idx="8">
+                  <c:v>06</c:v>
+                </c:pt>
+                <c:pt idx="9">
+                  <c:v>11</c:v>
+                </c:pt>
+                <c:pt idx="10">
+                  <c:v>16</c:v>
+                </c:pt>
+                <c:pt idx="12">
+                  <c:v>06</c:v>
+                </c:pt>
+                <c:pt idx="13">
+                  <c:v>11</c:v>
+                </c:pt>
+                <c:pt idx="14">
+                  <c:v>16</c:v>
+                </c:pt>
+              </c:strCache>
+            </c:strRef>
+          </c:cat>
+          <c:val>
+            <c:numRef>
+              <c:f>Sheet1!$C$2:$C$17</c:f>
+              <c:numCache>
+                <c:formatCode>_(* #,##0.00_);_(* \(#,##0.00\);_(* "-"??_);_(@_)</c:formatCode>
+                <c:ptCount val="16"/>
+                <c:pt idx="0">
+                  <c:v>37.147658021551614</c:v>
+                </c:pt>
+                <c:pt idx="1">
+                  <c:v>36.801249179817844</c:v>
+                </c:pt>
+                <c:pt idx="2">
+                  <c:v>37.138818347117351</c:v>
+                </c:pt>
+                <c:pt idx="3">
+                  <c:v>#N/A</c:v>
+                </c:pt>
+                <c:pt idx="4">
+                  <c:v>13.860241514419211</c:v>
+                </c:pt>
+                <c:pt idx="5">
+                  <c:v>14.045873600007226</c:v>
+                </c:pt>
+                <c:pt idx="6">
+                  <c:v>15.856215642008602</c:v>
+                </c:pt>
+                <c:pt idx="7">
+                  <c:v>#N/A</c:v>
+                </c:pt>
+                <c:pt idx="8">
+                  <c:v>41.989321836068257</c:v>
+                </c:pt>
+                <c:pt idx="9">
+                  <c:v>43.076949931327007</c:v>
+                </c:pt>
+                <c:pt idx="10">
+                  <c:v>43.480109066115048</c:v>
+                </c:pt>
+                <c:pt idx="11">
+                  <c:v>#N/A</c:v>
+                </c:pt>
+                <c:pt idx="12">
+                  <c:v>17.801719263493229</c:v>
+                </c:pt>
+                <c:pt idx="13">
+                  <c:v>16.659261544541529</c:v>
+                </c:pt>
+                <c:pt idx="14">
+                  <c:v>16.940561528858932</c:v>
+                </c:pt>
+              </c:numCache>
+            </c:numRef>
+          </c:val>
+          <c:smooth val="0"/>
+          <c:extLst>
+            <c:ext xmlns:c16="http://schemas.microsoft.com/office/drawing/2014/chart" uri="{C3380CC4-5D6E-409C-BE32-E72D297353CC}">
+              <c16:uniqueId val="{00000001-C353-A643-9756-BC8828084916}"/>
+            </c:ext>
+          </c:extLst>
+        </c:ser>
+        <c:ser>
+          <c:idx val="2"/>
+          <c:order val="2"/>
+          <c:tx>
+            <c:strRef>
+              <c:f>Sheet1!$D$1</c:f>
+              <c:strCache>
+                <c:ptCount val="1"/>
+                <c:pt idx="0">
+                  <c:v>__Away</c:v>
+                </c:pt>
+              </c:strCache>
+            </c:strRef>
+          </c:tx>
+          <c:spPr>
+            <a:ln w="28575" cap="rnd">
+              <a:solidFill>
+                <a:schemeClr val="accent1"/>
+              </a:solidFill>
+              <a:round/>
+            </a:ln>
+            <a:effectLst/>
+          </c:spPr>
+          <c:marker>
+            <c:symbol val="circle"/>
+            <c:size val="7"/>
+            <c:spPr>
+              <a:solidFill>
+                <a:schemeClr val="accent1"/>
+              </a:solidFill>
+              <a:ln w="9525">
+                <a:solidFill>
+                  <a:schemeClr val="accent1"/>
+                </a:solidFill>
+              </a:ln>
+              <a:effectLst/>
+            </c:spPr>
+          </c:marker>
+          <c:cat>
+            <c:strRef>
+              <c:f>Sheet1!$A$2:$A$17</c:f>
+              <c:strCache>
+                <c:ptCount val="15"/>
+                <c:pt idx="0">
+                  <c:v>2006</c:v>
+                </c:pt>
+                <c:pt idx="1">
+                  <c:v>11</c:v>
+                </c:pt>
+                <c:pt idx="2">
+                  <c:v>16</c:v>
+                </c:pt>
+                <c:pt idx="4">
+                  <c:v>06</c:v>
+                </c:pt>
+                <c:pt idx="5">
+                  <c:v>11</c:v>
+                </c:pt>
+                <c:pt idx="6">
+                  <c:v>16</c:v>
+                </c:pt>
+                <c:pt idx="8">
+                  <c:v>06</c:v>
+                </c:pt>
+                <c:pt idx="9">
+                  <c:v>11</c:v>
+                </c:pt>
+                <c:pt idx="10">
+                  <c:v>16</c:v>
+                </c:pt>
+                <c:pt idx="12">
+                  <c:v>06</c:v>
+                </c:pt>
+                <c:pt idx="13">
+                  <c:v>11</c:v>
+                </c:pt>
+                <c:pt idx="14">
+                  <c:v>16</c:v>
+                </c:pt>
+              </c:strCache>
+            </c:strRef>
+          </c:cat>
+          <c:val>
+            <c:numRef>
+              <c:f>Sheet1!$D$2:$D$17</c:f>
+              <c:numCache>
+                <c:formatCode>_(* #,##0.00_);_(* \(#,##0.00\);_(* "-"??_);_(@_)</c:formatCode>
+                <c:ptCount val="16"/>
+                <c:pt idx="0">
+                  <c:v>11.858664360085871</c:v>
+                </c:pt>
+                <c:pt idx="1">
+                  <c:v>16.256997080416042</c:v>
+                </c:pt>
+                <c:pt idx="2">
+                  <c:v>17.635891678884665</c:v>
+                </c:pt>
+                <c:pt idx="3">
+                  <c:v>#N/A</c:v>
+                </c:pt>
+                <c:pt idx="4">
+                  <c:v>4.1013911087244352</c:v>
+                </c:pt>
+                <c:pt idx="5">
+                  <c:v>3.9125507900933263</c:v>
+                </c:pt>
+                <c:pt idx="6">
+                  <c:v>3.2142051922659647</c:v>
+                </c:pt>
+                <c:pt idx="7">
+                  <c:v>#N/A</c:v>
+                </c:pt>
+                <c:pt idx="8">
+                  <c:v>5.1738044128297478</c:v>
+                </c:pt>
+                <c:pt idx="9">
+                  <c:v>5.7187153559620629</c:v>
+                </c:pt>
+                <c:pt idx="10">
+                  <c:v>5.2286331140415303</c:v>
+                </c:pt>
+                <c:pt idx="11">
+                  <c:v>#N/A</c:v>
+                </c:pt>
+                <c:pt idx="12">
+                  <c:v>4.751097566284737</c:v>
+                </c:pt>
+                <c:pt idx="13">
+                  <c:v>4.3563220749444396</c:v>
+                </c:pt>
+                <c:pt idx="14">
+                  <c:v>3.6323839092520211</c:v>
+                </c:pt>
+              </c:numCache>
+            </c:numRef>
+          </c:val>
+          <c:smooth val="0"/>
+          <c:extLst>
+            <c:ext xmlns:c16="http://schemas.microsoft.com/office/drawing/2014/chart" uri="{C3380CC4-5D6E-409C-BE32-E72D297353CC}">
+              <c16:uniqueId val="{00000002-C353-A643-9756-BC8828084916}"/>
+            </c:ext>
+          </c:extLst>
+        </c:ser>
+        <c:ser>
+          <c:idx val="3"/>
+          <c:order val="3"/>
+          <c:tx>
+            <c:strRef>
+              <c:f>Sheet1!$E$1</c:f>
+              <c:strCache>
+                <c:ptCount val="1"/>
+                <c:pt idx="0">
+                  <c:v>__Unemp</c:v>
+                </c:pt>
+              </c:strCache>
+            </c:strRef>
+          </c:tx>
+          <c:spPr>
+            <a:ln w="28575" cap="rnd">
+              <a:solidFill>
+                <a:schemeClr val="tx2"/>
+              </a:solidFill>
+              <a:prstDash val="dash"/>
+              <a:round/>
+            </a:ln>
+            <a:effectLst/>
+          </c:spPr>
+          <c:marker>
+            <c:symbol val="circle"/>
+            <c:size val="7"/>
+            <c:spPr>
+              <a:solidFill>
+                <a:schemeClr val="tx2"/>
+              </a:solidFill>
+              <a:ln w="9525">
+                <a:noFill/>
+                <a:prstDash val="dash"/>
+              </a:ln>
+              <a:effectLst/>
+            </c:spPr>
+          </c:marker>
+          <c:cat>
+            <c:strRef>
+              <c:f>Sheet1!$A$2:$A$17</c:f>
+              <c:strCache>
+                <c:ptCount val="15"/>
+                <c:pt idx="0">
+                  <c:v>2006</c:v>
+                </c:pt>
+                <c:pt idx="1">
+                  <c:v>11</c:v>
+                </c:pt>
+                <c:pt idx="2">
+                  <c:v>16</c:v>
+                </c:pt>
+                <c:pt idx="4">
+                  <c:v>06</c:v>
+                </c:pt>
+                <c:pt idx="5">
+                  <c:v>11</c:v>
+                </c:pt>
+                <c:pt idx="6">
+                  <c:v>16</c:v>
+                </c:pt>
+                <c:pt idx="8">
+                  <c:v>06</c:v>
+                </c:pt>
+                <c:pt idx="9">
+                  <c:v>11</c:v>
+                </c:pt>
+                <c:pt idx="10">
+                  <c:v>16</c:v>
+                </c:pt>
+                <c:pt idx="12">
+                  <c:v>06</c:v>
+                </c:pt>
+                <c:pt idx="13">
+                  <c:v>11</c:v>
+                </c:pt>
+                <c:pt idx="14">
+                  <c:v>16</c:v>
+                </c:pt>
+              </c:strCache>
+            </c:strRef>
+          </c:cat>
+          <c:val>
+            <c:numRef>
+              <c:f>Sheet1!$E$2:$E$17</c:f>
+              <c:numCache>
+                <c:formatCode>_(* #,##0.00_);_(* \(#,##0.00\);_(* "-"??_);_(@_)</c:formatCode>
+                <c:ptCount val="16"/>
+                <c:pt idx="0">
+                  <c:v>1.4714708408340222</c:v>
+                </c:pt>
+                <c:pt idx="1">
+                  <c:v>1.7925584960529402</c:v>
+                </c:pt>
+                <c:pt idx="2">
+                  <c:v>2.1039710752953686</c:v>
+                </c:pt>
+                <c:pt idx="3">
+                  <c:v>#N/A</c:v>
+                </c:pt>
+                <c:pt idx="4">
+                  <c:v>1.5670681477080317</c:v>
+                </c:pt>
+                <c:pt idx="5">
+                  <c:v>1.9294909256464756</c:v>
+                </c:pt>
+                <c:pt idx="6">
+                  <c:v>2.193540292268148</c:v>
+                </c:pt>
+                <c:pt idx="7">
+                  <c:v>#N/A</c:v>
+                </c:pt>
+                <c:pt idx="8">
+                  <c:v>1.7138146282211408</c:v>
+                </c:pt>
+                <c:pt idx="9">
+                  <c:v>1.9215192447875542</c:v>
+                </c:pt>
+                <c:pt idx="10">
+                  <c:v>2.3687507318675984</c:v>
+                </c:pt>
+                <c:pt idx="11">
+                  <c:v>#N/A</c:v>
+                </c:pt>
+                <c:pt idx="12">
+                  <c:v>2.0083702155398826</c:v>
+                </c:pt>
+                <c:pt idx="13">
+                  <c:v>2.5189253965079947</c:v>
+                </c:pt>
+                <c:pt idx="14">
+                  <c:v>3.0138734522051469</c:v>
+                </c:pt>
+              </c:numCache>
+            </c:numRef>
+          </c:val>
+          <c:smooth val="0"/>
+          <c:extLst>
+            <c:ext xmlns:c16="http://schemas.microsoft.com/office/drawing/2014/chart" uri="{C3380CC4-5D6E-409C-BE32-E72D297353CC}">
+              <c16:uniqueId val="{00000003-C353-A643-9756-BC8828084916}"/>
+            </c:ext>
+          </c:extLst>
+        </c:ser>
+        <c:ser>
+          <c:idx val="4"/>
+          <c:order val="4"/>
+          <c:tx>
+            <c:strRef>
+              <c:f>Sheet1!$F$1</c:f>
+              <c:strCache>
+                <c:ptCount val="1"/>
+                <c:pt idx="0">
+                  <c:v>Participation</c:v>
+                </c:pt>
+              </c:strCache>
+            </c:strRef>
+          </c:tx>
+          <c:spPr>
+            <a:ln w="28575" cap="rnd">
+              <a:solidFill>
+                <a:schemeClr val="tx1"/>
+              </a:solidFill>
+              <a:prstDash val="solid"/>
+              <a:round/>
+            </a:ln>
+            <a:effectLst/>
+          </c:spPr>
+          <c:marker>
+            <c:symbol val="circle"/>
+            <c:size val="7"/>
+            <c:spPr>
+              <a:solidFill>
+                <a:schemeClr val="tx1"/>
+              </a:solidFill>
+              <a:ln w="9525">
+                <a:solidFill>
+                  <a:schemeClr val="tx1"/>
+                </a:solidFill>
+                <a:prstDash val="solid"/>
+              </a:ln>
+              <a:effectLst/>
+            </c:spPr>
+          </c:marker>
+          <c:cat>
+            <c:strRef>
+              <c:f>Sheet1!$A$2:$A$17</c:f>
+              <c:strCache>
+                <c:ptCount val="15"/>
+                <c:pt idx="0">
+                  <c:v>2006</c:v>
+                </c:pt>
+                <c:pt idx="1">
+                  <c:v>11</c:v>
+                </c:pt>
+                <c:pt idx="2">
+                  <c:v>16</c:v>
+                </c:pt>
+                <c:pt idx="4">
+                  <c:v>06</c:v>
+                </c:pt>
+                <c:pt idx="5">
+                  <c:v>11</c:v>
+                </c:pt>
+                <c:pt idx="6">
+                  <c:v>16</c:v>
+                </c:pt>
+                <c:pt idx="8">
+                  <c:v>06</c:v>
+                </c:pt>
+                <c:pt idx="9">
+                  <c:v>11</c:v>
+                </c:pt>
+                <c:pt idx="10">
+                  <c:v>16</c:v>
+                </c:pt>
+                <c:pt idx="12">
+                  <c:v>06</c:v>
+                </c:pt>
+                <c:pt idx="13">
+                  <c:v>11</c:v>
+                </c:pt>
+                <c:pt idx="14">
+                  <c:v>16</c:v>
+                </c:pt>
+              </c:strCache>
+            </c:strRef>
+          </c:cat>
+          <c:val>
+            <c:numRef>
+              <c:f>Sheet1!$F$2:$F$17</c:f>
+              <c:numCache>
+                <c:formatCode>_(* #,##0.00_);_(* \(#,##0.00\);_(* "-"??_);_(@_)</c:formatCode>
+                <c:ptCount val="16"/>
+                <c:pt idx="0">
+                  <c:v>69.112541330999704</c:v>
+                </c:pt>
+                <c:pt idx="1">
+                  <c:v>73.307762473240714</c:v>
+                </c:pt>
+                <c:pt idx="2">
+                  <c:v>77.153985112778344</c:v>
+                </c:pt>
+                <c:pt idx="4">
+                  <c:v>95.886819080900068</c:v>
+                </c:pt>
+                <c:pt idx="5">
+                  <c:v>95.776194390324875</c:v>
+                </c:pt>
+                <c:pt idx="6">
+                  <c:v>95.707313513214416</c:v>
+                </c:pt>
+                <c:pt idx="8">
+                  <c:v>80.768480472150642</c:v>
+                </c:pt>
+                <c:pt idx="9">
+                  <c:v>81.684267768581407</c:v>
+                </c:pt>
+                <c:pt idx="10">
+                  <c:v>85.076766703263459</c:v>
+                </c:pt>
+                <c:pt idx="12">
+                  <c:v>93.317186875004424</c:v>
+                </c:pt>
+                <c:pt idx="13">
+                  <c:v>93.076063106474095</c:v>
+                </c:pt>
+                <c:pt idx="14">
+                  <c:v>92.927885970724532</c:v>
+                </c:pt>
+              </c:numCache>
+            </c:numRef>
+          </c:val>
+          <c:smooth val="0"/>
+          <c:extLst>
+            <c:ext xmlns:c16="http://schemas.microsoft.com/office/drawing/2014/chart" uri="{C3380CC4-5D6E-409C-BE32-E72D297353CC}">
+              <c16:uniqueId val="{00000004-C353-A643-9756-BC8828084916}"/>
+            </c:ext>
+          </c:extLst>
+        </c:ser>
+        <c:dLbls>
+          <c:showLegendKey val="0"/>
+          <c:showVal val="0"/>
+          <c:showCatName val="0"/>
+          <c:showSerName val="0"/>
+          <c:showPercent val="0"/>
+          <c:showBubbleSize val="0"/>
+        </c:dLbls>
+        <c:marker val="1"/>
+        <c:smooth val="0"/>
+        <c:axId val="266766111"/>
+        <c:axId val="315424735"/>
+      </c:lineChart>
+      <c:catAx>
+        <c:axId val="266766111"/>
+        <c:scaling>
+          <c:orientation val="minMax"/>
+        </c:scaling>
+        <c:delete val="0"/>
+        <c:axPos val="b"/>
+        <c:numFmt formatCode="General" sourceLinked="1"/>
+        <c:majorTickMark val="none"/>
+        <c:minorTickMark val="none"/>
+        <c:tickLblPos val="nextTo"/>
+        <c:spPr>
+          <a:noFill/>
+          <a:ln w="9525" cap="flat" cmpd="sng" algn="ctr">
+            <a:solidFill>
+              <a:schemeClr val="tx1"/>
+            </a:solidFill>
+            <a:round/>
+          </a:ln>
+          <a:effectLst/>
+        </c:spPr>
+        <c:txPr>
+          <a:bodyPr rot="-60000000" spcFirstLastPara="1" vertOverflow="ellipsis" vert="horz" wrap="square" anchor="ctr" anchorCtr="1"/>
+          <a:lstStyle/>
+          <a:p>
+            <a:pPr>
+              <a:defRPr sz="1800" b="0" i="0" u="none" strike="noStrike" kern="1200" baseline="0">
+                <a:solidFill>
+                  <a:schemeClr val="tx1"/>
+                </a:solidFill>
+                <a:latin typeface="+mn-lt"/>
+                <a:ea typeface="+mn-ea"/>
+                <a:cs typeface="+mn-cs"/>
+              </a:defRPr>
+            </a:pPr>
+            <a:endParaRPr lang="en-US"/>
+          </a:p>
+        </c:txPr>
+        <c:crossAx val="315424735"/>
+        <c:crosses val="autoZero"/>
+        <c:auto val="1"/>
+        <c:lblAlgn val="ctr"/>
+        <c:lblOffset val="100"/>
+        <c:noMultiLvlLbl val="0"/>
+      </c:catAx>
+      <c:valAx>
+        <c:axId val="315424735"/>
+        <c:scaling>
+          <c:orientation val="minMax"/>
+          <c:max val="100"/>
+          <c:min val="0"/>
+        </c:scaling>
+        <c:delete val="0"/>
+        <c:axPos val="l"/>
+        <c:majorGridlines>
+          <c:spPr>
+            <a:ln w="9525" cap="flat" cmpd="sng" algn="ctr">
+              <a:solidFill>
+                <a:schemeClr val="tx1">
+                  <a:lumMod val="15000"/>
+                  <a:lumOff val="85000"/>
+                </a:schemeClr>
+              </a:solidFill>
+              <a:round/>
+            </a:ln>
+            <a:effectLst/>
+          </c:spPr>
+        </c:majorGridlines>
+        <c:numFmt formatCode="#,##0" sourceLinked="0"/>
+        <c:majorTickMark val="none"/>
+        <c:minorTickMark val="none"/>
+        <c:tickLblPos val="nextTo"/>
+        <c:spPr>
+          <a:noFill/>
+          <a:ln>
+            <a:noFill/>
+          </a:ln>
+          <a:effectLst/>
+        </c:spPr>
+        <c:txPr>
+          <a:bodyPr rot="-60000000" spcFirstLastPara="1" vertOverflow="ellipsis" vert="horz" wrap="square" anchor="ctr" anchorCtr="1"/>
+          <a:lstStyle/>
+          <a:p>
+            <a:pPr>
+              <a:defRPr sz="1800" b="0" i="0" u="none" strike="noStrike" kern="1200" baseline="0">
+                <a:solidFill>
+                  <a:schemeClr val="tx1"/>
+                </a:solidFill>
+                <a:latin typeface="+mn-lt"/>
+                <a:ea typeface="+mn-ea"/>
+                <a:cs typeface="+mn-cs"/>
+              </a:defRPr>
+            </a:pPr>
+            <a:endParaRPr lang="en-US"/>
+          </a:p>
+        </c:txPr>
+        <c:crossAx val="266766111"/>
+        <c:crosses val="autoZero"/>
+        <c:crossBetween val="midCat"/>
+        <c:majorUnit val="10"/>
+      </c:valAx>
+      <c:spPr>
+        <a:noFill/>
+        <a:ln>
+          <a:noFill/>
+        </a:ln>
+        <a:effectLst/>
+      </c:spPr>
+    </c:plotArea>
+    <c:plotVisOnly val="1"/>
+    <c:dispBlanksAs val="gap"/>
+    <c:extLst>
+      <c:ext xmlns:c16r3="http://schemas.microsoft.com/office/drawing/2017/03/chart" uri="{56B9EC1D-385E-4148-901F-78D8002777C0}">
+        <c16r3:dataDisplayOptions16>
+          <c16r3:dispNaAsBlank val="1"/>
+        </c16r3:dataDisplayOptions16>
+      </c:ext>
+    </c:extLst>
+    <c:showDLblsOverMax val="0"/>
+  </c:chart>
+  <c:spPr>
+    <a:noFill/>
+    <a:ln>
+      <a:noFill/>
+    </a:ln>
+    <a:effectLst/>
+  </c:spPr>
+  <c:txPr>
+    <a:bodyPr/>
+    <a:lstStyle/>
+    <a:p>
+      <a:pPr>
+        <a:defRPr/>
+      </a:pPr>
+      <a:endParaRPr lang="en-US"/>
+    </a:p>
+  </c:txPr>
+  <c:externalData r:id="rId3">
+    <c:autoUpdate val="0"/>
+  </c:externalData>
+</c:chartSpace>
+</file>
+
+<file path=ppt/charts/chart7.xml><?xml version="1.0" encoding="utf-8"?>
+<c:chartSpace xmlns:c="http://schemas.openxmlformats.org/drawingml/2006/chart" xmlns:a="http://schemas.openxmlformats.org/drawingml/2006/main" xmlns:r="http://schemas.openxmlformats.org/officeDocument/2006/relationships" xmlns:c16r2="http://schemas.microsoft.com/office/drawing/2015/06/chart">
+  <c:date1904 val="0"/>
+  <c:lang val="en-US"/>
+  <c:roundedCorners val="0"/>
+  <mc:AlternateContent xmlns:mc="http://schemas.openxmlformats.org/markup-compatibility/2006">
+    <mc:Choice xmlns:c14="http://schemas.microsoft.com/office/drawing/2007/8/2/chart" Requires="c14">
+      <c14:style val="102"/>
+    </mc:Choice>
+    <mc:Fallback>
+      <c:style val="2"/>
+    </mc:Fallback>
+  </mc:AlternateContent>
+  <c:chart>
+    <c:autoTitleDeleted val="1"/>
+    <c:plotArea>
+      <c:layout>
+        <c:manualLayout>
+          <c:layoutTarget val="inner"/>
+          <c:xMode val="edge"/>
+          <c:yMode val="edge"/>
+          <c:x val="4.8513162702222841E-2"/>
+          <c:y val="1.5943096378219241E-2"/>
+          <c:w val="0.9222681749150351"/>
+          <c:h val="0.91222923192305994"/>
+        </c:manualLayout>
+      </c:layout>
+      <c:lineChart>
+        <c:grouping val="standard"/>
+        <c:varyColors val="0"/>
+        <c:ser>
+          <c:idx val="0"/>
+          <c:order val="0"/>
+          <c:tx>
+            <c:strRef>
+              <c:f>Sheet1!$B$1</c:f>
+              <c:strCache>
+                <c:ptCount val="1"/>
+                <c:pt idx="0">
+                  <c:v>__FT</c:v>
+                </c:pt>
+              </c:strCache>
+            </c:strRef>
+          </c:tx>
+          <c:spPr>
+            <a:ln w="28575" cap="rnd">
+              <a:solidFill>
+                <a:schemeClr val="accent3"/>
+              </a:solidFill>
+              <a:round/>
+            </a:ln>
+            <a:effectLst/>
+          </c:spPr>
+          <c:marker>
+            <c:symbol val="circle"/>
+            <c:size val="7"/>
+            <c:spPr>
+              <a:solidFill>
+                <a:schemeClr val="accent3"/>
+              </a:solidFill>
+              <a:ln w="9525">
+                <a:solidFill>
+                  <a:schemeClr val="accent3"/>
+                </a:solidFill>
+              </a:ln>
+              <a:effectLst/>
+            </c:spPr>
+          </c:marker>
+          <c:cat>
+            <c:strRef>
+              <c:f>Sheet1!$A$2:$A$17</c:f>
+              <c:strCache>
+                <c:ptCount val="15"/>
+                <c:pt idx="0">
+                  <c:v>2006</c:v>
+                </c:pt>
+                <c:pt idx="1">
+                  <c:v>11</c:v>
+                </c:pt>
+                <c:pt idx="2">
+                  <c:v>16</c:v>
+                </c:pt>
+                <c:pt idx="4">
+                  <c:v>06</c:v>
+                </c:pt>
+                <c:pt idx="5">
+                  <c:v>11</c:v>
+                </c:pt>
+                <c:pt idx="6">
+                  <c:v>16</c:v>
+                </c:pt>
+                <c:pt idx="8">
+                  <c:v>06</c:v>
+                </c:pt>
+                <c:pt idx="9">
+                  <c:v>11</c:v>
+                </c:pt>
+                <c:pt idx="10">
+                  <c:v>16</c:v>
+                </c:pt>
+                <c:pt idx="12">
+                  <c:v>06</c:v>
+                </c:pt>
+                <c:pt idx="13">
+                  <c:v>11</c:v>
+                </c:pt>
+                <c:pt idx="14">
+                  <c:v>16</c:v>
+                </c:pt>
+              </c:strCache>
+            </c:strRef>
+          </c:cat>
+          <c:val>
+            <c:numRef>
+              <c:f>Sheet1!$B$2:$B$17</c:f>
+              <c:numCache>
+                <c:formatCode>_(* #,##0.00_);_(* \(#,##0.00\);_(* "-"??_);_(@_)</c:formatCode>
+                <c:ptCount val="16"/>
+                <c:pt idx="0">
+                  <c:v>30.225545103846496</c:v>
+                </c:pt>
+                <c:pt idx="1">
+                  <c:v>33.293104944960056</c:v>
+                </c:pt>
+                <c:pt idx="2">
+                  <c:v>33.99481761219208</c:v>
+                </c:pt>
+                <c:pt idx="4">
+                  <c:v>53.077321541791662</c:v>
+                </c:pt>
+                <c:pt idx="5">
+                  <c:v>55.393468056532903</c:v>
+                </c:pt>
+                <c:pt idx="6">
+                  <c:v>54.972633735911963</c:v>
+                </c:pt>
+                <c:pt idx="8">
+                  <c:v>21.904274173676896</c:v>
+                </c:pt>
+                <c:pt idx="9">
+                  <c:v>24.925938736941667</c:v>
+                </c:pt>
+                <c:pt idx="10">
+                  <c:v>25.837104340612477</c:v>
+                </c:pt>
+                <c:pt idx="12">
+                  <c:v>46.19573560508266</c:v>
+                </c:pt>
+                <c:pt idx="13">
+                  <c:v>48.482885810536381</c:v>
+                </c:pt>
+                <c:pt idx="14">
+                  <c:v>48.729923561723837</c:v>
+                </c:pt>
+              </c:numCache>
+            </c:numRef>
+          </c:val>
+          <c:smooth val="0"/>
+          <c:extLst>
+            <c:ext xmlns:c16="http://schemas.microsoft.com/office/drawing/2014/chart" uri="{C3380CC4-5D6E-409C-BE32-E72D297353CC}">
+              <c16:uniqueId val="{00000000-C353-A643-9756-BC8828084916}"/>
+            </c:ext>
+          </c:extLst>
+        </c:ser>
+        <c:ser>
+          <c:idx val="1"/>
+          <c:order val="1"/>
+          <c:tx>
+            <c:strRef>
+              <c:f>Sheet1!$C$1</c:f>
+              <c:strCache>
+                <c:ptCount val="1"/>
+                <c:pt idx="0">
+                  <c:v>__PT</c:v>
+                </c:pt>
+              </c:strCache>
+            </c:strRef>
+          </c:tx>
+          <c:spPr>
+            <a:ln w="28575" cap="rnd">
+              <a:solidFill>
+                <a:schemeClr val="accent2"/>
+              </a:solidFill>
+              <a:prstDash val="solid"/>
+              <a:round/>
+            </a:ln>
+            <a:effectLst/>
+          </c:spPr>
+          <c:marker>
+            <c:symbol val="circle"/>
+            <c:size val="7"/>
+            <c:spPr>
+              <a:solidFill>
+                <a:schemeClr val="accent2"/>
+              </a:solidFill>
+              <a:ln w="9525">
+                <a:solidFill>
+                  <a:schemeClr val="accent2"/>
+                </a:solidFill>
+                <a:prstDash val="solid"/>
+              </a:ln>
+              <a:effectLst/>
+            </c:spPr>
+          </c:marker>
+          <c:cat>
+            <c:strRef>
+              <c:f>Sheet1!$A$2:$A$17</c:f>
+              <c:strCache>
+                <c:ptCount val="15"/>
+                <c:pt idx="0">
+                  <c:v>2006</c:v>
+                </c:pt>
+                <c:pt idx="1">
+                  <c:v>11</c:v>
+                </c:pt>
+                <c:pt idx="2">
+                  <c:v>16</c:v>
+                </c:pt>
+                <c:pt idx="4">
+                  <c:v>06</c:v>
+                </c:pt>
+                <c:pt idx="5">
+                  <c:v>11</c:v>
+                </c:pt>
+                <c:pt idx="6">
+                  <c:v>16</c:v>
+                </c:pt>
+                <c:pt idx="8">
+                  <c:v>06</c:v>
+                </c:pt>
+                <c:pt idx="9">
+                  <c:v>11</c:v>
+                </c:pt>
+                <c:pt idx="10">
+                  <c:v>16</c:v>
+                </c:pt>
+                <c:pt idx="12">
+                  <c:v>06</c:v>
+                </c:pt>
+                <c:pt idx="13">
+                  <c:v>11</c:v>
+                </c:pt>
+                <c:pt idx="14">
+                  <c:v>16</c:v>
+                </c:pt>
+              </c:strCache>
+            </c:strRef>
+          </c:cat>
+          <c:val>
+            <c:numRef>
+              <c:f>Sheet1!$C$2:$C$17</c:f>
+              <c:numCache>
+                <c:formatCode>_(* #,##0.00_);_(* \(#,##0.00\);_(* "-"??_);_(@_)</c:formatCode>
+                <c:ptCount val="16"/>
+                <c:pt idx="0">
+                  <c:v>27.300592003676019</c:v>
+                </c:pt>
+                <c:pt idx="1">
+                  <c:v>28.73423957534245</c:v>
+                </c:pt>
+                <c:pt idx="2">
+                  <c:v>29.532040228647212</c:v>
+                </c:pt>
+                <c:pt idx="4">
+                  <c:v>16.36872217862696</c:v>
+                </c:pt>
+                <c:pt idx="5">
+                  <c:v>16.356279676623725</c:v>
+                </c:pt>
+                <c:pt idx="6">
+                  <c:v>16.011082979473379</c:v>
+                </c:pt>
+                <c:pt idx="8">
+                  <c:v>19.612917027214408</c:v>
+                </c:pt>
+                <c:pt idx="9">
+                  <c:v>22.20208270146269</c:v>
+                </c:pt>
+                <c:pt idx="10">
+                  <c:v>24.028115926830687</c:v>
+                </c:pt>
+                <c:pt idx="12">
+                  <c:v>12.936287904031872</c:v>
+                </c:pt>
+                <c:pt idx="13">
+                  <c:v>13.487905052282079</c:v>
+                </c:pt>
+                <c:pt idx="14">
+                  <c:v>13.996107437387291</c:v>
+                </c:pt>
+              </c:numCache>
+            </c:numRef>
+          </c:val>
+          <c:smooth val="0"/>
+          <c:extLst>
+            <c:ext xmlns:c16="http://schemas.microsoft.com/office/drawing/2014/chart" uri="{C3380CC4-5D6E-409C-BE32-E72D297353CC}">
+              <c16:uniqueId val="{00000001-C353-A643-9756-BC8828084916}"/>
+            </c:ext>
+          </c:extLst>
+        </c:ser>
+        <c:ser>
+          <c:idx val="2"/>
+          <c:order val="2"/>
+          <c:tx>
+            <c:strRef>
+              <c:f>Sheet1!$D$1</c:f>
+              <c:strCache>
+                <c:ptCount val="1"/>
+                <c:pt idx="0">
+                  <c:v>__Away</c:v>
+                </c:pt>
+              </c:strCache>
+            </c:strRef>
+          </c:tx>
+          <c:spPr>
+            <a:ln w="28575" cap="rnd">
+              <a:solidFill>
+                <a:schemeClr val="accent1"/>
+              </a:solidFill>
+              <a:round/>
+            </a:ln>
+            <a:effectLst/>
+          </c:spPr>
+          <c:marker>
+            <c:symbol val="circle"/>
+            <c:size val="7"/>
+            <c:spPr>
+              <a:solidFill>
+                <a:schemeClr val="accent1"/>
+              </a:solidFill>
+              <a:ln w="9525">
+                <a:solidFill>
+                  <a:schemeClr val="accent1"/>
+                </a:solidFill>
+              </a:ln>
+              <a:effectLst/>
+            </c:spPr>
+          </c:marker>
+          <c:cat>
+            <c:strRef>
+              <c:f>Sheet1!$A$2:$A$17</c:f>
+              <c:strCache>
+                <c:ptCount val="15"/>
+                <c:pt idx="0">
+                  <c:v>2006</c:v>
+                </c:pt>
+                <c:pt idx="1">
+                  <c:v>11</c:v>
+                </c:pt>
+                <c:pt idx="2">
+                  <c:v>16</c:v>
+                </c:pt>
+                <c:pt idx="4">
+                  <c:v>06</c:v>
+                </c:pt>
+                <c:pt idx="5">
+                  <c:v>11</c:v>
+                </c:pt>
+                <c:pt idx="6">
+                  <c:v>16</c:v>
+                </c:pt>
+                <c:pt idx="8">
+                  <c:v>06</c:v>
+                </c:pt>
+                <c:pt idx="9">
+                  <c:v>11</c:v>
+                </c:pt>
+                <c:pt idx="10">
+                  <c:v>16</c:v>
+                </c:pt>
+                <c:pt idx="12">
+                  <c:v>06</c:v>
+                </c:pt>
+                <c:pt idx="13">
+                  <c:v>11</c:v>
+                </c:pt>
+                <c:pt idx="14">
+                  <c:v>16</c:v>
+                </c:pt>
+              </c:strCache>
+            </c:strRef>
+          </c:cat>
+          <c:val>
+            <c:numRef>
+              <c:f>Sheet1!$D$2:$D$17</c:f>
+              <c:numCache>
+                <c:formatCode>_(* #,##0.00_);_(* \(#,##0.00\);_(* "-"??_);_(@_)</c:formatCode>
+                <c:ptCount val="16"/>
+                <c:pt idx="0">
+                  <c:v>4.510918697616539</c:v>
+                </c:pt>
+                <c:pt idx="1">
+                  <c:v>4.5843529594136125</c:v>
+                </c:pt>
+                <c:pt idx="2">
+                  <c:v>3.9034961156004626</c:v>
+                </c:pt>
+                <c:pt idx="4">
+                  <c:v>3.6939980448305412</c:v>
+                </c:pt>
+                <c:pt idx="5">
+                  <c:v>3.6522333281694137</c:v>
+                </c:pt>
+                <c:pt idx="6">
+                  <c:v>3.0521073956301854</c:v>
+                </c:pt>
+                <c:pt idx="8">
+                  <c:v>2.9814413886667128</c:v>
+                </c:pt>
+                <c:pt idx="9">
+                  <c:v>3.1332161197771677</c:v>
+                </c:pt>
+                <c:pt idx="10">
+                  <c:v>2.6301823948100882</c:v>
+                </c:pt>
+                <c:pt idx="12">
+                  <c:v>3.5252821691494196</c:v>
+                </c:pt>
+                <c:pt idx="13">
+                  <c:v>3.7777196020423474</c:v>
+                </c:pt>
+                <c:pt idx="14">
+                  <c:v>3.2145811106981284</c:v>
+                </c:pt>
+              </c:numCache>
+            </c:numRef>
+          </c:val>
+          <c:smooth val="0"/>
+          <c:extLst>
+            <c:ext xmlns:c16="http://schemas.microsoft.com/office/drawing/2014/chart" uri="{C3380CC4-5D6E-409C-BE32-E72D297353CC}">
+              <c16:uniqueId val="{00000002-C353-A643-9756-BC8828084916}"/>
+            </c:ext>
+          </c:extLst>
+        </c:ser>
+        <c:ser>
+          <c:idx val="3"/>
+          <c:order val="3"/>
+          <c:tx>
+            <c:strRef>
+              <c:f>Sheet1!$E$1</c:f>
+              <c:strCache>
+                <c:ptCount val="1"/>
+                <c:pt idx="0">
+                  <c:v>__Unemp</c:v>
+                </c:pt>
+              </c:strCache>
+            </c:strRef>
+          </c:tx>
+          <c:spPr>
+            <a:ln w="28575" cap="rnd">
+              <a:solidFill>
+                <a:schemeClr val="tx2"/>
+              </a:solidFill>
+              <a:prstDash val="dash"/>
+              <a:round/>
+            </a:ln>
+            <a:effectLst/>
+          </c:spPr>
+          <c:marker>
+            <c:symbol val="circle"/>
+            <c:size val="7"/>
+            <c:spPr>
+              <a:solidFill>
+                <a:schemeClr val="tx2"/>
+              </a:solidFill>
+              <a:ln w="9525">
+                <a:noFill/>
+                <a:prstDash val="dash"/>
+              </a:ln>
+              <a:effectLst/>
+            </c:spPr>
+          </c:marker>
+          <c:cat>
+            <c:strRef>
+              <c:f>Sheet1!$A$2:$A$17</c:f>
+              <c:strCache>
+                <c:ptCount val="15"/>
+                <c:pt idx="0">
+                  <c:v>2006</c:v>
+                </c:pt>
+                <c:pt idx="1">
+                  <c:v>11</c:v>
+                </c:pt>
+                <c:pt idx="2">
+                  <c:v>16</c:v>
+                </c:pt>
+                <c:pt idx="4">
+                  <c:v>06</c:v>
+                </c:pt>
+                <c:pt idx="5">
+                  <c:v>11</c:v>
+                </c:pt>
+                <c:pt idx="6">
+                  <c:v>16</c:v>
+                </c:pt>
+                <c:pt idx="8">
+                  <c:v>06</c:v>
+                </c:pt>
+                <c:pt idx="9">
+                  <c:v>11</c:v>
+                </c:pt>
+                <c:pt idx="10">
+                  <c:v>16</c:v>
+                </c:pt>
+                <c:pt idx="12">
+                  <c:v>06</c:v>
+                </c:pt>
+                <c:pt idx="13">
+                  <c:v>11</c:v>
+                </c:pt>
+                <c:pt idx="14">
+                  <c:v>16</c:v>
+                </c:pt>
+              </c:strCache>
+            </c:strRef>
+          </c:cat>
+          <c:val>
+            <c:numRef>
+              <c:f>Sheet1!$E$2:$E$17</c:f>
+              <c:numCache>
+                <c:formatCode>_(* #,##0.00_);_(* \(#,##0.00\);_(* "-"??_);_(@_)</c:formatCode>
+                <c:ptCount val="16"/>
+                <c:pt idx="0">
+                  <c:v>1.3291940656176839</c:v>
+                </c:pt>
+                <c:pt idx="1">
+                  <c:v>1.5700568851280461</c:v>
+                </c:pt>
+                <c:pt idx="2">
+                  <c:v>2.2309899466576981</c:v>
+                </c:pt>
+                <c:pt idx="4">
+                  <c:v>2.4326818560334438</c:v>
+                </c:pt>
+                <c:pt idx="5">
+                  <c:v>2.6902726302688951</c:v>
+                </c:pt>
+                <c:pt idx="6">
+                  <c:v>3.7322037029111628</c:v>
+                </c:pt>
+                <c:pt idx="8">
+                  <c:v>1.5235800289764676</c:v>
+                </c:pt>
+                <c:pt idx="9">
+                  <c:v>1.7098729248427205</c:v>
+                </c:pt>
+                <c:pt idx="10">
+                  <c:v>2.5320997496314837</c:v>
+                </c:pt>
+                <c:pt idx="12">
+                  <c:v>3.3849762831228318</c:v>
+                </c:pt>
+                <c:pt idx="13">
+                  <c:v>3.1744993118232281</c:v>
+                </c:pt>
+                <c:pt idx="14">
+                  <c:v>4.094648775824572</c:v>
+                </c:pt>
+              </c:numCache>
+            </c:numRef>
+          </c:val>
+          <c:smooth val="0"/>
+          <c:extLst>
+            <c:ext xmlns:c16="http://schemas.microsoft.com/office/drawing/2014/chart" uri="{C3380CC4-5D6E-409C-BE32-E72D297353CC}">
+              <c16:uniqueId val="{00000003-C353-A643-9756-BC8828084916}"/>
+            </c:ext>
+          </c:extLst>
+        </c:ser>
+        <c:ser>
+          <c:idx val="4"/>
+          <c:order val="4"/>
+          <c:tx>
+            <c:strRef>
+              <c:f>Sheet1!$F$1</c:f>
+              <c:strCache>
+                <c:ptCount val="1"/>
+                <c:pt idx="0">
+                  <c:v>Participation</c:v>
+                </c:pt>
+              </c:strCache>
+            </c:strRef>
+          </c:tx>
+          <c:spPr>
+            <a:ln w="28575" cap="rnd">
+              <a:solidFill>
+                <a:schemeClr val="tx1"/>
+              </a:solidFill>
+              <a:prstDash val="solid"/>
+              <a:round/>
+            </a:ln>
+            <a:effectLst/>
+          </c:spPr>
+          <c:marker>
+            <c:symbol val="circle"/>
+            <c:size val="7"/>
+            <c:spPr>
+              <a:solidFill>
+                <a:schemeClr val="tx1"/>
+              </a:solidFill>
+              <a:ln w="9525">
+                <a:solidFill>
+                  <a:schemeClr val="tx1"/>
+                </a:solidFill>
+                <a:prstDash val="solid"/>
+              </a:ln>
+              <a:effectLst/>
+            </c:spPr>
+          </c:marker>
+          <c:cat>
+            <c:strRef>
+              <c:f>Sheet1!$A$2:$A$17</c:f>
+              <c:strCache>
+                <c:ptCount val="15"/>
+                <c:pt idx="0">
+                  <c:v>2006</c:v>
+                </c:pt>
+                <c:pt idx="1">
+                  <c:v>11</c:v>
+                </c:pt>
+                <c:pt idx="2">
+                  <c:v>16</c:v>
+                </c:pt>
+                <c:pt idx="4">
+                  <c:v>06</c:v>
+                </c:pt>
+                <c:pt idx="5">
+                  <c:v>11</c:v>
+                </c:pt>
+                <c:pt idx="6">
+                  <c:v>16</c:v>
+                </c:pt>
+                <c:pt idx="8">
+                  <c:v>06</c:v>
+                </c:pt>
+                <c:pt idx="9">
+                  <c:v>11</c:v>
+                </c:pt>
+                <c:pt idx="10">
+                  <c:v>16</c:v>
+                </c:pt>
+                <c:pt idx="12">
+                  <c:v>06</c:v>
+                </c:pt>
+                <c:pt idx="13">
+                  <c:v>11</c:v>
+                </c:pt>
+                <c:pt idx="14">
+                  <c:v>16</c:v>
+                </c:pt>
+              </c:strCache>
+            </c:strRef>
+          </c:cat>
+          <c:val>
+            <c:numRef>
+              <c:f>Sheet1!$F$2:$F$17</c:f>
+              <c:numCache>
+                <c:formatCode>_(* #,##0.00_);_(* \(#,##0.00\);_(* "-"??_);_(@_)</c:formatCode>
+                <c:ptCount val="16"/>
+                <c:pt idx="0">
+                  <c:v>63.366249870756739</c:v>
+                </c:pt>
+                <c:pt idx="1">
+                  <c:v>68.181754364844167</c:v>
+                </c:pt>
+                <c:pt idx="2">
+                  <c:v>69.661343903097446</c:v>
+                </c:pt>
+                <c:pt idx="4">
+                  <c:v>75.572723621282606</c:v>
+                </c:pt>
+                <c:pt idx="5">
+                  <c:v>78.092253691594919</c:v>
+                </c:pt>
+                <c:pt idx="6">
+                  <c:v>77.768027813926679</c:v>
+                </c:pt>
+                <c:pt idx="8">
+                  <c:v>46.022212618534489</c:v>
+                </c:pt>
+                <c:pt idx="9">
+                  <c:v>51.971110483024248</c:v>
+                </c:pt>
+                <c:pt idx="10">
+                  <c:v>55.02750241188474</c:v>
+                </c:pt>
+                <c:pt idx="12">
+                  <c:v>66.042281961386777</c:v>
+                </c:pt>
+                <c:pt idx="13">
+                  <c:v>68.92300977668404</c:v>
+                </c:pt>
+                <c:pt idx="14">
+                  <c:v>70.035260885633832</c:v>
+                </c:pt>
+              </c:numCache>
+            </c:numRef>
+          </c:val>
+          <c:smooth val="0"/>
+          <c:extLst>
+            <c:ext xmlns:c16="http://schemas.microsoft.com/office/drawing/2014/chart" uri="{C3380CC4-5D6E-409C-BE32-E72D297353CC}">
+              <c16:uniqueId val="{00000004-C353-A643-9756-BC8828084916}"/>
+            </c:ext>
+          </c:extLst>
+        </c:ser>
+        <c:dLbls>
+          <c:showLegendKey val="0"/>
+          <c:showVal val="0"/>
+          <c:showCatName val="0"/>
+          <c:showSerName val="0"/>
+          <c:showPercent val="0"/>
+          <c:showBubbleSize val="0"/>
+        </c:dLbls>
+        <c:marker val="1"/>
+        <c:smooth val="0"/>
+        <c:axId val="266766111"/>
+        <c:axId val="315424735"/>
+      </c:lineChart>
+      <c:catAx>
+        <c:axId val="266766111"/>
+        <c:scaling>
+          <c:orientation val="minMax"/>
+        </c:scaling>
+        <c:delete val="0"/>
+        <c:axPos val="b"/>
+        <c:numFmt formatCode="General" sourceLinked="1"/>
+        <c:majorTickMark val="none"/>
+        <c:minorTickMark val="none"/>
+        <c:tickLblPos val="nextTo"/>
+        <c:spPr>
+          <a:noFill/>
+          <a:ln w="9525" cap="flat" cmpd="sng" algn="ctr">
+            <a:solidFill>
+              <a:schemeClr val="tx1"/>
+            </a:solidFill>
+            <a:round/>
+          </a:ln>
+          <a:effectLst/>
+        </c:spPr>
+        <c:txPr>
+          <a:bodyPr rot="-60000000" spcFirstLastPara="1" vertOverflow="ellipsis" vert="horz" wrap="square" anchor="ctr" anchorCtr="1"/>
+          <a:lstStyle/>
+          <a:p>
+            <a:pPr>
+              <a:defRPr sz="1800" b="0" i="0" u="none" strike="noStrike" kern="1200" baseline="0">
+                <a:solidFill>
+                  <a:schemeClr val="tx1"/>
+                </a:solidFill>
+                <a:latin typeface="+mn-lt"/>
+                <a:ea typeface="+mn-ea"/>
+                <a:cs typeface="+mn-cs"/>
+              </a:defRPr>
+            </a:pPr>
+            <a:endParaRPr lang="en-US"/>
+          </a:p>
+        </c:txPr>
+        <c:crossAx val="315424735"/>
+        <c:crosses val="autoZero"/>
+        <c:auto val="1"/>
+        <c:lblAlgn val="ctr"/>
+        <c:lblOffset val="100"/>
+        <c:noMultiLvlLbl val="0"/>
+      </c:catAx>
+      <c:valAx>
+        <c:axId val="315424735"/>
+        <c:scaling>
+          <c:orientation val="minMax"/>
+          <c:max val="100"/>
+          <c:min val="0"/>
+        </c:scaling>
+        <c:delete val="0"/>
+        <c:axPos val="l"/>
+        <c:majorGridlines>
+          <c:spPr>
+            <a:ln w="9525" cap="flat" cmpd="sng" algn="ctr">
+              <a:solidFill>
+                <a:schemeClr val="tx1">
+                  <a:lumMod val="15000"/>
+                  <a:lumOff val="85000"/>
+                </a:schemeClr>
+              </a:solidFill>
+              <a:round/>
+            </a:ln>
+            <a:effectLst/>
+          </c:spPr>
+        </c:majorGridlines>
+        <c:numFmt formatCode="#,##0" sourceLinked="0"/>
+        <c:majorTickMark val="none"/>
+        <c:minorTickMark val="none"/>
+        <c:tickLblPos val="nextTo"/>
+        <c:spPr>
+          <a:noFill/>
+          <a:ln>
+            <a:noFill/>
+          </a:ln>
+          <a:effectLst/>
+        </c:spPr>
+        <c:txPr>
+          <a:bodyPr rot="-60000000" spcFirstLastPara="1" vertOverflow="ellipsis" vert="horz" wrap="square" anchor="ctr" anchorCtr="1"/>
+          <a:lstStyle/>
+          <a:p>
+            <a:pPr>
+              <a:defRPr sz="1800" b="0" i="0" u="none" strike="noStrike" kern="1200" baseline="0">
+                <a:solidFill>
+                  <a:schemeClr val="tx1"/>
+                </a:solidFill>
+                <a:latin typeface="+mn-lt"/>
+                <a:ea typeface="+mn-ea"/>
+                <a:cs typeface="+mn-cs"/>
+              </a:defRPr>
+            </a:pPr>
+            <a:endParaRPr lang="en-US"/>
+          </a:p>
+        </c:txPr>
+        <c:crossAx val="266766111"/>
+        <c:crosses val="autoZero"/>
+        <c:crossBetween val="midCat"/>
+        <c:majorUnit val="10"/>
+      </c:valAx>
+      <c:spPr>
+        <a:noFill/>
+        <a:ln>
+          <a:noFill/>
+        </a:ln>
+        <a:effectLst/>
+      </c:spPr>
+    </c:plotArea>
+    <c:plotVisOnly val="1"/>
+    <c:dispBlanksAs val="gap"/>
+    <c:extLst>
+      <c:ext xmlns:c16r3="http://schemas.microsoft.com/office/drawing/2017/03/chart" uri="{56B9EC1D-385E-4148-901F-78D8002777C0}">
+        <c16r3:dataDisplayOptions16>
+          <c16r3:dispNaAsBlank val="1"/>
+        </c16r3:dataDisplayOptions16>
+      </c:ext>
+    </c:extLst>
+    <c:showDLblsOverMax val="0"/>
+  </c:chart>
+  <c:spPr>
+    <a:noFill/>
+    <a:ln>
+      <a:noFill/>
+    </a:ln>
+    <a:effectLst/>
+  </c:spPr>
+  <c:txPr>
+    <a:bodyPr/>
+    <a:lstStyle/>
+    <a:p>
+      <a:pPr>
+        <a:defRPr/>
+      </a:pPr>
+      <a:endParaRPr lang="en-US"/>
+    </a:p>
+  </c:txPr>
+  <c:externalData r:id="rId3">
+    <c:autoUpdate val="0"/>
+  </c:externalData>
+</c:chartSpace>
+</file>
+
+<file path=ppt/charts/chart8.xml><?xml version="1.0" encoding="utf-8"?>
+<c:chartSpace xmlns:c="http://schemas.openxmlformats.org/drawingml/2006/chart" xmlns:a="http://schemas.openxmlformats.org/drawingml/2006/main" xmlns:r="http://schemas.openxmlformats.org/officeDocument/2006/relationships" xmlns:c16r2="http://schemas.microsoft.com/office/drawing/2015/06/chart">
+  <c:date1904 val="0"/>
+  <c:lang val="en-US"/>
+  <c:roundedCorners val="0"/>
+  <mc:AlternateContent xmlns:mc="http://schemas.openxmlformats.org/markup-compatibility/2006">
+    <mc:Choice xmlns:c14="http://schemas.microsoft.com/office/drawing/2007/8/2/chart" Requires="c14">
+      <c14:style val="102"/>
+    </mc:Choice>
+    <mc:Fallback>
+      <c:style val="2"/>
+    </mc:Fallback>
+  </mc:AlternateContent>
   <c:clrMapOvr bg1="lt1" tx1="dk1" bg2="lt2" tx2="dk2" accent1="accent1" accent2="accent2" accent3="accent3" accent4="accent4" accent5="accent5" accent6="accent6" hlink="hlink" folHlink="folHlink"/>
   <c:chart>
     <c:autoTitleDeleted val="0"/>
@@ -6006,7 +8547,7 @@
 </c:chartSpace>
 </file>
 
-<file path=ppt/charts/chart7.xml><?xml version="1.0" encoding="utf-8"?>
+<file path=ppt/charts/chart9.xml><?xml version="1.0" encoding="utf-8"?>
 <c:chartSpace xmlns:c="http://schemas.openxmlformats.org/drawingml/2006/chart" xmlns:a="http://schemas.openxmlformats.org/drawingml/2006/main" xmlns:r="http://schemas.openxmlformats.org/officeDocument/2006/relationships" xmlns:c16r2="http://schemas.microsoft.com/office/drawing/2015/06/chart">
   <c:date1904 val="0"/>
   <c:lang val="en-US"/>
@@ -6599,1248 +9140,6 @@
         <c:crosses val="autoZero"/>
         <c:crossBetween val="between"/>
         <c:majorUnit val="2"/>
-      </c:valAx>
-    </c:plotArea>
-    <c:plotVisOnly val="1"/>
-    <c:dispBlanksAs val="gap"/>
-    <c:showDLblsOverMax val="0"/>
-  </c:chart>
-  <c:txPr>
-    <a:bodyPr/>
-    <a:lstStyle/>
-    <a:p>
-      <a:pPr>
-        <a:defRPr sz="1800"/>
-      </a:pPr>
-      <a:endParaRPr lang="en-US"/>
-    </a:p>
-  </c:txPr>
-  <c:externalData r:id="rId2">
-    <c:autoUpdate val="0"/>
-  </c:externalData>
-</c:chartSpace>
-</file>
-
-<file path=ppt/charts/chart8.xml><?xml version="1.0" encoding="utf-8"?>
-<c:chartSpace xmlns:c="http://schemas.openxmlformats.org/drawingml/2006/chart" xmlns:a="http://schemas.openxmlformats.org/drawingml/2006/main" xmlns:r="http://schemas.openxmlformats.org/officeDocument/2006/relationships" xmlns:c16r2="http://schemas.microsoft.com/office/drawing/2015/06/chart">
-  <c:date1904 val="0"/>
-  <c:lang val="en-US"/>
-  <c:roundedCorners val="0"/>
-  <mc:AlternateContent xmlns:mc="http://schemas.openxmlformats.org/markup-compatibility/2006">
-    <mc:Choice xmlns:c14="http://schemas.microsoft.com/office/drawing/2007/8/2/chart" Requires="c14">
-      <c14:style val="102"/>
-    </mc:Choice>
-    <mc:Fallback>
-      <c:style val="2"/>
-    </mc:Fallback>
-  </mc:AlternateContent>
-  <c:clrMapOvr bg1="lt1" tx1="dk1" bg2="lt2" tx2="dk2" accent1="accent1" accent2="accent2" accent3="accent3" accent4="accent4" accent5="accent5" accent6="accent6" hlink="hlink" folHlink="folHlink"/>
-  <c:chart>
-    <c:autoTitleDeleted val="0"/>
-    <c:plotArea>
-      <c:layout/>
-      <c:barChart>
-        <c:barDir val="col"/>
-        <c:grouping val="clustered"/>
-        <c:varyColors val="0"/>
-        <c:ser>
-          <c:idx val="0"/>
-          <c:order val="0"/>
-          <c:tx>
-            <c:strRef>
-              <c:f>Sheet1!$B$1</c:f>
-              <c:strCache>
-                <c:ptCount val="1"/>
-                <c:pt idx="0">
-                  <c:v>2006</c:v>
-                </c:pt>
-              </c:strCache>
-            </c:strRef>
-          </c:tx>
-          <c:spPr>
-            <a:solidFill>
-              <a:srgbClr val="B7595C"/>
-            </a:solidFill>
-            <a:ln w="9525">
-              <a:noFill/>
-            </a:ln>
-          </c:spPr>
-          <c:invertIfNegative val="0"/>
-          <c:dPt>
-            <c:idx val="1"/>
-            <c:invertIfNegative val="0"/>
-            <c:bubble3D val="0"/>
-            <c:spPr>
-              <a:solidFill>
-                <a:srgbClr val="B7595C"/>
-              </a:solidFill>
-              <a:ln w="12700">
-                <a:solidFill>
-                  <a:srgbClr val="000000"/>
-                </a:solidFill>
-              </a:ln>
-            </c:spPr>
-            <c:extLst>
-              <c:ext xmlns:c16="http://schemas.microsoft.com/office/drawing/2014/chart" uri="{C3380CC4-5D6E-409C-BE32-E72D297353CC}">
-                <c16:uniqueId val="{00000001-0875-B944-AB9C-F6FA5D4BD96E}"/>
-              </c:ext>
-            </c:extLst>
-          </c:dPt>
-          <c:dPt>
-            <c:idx val="6"/>
-            <c:invertIfNegative val="0"/>
-            <c:bubble3D val="0"/>
-            <c:spPr>
-              <a:solidFill>
-                <a:srgbClr val="B7595C"/>
-              </a:solidFill>
-              <a:ln w="12700">
-                <a:solidFill>
-                  <a:srgbClr val="000000"/>
-                </a:solidFill>
-              </a:ln>
-            </c:spPr>
-            <c:extLst>
-              <c:ext xmlns:c16="http://schemas.microsoft.com/office/drawing/2014/chart" uri="{C3380CC4-5D6E-409C-BE32-E72D297353CC}">
-                <c16:uniqueId val="{00000003-0875-B944-AB9C-F6FA5D4BD96E}"/>
-              </c:ext>
-            </c:extLst>
-          </c:dPt>
-          <c:cat>
-            <c:strRef>
-              <c:f>Sheet1!$A$2:$A$14</c:f>
-              <c:strCache>
-                <c:ptCount val="13"/>
-                <c:pt idx="0">
-                  <c:v>Performing arts</c:v>
-                </c:pt>
-                <c:pt idx="1">
-                  <c:v>Year 12</c:v>
-                </c:pt>
-                <c:pt idx="2">
-                  <c:v>Humanities</c:v>
-                </c:pt>
-                <c:pt idx="3">
-                  <c:v>Nursing</c:v>
-                </c:pt>
-                <c:pt idx="4">
-                  <c:v>Education</c:v>
-                </c:pt>
-                <c:pt idx="5">
-                  <c:v>Science</c:v>
-                </c:pt>
-                <c:pt idx="6">
-                  <c:v>Bachalor (all)</c:v>
-                </c:pt>
-                <c:pt idx="7">
-                  <c:v>Other health</c:v>
-                </c:pt>
-                <c:pt idx="8">
-                  <c:v>IT</c:v>
-                </c:pt>
-                <c:pt idx="9">
-                  <c:v>Engneering</c:v>
-                </c:pt>
-                <c:pt idx="10">
-                  <c:v>Commerce</c:v>
-                </c:pt>
-                <c:pt idx="11">
-                  <c:v>Law</c:v>
-                </c:pt>
-                <c:pt idx="12">
-                  <c:v>Medicine</c:v>
-                </c:pt>
-              </c:strCache>
-            </c:strRef>
-          </c:cat>
-          <c:val>
-            <c:numRef>
-              <c:f>Sheet1!$B$2:$B$14</c:f>
-              <c:numCache>
-                <c:formatCode>General</c:formatCode>
-                <c:ptCount val="13"/>
-                <c:pt idx="0">
-                  <c:v>1.7203283251291077</c:v>
-                </c:pt>
-                <c:pt idx="1">
-                  <c:v>1.890644338306728</c:v>
-                </c:pt>
-                <c:pt idx="2">
-                  <c:v>1.936938538192706</c:v>
-                </c:pt>
-                <c:pt idx="3">
-                  <c:v>2.3725889444604835</c:v>
-                </c:pt>
-                <c:pt idx="4">
-                  <c:v>2.3712367072849365</c:v>
-                </c:pt>
-                <c:pt idx="5">
-                  <c:v>2.4533109525394265</c:v>
-                </c:pt>
-                <c:pt idx="6">
-                  <c:v>2.6935024335067492</c:v>
-                </c:pt>
-                <c:pt idx="7">
-                  <c:v>2.6996703913249394</c:v>
-                </c:pt>
-                <c:pt idx="8">
-                  <c:v>2.7905326517416498</c:v>
-                </c:pt>
-                <c:pt idx="9">
-                  <c:v>2.935106691562531</c:v>
-                </c:pt>
-                <c:pt idx="10">
-                  <c:v>2.9877879042471092</c:v>
-                </c:pt>
-                <c:pt idx="11">
-                  <c:v>3.5382729929057972</c:v>
-                </c:pt>
-                <c:pt idx="12">
-                  <c:v>3.6669760114450396</c:v>
-                </c:pt>
-              </c:numCache>
-            </c:numRef>
-          </c:val>
-          <c:extLst>
-            <c:ext xmlns:c16="http://schemas.microsoft.com/office/drawing/2014/chart" uri="{C3380CC4-5D6E-409C-BE32-E72D297353CC}">
-              <c16:uniqueId val="{00000004-0875-B944-AB9C-F6FA5D4BD96E}"/>
-            </c:ext>
-          </c:extLst>
-        </c:ser>
-        <c:ser>
-          <c:idx val="1"/>
-          <c:order val="1"/>
-          <c:tx>
-            <c:strRef>
-              <c:f>Sheet1!$C$1</c:f>
-              <c:strCache>
-                <c:ptCount val="1"/>
-                <c:pt idx="0">
-                  <c:v>2011</c:v>
-                </c:pt>
-              </c:strCache>
-            </c:strRef>
-          </c:tx>
-          <c:spPr>
-            <a:solidFill>
-              <a:srgbClr val="A02226"/>
-            </a:solidFill>
-            <a:ln w="9525">
-              <a:noFill/>
-            </a:ln>
-          </c:spPr>
-          <c:invertIfNegative val="0"/>
-          <c:dPt>
-            <c:idx val="1"/>
-            <c:invertIfNegative val="0"/>
-            <c:bubble3D val="0"/>
-            <c:spPr>
-              <a:solidFill>
-                <a:srgbClr val="A02226"/>
-              </a:solidFill>
-              <a:ln w="12700">
-                <a:solidFill>
-                  <a:srgbClr val="000000"/>
-                </a:solidFill>
-              </a:ln>
-            </c:spPr>
-            <c:extLst>
-              <c:ext xmlns:c16="http://schemas.microsoft.com/office/drawing/2014/chart" uri="{C3380CC4-5D6E-409C-BE32-E72D297353CC}">
-                <c16:uniqueId val="{00000006-0875-B944-AB9C-F6FA5D4BD96E}"/>
-              </c:ext>
-            </c:extLst>
-          </c:dPt>
-          <c:dPt>
-            <c:idx val="6"/>
-            <c:invertIfNegative val="0"/>
-            <c:bubble3D val="0"/>
-            <c:spPr>
-              <a:solidFill>
-                <a:srgbClr val="A02226"/>
-              </a:solidFill>
-              <a:ln w="12700">
-                <a:solidFill>
-                  <a:srgbClr val="000000"/>
-                </a:solidFill>
-              </a:ln>
-            </c:spPr>
-            <c:extLst>
-              <c:ext xmlns:c16="http://schemas.microsoft.com/office/drawing/2014/chart" uri="{C3380CC4-5D6E-409C-BE32-E72D297353CC}">
-                <c16:uniqueId val="{00000008-0875-B944-AB9C-F6FA5D4BD96E}"/>
-              </c:ext>
-            </c:extLst>
-          </c:dPt>
-          <c:cat>
-            <c:strRef>
-              <c:f>Sheet1!$A$2:$A$14</c:f>
-              <c:strCache>
-                <c:ptCount val="13"/>
-                <c:pt idx="0">
-                  <c:v>Performing arts</c:v>
-                </c:pt>
-                <c:pt idx="1">
-                  <c:v>Year 12</c:v>
-                </c:pt>
-                <c:pt idx="2">
-                  <c:v>Humanities</c:v>
-                </c:pt>
-                <c:pt idx="3">
-                  <c:v>Nursing</c:v>
-                </c:pt>
-                <c:pt idx="4">
-                  <c:v>Education</c:v>
-                </c:pt>
-                <c:pt idx="5">
-                  <c:v>Science</c:v>
-                </c:pt>
-                <c:pt idx="6">
-                  <c:v>Bachalor (all)</c:v>
-                </c:pt>
-                <c:pt idx="7">
-                  <c:v>Other health</c:v>
-                </c:pt>
-                <c:pt idx="8">
-                  <c:v>IT</c:v>
-                </c:pt>
-                <c:pt idx="9">
-                  <c:v>Engneering</c:v>
-                </c:pt>
-                <c:pt idx="10">
-                  <c:v>Commerce</c:v>
-                </c:pt>
-                <c:pt idx="11">
-                  <c:v>Law</c:v>
-                </c:pt>
-                <c:pt idx="12">
-                  <c:v>Medicine</c:v>
-                </c:pt>
-              </c:strCache>
-            </c:strRef>
-          </c:cat>
-          <c:val>
-            <c:numRef>
-              <c:f>Sheet1!$C$2:$C$14</c:f>
-              <c:numCache>
-                <c:formatCode>General</c:formatCode>
-                <c:ptCount val="13"/>
-                <c:pt idx="0">
-                  <c:v>1.8111079065093199</c:v>
-                </c:pt>
-                <c:pt idx="1">
-                  <c:v>1.95900410269614</c:v>
-                </c:pt>
-                <c:pt idx="2">
-                  <c:v>2.0450531072410305</c:v>
-                </c:pt>
-                <c:pt idx="3">
-                  <c:v>2.4868686266708826</c:v>
-                </c:pt>
-                <c:pt idx="4">
-                  <c:v>2.5678832662270037</c:v>
-                </c:pt>
-                <c:pt idx="5">
-                  <c:v>2.5884630641523039</c:v>
-                </c:pt>
-                <c:pt idx="6">
-                  <c:v>2.8308837591205109</c:v>
-                </c:pt>
-                <c:pt idx="7">
-                  <c:v>2.7934190696635923</c:v>
-                </c:pt>
-                <c:pt idx="8">
-                  <c:v>2.9060027514404658</c:v>
-                </c:pt>
-                <c:pt idx="9">
-                  <c:v>3.1453347322885326</c:v>
-                </c:pt>
-                <c:pt idx="10">
-                  <c:v>3.0386430366200243</c:v>
-                </c:pt>
-                <c:pt idx="11">
-                  <c:v>3.3009167761302898</c:v>
-                </c:pt>
-                <c:pt idx="12">
-                  <c:v>3.3211536423131549</c:v>
-                </c:pt>
-              </c:numCache>
-            </c:numRef>
-          </c:val>
-          <c:extLst>
-            <c:ext xmlns:c16="http://schemas.microsoft.com/office/drawing/2014/chart" uri="{C3380CC4-5D6E-409C-BE32-E72D297353CC}">
-              <c16:uniqueId val="{00000009-0875-B944-AB9C-F6FA5D4BD96E}"/>
-            </c:ext>
-          </c:extLst>
-        </c:ser>
-        <c:ser>
-          <c:idx val="2"/>
-          <c:order val="2"/>
-          <c:tx>
-            <c:strRef>
-              <c:f>Sheet1!$D$1</c:f>
-              <c:strCache>
-                <c:ptCount val="1"/>
-                <c:pt idx="0">
-                  <c:v>2016</c:v>
-                </c:pt>
-              </c:strCache>
-            </c:strRef>
-          </c:tx>
-          <c:spPr>
-            <a:solidFill>
-              <a:srgbClr val="76191C"/>
-            </a:solidFill>
-            <a:ln w="9525">
-              <a:noFill/>
-            </a:ln>
-          </c:spPr>
-          <c:invertIfNegative val="0"/>
-          <c:dPt>
-            <c:idx val="1"/>
-            <c:invertIfNegative val="0"/>
-            <c:bubble3D val="0"/>
-            <c:spPr>
-              <a:solidFill>
-                <a:srgbClr val="76191C"/>
-              </a:solidFill>
-              <a:ln w="12700">
-                <a:solidFill>
-                  <a:srgbClr val="000000"/>
-                </a:solidFill>
-              </a:ln>
-            </c:spPr>
-            <c:extLst>
-              <c:ext xmlns:c16="http://schemas.microsoft.com/office/drawing/2014/chart" uri="{C3380CC4-5D6E-409C-BE32-E72D297353CC}">
-                <c16:uniqueId val="{0000000B-0875-B944-AB9C-F6FA5D4BD96E}"/>
-              </c:ext>
-            </c:extLst>
-          </c:dPt>
-          <c:dPt>
-            <c:idx val="6"/>
-            <c:invertIfNegative val="0"/>
-            <c:bubble3D val="0"/>
-            <c:spPr>
-              <a:solidFill>
-                <a:srgbClr val="76191C"/>
-              </a:solidFill>
-              <a:ln w="12700">
-                <a:solidFill>
-                  <a:srgbClr val="000000"/>
-                </a:solidFill>
-              </a:ln>
-            </c:spPr>
-            <c:extLst>
-              <c:ext xmlns:c16="http://schemas.microsoft.com/office/drawing/2014/chart" uri="{C3380CC4-5D6E-409C-BE32-E72D297353CC}">
-                <c16:uniqueId val="{0000000D-0875-B944-AB9C-F6FA5D4BD96E}"/>
-              </c:ext>
-            </c:extLst>
-          </c:dPt>
-          <c:cat>
-            <c:strRef>
-              <c:f>Sheet1!$A$2:$A$14</c:f>
-              <c:strCache>
-                <c:ptCount val="13"/>
-                <c:pt idx="0">
-                  <c:v>Performing arts</c:v>
-                </c:pt>
-                <c:pt idx="1">
-                  <c:v>Year 12</c:v>
-                </c:pt>
-                <c:pt idx="2">
-                  <c:v>Humanities</c:v>
-                </c:pt>
-                <c:pt idx="3">
-                  <c:v>Nursing</c:v>
-                </c:pt>
-                <c:pt idx="4">
-                  <c:v>Education</c:v>
-                </c:pt>
-                <c:pt idx="5">
-                  <c:v>Science</c:v>
-                </c:pt>
-                <c:pt idx="6">
-                  <c:v>Bachalor (all)</c:v>
-                </c:pt>
-                <c:pt idx="7">
-                  <c:v>Other health</c:v>
-                </c:pt>
-                <c:pt idx="8">
-                  <c:v>IT</c:v>
-                </c:pt>
-                <c:pt idx="9">
-                  <c:v>Engneering</c:v>
-                </c:pt>
-                <c:pt idx="10">
-                  <c:v>Commerce</c:v>
-                </c:pt>
-                <c:pt idx="11">
-                  <c:v>Law</c:v>
-                </c:pt>
-                <c:pt idx="12">
-                  <c:v>Medicine</c:v>
-                </c:pt>
-              </c:strCache>
-            </c:strRef>
-          </c:cat>
-          <c:val>
-            <c:numRef>
-              <c:f>Sheet1!$D$2:$D$14</c:f>
-              <c:numCache>
-                <c:formatCode>General</c:formatCode>
-                <c:ptCount val="13"/>
-                <c:pt idx="0">
-                  <c:v>1.7874941402990527</c:v>
-                </c:pt>
-                <c:pt idx="1">
-                  <c:v>1.9503594451429558</c:v>
-                </c:pt>
-                <c:pt idx="2">
-                  <c:v>2.0470029587021168</c:v>
-                </c:pt>
-                <c:pt idx="3">
-                  <c:v>2.5367879776717164</c:v>
-                </c:pt>
-                <c:pt idx="4">
-                  <c:v>2.6298803548089502</c:v>
-                </c:pt>
-                <c:pt idx="5">
-                  <c:v>2.4891391616228353</c:v>
-                </c:pt>
-                <c:pt idx="6">
-                  <c:v>2.7389256040145726</c:v>
-                </c:pt>
-                <c:pt idx="7">
-                  <c:v>2.7245578180583014</c:v>
-                </c:pt>
-                <c:pt idx="8">
-                  <c:v>2.8893965323916184</c:v>
-                </c:pt>
-                <c:pt idx="9">
-                  <c:v>3.0772313082636038</c:v>
-                </c:pt>
-                <c:pt idx="10">
-                  <c:v>2.9777274494913613</c:v>
-                </c:pt>
-                <c:pt idx="11">
-                  <c:v>3.7947799701597011</c:v>
-                </c:pt>
-                <c:pt idx="12">
-                  <c:v>4.1608156317344589</c:v>
-                </c:pt>
-              </c:numCache>
-            </c:numRef>
-          </c:val>
-          <c:extLst>
-            <c:ext xmlns:c16="http://schemas.microsoft.com/office/drawing/2014/chart" uri="{C3380CC4-5D6E-409C-BE32-E72D297353CC}">
-              <c16:uniqueId val="{0000000E-0875-B944-AB9C-F6FA5D4BD96E}"/>
-            </c:ext>
-          </c:extLst>
-        </c:ser>
-        <c:dLbls>
-          <c:showLegendKey val="0"/>
-          <c:showVal val="0"/>
-          <c:showCatName val="0"/>
-          <c:showSerName val="0"/>
-          <c:showPercent val="0"/>
-          <c:showBubbleSize val="0"/>
-        </c:dLbls>
-        <c:gapWidth val="100"/>
-        <c:axId val="324265856"/>
-        <c:axId val="327427200"/>
-      </c:barChart>
-      <c:catAx>
-        <c:axId val="324265856"/>
-        <c:scaling>
-          <c:orientation val="minMax"/>
-        </c:scaling>
-        <c:delete val="0"/>
-        <c:axPos val="b"/>
-        <c:numFmt formatCode="General" sourceLinked="1"/>
-        <c:majorTickMark val="none"/>
-        <c:minorTickMark val="none"/>
-        <c:tickLblPos val="nextTo"/>
-        <c:spPr>
-          <a:ln>
-            <a:solidFill>
-              <a:schemeClr val="tx1"/>
-            </a:solidFill>
-          </a:ln>
-        </c:spPr>
-        <c:txPr>
-          <a:bodyPr/>
-          <a:lstStyle/>
-          <a:p>
-            <a:pPr>
-              <a:defRPr sz="1800"/>
-            </a:pPr>
-            <a:endParaRPr lang="en-US"/>
-          </a:p>
-        </c:txPr>
-        <c:crossAx val="327427200"/>
-        <c:crosses val="autoZero"/>
-        <c:auto val="1"/>
-        <c:lblAlgn val="ctr"/>
-        <c:lblOffset val="100"/>
-        <c:noMultiLvlLbl val="0"/>
-      </c:catAx>
-      <c:valAx>
-        <c:axId val="327427200"/>
-        <c:scaling>
-          <c:orientation val="minMax"/>
-          <c:max val="4.2"/>
-          <c:min val="0"/>
-        </c:scaling>
-        <c:delete val="0"/>
-        <c:axPos val="l"/>
-        <c:majorGridlines>
-          <c:spPr>
-            <a:ln>
-              <a:solidFill>
-                <a:srgbClr val="6A737B">
-                  <a:lumMod val="40000"/>
-                  <a:lumOff val="60000"/>
-                </a:srgbClr>
-              </a:solidFill>
-            </a:ln>
-          </c:spPr>
-        </c:majorGridlines>
-        <c:numFmt formatCode="General" sourceLinked="0"/>
-        <c:majorTickMark val="out"/>
-        <c:minorTickMark val="none"/>
-        <c:tickLblPos val="nextTo"/>
-        <c:spPr>
-          <a:ln>
-            <a:noFill/>
-          </a:ln>
-        </c:spPr>
-        <c:txPr>
-          <a:bodyPr/>
-          <a:lstStyle/>
-          <a:p>
-            <a:pPr>
-              <a:defRPr sz="1800"/>
-            </a:pPr>
-            <a:endParaRPr lang="en-US"/>
-          </a:p>
-        </c:txPr>
-        <c:crossAx val="324265856"/>
-        <c:crosses val="autoZero"/>
-        <c:crossBetween val="between"/>
-        <c:majorUnit val="1"/>
-      </c:valAx>
-    </c:plotArea>
-    <c:plotVisOnly val="1"/>
-    <c:dispBlanksAs val="gap"/>
-    <c:showDLblsOverMax val="0"/>
-  </c:chart>
-  <c:txPr>
-    <a:bodyPr/>
-    <a:lstStyle/>
-    <a:p>
-      <a:pPr>
-        <a:defRPr sz="1800"/>
-      </a:pPr>
-      <a:endParaRPr lang="en-US"/>
-    </a:p>
-  </c:txPr>
-  <c:externalData r:id="rId2">
-    <c:autoUpdate val="0"/>
-  </c:externalData>
-</c:chartSpace>
-</file>
-
-<file path=ppt/charts/chart9.xml><?xml version="1.0" encoding="utf-8"?>
-<c:chartSpace xmlns:c="http://schemas.openxmlformats.org/drawingml/2006/chart" xmlns:a="http://schemas.openxmlformats.org/drawingml/2006/main" xmlns:r="http://schemas.openxmlformats.org/officeDocument/2006/relationships" xmlns:c16r2="http://schemas.microsoft.com/office/drawing/2015/06/chart">
-  <c:date1904 val="0"/>
-  <c:lang val="en-US"/>
-  <c:roundedCorners val="0"/>
-  <mc:AlternateContent xmlns:mc="http://schemas.openxmlformats.org/markup-compatibility/2006">
-    <mc:Choice xmlns:c14="http://schemas.microsoft.com/office/drawing/2007/8/2/chart" Requires="c14">
-      <c14:style val="102"/>
-    </mc:Choice>
-    <mc:Fallback>
-      <c:style val="2"/>
-    </mc:Fallback>
-  </mc:AlternateContent>
-  <c:clrMapOvr bg1="lt1" tx1="dk1" bg2="lt2" tx2="dk2" accent1="accent1" accent2="accent2" accent3="accent3" accent4="accent4" accent5="accent5" accent6="accent6" hlink="hlink" folHlink="folHlink"/>
-  <c:chart>
-    <c:autoTitleDeleted val="0"/>
-    <c:plotArea>
-      <c:layout/>
-      <c:barChart>
-        <c:barDir val="col"/>
-        <c:grouping val="clustered"/>
-        <c:varyColors val="0"/>
-        <c:ser>
-          <c:idx val="0"/>
-          <c:order val="0"/>
-          <c:tx>
-            <c:strRef>
-              <c:f>Sheet1!$B$1</c:f>
-              <c:strCache>
-                <c:ptCount val="1"/>
-                <c:pt idx="0">
-                  <c:v>2006</c:v>
-                </c:pt>
-              </c:strCache>
-            </c:strRef>
-          </c:tx>
-          <c:spPr>
-            <a:solidFill>
-              <a:srgbClr val="F8A866"/>
-            </a:solidFill>
-            <a:ln w="9525">
-              <a:noFill/>
-            </a:ln>
-          </c:spPr>
-          <c:invertIfNegative val="0"/>
-          <c:dPt>
-            <c:idx val="1"/>
-            <c:invertIfNegative val="0"/>
-            <c:bubble3D val="0"/>
-            <c:spPr>
-              <a:solidFill>
-                <a:srgbClr val="F8A866"/>
-              </a:solidFill>
-              <a:ln w="12700">
-                <a:solidFill>
-                  <a:srgbClr val="000000"/>
-                </a:solidFill>
-              </a:ln>
-            </c:spPr>
-            <c:extLst>
-              <c:ext xmlns:c16="http://schemas.microsoft.com/office/drawing/2014/chart" uri="{C3380CC4-5D6E-409C-BE32-E72D297353CC}">
-                <c16:uniqueId val="{00000001-4493-ED42-BD86-75F5E4C8F6AE}"/>
-              </c:ext>
-            </c:extLst>
-          </c:dPt>
-          <c:dPt>
-            <c:idx val="6"/>
-            <c:invertIfNegative val="0"/>
-            <c:bubble3D val="0"/>
-            <c:spPr>
-              <a:solidFill>
-                <a:srgbClr val="F8A866"/>
-              </a:solidFill>
-              <a:ln w="12700">
-                <a:solidFill>
-                  <a:srgbClr val="000000"/>
-                </a:solidFill>
-              </a:ln>
-            </c:spPr>
-            <c:extLst>
-              <c:ext xmlns:c16="http://schemas.microsoft.com/office/drawing/2014/chart" uri="{C3380CC4-5D6E-409C-BE32-E72D297353CC}">
-                <c16:uniqueId val="{00000003-4493-ED42-BD86-75F5E4C8F6AE}"/>
-              </c:ext>
-            </c:extLst>
-          </c:dPt>
-          <c:cat>
-            <c:strRef>
-              <c:f>Sheet1!$A$2:$A$14</c:f>
-              <c:strCache>
-                <c:ptCount val="13"/>
-                <c:pt idx="0">
-                  <c:v>Performing arts</c:v>
-                </c:pt>
-                <c:pt idx="1">
-                  <c:v>Year 12</c:v>
-                </c:pt>
-                <c:pt idx="2">
-                  <c:v>Humanities</c:v>
-                </c:pt>
-                <c:pt idx="3">
-                  <c:v>Nursing</c:v>
-                </c:pt>
-                <c:pt idx="4">
-                  <c:v>Education</c:v>
-                </c:pt>
-                <c:pt idx="5">
-                  <c:v>Science</c:v>
-                </c:pt>
-                <c:pt idx="6">
-                  <c:v>Bachalor (all)</c:v>
-                </c:pt>
-                <c:pt idx="7">
-                  <c:v>Other health</c:v>
-                </c:pt>
-                <c:pt idx="8">
-                  <c:v>IT</c:v>
-                </c:pt>
-                <c:pt idx="9">
-                  <c:v>Engneering</c:v>
-                </c:pt>
-                <c:pt idx="10">
-                  <c:v>Commerce</c:v>
-                </c:pt>
-                <c:pt idx="11">
-                  <c:v>Law</c:v>
-                </c:pt>
-                <c:pt idx="12">
-                  <c:v>Medicine</c:v>
-                </c:pt>
-              </c:strCache>
-            </c:strRef>
-          </c:cat>
-          <c:val>
-            <c:numRef>
-              <c:f>Sheet1!$B$2:$B$14</c:f>
-              <c:numCache>
-                <c:formatCode>General</c:formatCode>
-                <c:ptCount val="13"/>
-                <c:pt idx="0">
-                  <c:v>1.3845984388152448</c:v>
-                </c:pt>
-                <c:pt idx="1">
-                  <c:v>1.2753646466442372</c:v>
-                </c:pt>
-                <c:pt idx="2">
-                  <c:v>1.6107808079196815</c:v>
-                </c:pt>
-                <c:pt idx="3">
-                  <c:v>1.7956075509092353</c:v>
-                </c:pt>
-                <c:pt idx="4">
-                  <c:v>1.9235021550370976</c:v>
-                </c:pt>
-                <c:pt idx="5">
-                  <c:v>1.7618968414090197</c:v>
-                </c:pt>
-                <c:pt idx="6">
-                  <c:v>1.8800678279899339</c:v>
-                </c:pt>
-                <c:pt idx="7">
-                  <c:v>1.9342006167710288</c:v>
-                </c:pt>
-                <c:pt idx="8">
-                  <c:v>2.1615467665726023</c:v>
-                </c:pt>
-                <c:pt idx="9">
-                  <c:v>1.8000586313060052</c:v>
-                </c:pt>
-                <c:pt idx="10">
-                  <c:v>1.9993131007810832</c:v>
-                </c:pt>
-                <c:pt idx="11">
-                  <c:v>2.621671750787443</c:v>
-                </c:pt>
-                <c:pt idx="12">
-                  <c:v>3.0705778995696362</c:v>
-                </c:pt>
-              </c:numCache>
-            </c:numRef>
-          </c:val>
-          <c:extLst>
-            <c:ext xmlns:c16="http://schemas.microsoft.com/office/drawing/2014/chart" uri="{C3380CC4-5D6E-409C-BE32-E72D297353CC}">
-              <c16:uniqueId val="{00000004-4493-ED42-BD86-75F5E4C8F6AE}"/>
-            </c:ext>
-          </c:extLst>
-        </c:ser>
-        <c:ser>
-          <c:idx val="1"/>
-          <c:order val="1"/>
-          <c:tx>
-            <c:strRef>
-              <c:f>Sheet1!$C$1</c:f>
-              <c:strCache>
-                <c:ptCount val="1"/>
-                <c:pt idx="0">
-                  <c:v>2011</c:v>
-                </c:pt>
-              </c:strCache>
-            </c:strRef>
-          </c:tx>
-          <c:spPr>
-            <a:solidFill>
-              <a:srgbClr val="F68B33"/>
-            </a:solidFill>
-            <a:ln w="9525">
-              <a:noFill/>
-            </a:ln>
-          </c:spPr>
-          <c:invertIfNegative val="0"/>
-          <c:dPt>
-            <c:idx val="1"/>
-            <c:invertIfNegative val="0"/>
-            <c:bubble3D val="0"/>
-            <c:spPr>
-              <a:solidFill>
-                <a:srgbClr val="F68B33"/>
-              </a:solidFill>
-              <a:ln w="12700">
-                <a:solidFill>
-                  <a:srgbClr val="000000"/>
-                </a:solidFill>
-              </a:ln>
-            </c:spPr>
-            <c:extLst>
-              <c:ext xmlns:c16="http://schemas.microsoft.com/office/drawing/2014/chart" uri="{C3380CC4-5D6E-409C-BE32-E72D297353CC}">
-                <c16:uniqueId val="{00000006-4493-ED42-BD86-75F5E4C8F6AE}"/>
-              </c:ext>
-            </c:extLst>
-          </c:dPt>
-          <c:dPt>
-            <c:idx val="6"/>
-            <c:invertIfNegative val="0"/>
-            <c:bubble3D val="0"/>
-            <c:spPr>
-              <a:solidFill>
-                <a:srgbClr val="F68B33"/>
-              </a:solidFill>
-              <a:ln w="12700">
-                <a:solidFill>
-                  <a:srgbClr val="000000"/>
-                </a:solidFill>
-              </a:ln>
-            </c:spPr>
-            <c:extLst>
-              <c:ext xmlns:c16="http://schemas.microsoft.com/office/drawing/2014/chart" uri="{C3380CC4-5D6E-409C-BE32-E72D297353CC}">
-                <c16:uniqueId val="{00000008-4493-ED42-BD86-75F5E4C8F6AE}"/>
-              </c:ext>
-            </c:extLst>
-          </c:dPt>
-          <c:cat>
-            <c:strRef>
-              <c:f>Sheet1!$A$2:$A$14</c:f>
-              <c:strCache>
-                <c:ptCount val="13"/>
-                <c:pt idx="0">
-                  <c:v>Performing arts</c:v>
-                </c:pt>
-                <c:pt idx="1">
-                  <c:v>Year 12</c:v>
-                </c:pt>
-                <c:pt idx="2">
-                  <c:v>Humanities</c:v>
-                </c:pt>
-                <c:pt idx="3">
-                  <c:v>Nursing</c:v>
-                </c:pt>
-                <c:pt idx="4">
-                  <c:v>Education</c:v>
-                </c:pt>
-                <c:pt idx="5">
-                  <c:v>Science</c:v>
-                </c:pt>
-                <c:pt idx="6">
-                  <c:v>Bachalor (all)</c:v>
-                </c:pt>
-                <c:pt idx="7">
-                  <c:v>Other health</c:v>
-                </c:pt>
-                <c:pt idx="8">
-                  <c:v>IT</c:v>
-                </c:pt>
-                <c:pt idx="9">
-                  <c:v>Engneering</c:v>
-                </c:pt>
-                <c:pt idx="10">
-                  <c:v>Commerce</c:v>
-                </c:pt>
-                <c:pt idx="11">
-                  <c:v>Law</c:v>
-                </c:pt>
-                <c:pt idx="12">
-                  <c:v>Medicine</c:v>
-                </c:pt>
-              </c:strCache>
-            </c:strRef>
-          </c:cat>
-          <c:val>
-            <c:numRef>
-              <c:f>Sheet1!$C$2:$C$14</c:f>
-              <c:numCache>
-                <c:formatCode>General</c:formatCode>
-                <c:ptCount val="13"/>
-                <c:pt idx="0">
-                  <c:v>1.4047606323618442</c:v>
-                </c:pt>
-                <c:pt idx="1">
-                  <c:v>1.3509920464012946</c:v>
-                </c:pt>
-                <c:pt idx="2">
-                  <c:v>1.6534592991835237</c:v>
-                </c:pt>
-                <c:pt idx="3">
-                  <c:v>1.944156901619196</c:v>
-                </c:pt>
-                <c:pt idx="4">
-                  <c:v>2.0172875033692055</c:v>
-                </c:pt>
-                <c:pt idx="5">
-                  <c:v>1.8012598797414345</c:v>
-                </c:pt>
-                <c:pt idx="6">
-                  <c:v>1.977099560201969</c:v>
-                </c:pt>
-                <c:pt idx="7">
-                  <c:v>1.9832087787571357</c:v>
-                </c:pt>
-                <c:pt idx="8">
-                  <c:v>2.278228835352536</c:v>
-                </c:pt>
-                <c:pt idx="9">
-                  <c:v>2.0279491672038157</c:v>
-                </c:pt>
-                <c:pt idx="10">
-                  <c:v>2.0627088417931385</c:v>
-                </c:pt>
-                <c:pt idx="11">
-                  <c:v>2.7330782189296614</c:v>
-                </c:pt>
-                <c:pt idx="12">
-                  <c:v>3.2009395651775159</c:v>
-                </c:pt>
-              </c:numCache>
-            </c:numRef>
-          </c:val>
-          <c:extLst>
-            <c:ext xmlns:c16="http://schemas.microsoft.com/office/drawing/2014/chart" uri="{C3380CC4-5D6E-409C-BE32-E72D297353CC}">
-              <c16:uniqueId val="{00000009-4493-ED42-BD86-75F5E4C8F6AE}"/>
-            </c:ext>
-          </c:extLst>
-        </c:ser>
-        <c:ser>
-          <c:idx val="2"/>
-          <c:order val="2"/>
-          <c:tx>
-            <c:strRef>
-              <c:f>Sheet1!$D$1</c:f>
-              <c:strCache>
-                <c:ptCount val="1"/>
-                <c:pt idx="0">
-                  <c:v>2016</c:v>
-                </c:pt>
-              </c:strCache>
-            </c:strRef>
-          </c:tx>
-          <c:spPr>
-            <a:solidFill>
-              <a:srgbClr val="EC700A"/>
-            </a:solidFill>
-            <a:ln w="9525">
-              <a:noFill/>
-            </a:ln>
-          </c:spPr>
-          <c:invertIfNegative val="0"/>
-          <c:dPt>
-            <c:idx val="1"/>
-            <c:invertIfNegative val="0"/>
-            <c:bubble3D val="0"/>
-            <c:spPr>
-              <a:solidFill>
-                <a:srgbClr val="EC700A"/>
-              </a:solidFill>
-              <a:ln w="12700">
-                <a:solidFill>
-                  <a:srgbClr val="000000"/>
-                </a:solidFill>
-              </a:ln>
-            </c:spPr>
-            <c:extLst>
-              <c:ext xmlns:c16="http://schemas.microsoft.com/office/drawing/2014/chart" uri="{C3380CC4-5D6E-409C-BE32-E72D297353CC}">
-                <c16:uniqueId val="{0000000B-4493-ED42-BD86-75F5E4C8F6AE}"/>
-              </c:ext>
-            </c:extLst>
-          </c:dPt>
-          <c:dPt>
-            <c:idx val="6"/>
-            <c:invertIfNegative val="0"/>
-            <c:bubble3D val="0"/>
-            <c:spPr>
-              <a:solidFill>
-                <a:srgbClr val="EC700A"/>
-              </a:solidFill>
-              <a:ln w="12700">
-                <a:solidFill>
-                  <a:srgbClr val="000000"/>
-                </a:solidFill>
-              </a:ln>
-            </c:spPr>
-            <c:extLst>
-              <c:ext xmlns:c16="http://schemas.microsoft.com/office/drawing/2014/chart" uri="{C3380CC4-5D6E-409C-BE32-E72D297353CC}">
-                <c16:uniqueId val="{0000000D-4493-ED42-BD86-75F5E4C8F6AE}"/>
-              </c:ext>
-            </c:extLst>
-          </c:dPt>
-          <c:cat>
-            <c:strRef>
-              <c:f>Sheet1!$A$2:$A$14</c:f>
-              <c:strCache>
-                <c:ptCount val="13"/>
-                <c:pt idx="0">
-                  <c:v>Performing arts</c:v>
-                </c:pt>
-                <c:pt idx="1">
-                  <c:v>Year 12</c:v>
-                </c:pt>
-                <c:pt idx="2">
-                  <c:v>Humanities</c:v>
-                </c:pt>
-                <c:pt idx="3">
-                  <c:v>Nursing</c:v>
-                </c:pt>
-                <c:pt idx="4">
-                  <c:v>Education</c:v>
-                </c:pt>
-                <c:pt idx="5">
-                  <c:v>Science</c:v>
-                </c:pt>
-                <c:pt idx="6">
-                  <c:v>Bachalor (all)</c:v>
-                </c:pt>
-                <c:pt idx="7">
-                  <c:v>Other health</c:v>
-                </c:pt>
-                <c:pt idx="8">
-                  <c:v>IT</c:v>
-                </c:pt>
-                <c:pt idx="9">
-                  <c:v>Engneering</c:v>
-                </c:pt>
-                <c:pt idx="10">
-                  <c:v>Commerce</c:v>
-                </c:pt>
-                <c:pt idx="11">
-                  <c:v>Law</c:v>
-                </c:pt>
-                <c:pt idx="12">
-                  <c:v>Medicine</c:v>
-                </c:pt>
-              </c:strCache>
-            </c:strRef>
-          </c:cat>
-          <c:val>
-            <c:numRef>
-              <c:f>Sheet1!$D$2:$D$14</c:f>
-              <c:numCache>
-                <c:formatCode>General</c:formatCode>
-                <c:ptCount val="13"/>
-                <c:pt idx="0">
-                  <c:v>1.4338900027462573</c:v>
-                </c:pt>
-                <c:pt idx="1">
-                  <c:v>1.4060272470859609</c:v>
-                </c:pt>
-                <c:pt idx="2">
-                  <c:v>1.6389675653307234</c:v>
-                </c:pt>
-                <c:pt idx="3">
-                  <c:v>2.0597417549157173</c:v>
-                </c:pt>
-                <c:pt idx="4">
-                  <c:v>2.1167942981887413</c:v>
-                </c:pt>
-                <c:pt idx="5">
-                  <c:v>1.8366746129150577</c:v>
-                </c:pt>
-                <c:pt idx="6">
-                  <c:v>1.9912006971264504</c:v>
-                </c:pt>
-                <c:pt idx="7">
-                  <c:v>2.0175785182379067</c:v>
-                </c:pt>
-                <c:pt idx="8">
-                  <c:v>2.2734362671067005</c:v>
-                </c:pt>
-                <c:pt idx="9">
-                  <c:v>2.0659693767290448</c:v>
-                </c:pt>
-                <c:pt idx="10">
-                  <c:v>2.0739020750330863</c:v>
-                </c:pt>
-                <c:pt idx="11">
-                  <c:v>2.7380207127496665</c:v>
-                </c:pt>
-                <c:pt idx="12">
-                  <c:v>3.5518469732487632</c:v>
-                </c:pt>
-              </c:numCache>
-            </c:numRef>
-          </c:val>
-          <c:extLst>
-            <c:ext xmlns:c16="http://schemas.microsoft.com/office/drawing/2014/chart" uri="{C3380CC4-5D6E-409C-BE32-E72D297353CC}">
-              <c16:uniqueId val="{0000000E-4493-ED42-BD86-75F5E4C8F6AE}"/>
-            </c:ext>
-          </c:extLst>
-        </c:ser>
-        <c:dLbls>
-          <c:showLegendKey val="0"/>
-          <c:showVal val="0"/>
-          <c:showCatName val="0"/>
-          <c:showSerName val="0"/>
-          <c:showPercent val="0"/>
-          <c:showBubbleSize val="0"/>
-        </c:dLbls>
-        <c:gapWidth val="100"/>
-        <c:axId val="324265856"/>
-        <c:axId val="327427200"/>
-      </c:barChart>
-      <c:catAx>
-        <c:axId val="324265856"/>
-        <c:scaling>
-          <c:orientation val="minMax"/>
-        </c:scaling>
-        <c:delete val="0"/>
-        <c:axPos val="b"/>
-        <c:numFmt formatCode="General" sourceLinked="1"/>
-        <c:majorTickMark val="none"/>
-        <c:minorTickMark val="none"/>
-        <c:tickLblPos val="none"/>
-        <c:spPr>
-          <a:ln>
-            <a:solidFill>
-              <a:srgbClr val="000000"/>
-            </a:solidFill>
-          </a:ln>
-        </c:spPr>
-        <c:crossAx val="327427200"/>
-        <c:crosses val="autoZero"/>
-        <c:auto val="1"/>
-        <c:lblAlgn val="ctr"/>
-        <c:lblOffset val="100"/>
-        <c:noMultiLvlLbl val="0"/>
-      </c:catAx>
-      <c:valAx>
-        <c:axId val="327427200"/>
-        <c:scaling>
-          <c:orientation val="minMax"/>
-        </c:scaling>
-        <c:delete val="0"/>
-        <c:axPos val="l"/>
-        <c:majorGridlines>
-          <c:spPr>
-            <a:ln>
-              <a:solidFill>
-                <a:srgbClr val="6A737B">
-                  <a:lumMod val="40000"/>
-                  <a:lumOff val="60000"/>
-                </a:srgbClr>
-              </a:solidFill>
-            </a:ln>
-          </c:spPr>
-        </c:majorGridlines>
-        <c:numFmt formatCode="General" sourceLinked="1"/>
-        <c:majorTickMark val="out"/>
-        <c:minorTickMark val="none"/>
-        <c:tickLblPos val="nextTo"/>
-        <c:spPr>
-          <a:ln>
-            <a:noFill/>
-          </a:ln>
-        </c:spPr>
-        <c:txPr>
-          <a:bodyPr/>
-          <a:lstStyle/>
-          <a:p>
-            <a:pPr>
-              <a:defRPr sz="1800"/>
-            </a:pPr>
-            <a:endParaRPr lang="en-US"/>
-          </a:p>
-        </c:txPr>
-        <c:crossAx val="324265856"/>
-        <c:crosses val="autoZero"/>
-        <c:crossBetween val="between"/>
-        <c:majorUnit val="1"/>
       </c:valAx>
     </c:plotArea>
     <c:plotVisOnly val="1"/>
@@ -11537,6 +12836,844 @@
       </p:grpSpPr>
       <p:graphicFrame>
         <p:nvGraphicFramePr>
+          <p:cNvPr id="3" name="Chart Placeholder 14">
+            <a:extLst>
+              <a:ext uri="{FF2B5EF4-FFF2-40B4-BE49-F238E27FC236}">
+                <a16:creationId xmlns:a16="http://schemas.microsoft.com/office/drawing/2014/main" id="{406C7351-21FD-5A46-9C28-E88B22D3B84F}"/>
+              </a:ext>
+            </a:extLst>
+          </p:cNvPr>
+          <p:cNvGraphicFramePr>
+            <a:graphicFrameLocks/>
+          </p:cNvGraphicFramePr>
+          <p:nvPr>
+            <p:extLst>
+              <p:ext uri="{D42A27DB-BD31-4B8C-83A1-F6EECF244321}">
+                <p14:modId xmlns:p14="http://schemas.microsoft.com/office/powerpoint/2010/main" val="3406367384"/>
+              </p:ext>
+            </p:extLst>
+          </p:nvPr>
+        </p:nvGraphicFramePr>
+        <p:xfrm>
+          <a:off x="172170" y="-13252"/>
+          <a:ext cx="7805018" cy="3831168"/>
+        </p:xfrm>
+        <a:graphic>
+          <a:graphicData uri="http://schemas.openxmlformats.org/drawingml/2006/chart">
+            <c:chart xmlns:c="http://schemas.openxmlformats.org/drawingml/2006/chart" xmlns:r="http://schemas.openxmlformats.org/officeDocument/2006/relationships" r:id="rId2"/>
+          </a:graphicData>
+        </a:graphic>
+      </p:graphicFrame>
+      <p:sp>
+        <p:nvSpPr>
+          <p:cNvPr id="4" name="TextBox 3">
+            <a:extLst>
+              <a:ext uri="{FF2B5EF4-FFF2-40B4-BE49-F238E27FC236}">
+                <a16:creationId xmlns:a16="http://schemas.microsoft.com/office/drawing/2014/main" id="{6CD7E281-602A-7644-A4D7-AAA6BF93FEC3}"/>
+              </a:ext>
+            </a:extLst>
+          </p:cNvPr>
+          <p:cNvSpPr txBox="1"/>
+          <p:nvPr/>
+        </p:nvSpPr>
+        <p:spPr>
+          <a:xfrm>
+            <a:off x="2893666" y="-53146"/>
+            <a:ext cx="2646878" cy="369332"/>
+          </a:xfrm>
+          <a:prstGeom prst="rect">
+            <a:avLst/>
+          </a:prstGeom>
+          <a:noFill/>
+        </p:spPr>
+        <p:txBody>
+          <a:bodyPr wrap="none" rtlCol="0">
+            <a:spAutoFit/>
+          </a:bodyPr>
+          <a:lstStyle/>
+          <a:p>
+            <a:pPr algn="l"/>
+            <a:r>
+              <a:rPr lang="en-AU" sz="1800" b="1" dirty="0"/>
+              <a:t>Lifetime earnings ($m)</a:t>
+            </a:r>
+          </a:p>
+        </p:txBody>
+      </p:sp>
+      <p:graphicFrame>
+        <p:nvGraphicFramePr>
+          <p:cNvPr id="5" name="Chart Placeholder 9">
+            <a:extLst>
+              <a:ext uri="{FF2B5EF4-FFF2-40B4-BE49-F238E27FC236}">
+                <a16:creationId xmlns:a16="http://schemas.microsoft.com/office/drawing/2014/main" id="{D9F18FD1-8EE2-454F-A118-107FF278137B}"/>
+              </a:ext>
+            </a:extLst>
+          </p:cNvPr>
+          <p:cNvGraphicFramePr>
+            <a:graphicFrameLocks/>
+          </p:cNvGraphicFramePr>
+          <p:nvPr>
+            <p:extLst/>
+          </p:nvPr>
+        </p:nvGraphicFramePr>
+        <p:xfrm>
+          <a:off x="-54591" y="3817916"/>
+          <a:ext cx="8094797" cy="3872422"/>
+        </p:xfrm>
+        <a:graphic>
+          <a:graphicData uri="http://schemas.openxmlformats.org/drawingml/2006/chart">
+            <c:chart xmlns:c="http://schemas.openxmlformats.org/drawingml/2006/chart" xmlns:r="http://schemas.openxmlformats.org/officeDocument/2006/relationships" r:id="rId3"/>
+          </a:graphicData>
+        </a:graphic>
+      </p:graphicFrame>
+      <p:sp>
+        <p:nvSpPr>
+          <p:cNvPr id="10" name="TextBox 9">
+            <a:extLst>
+              <a:ext uri="{FF2B5EF4-FFF2-40B4-BE49-F238E27FC236}">
+                <a16:creationId xmlns:a16="http://schemas.microsoft.com/office/drawing/2014/main" id="{4EBF4E2B-2185-994D-92B0-7DBB0A91E77B}"/>
+              </a:ext>
+            </a:extLst>
+          </p:cNvPr>
+          <p:cNvSpPr txBox="1"/>
+          <p:nvPr/>
+        </p:nvSpPr>
+        <p:spPr>
+          <a:xfrm>
+            <a:off x="1005205" y="3989388"/>
+            <a:ext cx="5968365" cy="369332"/>
+          </a:xfrm>
+          <a:prstGeom prst="rect">
+            <a:avLst/>
+          </a:prstGeom>
+          <a:noFill/>
+        </p:spPr>
+        <p:txBody>
+          <a:bodyPr wrap="none" rtlCol="0">
+            <a:spAutoFit/>
+          </a:bodyPr>
+          <a:lstStyle/>
+          <a:p>
+            <a:pPr algn="l"/>
+            <a:r>
+              <a:rPr lang="en-AU" sz="1800" b="1" dirty="0"/>
+              <a:t>Bachelor graduates’ earnings by career stage ($’000)</a:t>
+            </a:r>
+          </a:p>
+        </p:txBody>
+      </p:sp>
+      <p:sp>
+        <p:nvSpPr>
+          <p:cNvPr id="11" name="TextBox 10">
+            <a:extLst>
+              <a:ext uri="{FF2B5EF4-FFF2-40B4-BE49-F238E27FC236}">
+                <a16:creationId xmlns:a16="http://schemas.microsoft.com/office/drawing/2014/main" id="{C875BB42-C4F1-8749-81CD-5A67802985CC}"/>
+              </a:ext>
+            </a:extLst>
+          </p:cNvPr>
+          <p:cNvSpPr txBox="1"/>
+          <p:nvPr/>
+        </p:nvSpPr>
+        <p:spPr>
+          <a:xfrm>
+            <a:off x="1652497" y="172170"/>
+            <a:ext cx="1014060" cy="369332"/>
+          </a:xfrm>
+          <a:prstGeom prst="rect">
+            <a:avLst/>
+          </a:prstGeom>
+          <a:solidFill>
+            <a:schemeClr val="bg1"/>
+          </a:solidFill>
+        </p:spPr>
+        <p:txBody>
+          <a:bodyPr wrap="none" rtlCol="0">
+            <a:spAutoFit/>
+          </a:bodyPr>
+          <a:lstStyle/>
+          <a:p>
+            <a:pPr algn="l"/>
+            <a:r>
+              <a:rPr lang="en-AU" sz="1800" b="1" dirty="0">
+                <a:solidFill>
+                  <a:schemeClr val="accent5"/>
+                </a:solidFill>
+              </a:rPr>
+              <a:t>Women</a:t>
+            </a:r>
+          </a:p>
+        </p:txBody>
+      </p:sp>
+      <p:sp>
+        <p:nvSpPr>
+          <p:cNvPr id="12" name="TextBox 11">
+            <a:extLst>
+              <a:ext uri="{FF2B5EF4-FFF2-40B4-BE49-F238E27FC236}">
+                <a16:creationId xmlns:a16="http://schemas.microsoft.com/office/drawing/2014/main" id="{24CFA1AF-9389-9942-87AD-9FE9154187F8}"/>
+              </a:ext>
+            </a:extLst>
+          </p:cNvPr>
+          <p:cNvSpPr txBox="1"/>
+          <p:nvPr/>
+        </p:nvSpPr>
+        <p:spPr>
+          <a:xfrm>
+            <a:off x="5646519" y="172170"/>
+            <a:ext cx="646331" cy="369332"/>
+          </a:xfrm>
+          <a:prstGeom prst="rect">
+            <a:avLst/>
+          </a:prstGeom>
+          <a:solidFill>
+            <a:schemeClr val="bg1"/>
+          </a:solidFill>
+        </p:spPr>
+        <p:txBody>
+          <a:bodyPr wrap="none" rtlCol="0">
+            <a:spAutoFit/>
+          </a:bodyPr>
+          <a:lstStyle/>
+          <a:p>
+            <a:pPr algn="l"/>
+            <a:r>
+              <a:rPr lang="en-AU" sz="1800" b="1" dirty="0">
+                <a:solidFill>
+                  <a:schemeClr val="tx2"/>
+                </a:solidFill>
+              </a:rPr>
+              <a:t>Men</a:t>
+            </a:r>
+          </a:p>
+        </p:txBody>
+      </p:sp>
+      <p:sp>
+        <p:nvSpPr>
+          <p:cNvPr id="13" name="TextBox 12">
+            <a:extLst>
+              <a:ext uri="{FF2B5EF4-FFF2-40B4-BE49-F238E27FC236}">
+                <a16:creationId xmlns:a16="http://schemas.microsoft.com/office/drawing/2014/main" id="{1F799BD5-6122-454A-B751-319D886C4E9D}"/>
+              </a:ext>
+            </a:extLst>
+          </p:cNvPr>
+          <p:cNvSpPr txBox="1"/>
+          <p:nvPr/>
+        </p:nvSpPr>
+        <p:spPr>
+          <a:xfrm>
+            <a:off x="702855" y="3127673"/>
+            <a:ext cx="639919" cy="338554"/>
+          </a:xfrm>
+          <a:prstGeom prst="rect">
+            <a:avLst/>
+          </a:prstGeom>
+          <a:noFill/>
+        </p:spPr>
+        <p:txBody>
+          <a:bodyPr wrap="none" rtlCol="0">
+            <a:spAutoFit/>
+          </a:bodyPr>
+          <a:lstStyle/>
+          <a:p>
+            <a:pPr algn="l"/>
+            <a:r>
+              <a:rPr lang="en-AU" sz="1600" dirty="0"/>
+              <a:t>2006</a:t>
+            </a:r>
+          </a:p>
+        </p:txBody>
+      </p:sp>
+      <p:sp>
+        <p:nvSpPr>
+          <p:cNvPr id="14" name="TextBox 13">
+            <a:extLst>
+              <a:ext uri="{FF2B5EF4-FFF2-40B4-BE49-F238E27FC236}">
+                <a16:creationId xmlns:a16="http://schemas.microsoft.com/office/drawing/2014/main" id="{42670FD9-738D-784E-8DF3-BF76BF123B26}"/>
+              </a:ext>
+            </a:extLst>
+          </p:cNvPr>
+          <p:cNvSpPr txBox="1"/>
+          <p:nvPr/>
+        </p:nvSpPr>
+        <p:spPr>
+          <a:xfrm>
+            <a:off x="1318258" y="3162971"/>
+            <a:ext cx="275588" cy="261610"/>
+          </a:xfrm>
+          <a:prstGeom prst="rect">
+            <a:avLst/>
+          </a:prstGeom>
+          <a:noFill/>
+        </p:spPr>
+        <p:txBody>
+          <a:bodyPr wrap="none" lIns="0" tIns="0" rIns="0" bIns="0" rtlCol="0">
+            <a:spAutoFit/>
+          </a:bodyPr>
+          <a:lstStyle/>
+          <a:p>
+            <a:pPr algn="l"/>
+            <a:r>
+              <a:rPr lang="en-AU" sz="1700" dirty="0"/>
+              <a:t>‘11</a:t>
+            </a:r>
+          </a:p>
+        </p:txBody>
+      </p:sp>
+      <p:sp>
+        <p:nvSpPr>
+          <p:cNvPr id="15" name="TextBox 14">
+            <a:extLst>
+              <a:ext uri="{FF2B5EF4-FFF2-40B4-BE49-F238E27FC236}">
+                <a16:creationId xmlns:a16="http://schemas.microsoft.com/office/drawing/2014/main" id="{5BE83E5C-F891-DA4B-B08A-4587BBF79A55}"/>
+              </a:ext>
+            </a:extLst>
+          </p:cNvPr>
+          <p:cNvSpPr txBox="1"/>
+          <p:nvPr/>
+        </p:nvSpPr>
+        <p:spPr>
+          <a:xfrm>
+            <a:off x="1770200" y="3170665"/>
+            <a:ext cx="272510" cy="246221"/>
+          </a:xfrm>
+          <a:prstGeom prst="rect">
+            <a:avLst/>
+          </a:prstGeom>
+          <a:noFill/>
+        </p:spPr>
+        <p:txBody>
+          <a:bodyPr wrap="none" lIns="0" tIns="0" rIns="0" bIns="0" rtlCol="0">
+            <a:spAutoFit/>
+          </a:bodyPr>
+          <a:lstStyle/>
+          <a:p>
+            <a:pPr algn="l"/>
+            <a:r>
+              <a:rPr lang="en-AU" sz="1600" dirty="0"/>
+              <a:t>‘16</a:t>
+            </a:r>
+          </a:p>
+        </p:txBody>
+      </p:sp>
+      <p:sp>
+        <p:nvSpPr>
+          <p:cNvPr id="16" name="TextBox 15">
+            <a:extLst>
+              <a:ext uri="{FF2B5EF4-FFF2-40B4-BE49-F238E27FC236}">
+                <a16:creationId xmlns:a16="http://schemas.microsoft.com/office/drawing/2014/main" id="{878BB8D7-E81C-EC45-9821-618A0596690B}"/>
+              </a:ext>
+            </a:extLst>
+          </p:cNvPr>
+          <p:cNvSpPr txBox="1"/>
+          <p:nvPr/>
+        </p:nvSpPr>
+        <p:spPr>
+          <a:xfrm>
+            <a:off x="3918882" y="7591758"/>
+            <a:ext cx="595035" cy="369332"/>
+          </a:xfrm>
+          <a:prstGeom prst="rect">
+            <a:avLst/>
+          </a:prstGeom>
+          <a:noFill/>
+        </p:spPr>
+        <p:txBody>
+          <a:bodyPr wrap="none" rtlCol="0">
+            <a:spAutoFit/>
+          </a:bodyPr>
+          <a:lstStyle/>
+          <a:p>
+            <a:pPr algn="ctr"/>
+            <a:r>
+              <a:rPr lang="en-AU" sz="1800" dirty="0"/>
+              <a:t>Age</a:t>
+            </a:r>
+          </a:p>
+        </p:txBody>
+      </p:sp>
+      <p:sp>
+        <p:nvSpPr>
+          <p:cNvPr id="17" name="Rectangle 16">
+            <a:extLst>
+              <a:ext uri="{FF2B5EF4-FFF2-40B4-BE49-F238E27FC236}">
+                <a16:creationId xmlns:a16="http://schemas.microsoft.com/office/drawing/2014/main" id="{CC212327-CBD0-9B4D-882D-C19E8F9290CC}"/>
+              </a:ext>
+            </a:extLst>
+          </p:cNvPr>
+          <p:cNvSpPr/>
+          <p:nvPr/>
+        </p:nvSpPr>
+        <p:spPr bwMode="auto">
+          <a:xfrm>
+            <a:off x="1676904" y="1358438"/>
+            <a:ext cx="543831" cy="266618"/>
+          </a:xfrm>
+          <a:prstGeom prst="rect">
+            <a:avLst/>
+          </a:prstGeom>
+          <a:solidFill>
+            <a:schemeClr val="bg1"/>
+          </a:solidFill>
+          <a:ln w="9525" cap="flat" cmpd="sng" algn="ctr">
+            <a:solidFill>
+              <a:schemeClr val="accent6"/>
+            </a:solidFill>
+            <a:prstDash val="solid"/>
+            <a:round/>
+            <a:headEnd type="none" w="med" len="med"/>
+            <a:tailEnd type="none" w="med" len="med"/>
+          </a:ln>
+          <a:effectLst/>
+        </p:spPr>
+        <p:txBody>
+          <a:bodyPr vert="horz" wrap="square" lIns="36000" tIns="36000" rIns="36000" bIns="36000" numCol="1" rtlCol="0" anchor="t" anchorCtr="0" compatLnSpc="1">
+            <a:prstTxWarp prst="textNoShape">
+              <a:avLst/>
+            </a:prstTxWarp>
+          </a:bodyPr>
+          <a:lstStyle/>
+          <a:p>
+            <a:pPr marL="0" marR="0" indent="0" algn="l" defTabSz="914400" rtl="0" eaLnBrk="0" fontAlgn="base" latinLnBrk="0" hangingPunct="0">
+              <a:lnSpc>
+                <a:spcPct val="100000"/>
+              </a:lnSpc>
+              <a:spcBef>
+                <a:spcPct val="0"/>
+              </a:spcBef>
+              <a:spcAft>
+                <a:spcPct val="0"/>
+              </a:spcAft>
+              <a:buClrTx/>
+              <a:buSzTx/>
+              <a:buFontTx/>
+              <a:buNone/>
+              <a:tabLst/>
+            </a:pPr>
+            <a:r>
+              <a:rPr kumimoji="0" lang="en-AU" sz="1400" b="0" i="0" u="none" strike="noStrike" cap="none" normalizeH="0" baseline="0" dirty="0">
+                <a:ln>
+                  <a:noFill/>
+                </a:ln>
+                <a:solidFill>
+                  <a:schemeClr val="accent6"/>
+                </a:solidFill>
+                <a:effectLst/>
+                <a:latin typeface="Arial" charset="0"/>
+                <a:ea typeface="ＭＳ Ｐゴシック" pitchFamily="34" charset="-128"/>
+              </a:rPr>
+              <a:t>+10%</a:t>
+            </a:r>
+          </a:p>
+        </p:txBody>
+      </p:sp>
+      <p:cxnSp>
+        <p:nvCxnSpPr>
+          <p:cNvPr id="19" name="Straight Arrow Connector 18">
+            <a:extLst>
+              <a:ext uri="{FF2B5EF4-FFF2-40B4-BE49-F238E27FC236}">
+                <a16:creationId xmlns:a16="http://schemas.microsoft.com/office/drawing/2014/main" id="{A04CE0D3-4472-5342-A236-CE8E1494B1E4}"/>
+              </a:ext>
+            </a:extLst>
+          </p:cNvPr>
+          <p:cNvCxnSpPr>
+            <a:cxnSpLocks/>
+            <a:endCxn id="17" idx="1"/>
+          </p:cNvCxnSpPr>
+          <p:nvPr/>
+        </p:nvCxnSpPr>
+        <p:spPr bwMode="auto">
+          <a:xfrm flipV="1">
+            <a:off x="1021976" y="1491747"/>
+            <a:ext cx="654928" cy="645113"/>
+          </a:xfrm>
+          <a:prstGeom prst="straightConnector1">
+            <a:avLst/>
+          </a:prstGeom>
+          <a:solidFill>
+            <a:schemeClr val="accent1"/>
+          </a:solidFill>
+          <a:ln w="9525" cap="flat" cmpd="sng" algn="ctr">
+            <a:solidFill>
+              <a:schemeClr val="accent6"/>
+            </a:solidFill>
+            <a:prstDash val="solid"/>
+            <a:round/>
+            <a:headEnd type="oval" w="med" len="med"/>
+            <a:tailEnd type="triangle"/>
+          </a:ln>
+          <a:effectLst/>
+        </p:spPr>
+      </p:cxnSp>
+      <p:sp>
+        <p:nvSpPr>
+          <p:cNvPr id="20" name="Rectangle 19">
+            <a:extLst>
+              <a:ext uri="{FF2B5EF4-FFF2-40B4-BE49-F238E27FC236}">
+                <a16:creationId xmlns:a16="http://schemas.microsoft.com/office/drawing/2014/main" id="{06D39DC2-C44B-C24E-8E65-25B76FC2C29C}"/>
+              </a:ext>
+            </a:extLst>
+          </p:cNvPr>
+          <p:cNvSpPr/>
+          <p:nvPr/>
+        </p:nvSpPr>
+        <p:spPr bwMode="auto">
+          <a:xfrm>
+            <a:off x="3470389" y="913664"/>
+            <a:ext cx="543831" cy="266618"/>
+          </a:xfrm>
+          <a:prstGeom prst="rect">
+            <a:avLst/>
+          </a:prstGeom>
+          <a:solidFill>
+            <a:schemeClr val="bg1"/>
+          </a:solidFill>
+          <a:ln w="9525" cap="flat" cmpd="sng" algn="ctr">
+            <a:solidFill>
+              <a:schemeClr val="accent6"/>
+            </a:solidFill>
+            <a:prstDash val="solid"/>
+            <a:round/>
+            <a:headEnd type="none" w="med" len="med"/>
+            <a:tailEnd type="none" w="med" len="med"/>
+          </a:ln>
+          <a:effectLst/>
+        </p:spPr>
+        <p:txBody>
+          <a:bodyPr vert="horz" wrap="square" lIns="36000" tIns="36000" rIns="36000" bIns="36000" numCol="1" rtlCol="0" anchor="t" anchorCtr="0" compatLnSpc="1">
+            <a:prstTxWarp prst="textNoShape">
+              <a:avLst/>
+            </a:prstTxWarp>
+          </a:bodyPr>
+          <a:lstStyle/>
+          <a:p>
+            <a:pPr marL="0" marR="0" indent="0" algn="l" defTabSz="914400" rtl="0" eaLnBrk="0" fontAlgn="base" latinLnBrk="0" hangingPunct="0">
+              <a:lnSpc>
+                <a:spcPct val="100000"/>
+              </a:lnSpc>
+              <a:spcBef>
+                <a:spcPct val="0"/>
+              </a:spcBef>
+              <a:spcAft>
+                <a:spcPct val="0"/>
+              </a:spcAft>
+              <a:buClrTx/>
+              <a:buSzTx/>
+              <a:buFontTx/>
+              <a:buNone/>
+              <a:tabLst/>
+            </a:pPr>
+            <a:r>
+              <a:rPr kumimoji="0" lang="en-AU" sz="1400" b="0" i="0" u="none" strike="noStrike" cap="none" normalizeH="0" baseline="0" dirty="0">
+                <a:ln>
+                  <a:noFill/>
+                </a:ln>
+                <a:solidFill>
+                  <a:schemeClr val="accent6"/>
+                </a:solidFill>
+                <a:effectLst/>
+                <a:latin typeface="Arial" charset="0"/>
+                <a:ea typeface="ＭＳ Ｐゴシック" pitchFamily="34" charset="-128"/>
+              </a:rPr>
+              <a:t> +6%</a:t>
+            </a:r>
+          </a:p>
+        </p:txBody>
+      </p:sp>
+      <p:cxnSp>
+        <p:nvCxnSpPr>
+          <p:cNvPr id="21" name="Straight Arrow Connector 20">
+            <a:extLst>
+              <a:ext uri="{FF2B5EF4-FFF2-40B4-BE49-F238E27FC236}">
+                <a16:creationId xmlns:a16="http://schemas.microsoft.com/office/drawing/2014/main" id="{CB0CBAE3-A30A-7E49-A61C-98C5632CAAF5}"/>
+              </a:ext>
+            </a:extLst>
+          </p:cNvPr>
+          <p:cNvCxnSpPr>
+            <a:cxnSpLocks/>
+            <a:endCxn id="20" idx="1"/>
+          </p:cNvCxnSpPr>
+          <p:nvPr/>
+        </p:nvCxnSpPr>
+        <p:spPr bwMode="auto">
+          <a:xfrm flipV="1">
+            <a:off x="2826327" y="1046973"/>
+            <a:ext cx="644062" cy="473767"/>
+          </a:xfrm>
+          <a:prstGeom prst="straightConnector1">
+            <a:avLst/>
+          </a:prstGeom>
+          <a:solidFill>
+            <a:schemeClr val="accent1"/>
+          </a:solidFill>
+          <a:ln w="9525" cap="flat" cmpd="sng" algn="ctr">
+            <a:solidFill>
+              <a:schemeClr val="accent6"/>
+            </a:solidFill>
+            <a:prstDash val="solid"/>
+            <a:round/>
+            <a:headEnd type="oval" w="med" len="med"/>
+            <a:tailEnd type="triangle"/>
+          </a:ln>
+          <a:effectLst/>
+        </p:spPr>
+      </p:cxnSp>
+      <p:sp>
+        <p:nvSpPr>
+          <p:cNvPr id="24" name="Rectangle 23">
+            <a:extLst>
+              <a:ext uri="{FF2B5EF4-FFF2-40B4-BE49-F238E27FC236}">
+                <a16:creationId xmlns:a16="http://schemas.microsoft.com/office/drawing/2014/main" id="{AEDB827B-B0F1-5B47-8F4D-2125F7627781}"/>
+              </a:ext>
+            </a:extLst>
+          </p:cNvPr>
+          <p:cNvSpPr/>
+          <p:nvPr/>
+        </p:nvSpPr>
+        <p:spPr bwMode="auto">
+          <a:xfrm>
+            <a:off x="5275618" y="1060938"/>
+            <a:ext cx="543831" cy="266618"/>
+          </a:xfrm>
+          <a:prstGeom prst="rect">
+            <a:avLst/>
+          </a:prstGeom>
+          <a:solidFill>
+            <a:schemeClr val="bg1"/>
+          </a:solidFill>
+          <a:ln w="9525" cap="flat" cmpd="sng" algn="ctr">
+            <a:solidFill>
+              <a:schemeClr val="accent6"/>
+            </a:solidFill>
+            <a:prstDash val="solid"/>
+            <a:round/>
+            <a:headEnd type="none" w="med" len="med"/>
+            <a:tailEnd type="none" w="med" len="med"/>
+          </a:ln>
+          <a:effectLst/>
+        </p:spPr>
+        <p:txBody>
+          <a:bodyPr vert="horz" wrap="square" lIns="36000" tIns="36000" rIns="36000" bIns="36000" numCol="1" rtlCol="0" anchor="t" anchorCtr="0" compatLnSpc="1">
+            <a:prstTxWarp prst="textNoShape">
+              <a:avLst/>
+            </a:prstTxWarp>
+          </a:bodyPr>
+          <a:lstStyle/>
+          <a:p>
+            <a:pPr marL="0" marR="0" indent="0" algn="l" defTabSz="914400" rtl="0" eaLnBrk="0" fontAlgn="base" latinLnBrk="0" hangingPunct="0">
+              <a:lnSpc>
+                <a:spcPct val="100000"/>
+              </a:lnSpc>
+              <a:spcBef>
+                <a:spcPct val="0"/>
+              </a:spcBef>
+              <a:spcAft>
+                <a:spcPct val="0"/>
+              </a:spcAft>
+              <a:buClrTx/>
+              <a:buSzTx/>
+              <a:buFontTx/>
+              <a:buNone/>
+              <a:tabLst/>
+            </a:pPr>
+            <a:r>
+              <a:rPr kumimoji="0" lang="en-AU" sz="1400" b="0" i="0" u="none" strike="noStrike" cap="none" normalizeH="0" baseline="0" dirty="0">
+                <a:ln>
+                  <a:noFill/>
+                </a:ln>
+                <a:solidFill>
+                  <a:schemeClr val="accent6"/>
+                </a:solidFill>
+                <a:effectLst/>
+                <a:latin typeface="Arial" charset="0"/>
+                <a:ea typeface="ＭＳ Ｐゴシック" pitchFamily="34" charset="-128"/>
+              </a:rPr>
+              <a:t> +3%</a:t>
+            </a:r>
+          </a:p>
+        </p:txBody>
+      </p:sp>
+      <p:cxnSp>
+        <p:nvCxnSpPr>
+          <p:cNvPr id="25" name="Straight Arrow Connector 24">
+            <a:extLst>
+              <a:ext uri="{FF2B5EF4-FFF2-40B4-BE49-F238E27FC236}">
+                <a16:creationId xmlns:a16="http://schemas.microsoft.com/office/drawing/2014/main" id="{428F7DF5-7E9A-AC4F-ABF1-77B503D0D124}"/>
+              </a:ext>
+            </a:extLst>
+          </p:cNvPr>
+          <p:cNvCxnSpPr>
+            <a:cxnSpLocks/>
+            <a:endCxn id="24" idx="1"/>
+          </p:cNvCxnSpPr>
+          <p:nvPr/>
+        </p:nvCxnSpPr>
+        <p:spPr bwMode="auto">
+          <a:xfrm flipV="1">
+            <a:off x="4640458" y="1194247"/>
+            <a:ext cx="635160" cy="321603"/>
+          </a:xfrm>
+          <a:prstGeom prst="straightConnector1">
+            <a:avLst/>
+          </a:prstGeom>
+          <a:solidFill>
+            <a:schemeClr val="accent1"/>
+          </a:solidFill>
+          <a:ln w="9525" cap="flat" cmpd="sng" algn="ctr">
+            <a:solidFill>
+              <a:schemeClr val="accent6"/>
+            </a:solidFill>
+            <a:prstDash val="solid"/>
+            <a:round/>
+            <a:headEnd type="oval" w="med" len="med"/>
+            <a:tailEnd type="triangle"/>
+          </a:ln>
+          <a:effectLst/>
+        </p:spPr>
+      </p:cxnSp>
+      <p:sp>
+        <p:nvSpPr>
+          <p:cNvPr id="31" name="Rectangle 30">
+            <a:extLst>
+              <a:ext uri="{FF2B5EF4-FFF2-40B4-BE49-F238E27FC236}">
+                <a16:creationId xmlns:a16="http://schemas.microsoft.com/office/drawing/2014/main" id="{18045905-058C-E147-96DF-C16858DC5C98}"/>
+              </a:ext>
+            </a:extLst>
+          </p:cNvPr>
+          <p:cNvSpPr/>
+          <p:nvPr/>
+        </p:nvSpPr>
+        <p:spPr bwMode="auto">
+          <a:xfrm>
+            <a:off x="7097694" y="298718"/>
+            <a:ext cx="543831" cy="266618"/>
+          </a:xfrm>
+          <a:prstGeom prst="rect">
+            <a:avLst/>
+          </a:prstGeom>
+          <a:solidFill>
+            <a:schemeClr val="bg1"/>
+          </a:solidFill>
+          <a:ln w="9525" cap="flat" cmpd="sng" algn="ctr">
+            <a:solidFill>
+              <a:schemeClr val="accent6"/>
+            </a:solidFill>
+            <a:prstDash val="solid"/>
+            <a:round/>
+            <a:headEnd type="none" w="med" len="med"/>
+            <a:tailEnd type="none" w="med" len="med"/>
+          </a:ln>
+          <a:effectLst/>
+        </p:spPr>
+        <p:txBody>
+          <a:bodyPr vert="horz" wrap="square" lIns="36000" tIns="36000" rIns="36000" bIns="36000" numCol="1" rtlCol="0" anchor="t" anchorCtr="0" compatLnSpc="1">
+            <a:prstTxWarp prst="textNoShape">
+              <a:avLst/>
+            </a:prstTxWarp>
+          </a:bodyPr>
+          <a:lstStyle/>
+          <a:p>
+            <a:pPr marL="0" marR="0" indent="0" algn="l" defTabSz="914400" rtl="0" eaLnBrk="0" fontAlgn="base" latinLnBrk="0" hangingPunct="0">
+              <a:lnSpc>
+                <a:spcPct val="100000"/>
+              </a:lnSpc>
+              <a:spcBef>
+                <a:spcPct val="0"/>
+              </a:spcBef>
+              <a:spcAft>
+                <a:spcPct val="0"/>
+              </a:spcAft>
+              <a:buClrTx/>
+              <a:buSzTx/>
+              <a:buFontTx/>
+              <a:buNone/>
+              <a:tabLst/>
+            </a:pPr>
+            <a:r>
+              <a:rPr kumimoji="0" lang="en-AU" sz="1400" b="0" i="0" u="none" strike="noStrike" cap="none" normalizeH="0" baseline="0" dirty="0">
+                <a:ln>
+                  <a:noFill/>
+                </a:ln>
+                <a:solidFill>
+                  <a:schemeClr val="accent6"/>
+                </a:solidFill>
+                <a:effectLst/>
+                <a:latin typeface="Arial" charset="0"/>
+                <a:ea typeface="ＭＳ Ｐゴシック" pitchFamily="34" charset="-128"/>
+              </a:rPr>
+              <a:t> +2%</a:t>
+            </a:r>
+          </a:p>
+        </p:txBody>
+      </p:sp>
+      <p:cxnSp>
+        <p:nvCxnSpPr>
+          <p:cNvPr id="32" name="Straight Arrow Connector 31">
+            <a:extLst>
+              <a:ext uri="{FF2B5EF4-FFF2-40B4-BE49-F238E27FC236}">
+                <a16:creationId xmlns:a16="http://schemas.microsoft.com/office/drawing/2014/main" id="{7DAF9A6F-8534-B143-8AA1-4B0914C7F8D5}"/>
+              </a:ext>
+            </a:extLst>
+          </p:cNvPr>
+          <p:cNvCxnSpPr>
+            <a:cxnSpLocks/>
+            <a:endCxn id="31" idx="1"/>
+          </p:cNvCxnSpPr>
+          <p:nvPr/>
+        </p:nvCxnSpPr>
+        <p:spPr bwMode="auto">
+          <a:xfrm flipV="1">
+            <a:off x="6498597" y="432027"/>
+            <a:ext cx="599097" cy="262330"/>
+          </a:xfrm>
+          <a:prstGeom prst="straightConnector1">
+            <a:avLst/>
+          </a:prstGeom>
+          <a:solidFill>
+            <a:schemeClr val="accent1"/>
+          </a:solidFill>
+          <a:ln w="9525" cap="flat" cmpd="sng" algn="ctr">
+            <a:solidFill>
+              <a:schemeClr val="accent6"/>
+            </a:solidFill>
+            <a:prstDash val="solid"/>
+            <a:round/>
+            <a:headEnd type="oval" w="med" len="med"/>
+            <a:tailEnd type="triangle"/>
+          </a:ln>
+          <a:effectLst/>
+        </p:spPr>
+      </p:cxnSp>
+    </p:spTree>
+    <p:extLst>
+      <p:ext uri="{BB962C8B-B14F-4D97-AF65-F5344CB8AC3E}">
+        <p14:creationId xmlns:p14="http://schemas.microsoft.com/office/powerpoint/2010/main" val="4289655213"/>
+      </p:ext>
+    </p:extLst>
+  </p:cSld>
+  <p:clrMapOvr>
+    <a:masterClrMapping/>
+  </p:clrMapOvr>
+</p:sld>
+</file>
+
+<file path=ppt/slides/slide3.xml><?xml version="1.0" encoding="utf-8"?>
+<p:sld xmlns:a="http://schemas.openxmlformats.org/drawingml/2006/main" xmlns:r="http://schemas.openxmlformats.org/officeDocument/2006/relationships" xmlns:p="http://schemas.openxmlformats.org/presentationml/2006/main">
+  <p:cSld>
+    <p:spTree>
+      <p:nvGrpSpPr>
+        <p:cNvPr id="1" name=""/>
+        <p:cNvGrpSpPr/>
+        <p:nvPr/>
+      </p:nvGrpSpPr>
+      <p:grpSpPr>
+        <a:xfrm>
+          <a:off x="0" y="0"/>
+          <a:ext cx="0" cy="0"/>
+          <a:chOff x="0" y="0"/>
+          <a:chExt cx="0" cy="0"/>
+        </a:xfrm>
+      </p:grpSpPr>
+      <p:graphicFrame>
+        <p:nvGraphicFramePr>
           <p:cNvPr id="3" name="Chart Placeholder 2">
             <a:extLst>
               <a:ext uri="{FF2B5EF4-FFF2-40B4-BE49-F238E27FC236}">
@@ -12449,7 +14586,7 @@
 </p:sld>
 </file>
 
-<file path=ppt/slides/slide3.xml><?xml version="1.0" encoding="utf-8"?>
+<file path=ppt/slides/slide4.xml><?xml version="1.0" encoding="utf-8"?>
 <p:sld xmlns:a="http://schemas.openxmlformats.org/drawingml/2006/main" xmlns:r="http://schemas.openxmlformats.org/officeDocument/2006/relationships" xmlns:p="http://schemas.openxmlformats.org/presentationml/2006/main">
   <p:cSld>
     <p:spTree>
@@ -13382,7 +15519,7 @@
 </p:sld>
 </file>
 
-<file path=ppt/slides/slide4.xml><?xml version="1.0" encoding="utf-8"?>
+<file path=ppt/slides/slide5.xml><?xml version="1.0" encoding="utf-8"?>
 <p:sld xmlns:a="http://schemas.openxmlformats.org/drawingml/2006/main" xmlns:r="http://schemas.openxmlformats.org/officeDocument/2006/relationships" xmlns:p="http://schemas.openxmlformats.org/presentationml/2006/main">
   <p:cSld>
     <p:spTree>
@@ -14350,7 +16487,7 @@
 </p:sld>
 </file>
 
-<file path=ppt/slides/slide5.xml><?xml version="1.0" encoding="utf-8"?>
+<file path=ppt/slides/slide6.xml><?xml version="1.0" encoding="utf-8"?>
 <p:sld xmlns:a="http://schemas.openxmlformats.org/drawingml/2006/main" xmlns:r="http://schemas.openxmlformats.org/officeDocument/2006/relationships" xmlns:p="http://schemas.openxmlformats.org/presentationml/2006/main">
   <p:cSld>
     <p:spTree>
@@ -15010,7 +17147,7 @@
 </p:sld>
 </file>
 
-<file path=ppt/slides/slide6.xml><?xml version="1.0" encoding="utf-8"?>
+<file path=ppt/slides/slide7.xml><?xml version="1.0" encoding="utf-8"?>
 <p:sld xmlns:a="http://schemas.openxmlformats.org/drawingml/2006/main" xmlns:r="http://schemas.openxmlformats.org/officeDocument/2006/relationships" xmlns:p="http://schemas.openxmlformats.org/presentationml/2006/main">
   <p:cSld>
     <p:spTree>
@@ -15669,7 +17806,7 @@
 </p:sld>
 </file>
 
-<file path=ppt/slides/slide7.xml><?xml version="1.0" encoding="utf-8"?>
+<file path=ppt/slides/slide8.xml><?xml version="1.0" encoding="utf-8"?>
 <p:sld xmlns:a="http://schemas.openxmlformats.org/drawingml/2006/main" xmlns:r="http://schemas.openxmlformats.org/officeDocument/2006/relationships" xmlns:p="http://schemas.openxmlformats.org/presentationml/2006/main">
   <p:cSld>
     <p:spTree>
@@ -17878,6 +20015,227 @@
 </a:themeOverride>
 </file>
 
+<file path=ppt/theme/themeOverride10.xml><?xml version="1.0" encoding="utf-8"?>
+<a:themeOverride xmlns:a="http://schemas.openxmlformats.org/drawingml/2006/main">
+  <a:clrScheme name="Grattan">
+    <a:dk1>
+      <a:srgbClr val="000000"/>
+    </a:dk1>
+    <a:lt1>
+      <a:srgbClr val="FFFFFF"/>
+    </a:lt1>
+    <a:dk2>
+      <a:srgbClr val="A02226"/>
+    </a:dk2>
+    <a:lt2>
+      <a:srgbClr val="621214"/>
+    </a:lt2>
+    <a:accent1>
+      <a:srgbClr val="D4582A"/>
+    </a:accent1>
+    <a:accent2>
+      <a:srgbClr val="F68B33"/>
+    </a:accent2>
+    <a:accent3>
+      <a:srgbClr val="FFC35A"/>
+    </a:accent3>
+    <a:accent4>
+      <a:srgbClr val="FFE07F"/>
+    </a:accent4>
+    <a:accent5>
+      <a:srgbClr val="F3901D"/>
+    </a:accent5>
+    <a:accent6>
+      <a:srgbClr val="6A737B"/>
+    </a:accent6>
+    <a:hlink>
+      <a:srgbClr val="757575"/>
+    </a:hlink>
+    <a:folHlink>
+      <a:srgbClr val="AEAEAE"/>
+    </a:folHlink>
+  </a:clrScheme>
+  <a:fontScheme name="Blank Presentation">
+    <a:majorFont>
+      <a:latin typeface="Arial"/>
+      <a:ea typeface="ＭＳ Ｐゴシック"/>
+      <a:cs typeface=""/>
+    </a:majorFont>
+    <a:minorFont>
+      <a:latin typeface="Arial"/>
+      <a:ea typeface="ＭＳ Ｐゴシック"/>
+      <a:cs typeface=""/>
+    </a:minorFont>
+  </a:fontScheme>
+  <a:fmtScheme name="Office">
+    <a:fillStyleLst>
+      <a:solidFill>
+        <a:schemeClr val="phClr"/>
+      </a:solidFill>
+      <a:gradFill rotWithShape="1">
+        <a:gsLst>
+          <a:gs pos="0">
+            <a:schemeClr val="phClr">
+              <a:tint val="50000"/>
+              <a:satMod val="300000"/>
+            </a:schemeClr>
+          </a:gs>
+          <a:gs pos="35000">
+            <a:schemeClr val="phClr">
+              <a:tint val="37000"/>
+              <a:satMod val="300000"/>
+            </a:schemeClr>
+          </a:gs>
+          <a:gs pos="100000">
+            <a:schemeClr val="phClr">
+              <a:tint val="15000"/>
+              <a:satMod val="350000"/>
+            </a:schemeClr>
+          </a:gs>
+        </a:gsLst>
+        <a:lin ang="16200000" scaled="1"/>
+      </a:gradFill>
+      <a:gradFill rotWithShape="1">
+        <a:gsLst>
+          <a:gs pos="0">
+            <a:schemeClr val="phClr">
+              <a:shade val="51000"/>
+              <a:satMod val="130000"/>
+            </a:schemeClr>
+          </a:gs>
+          <a:gs pos="80000">
+            <a:schemeClr val="phClr">
+              <a:shade val="93000"/>
+              <a:satMod val="130000"/>
+            </a:schemeClr>
+          </a:gs>
+          <a:gs pos="100000">
+            <a:schemeClr val="phClr">
+              <a:shade val="94000"/>
+              <a:satMod val="135000"/>
+            </a:schemeClr>
+          </a:gs>
+        </a:gsLst>
+        <a:lin ang="16200000" scaled="0"/>
+      </a:gradFill>
+    </a:fillStyleLst>
+    <a:lnStyleLst>
+      <a:ln w="9525" cap="flat" cmpd="sng" algn="ctr">
+        <a:solidFill>
+          <a:schemeClr val="phClr">
+            <a:shade val="95000"/>
+            <a:satMod val="105000"/>
+          </a:schemeClr>
+        </a:solidFill>
+        <a:prstDash val="solid"/>
+      </a:ln>
+      <a:ln w="25400" cap="flat" cmpd="sng" algn="ctr">
+        <a:solidFill>
+          <a:schemeClr val="phClr"/>
+        </a:solidFill>
+        <a:prstDash val="solid"/>
+      </a:ln>
+      <a:ln w="38100" cap="flat" cmpd="sng" algn="ctr">
+        <a:solidFill>
+          <a:schemeClr val="phClr"/>
+        </a:solidFill>
+        <a:prstDash val="solid"/>
+      </a:ln>
+    </a:lnStyleLst>
+    <a:effectStyleLst>
+      <a:effectStyle>
+        <a:effectLst>
+          <a:outerShdw blurRad="40000" dist="20000" dir="5400000" rotWithShape="0">
+            <a:srgbClr val="000000">
+              <a:alpha val="38000"/>
+            </a:srgbClr>
+          </a:outerShdw>
+        </a:effectLst>
+      </a:effectStyle>
+      <a:effectStyle>
+        <a:effectLst>
+          <a:outerShdw blurRad="40000" dist="23000" dir="5400000" rotWithShape="0">
+            <a:srgbClr val="000000">
+              <a:alpha val="35000"/>
+            </a:srgbClr>
+          </a:outerShdw>
+        </a:effectLst>
+      </a:effectStyle>
+      <a:effectStyle>
+        <a:effectLst>
+          <a:outerShdw blurRad="40000" dist="23000" dir="5400000" rotWithShape="0">
+            <a:srgbClr val="000000">
+              <a:alpha val="35000"/>
+            </a:srgbClr>
+          </a:outerShdw>
+        </a:effectLst>
+        <a:scene3d>
+          <a:camera prst="orthographicFront">
+            <a:rot lat="0" lon="0" rev="0"/>
+          </a:camera>
+          <a:lightRig rig="threePt" dir="t">
+            <a:rot lat="0" lon="0" rev="1200000"/>
+          </a:lightRig>
+        </a:scene3d>
+        <a:sp3d>
+          <a:bevelT w="63500" h="25400"/>
+        </a:sp3d>
+      </a:effectStyle>
+    </a:effectStyleLst>
+    <a:bgFillStyleLst>
+      <a:solidFill>
+        <a:schemeClr val="phClr"/>
+      </a:solidFill>
+      <a:gradFill rotWithShape="1">
+        <a:gsLst>
+          <a:gs pos="0">
+            <a:schemeClr val="phClr">
+              <a:tint val="40000"/>
+              <a:satMod val="350000"/>
+            </a:schemeClr>
+          </a:gs>
+          <a:gs pos="40000">
+            <a:schemeClr val="phClr">
+              <a:tint val="45000"/>
+              <a:shade val="99000"/>
+              <a:satMod val="350000"/>
+            </a:schemeClr>
+          </a:gs>
+          <a:gs pos="100000">
+            <a:schemeClr val="phClr">
+              <a:shade val="20000"/>
+              <a:satMod val="255000"/>
+            </a:schemeClr>
+          </a:gs>
+        </a:gsLst>
+        <a:path path="circle">
+          <a:fillToRect l="50000" t="-80000" r="50000" b="180000"/>
+        </a:path>
+      </a:gradFill>
+      <a:gradFill rotWithShape="1">
+        <a:gsLst>
+          <a:gs pos="0">
+            <a:schemeClr val="phClr">
+              <a:tint val="80000"/>
+              <a:satMod val="300000"/>
+            </a:schemeClr>
+          </a:gs>
+          <a:gs pos="100000">
+            <a:schemeClr val="phClr">
+              <a:shade val="30000"/>
+              <a:satMod val="200000"/>
+            </a:schemeClr>
+          </a:gs>
+        </a:gsLst>
+        <a:path path="circle">
+          <a:fillToRect l="50000" t="50000" r="50000" b="50000"/>
+        </a:path>
+      </a:gradFill>
+    </a:bgFillStyleLst>
+  </a:fmtScheme>
+</a:themeOverride>
+</file>
+
 <file path=ppt/theme/themeOverride2.xml><?xml version="1.0" encoding="utf-8"?>
 <a:themeOverride xmlns:a="http://schemas.openxmlformats.org/drawingml/2006/main">
   <a:clrScheme name="Grattan">
@@ -19423,4 +21781,225 @@
     </a:bgFillStyleLst>
   </a:fmtScheme>
 </a:themeOverride>
+</file>
+
+<file path=ppt/theme/themeOverride9.xml><?xml version="1.0" encoding="utf-8"?>
+<a:themeOverride xmlns:a="http://schemas.openxmlformats.org/drawingml/2006/main">
+  <a:clrScheme name="Grattan">
+    <a:dk1>
+      <a:srgbClr val="000000"/>
+    </a:dk1>
+    <a:lt1>
+      <a:srgbClr val="FFFFFF"/>
+    </a:lt1>
+    <a:dk2>
+      <a:srgbClr val="A02226"/>
+    </a:dk2>
+    <a:lt2>
+      <a:srgbClr val="621214"/>
+    </a:lt2>
+    <a:accent1>
+      <a:srgbClr val="D4582A"/>
+    </a:accent1>
+    <a:accent2>
+      <a:srgbClr val="F68B33"/>
+    </a:accent2>
+    <a:accent3>
+      <a:srgbClr val="FFC35A"/>
+    </a:accent3>
+    <a:accent4>
+      <a:srgbClr val="FFE07F"/>
+    </a:accent4>
+    <a:accent5>
+      <a:srgbClr val="F3901D"/>
+    </a:accent5>
+    <a:accent6>
+      <a:srgbClr val="6A737B"/>
+    </a:accent6>
+    <a:hlink>
+      <a:srgbClr val="757575"/>
+    </a:hlink>
+    <a:folHlink>
+      <a:srgbClr val="AEAEAE"/>
+    </a:folHlink>
+  </a:clrScheme>
+  <a:fontScheme name="Blank Presentation">
+    <a:majorFont>
+      <a:latin typeface="Arial"/>
+      <a:ea typeface="ＭＳ Ｐゴシック"/>
+      <a:cs typeface=""/>
+    </a:majorFont>
+    <a:minorFont>
+      <a:latin typeface="Arial"/>
+      <a:ea typeface="ＭＳ Ｐゴシック"/>
+      <a:cs typeface=""/>
+    </a:minorFont>
+  </a:fontScheme>
+  <a:fmtScheme name="Office">
+    <a:fillStyleLst>
+      <a:solidFill>
+        <a:schemeClr val="phClr"/>
+      </a:solidFill>
+      <a:gradFill rotWithShape="1">
+        <a:gsLst>
+          <a:gs pos="0">
+            <a:schemeClr val="phClr">
+              <a:tint val="50000"/>
+              <a:satMod val="300000"/>
+            </a:schemeClr>
+          </a:gs>
+          <a:gs pos="35000">
+            <a:schemeClr val="phClr">
+              <a:tint val="37000"/>
+              <a:satMod val="300000"/>
+            </a:schemeClr>
+          </a:gs>
+          <a:gs pos="100000">
+            <a:schemeClr val="phClr">
+              <a:tint val="15000"/>
+              <a:satMod val="350000"/>
+            </a:schemeClr>
+          </a:gs>
+        </a:gsLst>
+        <a:lin ang="16200000" scaled="1"/>
+      </a:gradFill>
+      <a:gradFill rotWithShape="1">
+        <a:gsLst>
+          <a:gs pos="0">
+            <a:schemeClr val="phClr">
+              <a:shade val="51000"/>
+              <a:satMod val="130000"/>
+            </a:schemeClr>
+          </a:gs>
+          <a:gs pos="80000">
+            <a:schemeClr val="phClr">
+              <a:shade val="93000"/>
+              <a:satMod val="130000"/>
+            </a:schemeClr>
+          </a:gs>
+          <a:gs pos="100000">
+            <a:schemeClr val="phClr">
+              <a:shade val="94000"/>
+              <a:satMod val="135000"/>
+            </a:schemeClr>
+          </a:gs>
+        </a:gsLst>
+        <a:lin ang="16200000" scaled="0"/>
+      </a:gradFill>
+    </a:fillStyleLst>
+    <a:lnStyleLst>
+      <a:ln w="9525" cap="flat" cmpd="sng" algn="ctr">
+        <a:solidFill>
+          <a:schemeClr val="phClr">
+            <a:shade val="95000"/>
+            <a:satMod val="105000"/>
+          </a:schemeClr>
+        </a:solidFill>
+        <a:prstDash val="solid"/>
+      </a:ln>
+      <a:ln w="25400" cap="flat" cmpd="sng" algn="ctr">
+        <a:solidFill>
+          <a:schemeClr val="phClr"/>
+        </a:solidFill>
+        <a:prstDash val="solid"/>
+      </a:ln>
+      <a:ln w="38100" cap="flat" cmpd="sng" algn="ctr">
+        <a:solidFill>
+          <a:schemeClr val="phClr"/>
+        </a:solidFill>
+        <a:prstDash val="solid"/>
+      </a:ln>
+    </a:lnStyleLst>
+    <a:effectStyleLst>
+      <a:effectStyle>
+        <a:effectLst>
+          <a:outerShdw blurRad="40000" dist="20000" dir="5400000" rotWithShape="0">
+            <a:srgbClr val="000000">
+              <a:alpha val="38000"/>
+            </a:srgbClr>
+          </a:outerShdw>
+        </a:effectLst>
+      </a:effectStyle>
+      <a:effectStyle>
+        <a:effectLst>
+          <a:outerShdw blurRad="40000" dist="23000" dir="5400000" rotWithShape="0">
+            <a:srgbClr val="000000">
+              <a:alpha val="35000"/>
+            </a:srgbClr>
+          </a:outerShdw>
+        </a:effectLst>
+      </a:effectStyle>
+      <a:effectStyle>
+        <a:effectLst>
+          <a:outerShdw blurRad="40000" dist="23000" dir="5400000" rotWithShape="0">
+            <a:srgbClr val="000000">
+              <a:alpha val="35000"/>
+            </a:srgbClr>
+          </a:outerShdw>
+        </a:effectLst>
+        <a:scene3d>
+          <a:camera prst="orthographicFront">
+            <a:rot lat="0" lon="0" rev="0"/>
+          </a:camera>
+          <a:lightRig rig="threePt" dir="t">
+            <a:rot lat="0" lon="0" rev="1200000"/>
+          </a:lightRig>
+        </a:scene3d>
+        <a:sp3d>
+          <a:bevelT w="63500" h="25400"/>
+        </a:sp3d>
+      </a:effectStyle>
+    </a:effectStyleLst>
+    <a:bgFillStyleLst>
+      <a:solidFill>
+        <a:schemeClr val="phClr"/>
+      </a:solidFill>
+      <a:gradFill rotWithShape="1">
+        <a:gsLst>
+          <a:gs pos="0">
+            <a:schemeClr val="phClr">
+              <a:tint val="40000"/>
+              <a:satMod val="350000"/>
+            </a:schemeClr>
+          </a:gs>
+          <a:gs pos="40000">
+            <a:schemeClr val="phClr">
+              <a:tint val="45000"/>
+              <a:shade val="99000"/>
+              <a:satMod val="350000"/>
+            </a:schemeClr>
+          </a:gs>
+          <a:gs pos="100000">
+            <a:schemeClr val="phClr">
+              <a:shade val="20000"/>
+              <a:satMod val="255000"/>
+            </a:schemeClr>
+          </a:gs>
+        </a:gsLst>
+        <a:path path="circle">
+          <a:fillToRect l="50000" t="-80000" r="50000" b="180000"/>
+        </a:path>
+      </a:gradFill>
+      <a:gradFill rotWithShape="1">
+        <a:gsLst>
+          <a:gs pos="0">
+            <a:schemeClr val="phClr">
+              <a:tint val="80000"/>
+              <a:satMod val="300000"/>
+            </a:schemeClr>
+          </a:gs>
+          <a:gs pos="100000">
+            <a:schemeClr val="phClr">
+              <a:shade val="30000"/>
+              <a:satMod val="200000"/>
+            </a:schemeClr>
+          </a:gs>
+        </a:gsLst>
+        <a:path path="circle">
+          <a:fillToRect l="50000" t="50000" r="50000" b="50000"/>
+        </a:path>
+      </a:gradFill>
+    </a:bgFillStyleLst>
+  </a:fmtScheme>
+</a:themeOverride>
 </file>
--- a/benefits_charts/halfpage_graduate_premiums.pptx
+++ b/benefits_charts/halfpage_graduate_premiums.pptx
@@ -5,20 +5,19 @@
     <p:sldMasterId id="2147483682" r:id="rId1"/>
   </p:sldMasterIdLst>
   <p:notesMasterIdLst>
-    <p:notesMasterId r:id="rId10"/>
+    <p:notesMasterId r:id="rId9"/>
   </p:notesMasterIdLst>
   <p:handoutMasterIdLst>
-    <p:handoutMasterId r:id="rId11"/>
+    <p:handoutMasterId r:id="rId10"/>
   </p:handoutMasterIdLst>
   <p:sldIdLst>
     <p:sldId id="258" r:id="rId2"/>
-    <p:sldId id="269" r:id="rId3"/>
-    <p:sldId id="259" r:id="rId4"/>
-    <p:sldId id="262" r:id="rId5"/>
-    <p:sldId id="263" r:id="rId6"/>
-    <p:sldId id="265" r:id="rId7"/>
-    <p:sldId id="268" r:id="rId8"/>
-    <p:sldId id="267" r:id="rId9"/>
+    <p:sldId id="259" r:id="rId3"/>
+    <p:sldId id="262" r:id="rId4"/>
+    <p:sldId id="263" r:id="rId5"/>
+    <p:sldId id="265" r:id="rId6"/>
+    <p:sldId id="268" r:id="rId7"/>
+    <p:sldId id="267" r:id="rId8"/>
   </p:sldIdLst>
   <p:sldSz cx="7977188" cy="7977188"/>
   <p:notesSz cx="9939338" cy="14368463"/>
@@ -241,9 +240,7 @@
               <a:srgbClr val="F9B074"/>
             </a:solidFill>
             <a:ln w="9525">
-              <a:solidFill>
-                <a:srgbClr val="FFFFFF"/>
-              </a:solidFill>
+              <a:noFill/>
             </a:ln>
           </c:spPr>
           <c:invertIfNegative val="0"/>
@@ -256,9 +253,7 @@
                 <a:srgbClr val="F8A866"/>
               </a:solidFill>
               <a:ln w="9525">
-                <a:solidFill>
-                  <a:srgbClr val="FFFFFF"/>
-                </a:solidFill>
+                <a:noFill/>
               </a:ln>
             </c:spPr>
             <c:extLst>
@@ -276,9 +271,7 @@
                 <a:srgbClr val="F8A866"/>
               </a:solidFill>
               <a:ln w="9525">
-                <a:solidFill>
-                  <a:srgbClr val="FFFFFF"/>
-                </a:solidFill>
+                <a:noFill/>
               </a:ln>
             </c:spPr>
             <c:extLst>
@@ -296,9 +289,7 @@
                 <a:srgbClr val="B7595C"/>
               </a:solidFill>
               <a:ln w="9525">
-                <a:solidFill>
-                  <a:srgbClr val="FFFFFF"/>
-                </a:solidFill>
+                <a:noFill/>
               </a:ln>
             </c:spPr>
             <c:extLst>
@@ -316,9 +307,7 @@
                 <a:srgbClr val="B7595C"/>
               </a:solidFill>
               <a:ln w="9525">
-                <a:solidFill>
-                  <a:srgbClr val="FFFFFF"/>
-                </a:solidFill>
+                <a:noFill/>
               </a:ln>
             </c:spPr>
             <c:extLst>
@@ -393,9 +382,7 @@
               <a:schemeClr val="accent2"/>
             </a:solidFill>
             <a:ln w="9525">
-              <a:solidFill>
-                <a:srgbClr val="FFFFFF"/>
-              </a:solidFill>
+              <a:noFill/>
             </a:ln>
           </c:spPr>
           <c:invertIfNegative val="0"/>
@@ -408,9 +395,7 @@
                 <a:srgbClr val="A02226"/>
               </a:solidFill>
               <a:ln w="9525">
-                <a:solidFill>
-                  <a:srgbClr val="FFFFFF"/>
-                </a:solidFill>
+                <a:noFill/>
               </a:ln>
             </c:spPr>
             <c:extLst>
@@ -428,9 +413,7 @@
                 <a:srgbClr val="A02226"/>
               </a:solidFill>
               <a:ln w="9525">
-                <a:solidFill>
-                  <a:srgbClr val="FFFFFF"/>
-                </a:solidFill>
+                <a:noFill/>
               </a:ln>
             </c:spPr>
             <c:extLst>
@@ -505,9 +488,7 @@
               <a:srgbClr val="EC700A"/>
             </a:solidFill>
             <a:ln w="9525">
-              <a:solidFill>
-                <a:srgbClr val="FFFFFF"/>
-              </a:solidFill>
+              <a:noFill/>
             </a:ln>
           </c:spPr>
           <c:invertIfNegative val="0"/>
@@ -540,9 +521,7 @@
                 <a:srgbClr val="76191C"/>
               </a:solidFill>
               <a:ln w="9525">
-                <a:solidFill>
-                  <a:srgbClr val="FFFFFF"/>
-                </a:solidFill>
+                <a:noFill/>
               </a:ln>
             </c:spPr>
             <c:extLst>
@@ -560,9 +539,7 @@
                 <a:srgbClr val="76191C"/>
               </a:solidFill>
               <a:ln w="9525">
-                <a:solidFill>
-                  <a:srgbClr val="FFFFFF"/>
-                </a:solidFill>
+                <a:noFill/>
               </a:ln>
             </c:spPr>
             <c:extLst>
@@ -750,1248 +727,6 @@
   <c:chart>
     <c:autoTitleDeleted val="0"/>
     <c:plotArea>
-      <c:layout/>
-      <c:barChart>
-        <c:barDir val="col"/>
-        <c:grouping val="clustered"/>
-        <c:varyColors val="0"/>
-        <c:ser>
-          <c:idx val="0"/>
-          <c:order val="0"/>
-          <c:tx>
-            <c:strRef>
-              <c:f>Sheet1!$B$1</c:f>
-              <c:strCache>
-                <c:ptCount val="1"/>
-                <c:pt idx="0">
-                  <c:v>2006</c:v>
-                </c:pt>
-              </c:strCache>
-            </c:strRef>
-          </c:tx>
-          <c:spPr>
-            <a:solidFill>
-              <a:srgbClr val="B7595C"/>
-            </a:solidFill>
-            <a:ln w="9525">
-              <a:noFill/>
-            </a:ln>
-          </c:spPr>
-          <c:invertIfNegative val="0"/>
-          <c:dPt>
-            <c:idx val="1"/>
-            <c:invertIfNegative val="0"/>
-            <c:bubble3D val="0"/>
-            <c:spPr>
-              <a:solidFill>
-                <a:srgbClr val="B7595C"/>
-              </a:solidFill>
-              <a:ln w="12700">
-                <a:solidFill>
-                  <a:srgbClr val="000000"/>
-                </a:solidFill>
-              </a:ln>
-            </c:spPr>
-            <c:extLst>
-              <c:ext xmlns:c16="http://schemas.microsoft.com/office/drawing/2014/chart" uri="{C3380CC4-5D6E-409C-BE32-E72D297353CC}">
-                <c16:uniqueId val="{00000001-0875-B944-AB9C-F6FA5D4BD96E}"/>
-              </c:ext>
-            </c:extLst>
-          </c:dPt>
-          <c:dPt>
-            <c:idx val="6"/>
-            <c:invertIfNegative val="0"/>
-            <c:bubble3D val="0"/>
-            <c:spPr>
-              <a:solidFill>
-                <a:srgbClr val="B7595C"/>
-              </a:solidFill>
-              <a:ln w="12700">
-                <a:solidFill>
-                  <a:srgbClr val="000000"/>
-                </a:solidFill>
-              </a:ln>
-            </c:spPr>
-            <c:extLst>
-              <c:ext xmlns:c16="http://schemas.microsoft.com/office/drawing/2014/chart" uri="{C3380CC4-5D6E-409C-BE32-E72D297353CC}">
-                <c16:uniqueId val="{00000003-0875-B944-AB9C-F6FA5D4BD96E}"/>
-              </c:ext>
-            </c:extLst>
-          </c:dPt>
-          <c:cat>
-            <c:strRef>
-              <c:f>Sheet1!$A$2:$A$14</c:f>
-              <c:strCache>
-                <c:ptCount val="13"/>
-                <c:pt idx="0">
-                  <c:v>Performing arts</c:v>
-                </c:pt>
-                <c:pt idx="1">
-                  <c:v>Year 12</c:v>
-                </c:pt>
-                <c:pt idx="2">
-                  <c:v>Humanities</c:v>
-                </c:pt>
-                <c:pt idx="3">
-                  <c:v>Nursing</c:v>
-                </c:pt>
-                <c:pt idx="4">
-                  <c:v>Education</c:v>
-                </c:pt>
-                <c:pt idx="5">
-                  <c:v>Science</c:v>
-                </c:pt>
-                <c:pt idx="6">
-                  <c:v>Bachalor (all)</c:v>
-                </c:pt>
-                <c:pt idx="7">
-                  <c:v>Other health</c:v>
-                </c:pt>
-                <c:pt idx="8">
-                  <c:v>IT</c:v>
-                </c:pt>
-                <c:pt idx="9">
-                  <c:v>Engneering</c:v>
-                </c:pt>
-                <c:pt idx="10">
-                  <c:v>Commerce</c:v>
-                </c:pt>
-                <c:pt idx="11">
-                  <c:v>Law</c:v>
-                </c:pt>
-                <c:pt idx="12">
-                  <c:v>Medicine</c:v>
-                </c:pt>
-              </c:strCache>
-            </c:strRef>
-          </c:cat>
-          <c:val>
-            <c:numRef>
-              <c:f>Sheet1!$B$2:$B$14</c:f>
-              <c:numCache>
-                <c:formatCode>General</c:formatCode>
-                <c:ptCount val="13"/>
-                <c:pt idx="0">
-                  <c:v>1.7203283251291077</c:v>
-                </c:pt>
-                <c:pt idx="1">
-                  <c:v>1.890644338306728</c:v>
-                </c:pt>
-                <c:pt idx="2">
-                  <c:v>1.936938538192706</c:v>
-                </c:pt>
-                <c:pt idx="3">
-                  <c:v>2.3725889444604835</c:v>
-                </c:pt>
-                <c:pt idx="4">
-                  <c:v>2.3712367072849365</c:v>
-                </c:pt>
-                <c:pt idx="5">
-                  <c:v>2.4533109525394265</c:v>
-                </c:pt>
-                <c:pt idx="6">
-                  <c:v>2.6935024335067492</c:v>
-                </c:pt>
-                <c:pt idx="7">
-                  <c:v>2.6996703913249394</c:v>
-                </c:pt>
-                <c:pt idx="8">
-                  <c:v>2.7905326517416498</c:v>
-                </c:pt>
-                <c:pt idx="9">
-                  <c:v>2.935106691562531</c:v>
-                </c:pt>
-                <c:pt idx="10">
-                  <c:v>2.9877879042471092</c:v>
-                </c:pt>
-                <c:pt idx="11">
-                  <c:v>3.5382729929057972</c:v>
-                </c:pt>
-                <c:pt idx="12">
-                  <c:v>3.6669760114450396</c:v>
-                </c:pt>
-              </c:numCache>
-            </c:numRef>
-          </c:val>
-          <c:extLst>
-            <c:ext xmlns:c16="http://schemas.microsoft.com/office/drawing/2014/chart" uri="{C3380CC4-5D6E-409C-BE32-E72D297353CC}">
-              <c16:uniqueId val="{00000004-0875-B944-AB9C-F6FA5D4BD96E}"/>
-            </c:ext>
-          </c:extLst>
-        </c:ser>
-        <c:ser>
-          <c:idx val="1"/>
-          <c:order val="1"/>
-          <c:tx>
-            <c:strRef>
-              <c:f>Sheet1!$C$1</c:f>
-              <c:strCache>
-                <c:ptCount val="1"/>
-                <c:pt idx="0">
-                  <c:v>2011</c:v>
-                </c:pt>
-              </c:strCache>
-            </c:strRef>
-          </c:tx>
-          <c:spPr>
-            <a:solidFill>
-              <a:srgbClr val="A02226"/>
-            </a:solidFill>
-            <a:ln w="9525">
-              <a:noFill/>
-            </a:ln>
-          </c:spPr>
-          <c:invertIfNegative val="0"/>
-          <c:dPt>
-            <c:idx val="1"/>
-            <c:invertIfNegative val="0"/>
-            <c:bubble3D val="0"/>
-            <c:spPr>
-              <a:solidFill>
-                <a:srgbClr val="A02226"/>
-              </a:solidFill>
-              <a:ln w="12700">
-                <a:solidFill>
-                  <a:srgbClr val="000000"/>
-                </a:solidFill>
-              </a:ln>
-            </c:spPr>
-            <c:extLst>
-              <c:ext xmlns:c16="http://schemas.microsoft.com/office/drawing/2014/chart" uri="{C3380CC4-5D6E-409C-BE32-E72D297353CC}">
-                <c16:uniqueId val="{00000006-0875-B944-AB9C-F6FA5D4BD96E}"/>
-              </c:ext>
-            </c:extLst>
-          </c:dPt>
-          <c:dPt>
-            <c:idx val="6"/>
-            <c:invertIfNegative val="0"/>
-            <c:bubble3D val="0"/>
-            <c:spPr>
-              <a:solidFill>
-                <a:srgbClr val="A02226"/>
-              </a:solidFill>
-              <a:ln w="12700">
-                <a:solidFill>
-                  <a:srgbClr val="000000"/>
-                </a:solidFill>
-              </a:ln>
-            </c:spPr>
-            <c:extLst>
-              <c:ext xmlns:c16="http://schemas.microsoft.com/office/drawing/2014/chart" uri="{C3380CC4-5D6E-409C-BE32-E72D297353CC}">
-                <c16:uniqueId val="{00000008-0875-B944-AB9C-F6FA5D4BD96E}"/>
-              </c:ext>
-            </c:extLst>
-          </c:dPt>
-          <c:cat>
-            <c:strRef>
-              <c:f>Sheet1!$A$2:$A$14</c:f>
-              <c:strCache>
-                <c:ptCount val="13"/>
-                <c:pt idx="0">
-                  <c:v>Performing arts</c:v>
-                </c:pt>
-                <c:pt idx="1">
-                  <c:v>Year 12</c:v>
-                </c:pt>
-                <c:pt idx="2">
-                  <c:v>Humanities</c:v>
-                </c:pt>
-                <c:pt idx="3">
-                  <c:v>Nursing</c:v>
-                </c:pt>
-                <c:pt idx="4">
-                  <c:v>Education</c:v>
-                </c:pt>
-                <c:pt idx="5">
-                  <c:v>Science</c:v>
-                </c:pt>
-                <c:pt idx="6">
-                  <c:v>Bachalor (all)</c:v>
-                </c:pt>
-                <c:pt idx="7">
-                  <c:v>Other health</c:v>
-                </c:pt>
-                <c:pt idx="8">
-                  <c:v>IT</c:v>
-                </c:pt>
-                <c:pt idx="9">
-                  <c:v>Engneering</c:v>
-                </c:pt>
-                <c:pt idx="10">
-                  <c:v>Commerce</c:v>
-                </c:pt>
-                <c:pt idx="11">
-                  <c:v>Law</c:v>
-                </c:pt>
-                <c:pt idx="12">
-                  <c:v>Medicine</c:v>
-                </c:pt>
-              </c:strCache>
-            </c:strRef>
-          </c:cat>
-          <c:val>
-            <c:numRef>
-              <c:f>Sheet1!$C$2:$C$14</c:f>
-              <c:numCache>
-                <c:formatCode>General</c:formatCode>
-                <c:ptCount val="13"/>
-                <c:pt idx="0">
-                  <c:v>1.8111079065093199</c:v>
-                </c:pt>
-                <c:pt idx="1">
-                  <c:v>1.95900410269614</c:v>
-                </c:pt>
-                <c:pt idx="2">
-                  <c:v>2.0450531072410305</c:v>
-                </c:pt>
-                <c:pt idx="3">
-                  <c:v>2.4868686266708826</c:v>
-                </c:pt>
-                <c:pt idx="4">
-                  <c:v>2.5678832662270037</c:v>
-                </c:pt>
-                <c:pt idx="5">
-                  <c:v>2.5884630641523039</c:v>
-                </c:pt>
-                <c:pt idx="6">
-                  <c:v>2.8308837591205109</c:v>
-                </c:pt>
-                <c:pt idx="7">
-                  <c:v>2.7934190696635923</c:v>
-                </c:pt>
-                <c:pt idx="8">
-                  <c:v>2.9060027514404658</c:v>
-                </c:pt>
-                <c:pt idx="9">
-                  <c:v>3.1453347322885326</c:v>
-                </c:pt>
-                <c:pt idx="10">
-                  <c:v>3.0386430366200243</c:v>
-                </c:pt>
-                <c:pt idx="11">
-                  <c:v>3.3009167761302898</c:v>
-                </c:pt>
-                <c:pt idx="12">
-                  <c:v>3.3211536423131549</c:v>
-                </c:pt>
-              </c:numCache>
-            </c:numRef>
-          </c:val>
-          <c:extLst>
-            <c:ext xmlns:c16="http://schemas.microsoft.com/office/drawing/2014/chart" uri="{C3380CC4-5D6E-409C-BE32-E72D297353CC}">
-              <c16:uniqueId val="{00000009-0875-B944-AB9C-F6FA5D4BD96E}"/>
-            </c:ext>
-          </c:extLst>
-        </c:ser>
-        <c:ser>
-          <c:idx val="2"/>
-          <c:order val="2"/>
-          <c:tx>
-            <c:strRef>
-              <c:f>Sheet1!$D$1</c:f>
-              <c:strCache>
-                <c:ptCount val="1"/>
-                <c:pt idx="0">
-                  <c:v>2016</c:v>
-                </c:pt>
-              </c:strCache>
-            </c:strRef>
-          </c:tx>
-          <c:spPr>
-            <a:solidFill>
-              <a:srgbClr val="76191C"/>
-            </a:solidFill>
-            <a:ln w="9525">
-              <a:noFill/>
-            </a:ln>
-          </c:spPr>
-          <c:invertIfNegative val="0"/>
-          <c:dPt>
-            <c:idx val="1"/>
-            <c:invertIfNegative val="0"/>
-            <c:bubble3D val="0"/>
-            <c:spPr>
-              <a:solidFill>
-                <a:srgbClr val="76191C"/>
-              </a:solidFill>
-              <a:ln w="12700">
-                <a:solidFill>
-                  <a:srgbClr val="000000"/>
-                </a:solidFill>
-              </a:ln>
-            </c:spPr>
-            <c:extLst>
-              <c:ext xmlns:c16="http://schemas.microsoft.com/office/drawing/2014/chart" uri="{C3380CC4-5D6E-409C-BE32-E72D297353CC}">
-                <c16:uniqueId val="{0000000B-0875-B944-AB9C-F6FA5D4BD96E}"/>
-              </c:ext>
-            </c:extLst>
-          </c:dPt>
-          <c:dPt>
-            <c:idx val="6"/>
-            <c:invertIfNegative val="0"/>
-            <c:bubble3D val="0"/>
-            <c:spPr>
-              <a:solidFill>
-                <a:srgbClr val="76191C"/>
-              </a:solidFill>
-              <a:ln w="12700">
-                <a:solidFill>
-                  <a:srgbClr val="000000"/>
-                </a:solidFill>
-              </a:ln>
-            </c:spPr>
-            <c:extLst>
-              <c:ext xmlns:c16="http://schemas.microsoft.com/office/drawing/2014/chart" uri="{C3380CC4-5D6E-409C-BE32-E72D297353CC}">
-                <c16:uniqueId val="{0000000D-0875-B944-AB9C-F6FA5D4BD96E}"/>
-              </c:ext>
-            </c:extLst>
-          </c:dPt>
-          <c:cat>
-            <c:strRef>
-              <c:f>Sheet1!$A$2:$A$14</c:f>
-              <c:strCache>
-                <c:ptCount val="13"/>
-                <c:pt idx="0">
-                  <c:v>Performing arts</c:v>
-                </c:pt>
-                <c:pt idx="1">
-                  <c:v>Year 12</c:v>
-                </c:pt>
-                <c:pt idx="2">
-                  <c:v>Humanities</c:v>
-                </c:pt>
-                <c:pt idx="3">
-                  <c:v>Nursing</c:v>
-                </c:pt>
-                <c:pt idx="4">
-                  <c:v>Education</c:v>
-                </c:pt>
-                <c:pt idx="5">
-                  <c:v>Science</c:v>
-                </c:pt>
-                <c:pt idx="6">
-                  <c:v>Bachalor (all)</c:v>
-                </c:pt>
-                <c:pt idx="7">
-                  <c:v>Other health</c:v>
-                </c:pt>
-                <c:pt idx="8">
-                  <c:v>IT</c:v>
-                </c:pt>
-                <c:pt idx="9">
-                  <c:v>Engneering</c:v>
-                </c:pt>
-                <c:pt idx="10">
-                  <c:v>Commerce</c:v>
-                </c:pt>
-                <c:pt idx="11">
-                  <c:v>Law</c:v>
-                </c:pt>
-                <c:pt idx="12">
-                  <c:v>Medicine</c:v>
-                </c:pt>
-              </c:strCache>
-            </c:strRef>
-          </c:cat>
-          <c:val>
-            <c:numRef>
-              <c:f>Sheet1!$D$2:$D$14</c:f>
-              <c:numCache>
-                <c:formatCode>General</c:formatCode>
-                <c:ptCount val="13"/>
-                <c:pt idx="0">
-                  <c:v>1.7874941402990527</c:v>
-                </c:pt>
-                <c:pt idx="1">
-                  <c:v>1.9503594451429558</c:v>
-                </c:pt>
-                <c:pt idx="2">
-                  <c:v>2.0470029587021168</c:v>
-                </c:pt>
-                <c:pt idx="3">
-                  <c:v>2.5367879776717164</c:v>
-                </c:pt>
-                <c:pt idx="4">
-                  <c:v>2.6298803548089502</c:v>
-                </c:pt>
-                <c:pt idx="5">
-                  <c:v>2.4891391616228353</c:v>
-                </c:pt>
-                <c:pt idx="6">
-                  <c:v>2.7389256040145726</c:v>
-                </c:pt>
-                <c:pt idx="7">
-                  <c:v>2.7245578180583014</c:v>
-                </c:pt>
-                <c:pt idx="8">
-                  <c:v>2.8893965323916184</c:v>
-                </c:pt>
-                <c:pt idx="9">
-                  <c:v>3.0772313082636038</c:v>
-                </c:pt>
-                <c:pt idx="10">
-                  <c:v>2.9777274494913613</c:v>
-                </c:pt>
-                <c:pt idx="11">
-                  <c:v>3.7947799701597011</c:v>
-                </c:pt>
-                <c:pt idx="12">
-                  <c:v>4.1608156317344589</c:v>
-                </c:pt>
-              </c:numCache>
-            </c:numRef>
-          </c:val>
-          <c:extLst>
-            <c:ext xmlns:c16="http://schemas.microsoft.com/office/drawing/2014/chart" uri="{C3380CC4-5D6E-409C-BE32-E72D297353CC}">
-              <c16:uniqueId val="{0000000E-0875-B944-AB9C-F6FA5D4BD96E}"/>
-            </c:ext>
-          </c:extLst>
-        </c:ser>
-        <c:dLbls>
-          <c:showLegendKey val="0"/>
-          <c:showVal val="0"/>
-          <c:showCatName val="0"/>
-          <c:showSerName val="0"/>
-          <c:showPercent val="0"/>
-          <c:showBubbleSize val="0"/>
-        </c:dLbls>
-        <c:gapWidth val="100"/>
-        <c:axId val="324265856"/>
-        <c:axId val="327427200"/>
-      </c:barChart>
-      <c:catAx>
-        <c:axId val="324265856"/>
-        <c:scaling>
-          <c:orientation val="minMax"/>
-        </c:scaling>
-        <c:delete val="0"/>
-        <c:axPos val="b"/>
-        <c:numFmt formatCode="General" sourceLinked="1"/>
-        <c:majorTickMark val="none"/>
-        <c:minorTickMark val="none"/>
-        <c:tickLblPos val="nextTo"/>
-        <c:spPr>
-          <a:ln>
-            <a:solidFill>
-              <a:schemeClr val="tx1"/>
-            </a:solidFill>
-          </a:ln>
-        </c:spPr>
-        <c:txPr>
-          <a:bodyPr/>
-          <a:lstStyle/>
-          <a:p>
-            <a:pPr>
-              <a:defRPr sz="1800"/>
-            </a:pPr>
-            <a:endParaRPr lang="en-US"/>
-          </a:p>
-        </c:txPr>
-        <c:crossAx val="327427200"/>
-        <c:crosses val="autoZero"/>
-        <c:auto val="1"/>
-        <c:lblAlgn val="ctr"/>
-        <c:lblOffset val="100"/>
-        <c:noMultiLvlLbl val="0"/>
-      </c:catAx>
-      <c:valAx>
-        <c:axId val="327427200"/>
-        <c:scaling>
-          <c:orientation val="minMax"/>
-          <c:max val="4.2"/>
-          <c:min val="0"/>
-        </c:scaling>
-        <c:delete val="0"/>
-        <c:axPos val="l"/>
-        <c:majorGridlines>
-          <c:spPr>
-            <a:ln>
-              <a:solidFill>
-                <a:srgbClr val="6A737B">
-                  <a:lumMod val="40000"/>
-                  <a:lumOff val="60000"/>
-                </a:srgbClr>
-              </a:solidFill>
-            </a:ln>
-          </c:spPr>
-        </c:majorGridlines>
-        <c:numFmt formatCode="General" sourceLinked="0"/>
-        <c:majorTickMark val="out"/>
-        <c:minorTickMark val="none"/>
-        <c:tickLblPos val="nextTo"/>
-        <c:spPr>
-          <a:ln>
-            <a:noFill/>
-          </a:ln>
-        </c:spPr>
-        <c:txPr>
-          <a:bodyPr/>
-          <a:lstStyle/>
-          <a:p>
-            <a:pPr>
-              <a:defRPr sz="1800"/>
-            </a:pPr>
-            <a:endParaRPr lang="en-US"/>
-          </a:p>
-        </c:txPr>
-        <c:crossAx val="324265856"/>
-        <c:crosses val="autoZero"/>
-        <c:crossBetween val="between"/>
-        <c:majorUnit val="1"/>
-      </c:valAx>
-    </c:plotArea>
-    <c:plotVisOnly val="1"/>
-    <c:dispBlanksAs val="gap"/>
-    <c:showDLblsOverMax val="0"/>
-  </c:chart>
-  <c:txPr>
-    <a:bodyPr/>
-    <a:lstStyle/>
-    <a:p>
-      <a:pPr>
-        <a:defRPr sz="1800"/>
-      </a:pPr>
-      <a:endParaRPr lang="en-US"/>
-    </a:p>
-  </c:txPr>
-  <c:externalData r:id="rId2">
-    <c:autoUpdate val="0"/>
-  </c:externalData>
-</c:chartSpace>
-</file>
-
-<file path=ppt/charts/chart11.xml><?xml version="1.0" encoding="utf-8"?>
-<c:chartSpace xmlns:c="http://schemas.openxmlformats.org/drawingml/2006/chart" xmlns:a="http://schemas.openxmlformats.org/drawingml/2006/main" xmlns:r="http://schemas.openxmlformats.org/officeDocument/2006/relationships" xmlns:c16r2="http://schemas.microsoft.com/office/drawing/2015/06/chart">
-  <c:date1904 val="0"/>
-  <c:lang val="en-US"/>
-  <c:roundedCorners val="0"/>
-  <mc:AlternateContent xmlns:mc="http://schemas.openxmlformats.org/markup-compatibility/2006">
-    <mc:Choice xmlns:c14="http://schemas.microsoft.com/office/drawing/2007/8/2/chart" Requires="c14">
-      <c14:style val="102"/>
-    </mc:Choice>
-    <mc:Fallback>
-      <c:style val="2"/>
-    </mc:Fallback>
-  </mc:AlternateContent>
-  <c:clrMapOvr bg1="lt1" tx1="dk1" bg2="lt2" tx2="dk2" accent1="accent1" accent2="accent2" accent3="accent3" accent4="accent4" accent5="accent5" accent6="accent6" hlink="hlink" folHlink="folHlink"/>
-  <c:chart>
-    <c:autoTitleDeleted val="0"/>
-    <c:plotArea>
-      <c:layout/>
-      <c:barChart>
-        <c:barDir val="col"/>
-        <c:grouping val="clustered"/>
-        <c:varyColors val="0"/>
-        <c:ser>
-          <c:idx val="0"/>
-          <c:order val="0"/>
-          <c:tx>
-            <c:strRef>
-              <c:f>Sheet1!$B$1</c:f>
-              <c:strCache>
-                <c:ptCount val="1"/>
-                <c:pt idx="0">
-                  <c:v>2006</c:v>
-                </c:pt>
-              </c:strCache>
-            </c:strRef>
-          </c:tx>
-          <c:spPr>
-            <a:solidFill>
-              <a:srgbClr val="F8A866"/>
-            </a:solidFill>
-            <a:ln w="9525">
-              <a:noFill/>
-            </a:ln>
-          </c:spPr>
-          <c:invertIfNegative val="0"/>
-          <c:dPt>
-            <c:idx val="1"/>
-            <c:invertIfNegative val="0"/>
-            <c:bubble3D val="0"/>
-            <c:spPr>
-              <a:solidFill>
-                <a:srgbClr val="F8A866"/>
-              </a:solidFill>
-              <a:ln w="12700">
-                <a:solidFill>
-                  <a:srgbClr val="000000"/>
-                </a:solidFill>
-              </a:ln>
-            </c:spPr>
-            <c:extLst>
-              <c:ext xmlns:c16="http://schemas.microsoft.com/office/drawing/2014/chart" uri="{C3380CC4-5D6E-409C-BE32-E72D297353CC}">
-                <c16:uniqueId val="{00000001-4493-ED42-BD86-75F5E4C8F6AE}"/>
-              </c:ext>
-            </c:extLst>
-          </c:dPt>
-          <c:dPt>
-            <c:idx val="6"/>
-            <c:invertIfNegative val="0"/>
-            <c:bubble3D val="0"/>
-            <c:spPr>
-              <a:solidFill>
-                <a:srgbClr val="F8A866"/>
-              </a:solidFill>
-              <a:ln w="12700">
-                <a:solidFill>
-                  <a:srgbClr val="000000"/>
-                </a:solidFill>
-              </a:ln>
-            </c:spPr>
-            <c:extLst>
-              <c:ext xmlns:c16="http://schemas.microsoft.com/office/drawing/2014/chart" uri="{C3380CC4-5D6E-409C-BE32-E72D297353CC}">
-                <c16:uniqueId val="{00000003-4493-ED42-BD86-75F5E4C8F6AE}"/>
-              </c:ext>
-            </c:extLst>
-          </c:dPt>
-          <c:cat>
-            <c:strRef>
-              <c:f>Sheet1!$A$2:$A$14</c:f>
-              <c:strCache>
-                <c:ptCount val="13"/>
-                <c:pt idx="0">
-                  <c:v>Performing arts</c:v>
-                </c:pt>
-                <c:pt idx="1">
-                  <c:v>Year 12</c:v>
-                </c:pt>
-                <c:pt idx="2">
-                  <c:v>Humanities</c:v>
-                </c:pt>
-                <c:pt idx="3">
-                  <c:v>Nursing</c:v>
-                </c:pt>
-                <c:pt idx="4">
-                  <c:v>Education</c:v>
-                </c:pt>
-                <c:pt idx="5">
-                  <c:v>Science</c:v>
-                </c:pt>
-                <c:pt idx="6">
-                  <c:v>Bachalor (all)</c:v>
-                </c:pt>
-                <c:pt idx="7">
-                  <c:v>Other health</c:v>
-                </c:pt>
-                <c:pt idx="8">
-                  <c:v>IT</c:v>
-                </c:pt>
-                <c:pt idx="9">
-                  <c:v>Engneering</c:v>
-                </c:pt>
-                <c:pt idx="10">
-                  <c:v>Commerce</c:v>
-                </c:pt>
-                <c:pt idx="11">
-                  <c:v>Law</c:v>
-                </c:pt>
-                <c:pt idx="12">
-                  <c:v>Medicine</c:v>
-                </c:pt>
-              </c:strCache>
-            </c:strRef>
-          </c:cat>
-          <c:val>
-            <c:numRef>
-              <c:f>Sheet1!$B$2:$B$14</c:f>
-              <c:numCache>
-                <c:formatCode>General</c:formatCode>
-                <c:ptCount val="13"/>
-                <c:pt idx="0">
-                  <c:v>1.3845984388152448</c:v>
-                </c:pt>
-                <c:pt idx="1">
-                  <c:v>1.2753646466442372</c:v>
-                </c:pt>
-                <c:pt idx="2">
-                  <c:v>1.6107808079196815</c:v>
-                </c:pt>
-                <c:pt idx="3">
-                  <c:v>1.7956075509092353</c:v>
-                </c:pt>
-                <c:pt idx="4">
-                  <c:v>1.9235021550370976</c:v>
-                </c:pt>
-                <c:pt idx="5">
-                  <c:v>1.7618968414090197</c:v>
-                </c:pt>
-                <c:pt idx="6">
-                  <c:v>1.8800678279899339</c:v>
-                </c:pt>
-                <c:pt idx="7">
-                  <c:v>1.9342006167710288</c:v>
-                </c:pt>
-                <c:pt idx="8">
-                  <c:v>2.1615467665726023</c:v>
-                </c:pt>
-                <c:pt idx="9">
-                  <c:v>1.8000586313060052</c:v>
-                </c:pt>
-                <c:pt idx="10">
-                  <c:v>1.9993131007810832</c:v>
-                </c:pt>
-                <c:pt idx="11">
-                  <c:v>2.621671750787443</c:v>
-                </c:pt>
-                <c:pt idx="12">
-                  <c:v>3.0705778995696362</c:v>
-                </c:pt>
-              </c:numCache>
-            </c:numRef>
-          </c:val>
-          <c:extLst>
-            <c:ext xmlns:c16="http://schemas.microsoft.com/office/drawing/2014/chart" uri="{C3380CC4-5D6E-409C-BE32-E72D297353CC}">
-              <c16:uniqueId val="{00000004-4493-ED42-BD86-75F5E4C8F6AE}"/>
-            </c:ext>
-          </c:extLst>
-        </c:ser>
-        <c:ser>
-          <c:idx val="1"/>
-          <c:order val="1"/>
-          <c:tx>
-            <c:strRef>
-              <c:f>Sheet1!$C$1</c:f>
-              <c:strCache>
-                <c:ptCount val="1"/>
-                <c:pt idx="0">
-                  <c:v>2011</c:v>
-                </c:pt>
-              </c:strCache>
-            </c:strRef>
-          </c:tx>
-          <c:spPr>
-            <a:solidFill>
-              <a:srgbClr val="F68B33"/>
-            </a:solidFill>
-            <a:ln w="9525">
-              <a:noFill/>
-            </a:ln>
-          </c:spPr>
-          <c:invertIfNegative val="0"/>
-          <c:dPt>
-            <c:idx val="1"/>
-            <c:invertIfNegative val="0"/>
-            <c:bubble3D val="0"/>
-            <c:spPr>
-              <a:solidFill>
-                <a:srgbClr val="F68B33"/>
-              </a:solidFill>
-              <a:ln w="12700">
-                <a:solidFill>
-                  <a:srgbClr val="000000"/>
-                </a:solidFill>
-              </a:ln>
-            </c:spPr>
-            <c:extLst>
-              <c:ext xmlns:c16="http://schemas.microsoft.com/office/drawing/2014/chart" uri="{C3380CC4-5D6E-409C-BE32-E72D297353CC}">
-                <c16:uniqueId val="{00000006-4493-ED42-BD86-75F5E4C8F6AE}"/>
-              </c:ext>
-            </c:extLst>
-          </c:dPt>
-          <c:dPt>
-            <c:idx val="6"/>
-            <c:invertIfNegative val="0"/>
-            <c:bubble3D val="0"/>
-            <c:spPr>
-              <a:solidFill>
-                <a:srgbClr val="F68B33"/>
-              </a:solidFill>
-              <a:ln w="12700">
-                <a:solidFill>
-                  <a:srgbClr val="000000"/>
-                </a:solidFill>
-              </a:ln>
-            </c:spPr>
-            <c:extLst>
-              <c:ext xmlns:c16="http://schemas.microsoft.com/office/drawing/2014/chart" uri="{C3380CC4-5D6E-409C-BE32-E72D297353CC}">
-                <c16:uniqueId val="{00000008-4493-ED42-BD86-75F5E4C8F6AE}"/>
-              </c:ext>
-            </c:extLst>
-          </c:dPt>
-          <c:cat>
-            <c:strRef>
-              <c:f>Sheet1!$A$2:$A$14</c:f>
-              <c:strCache>
-                <c:ptCount val="13"/>
-                <c:pt idx="0">
-                  <c:v>Performing arts</c:v>
-                </c:pt>
-                <c:pt idx="1">
-                  <c:v>Year 12</c:v>
-                </c:pt>
-                <c:pt idx="2">
-                  <c:v>Humanities</c:v>
-                </c:pt>
-                <c:pt idx="3">
-                  <c:v>Nursing</c:v>
-                </c:pt>
-                <c:pt idx="4">
-                  <c:v>Education</c:v>
-                </c:pt>
-                <c:pt idx="5">
-                  <c:v>Science</c:v>
-                </c:pt>
-                <c:pt idx="6">
-                  <c:v>Bachalor (all)</c:v>
-                </c:pt>
-                <c:pt idx="7">
-                  <c:v>Other health</c:v>
-                </c:pt>
-                <c:pt idx="8">
-                  <c:v>IT</c:v>
-                </c:pt>
-                <c:pt idx="9">
-                  <c:v>Engneering</c:v>
-                </c:pt>
-                <c:pt idx="10">
-                  <c:v>Commerce</c:v>
-                </c:pt>
-                <c:pt idx="11">
-                  <c:v>Law</c:v>
-                </c:pt>
-                <c:pt idx="12">
-                  <c:v>Medicine</c:v>
-                </c:pt>
-              </c:strCache>
-            </c:strRef>
-          </c:cat>
-          <c:val>
-            <c:numRef>
-              <c:f>Sheet1!$C$2:$C$14</c:f>
-              <c:numCache>
-                <c:formatCode>General</c:formatCode>
-                <c:ptCount val="13"/>
-                <c:pt idx="0">
-                  <c:v>1.4047606323618442</c:v>
-                </c:pt>
-                <c:pt idx="1">
-                  <c:v>1.3509920464012946</c:v>
-                </c:pt>
-                <c:pt idx="2">
-                  <c:v>1.6534592991835237</c:v>
-                </c:pt>
-                <c:pt idx="3">
-                  <c:v>1.944156901619196</c:v>
-                </c:pt>
-                <c:pt idx="4">
-                  <c:v>2.0172875033692055</c:v>
-                </c:pt>
-                <c:pt idx="5">
-                  <c:v>1.8012598797414345</c:v>
-                </c:pt>
-                <c:pt idx="6">
-                  <c:v>1.977099560201969</c:v>
-                </c:pt>
-                <c:pt idx="7">
-                  <c:v>1.9832087787571357</c:v>
-                </c:pt>
-                <c:pt idx="8">
-                  <c:v>2.278228835352536</c:v>
-                </c:pt>
-                <c:pt idx="9">
-                  <c:v>2.0279491672038157</c:v>
-                </c:pt>
-                <c:pt idx="10">
-                  <c:v>2.0627088417931385</c:v>
-                </c:pt>
-                <c:pt idx="11">
-                  <c:v>2.7330782189296614</c:v>
-                </c:pt>
-                <c:pt idx="12">
-                  <c:v>3.2009395651775159</c:v>
-                </c:pt>
-              </c:numCache>
-            </c:numRef>
-          </c:val>
-          <c:extLst>
-            <c:ext xmlns:c16="http://schemas.microsoft.com/office/drawing/2014/chart" uri="{C3380CC4-5D6E-409C-BE32-E72D297353CC}">
-              <c16:uniqueId val="{00000009-4493-ED42-BD86-75F5E4C8F6AE}"/>
-            </c:ext>
-          </c:extLst>
-        </c:ser>
-        <c:ser>
-          <c:idx val="2"/>
-          <c:order val="2"/>
-          <c:tx>
-            <c:strRef>
-              <c:f>Sheet1!$D$1</c:f>
-              <c:strCache>
-                <c:ptCount val="1"/>
-                <c:pt idx="0">
-                  <c:v>2016</c:v>
-                </c:pt>
-              </c:strCache>
-            </c:strRef>
-          </c:tx>
-          <c:spPr>
-            <a:solidFill>
-              <a:srgbClr val="EC700A"/>
-            </a:solidFill>
-            <a:ln w="9525">
-              <a:noFill/>
-            </a:ln>
-          </c:spPr>
-          <c:invertIfNegative val="0"/>
-          <c:dPt>
-            <c:idx val="1"/>
-            <c:invertIfNegative val="0"/>
-            <c:bubble3D val="0"/>
-            <c:spPr>
-              <a:solidFill>
-                <a:srgbClr val="EC700A"/>
-              </a:solidFill>
-              <a:ln w="12700">
-                <a:solidFill>
-                  <a:srgbClr val="000000"/>
-                </a:solidFill>
-              </a:ln>
-            </c:spPr>
-            <c:extLst>
-              <c:ext xmlns:c16="http://schemas.microsoft.com/office/drawing/2014/chart" uri="{C3380CC4-5D6E-409C-BE32-E72D297353CC}">
-                <c16:uniqueId val="{0000000B-4493-ED42-BD86-75F5E4C8F6AE}"/>
-              </c:ext>
-            </c:extLst>
-          </c:dPt>
-          <c:dPt>
-            <c:idx val="6"/>
-            <c:invertIfNegative val="0"/>
-            <c:bubble3D val="0"/>
-            <c:spPr>
-              <a:solidFill>
-                <a:srgbClr val="EC700A"/>
-              </a:solidFill>
-              <a:ln w="12700">
-                <a:solidFill>
-                  <a:srgbClr val="000000"/>
-                </a:solidFill>
-              </a:ln>
-            </c:spPr>
-            <c:extLst>
-              <c:ext xmlns:c16="http://schemas.microsoft.com/office/drawing/2014/chart" uri="{C3380CC4-5D6E-409C-BE32-E72D297353CC}">
-                <c16:uniqueId val="{0000000D-4493-ED42-BD86-75F5E4C8F6AE}"/>
-              </c:ext>
-            </c:extLst>
-          </c:dPt>
-          <c:cat>
-            <c:strRef>
-              <c:f>Sheet1!$A$2:$A$14</c:f>
-              <c:strCache>
-                <c:ptCount val="13"/>
-                <c:pt idx="0">
-                  <c:v>Performing arts</c:v>
-                </c:pt>
-                <c:pt idx="1">
-                  <c:v>Year 12</c:v>
-                </c:pt>
-                <c:pt idx="2">
-                  <c:v>Humanities</c:v>
-                </c:pt>
-                <c:pt idx="3">
-                  <c:v>Nursing</c:v>
-                </c:pt>
-                <c:pt idx="4">
-                  <c:v>Education</c:v>
-                </c:pt>
-                <c:pt idx="5">
-                  <c:v>Science</c:v>
-                </c:pt>
-                <c:pt idx="6">
-                  <c:v>Bachalor (all)</c:v>
-                </c:pt>
-                <c:pt idx="7">
-                  <c:v>Other health</c:v>
-                </c:pt>
-                <c:pt idx="8">
-                  <c:v>IT</c:v>
-                </c:pt>
-                <c:pt idx="9">
-                  <c:v>Engneering</c:v>
-                </c:pt>
-                <c:pt idx="10">
-                  <c:v>Commerce</c:v>
-                </c:pt>
-                <c:pt idx="11">
-                  <c:v>Law</c:v>
-                </c:pt>
-                <c:pt idx="12">
-                  <c:v>Medicine</c:v>
-                </c:pt>
-              </c:strCache>
-            </c:strRef>
-          </c:cat>
-          <c:val>
-            <c:numRef>
-              <c:f>Sheet1!$D$2:$D$14</c:f>
-              <c:numCache>
-                <c:formatCode>General</c:formatCode>
-                <c:ptCount val="13"/>
-                <c:pt idx="0">
-                  <c:v>1.4338900027462573</c:v>
-                </c:pt>
-                <c:pt idx="1">
-                  <c:v>1.4060272470859609</c:v>
-                </c:pt>
-                <c:pt idx="2">
-                  <c:v>1.6389675653307234</c:v>
-                </c:pt>
-                <c:pt idx="3">
-                  <c:v>2.0597417549157173</c:v>
-                </c:pt>
-                <c:pt idx="4">
-                  <c:v>2.1167942981887413</c:v>
-                </c:pt>
-                <c:pt idx="5">
-                  <c:v>1.8366746129150577</c:v>
-                </c:pt>
-                <c:pt idx="6">
-                  <c:v>1.9912006971264504</c:v>
-                </c:pt>
-                <c:pt idx="7">
-                  <c:v>2.0175785182379067</c:v>
-                </c:pt>
-                <c:pt idx="8">
-                  <c:v>2.2734362671067005</c:v>
-                </c:pt>
-                <c:pt idx="9">
-                  <c:v>2.0659693767290448</c:v>
-                </c:pt>
-                <c:pt idx="10">
-                  <c:v>2.0739020750330863</c:v>
-                </c:pt>
-                <c:pt idx="11">
-                  <c:v>2.7380207127496665</c:v>
-                </c:pt>
-                <c:pt idx="12">
-                  <c:v>3.5518469732487632</c:v>
-                </c:pt>
-              </c:numCache>
-            </c:numRef>
-          </c:val>
-          <c:extLst>
-            <c:ext xmlns:c16="http://schemas.microsoft.com/office/drawing/2014/chart" uri="{C3380CC4-5D6E-409C-BE32-E72D297353CC}">
-              <c16:uniqueId val="{0000000E-4493-ED42-BD86-75F5E4C8F6AE}"/>
-            </c:ext>
-          </c:extLst>
-        </c:ser>
-        <c:dLbls>
-          <c:showLegendKey val="0"/>
-          <c:showVal val="0"/>
-          <c:showCatName val="0"/>
-          <c:showSerName val="0"/>
-          <c:showPercent val="0"/>
-          <c:showBubbleSize val="0"/>
-        </c:dLbls>
-        <c:gapWidth val="100"/>
-        <c:axId val="324265856"/>
-        <c:axId val="327427200"/>
-      </c:barChart>
-      <c:catAx>
-        <c:axId val="324265856"/>
-        <c:scaling>
-          <c:orientation val="minMax"/>
-        </c:scaling>
-        <c:delete val="0"/>
-        <c:axPos val="b"/>
-        <c:numFmt formatCode="General" sourceLinked="1"/>
-        <c:majorTickMark val="none"/>
-        <c:minorTickMark val="none"/>
-        <c:tickLblPos val="none"/>
-        <c:spPr>
-          <a:ln>
-            <a:solidFill>
-              <a:srgbClr val="000000"/>
-            </a:solidFill>
-          </a:ln>
-        </c:spPr>
-        <c:crossAx val="327427200"/>
-        <c:crosses val="autoZero"/>
-        <c:auto val="1"/>
-        <c:lblAlgn val="ctr"/>
-        <c:lblOffset val="100"/>
-        <c:noMultiLvlLbl val="0"/>
-      </c:catAx>
-      <c:valAx>
-        <c:axId val="327427200"/>
-        <c:scaling>
-          <c:orientation val="minMax"/>
-        </c:scaling>
-        <c:delete val="0"/>
-        <c:axPos val="l"/>
-        <c:majorGridlines>
-          <c:spPr>
-            <a:ln>
-              <a:solidFill>
-                <a:srgbClr val="6A737B">
-                  <a:lumMod val="40000"/>
-                  <a:lumOff val="60000"/>
-                </a:srgbClr>
-              </a:solidFill>
-            </a:ln>
-          </c:spPr>
-        </c:majorGridlines>
-        <c:numFmt formatCode="General" sourceLinked="1"/>
-        <c:majorTickMark val="out"/>
-        <c:minorTickMark val="none"/>
-        <c:tickLblPos val="nextTo"/>
-        <c:spPr>
-          <a:ln>
-            <a:noFill/>
-          </a:ln>
-        </c:spPr>
-        <c:txPr>
-          <a:bodyPr/>
-          <a:lstStyle/>
-          <a:p>
-            <a:pPr>
-              <a:defRPr sz="1800"/>
-            </a:pPr>
-            <a:endParaRPr lang="en-US"/>
-          </a:p>
-        </c:txPr>
-        <c:crossAx val="324265856"/>
-        <c:crosses val="autoZero"/>
-        <c:crossBetween val="between"/>
-        <c:majorUnit val="1"/>
-      </c:valAx>
-    </c:plotArea>
-    <c:plotVisOnly val="1"/>
-    <c:dispBlanksAs val="gap"/>
-    <c:showDLblsOverMax val="0"/>
-  </c:chart>
-  <c:txPr>
-    <a:bodyPr/>
-    <a:lstStyle/>
-    <a:p>
-      <a:pPr>
-        <a:defRPr sz="1800"/>
-      </a:pPr>
-      <a:endParaRPr lang="en-US"/>
-    </a:p>
-  </c:txPr>
-  <c:externalData r:id="rId2">
-    <c:autoUpdate val="0"/>
-  </c:externalData>
-</c:chartSpace>
-</file>
-
-<file path=ppt/charts/chart12.xml><?xml version="1.0" encoding="utf-8"?>
-<c:chartSpace xmlns:c="http://schemas.openxmlformats.org/drawingml/2006/chart" xmlns:a="http://schemas.openxmlformats.org/drawingml/2006/main" xmlns:r="http://schemas.openxmlformats.org/officeDocument/2006/relationships" xmlns:c16r2="http://schemas.microsoft.com/office/drawing/2015/06/chart">
-  <c:date1904 val="0"/>
-  <c:lang val="en-US"/>
-  <c:roundedCorners val="0"/>
-  <mc:AlternateContent xmlns:mc="http://schemas.openxmlformats.org/markup-compatibility/2006">
-    <mc:Choice xmlns:c14="http://schemas.microsoft.com/office/drawing/2007/8/2/chart" Requires="c14">
-      <c14:style val="102"/>
-    </mc:Choice>
-    <mc:Fallback>
-      <c:style val="2"/>
-    </mc:Fallback>
-  </mc:AlternateContent>
-  <c:clrMapOvr bg1="lt1" tx1="dk1" bg2="lt2" tx2="dk2" accent1="accent1" accent2="accent2" accent3="accent3" accent4="accent4" accent5="accent5" accent6="accent6" hlink="hlink" folHlink="folHlink"/>
-  <c:chart>
-    <c:autoTitleDeleted val="0"/>
-    <c:plotArea>
       <c:layout>
         <c:manualLayout>
           <c:layoutTarget val="inner"/>
@@ -2569,7 +1304,7 @@
 </c:chartSpace>
 </file>
 
-<file path=ppt/charts/chart13.xml><?xml version="1.0" encoding="utf-8"?>
+<file path=ppt/charts/chart11.xml><?xml version="1.0" encoding="utf-8"?>
 <c:chartSpace xmlns:c="http://schemas.openxmlformats.org/drawingml/2006/chart" xmlns:a="http://schemas.openxmlformats.org/drawingml/2006/main" xmlns:r="http://schemas.openxmlformats.org/officeDocument/2006/relationships" xmlns:c16r2="http://schemas.microsoft.com/office/drawing/2015/06/chart">
   <c:date1904 val="0"/>
   <c:lang val="en-US"/>
@@ -3224,9 +1959,7 @@
               <a:srgbClr val="F9B074"/>
             </a:solidFill>
             <a:ln w="9525">
-              <a:solidFill>
-                <a:srgbClr val="FFFFFF"/>
-              </a:solidFill>
+              <a:noFill/>
             </a:ln>
           </c:spPr>
           <c:invertIfNegative val="0"/>
@@ -3239,9 +1972,7 @@
                 <a:srgbClr val="F8A866"/>
               </a:solidFill>
               <a:ln w="9525">
-                <a:solidFill>
-                  <a:srgbClr val="FFFFFF"/>
-                </a:solidFill>
+                <a:noFill/>
               </a:ln>
             </c:spPr>
             <c:extLst>
@@ -3259,9 +1990,7 @@
                 <a:srgbClr val="F8A866"/>
               </a:solidFill>
               <a:ln w="9525">
-                <a:solidFill>
-                  <a:srgbClr val="FFFFFF"/>
-                </a:solidFill>
+                <a:noFill/>
               </a:ln>
             </c:spPr>
             <c:extLst>
@@ -3279,9 +2008,7 @@
                 <a:srgbClr val="F8A866"/>
               </a:solidFill>
               <a:ln w="9525">
-                <a:solidFill>
-                  <a:srgbClr val="FFFFFF"/>
-                </a:solidFill>
+                <a:noFill/>
               </a:ln>
             </c:spPr>
             <c:extLst>
@@ -3299,9 +2026,7 @@
                 <a:srgbClr val="F8A866"/>
               </a:solidFill>
               <a:ln w="9525">
-                <a:solidFill>
-                  <a:srgbClr val="FFFFFF"/>
-                </a:solidFill>
+                <a:noFill/>
               </a:ln>
             </c:spPr>
             <c:extLst>
@@ -3329,9 +2054,7 @@
                 <a:srgbClr val="B7595C"/>
               </a:solidFill>
               <a:ln w="9525">
-                <a:solidFill>
-                  <a:srgbClr val="FFFFFF"/>
-                </a:solidFill>
+                <a:noFill/>
               </a:ln>
             </c:spPr>
             <c:extLst>
@@ -3349,9 +2072,7 @@
                 <a:srgbClr val="B7595C"/>
               </a:solidFill>
               <a:ln w="9525">
-                <a:solidFill>
-                  <a:srgbClr val="FFFFFF"/>
-                </a:solidFill>
+                <a:noFill/>
               </a:ln>
             </c:spPr>
             <c:extLst>
@@ -3369,9 +2090,7 @@
                 <a:srgbClr val="B7595C"/>
               </a:solidFill>
               <a:ln w="9525">
-                <a:solidFill>
-                  <a:srgbClr val="FFFFFF"/>
-                </a:solidFill>
+                <a:noFill/>
               </a:ln>
             </c:spPr>
             <c:extLst>
@@ -3389,9 +2108,7 @@
                 <a:srgbClr val="B7595C"/>
               </a:solidFill>
               <a:ln w="9525">
-                <a:solidFill>
-                  <a:srgbClr val="FFFFFF"/>
-                </a:solidFill>
+                <a:noFill/>
               </a:ln>
             </c:spPr>
             <c:extLst>
@@ -3490,9 +2207,7 @@
               <a:srgbClr val="F68B33"/>
             </a:solidFill>
             <a:ln w="9525">
-              <a:solidFill>
-                <a:srgbClr val="FFFFFF"/>
-              </a:solidFill>
+              <a:noFill/>
             </a:ln>
           </c:spPr>
           <c:invertIfNegative val="0"/>
@@ -3515,9 +2230,7 @@
                 <a:srgbClr val="A02226"/>
               </a:solidFill>
               <a:ln w="9525">
-                <a:solidFill>
-                  <a:srgbClr val="FFFFFF"/>
-                </a:solidFill>
+                <a:noFill/>
               </a:ln>
             </c:spPr>
             <c:extLst>
@@ -3535,9 +2248,7 @@
                 <a:srgbClr val="A02226"/>
               </a:solidFill>
               <a:ln w="9525">
-                <a:solidFill>
-                  <a:srgbClr val="FFFFFF"/>
-                </a:solidFill>
+                <a:noFill/>
               </a:ln>
             </c:spPr>
             <c:extLst>
@@ -3555,9 +2266,7 @@
                 <a:srgbClr val="A02226"/>
               </a:solidFill>
               <a:ln w="9525">
-                <a:solidFill>
-                  <a:srgbClr val="FFFFFF"/>
-                </a:solidFill>
+                <a:noFill/>
               </a:ln>
             </c:spPr>
             <c:extLst>
@@ -3575,9 +2284,7 @@
                 <a:srgbClr val="A02226"/>
               </a:solidFill>
               <a:ln w="9525">
-                <a:solidFill>
-                  <a:srgbClr val="FFFFFF"/>
-                </a:solidFill>
+                <a:noFill/>
               </a:ln>
             </c:spPr>
             <c:extLst>
@@ -3676,9 +2383,7 @@
               <a:srgbClr val="EC700A"/>
             </a:solidFill>
             <a:ln w="9525">
-              <a:solidFill>
-                <a:srgbClr val="FFFFFF"/>
-              </a:solidFill>
+              <a:noFill/>
             </a:ln>
           </c:spPr>
           <c:invertIfNegative val="0"/>
@@ -3701,9 +2406,7 @@
                 <a:srgbClr val="76191C"/>
               </a:solidFill>
               <a:ln w="9525">
-                <a:solidFill>
-                  <a:srgbClr val="FFFFFF"/>
-                </a:solidFill>
+                <a:noFill/>
               </a:ln>
             </c:spPr>
             <c:extLst>
@@ -3721,9 +2424,7 @@
                 <a:srgbClr val="76191C"/>
               </a:solidFill>
               <a:ln w="9525">
-                <a:solidFill>
-                  <a:srgbClr val="FFFFFF"/>
-                </a:solidFill>
+                <a:noFill/>
               </a:ln>
             </c:spPr>
             <c:extLst>
@@ -3741,9 +2442,7 @@
                 <a:srgbClr val="76191C"/>
               </a:solidFill>
               <a:ln w="9525">
-                <a:solidFill>
-                  <a:srgbClr val="FFFFFF"/>
-                </a:solidFill>
+                <a:noFill/>
               </a:ln>
             </c:spPr>
             <c:extLst>
@@ -3761,9 +2460,7 @@
                 <a:srgbClr val="76191C"/>
               </a:solidFill>
               <a:ln w="9525">
-                <a:solidFill>
-                  <a:srgbClr val="FFFFFF"/>
-                </a:solidFill>
+                <a:noFill/>
               </a:ln>
             </c:spPr>
             <c:extLst>
@@ -3971,24 +2668,22 @@
       <c:style val="2"/>
     </mc:Fallback>
   </mc:AlternateContent>
-  <c:clrMapOvr bg1="lt1" tx1="dk1" bg2="lt2" tx2="dk2" accent1="accent1" accent2="accent2" accent3="accent3" accent4="accent4" accent5="accent5" accent6="accent6" hlink="hlink" folHlink="folHlink"/>
   <c:chart>
-    <c:autoTitleDeleted val="0"/>
+    <c:autoTitleDeleted val="1"/>
     <c:plotArea>
       <c:layout>
         <c:manualLayout>
           <c:layoutTarget val="inner"/>
           <c:xMode val="edge"/>
           <c:yMode val="edge"/>
-          <c:x val="4.9712509712509713E-2"/>
-          <c:y val="4.8244034269961135E-2"/>
-          <c:w val="0.93319347319347323"/>
-          <c:h val="0.84770271972319911"/>
+          <c:x val="4.8513162702222841E-2"/>
+          <c:y val="1.5943096378219241E-2"/>
+          <c:w val="0.9222681749150351"/>
+          <c:h val="0.91222923192305994"/>
         </c:manualLayout>
       </c:layout>
-      <c:barChart>
-        <c:barDir val="col"/>
-        <c:grouping val="clustered"/>
+      <c:lineChart>
+        <c:grouping val="standard"/>
         <c:varyColors val="0"/>
         <c:ser>
           <c:idx val="0"/>
@@ -3999,146 +2694,128 @@
               <c:strCache>
                 <c:ptCount val="1"/>
                 <c:pt idx="0">
-                  <c:v>2006</c:v>
+                  <c:v>Bachelor Degree Level_Female_FT</c:v>
                 </c:pt>
               </c:strCache>
             </c:strRef>
           </c:tx>
           <c:spPr>
-            <a:solidFill>
-              <a:srgbClr val="F9B074"/>
-            </a:solidFill>
-            <a:ln w="9525">
+            <a:ln w="28575" cap="rnd">
               <a:solidFill>
-                <a:srgbClr val="FFFFFF"/>
+                <a:schemeClr val="accent3"/>
               </a:solidFill>
+              <a:round/>
             </a:ln>
+            <a:effectLst/>
           </c:spPr>
-          <c:invertIfNegative val="0"/>
-          <c:dPt>
-            <c:idx val="0"/>
-            <c:invertIfNegative val="0"/>
-            <c:bubble3D val="0"/>
+          <c:marker>
+            <c:symbol val="circle"/>
+            <c:size val="7"/>
             <c:spPr>
               <a:solidFill>
-                <a:srgbClr val="F8A866"/>
+                <a:schemeClr val="accent3"/>
               </a:solidFill>
               <a:ln w="9525">
                 <a:solidFill>
-                  <a:srgbClr val="FFFFFF"/>
+                  <a:schemeClr val="accent3"/>
                 </a:solidFill>
               </a:ln>
+              <a:effectLst/>
             </c:spPr>
-            <c:extLst>
-              <c:ext xmlns:c16="http://schemas.microsoft.com/office/drawing/2014/chart" uri="{C3380CC4-5D6E-409C-BE32-E72D297353CC}">
-                <c16:uniqueId val="{00000000-7355-9C45-A290-AE6835D50C18}"/>
-              </c:ext>
-            </c:extLst>
-          </c:dPt>
-          <c:dPt>
-            <c:idx val="1"/>
-            <c:invertIfNegative val="0"/>
-            <c:bubble3D val="0"/>
-            <c:spPr>
-              <a:solidFill>
-                <a:srgbClr val="F8A866"/>
-              </a:solidFill>
-              <a:ln w="9525">
-                <a:solidFill>
-                  <a:srgbClr val="FFFFFF"/>
-                </a:solidFill>
-              </a:ln>
-            </c:spPr>
-            <c:extLst>
-              <c:ext xmlns:c16="http://schemas.microsoft.com/office/drawing/2014/chart" uri="{C3380CC4-5D6E-409C-BE32-E72D297353CC}">
-                <c16:uniqueId val="{00000000-80F0-E24E-A7BB-0E43CD07105A}"/>
-              </c:ext>
-            </c:extLst>
-          </c:dPt>
-          <c:dPt>
-            <c:idx val="2"/>
-            <c:invertIfNegative val="0"/>
-            <c:bubble3D val="0"/>
-            <c:spPr>
-              <a:solidFill>
-                <a:srgbClr val="B7595C"/>
-              </a:solidFill>
-              <a:ln w="9525">
-                <a:solidFill>
-                  <a:srgbClr val="FFFFFF"/>
-                </a:solidFill>
-              </a:ln>
-            </c:spPr>
-            <c:extLst>
-              <c:ext xmlns:c16="http://schemas.microsoft.com/office/drawing/2014/chart" uri="{C3380CC4-5D6E-409C-BE32-E72D297353CC}">
-                <c16:uniqueId val="{00000001-8971-9D44-B874-A559F382D7EA}"/>
-              </c:ext>
-            </c:extLst>
-          </c:dPt>
-          <c:dPt>
-            <c:idx val="3"/>
-            <c:invertIfNegative val="0"/>
-            <c:bubble3D val="0"/>
-            <c:spPr>
-              <a:solidFill>
-                <a:srgbClr val="B7595C"/>
-              </a:solidFill>
-              <a:ln w="9525">
-                <a:solidFill>
-                  <a:srgbClr val="FFFFFF"/>
-                </a:solidFill>
-              </a:ln>
-            </c:spPr>
-            <c:extLst>
-              <c:ext xmlns:c16="http://schemas.microsoft.com/office/drawing/2014/chart" uri="{C3380CC4-5D6E-409C-BE32-E72D297353CC}">
-                <c16:uniqueId val="{00000003-8971-9D44-B874-A559F382D7EA}"/>
-              </c:ext>
-            </c:extLst>
-          </c:dPt>
+          </c:marker>
           <c:cat>
             <c:strRef>
-              <c:f>Sheet1!$A$2:$A$5</c:f>
+              <c:f>Sheet1!$A$2:$A$17</c:f>
               <c:strCache>
-                <c:ptCount val="4"/>
+                <c:ptCount val="15"/>
                 <c:pt idx="0">
-                  <c:v>Year 12</c:v>
+                  <c:v>2006</c:v>
                 </c:pt>
                 <c:pt idx="1">
-                  <c:v>Bachelor</c:v>
+                  <c:v>11</c:v>
                 </c:pt>
                 <c:pt idx="2">
-                  <c:v>Year 12</c:v>
-                </c:pt>
-                <c:pt idx="3">
-                  <c:v>Bachelor</c:v>
+                  <c:v>16</c:v>
+                </c:pt>
+                <c:pt idx="4">
+                  <c:v>06</c:v>
+                </c:pt>
+                <c:pt idx="5">
+                  <c:v>11</c:v>
+                </c:pt>
+                <c:pt idx="6">
+                  <c:v>16</c:v>
+                </c:pt>
+                <c:pt idx="8">
+                  <c:v>06</c:v>
+                </c:pt>
+                <c:pt idx="9">
+                  <c:v>11</c:v>
+                </c:pt>
+                <c:pt idx="10">
+                  <c:v>16</c:v>
+                </c:pt>
+                <c:pt idx="12">
+                  <c:v>06</c:v>
+                </c:pt>
+                <c:pt idx="13">
+                  <c:v>11</c:v>
+                </c:pt>
+                <c:pt idx="14">
+                  <c:v>16</c:v>
                 </c:pt>
               </c:strCache>
             </c:strRef>
           </c:cat>
           <c:val>
             <c:numRef>
-              <c:f>Sheet1!$B$2:$B$5</c:f>
+              <c:f>Sheet1!$B$2:$B$17</c:f>
               <c:numCache>
-                <c:formatCode>0.0000</c:formatCode>
-                <c:ptCount val="4"/>
+                <c:formatCode>_(* #,##0.00_);_(* \(#,##0.00\);_(* "-"??_);_(@_)</c:formatCode>
+                <c:ptCount val="16"/>
                 <c:pt idx="0">
-                  <c:v>1.2753646466442372</c:v>
+                  <c:v>57.057600752865902</c:v>
                 </c:pt>
                 <c:pt idx="1">
-                  <c:v>1.8800678279899339</c:v>
+                  <c:v>56.383711429418511</c:v>
                 </c:pt>
                 <c:pt idx="2">
-                  <c:v>1.890644338306728</c:v>
-                </c:pt>
-                <c:pt idx="3">
-                  <c:v>2.6935024335067492</c:v>
+                  <c:v>56.138924128634088</c:v>
+                </c:pt>
+                <c:pt idx="4">
+                  <c:v>41.01483421146807</c:v>
+                </c:pt>
+                <c:pt idx="5">
+                  <c:v>39.833964761862532</c:v>
+                </c:pt>
+                <c:pt idx="6">
+                  <c:v>41.743249525768405</c:v>
+                </c:pt>
+                <c:pt idx="8">
+                  <c:v>81.293574084586453</c:v>
+                </c:pt>
+                <c:pt idx="9">
+                  <c:v>80.665135911752358</c:v>
+                </c:pt>
+                <c:pt idx="10">
+                  <c:v>78.441029343379967</c:v>
+                </c:pt>
+                <c:pt idx="12">
+                  <c:v>82.328584012704269</c:v>
+                </c:pt>
+                <c:pt idx="13">
+                  <c:v>82.821935504311611</c:v>
+                </c:pt>
+                <c:pt idx="14">
+                  <c:v>82.346778391386238</c:v>
                 </c:pt>
               </c:numCache>
             </c:numRef>
           </c:val>
+          <c:smooth val="0"/>
           <c:extLst>
             <c:ext xmlns:c16="http://schemas.microsoft.com/office/drawing/2014/chart" uri="{C3380CC4-5D6E-409C-BE32-E72D297353CC}">
-              <c16:uniqueId val="{00000004-8971-9D44-B874-A559F382D7EA}"/>
+              <c16:uniqueId val="{00000000-C353-A643-9756-BC8828084916}"/>
             </c:ext>
           </c:extLst>
         </c:ser>
@@ -4151,106 +2828,130 @@
               <c:strCache>
                 <c:ptCount val="1"/>
                 <c:pt idx="0">
-                  <c:v>2011</c:v>
+                  <c:v>Bachelor Degree Level_Female_PT</c:v>
                 </c:pt>
               </c:strCache>
             </c:strRef>
           </c:tx>
           <c:spPr>
-            <a:solidFill>
-              <a:schemeClr val="accent2"/>
-            </a:solidFill>
-            <a:ln w="9525">
+            <a:ln w="28575" cap="rnd">
               <a:solidFill>
-                <a:srgbClr val="FFFFFF"/>
+                <a:schemeClr val="accent2"/>
               </a:solidFill>
+              <a:prstDash val="solid"/>
+              <a:round/>
             </a:ln>
+            <a:effectLst/>
           </c:spPr>
-          <c:invertIfNegative val="0"/>
-          <c:dPt>
-            <c:idx val="2"/>
-            <c:invertIfNegative val="0"/>
-            <c:bubble3D val="0"/>
+          <c:marker>
+            <c:symbol val="circle"/>
+            <c:size val="7"/>
             <c:spPr>
               <a:solidFill>
-                <a:srgbClr val="A02226"/>
+                <a:schemeClr val="accent2"/>
               </a:solidFill>
               <a:ln w="9525">
                 <a:solidFill>
-                  <a:srgbClr val="FFFFFF"/>
+                  <a:schemeClr val="accent2"/>
                 </a:solidFill>
+                <a:prstDash val="solid"/>
               </a:ln>
+              <a:effectLst/>
             </c:spPr>
-            <c:extLst>
-              <c:ext xmlns:c16="http://schemas.microsoft.com/office/drawing/2014/chart" uri="{C3380CC4-5D6E-409C-BE32-E72D297353CC}">
-                <c16:uniqueId val="{00000006-8971-9D44-B874-A559F382D7EA}"/>
-              </c:ext>
-            </c:extLst>
-          </c:dPt>
-          <c:dPt>
-            <c:idx val="3"/>
-            <c:invertIfNegative val="0"/>
-            <c:bubble3D val="0"/>
-            <c:spPr>
-              <a:solidFill>
-                <a:srgbClr val="A02226"/>
-              </a:solidFill>
-              <a:ln w="9525">
-                <a:solidFill>
-                  <a:srgbClr val="FFFFFF"/>
-                </a:solidFill>
-              </a:ln>
-            </c:spPr>
-            <c:extLst>
-              <c:ext xmlns:c16="http://schemas.microsoft.com/office/drawing/2014/chart" uri="{C3380CC4-5D6E-409C-BE32-E72D297353CC}">
-                <c16:uniqueId val="{00000008-8971-9D44-B874-A559F382D7EA}"/>
-              </c:ext>
-            </c:extLst>
-          </c:dPt>
+          </c:marker>
           <c:cat>
             <c:strRef>
-              <c:f>Sheet1!$A$2:$A$5</c:f>
+              <c:f>Sheet1!$A$2:$A$17</c:f>
               <c:strCache>
-                <c:ptCount val="4"/>
+                <c:ptCount val="15"/>
                 <c:pt idx="0">
-                  <c:v>Year 12</c:v>
+                  <c:v>2006</c:v>
                 </c:pt>
                 <c:pt idx="1">
-                  <c:v>Bachelor</c:v>
+                  <c:v>11</c:v>
                 </c:pt>
                 <c:pt idx="2">
-                  <c:v>Year 12</c:v>
-                </c:pt>
-                <c:pt idx="3">
-                  <c:v>Bachelor</c:v>
+                  <c:v>16</c:v>
+                </c:pt>
+                <c:pt idx="4">
+                  <c:v>06</c:v>
+                </c:pt>
+                <c:pt idx="5">
+                  <c:v>11</c:v>
+                </c:pt>
+                <c:pt idx="6">
+                  <c:v>16</c:v>
+                </c:pt>
+                <c:pt idx="8">
+                  <c:v>06</c:v>
+                </c:pt>
+                <c:pt idx="9">
+                  <c:v>11</c:v>
+                </c:pt>
+                <c:pt idx="10">
+                  <c:v>16</c:v>
+                </c:pt>
+                <c:pt idx="12">
+                  <c:v>06</c:v>
+                </c:pt>
+                <c:pt idx="13">
+                  <c:v>11</c:v>
+                </c:pt>
+                <c:pt idx="14">
+                  <c:v>16</c:v>
                 </c:pt>
               </c:strCache>
             </c:strRef>
           </c:cat>
           <c:val>
             <c:numRef>
-              <c:f>Sheet1!$C$2:$C$5</c:f>
+              <c:f>Sheet1!$C$2:$C$17</c:f>
               <c:numCache>
-                <c:formatCode>0.0000</c:formatCode>
-                <c:ptCount val="4"/>
+                <c:formatCode>_(* #,##0.00_);_(* \(#,##0.00\);_(* "-"??_);_(@_)</c:formatCode>
+                <c:ptCount val="16"/>
                 <c:pt idx="0">
-                  <c:v>1.3509920464012946</c:v>
+                  <c:v>22.391236096198988</c:v>
                 </c:pt>
                 <c:pt idx="1">
-                  <c:v>1.977099560201969</c:v>
+                  <c:v>22.660812284502427</c:v>
                 </c:pt>
                 <c:pt idx="2">
-                  <c:v>1.95900410269614</c:v>
-                </c:pt>
-                <c:pt idx="3">
-                  <c:v>2.8308837591205109</c:v>
+                  <c:v>24.202443092766771</c:v>
+                </c:pt>
+                <c:pt idx="4">
+                  <c:v>36.120440722870676</c:v>
+                </c:pt>
+                <c:pt idx="5">
+                  <c:v>37.119670020335754</c:v>
+                </c:pt>
+                <c:pt idx="6">
+                  <c:v>37.798140933440777</c:v>
+                </c:pt>
+                <c:pt idx="8">
+                  <c:v>9.1809360741946904</c:v>
+                </c:pt>
+                <c:pt idx="9">
+                  <c:v>9.7268152629779099</c:v>
+                </c:pt>
+                <c:pt idx="10">
+                  <c:v>11.382797236406599</c:v>
+                </c:pt>
+                <c:pt idx="12">
+                  <c:v>8.6144513878222302</c:v>
+                </c:pt>
+                <c:pt idx="13">
+                  <c:v>8.6324633889927771</c:v>
+                </c:pt>
+                <c:pt idx="14">
+                  <c:v>9.1024170009586332</c:v>
                 </c:pt>
               </c:numCache>
             </c:numRef>
           </c:val>
+          <c:smooth val="0"/>
           <c:extLst>
             <c:ext xmlns:c16="http://schemas.microsoft.com/office/drawing/2014/chart" uri="{C3380CC4-5D6E-409C-BE32-E72D297353CC}">
-              <c16:uniqueId val="{00000009-8971-9D44-B874-A559F382D7EA}"/>
+              <c16:uniqueId val="{00000001-C353-A643-9756-BC8828084916}"/>
             </c:ext>
           </c:extLst>
         </c:ser>
@@ -4263,146 +2964,398 @@
               <c:strCache>
                 <c:ptCount val="1"/>
                 <c:pt idx="0">
-                  <c:v>2016</c:v>
+                  <c:v>Bachelor Degree Level_Female_Away</c:v>
                 </c:pt>
               </c:strCache>
             </c:strRef>
           </c:tx>
           <c:spPr>
-            <a:solidFill>
-              <a:srgbClr val="EC700A"/>
-            </a:solidFill>
-            <a:ln w="9525">
+            <a:ln w="28575" cap="rnd">
               <a:solidFill>
-                <a:srgbClr val="FFFFFF"/>
+                <a:schemeClr val="accent1"/>
               </a:solidFill>
+              <a:round/>
             </a:ln>
+            <a:effectLst/>
           </c:spPr>
-          <c:invertIfNegative val="0"/>
-          <c:dPt>
-            <c:idx val="0"/>
-            <c:invertIfNegative val="0"/>
-            <c:bubble3D val="0"/>
+          <c:marker>
+            <c:symbol val="circle"/>
+            <c:size val="7"/>
             <c:spPr>
               <a:solidFill>
-                <a:srgbClr val="EC700A"/>
+                <a:schemeClr val="accent1"/>
               </a:solidFill>
               <a:ln w="9525">
                 <a:solidFill>
-                  <a:srgbClr val="FFFFFF"/>
+                  <a:schemeClr val="accent1"/>
                 </a:solidFill>
               </a:ln>
+              <a:effectLst/>
             </c:spPr>
-            <c:extLst>
-              <c:ext xmlns:c16="http://schemas.microsoft.com/office/drawing/2014/chart" uri="{C3380CC4-5D6E-409C-BE32-E72D297353CC}">
-                <c16:uniqueId val="{0000000B-8971-9D44-B874-A559F382D7EA}"/>
-              </c:ext>
-            </c:extLst>
-          </c:dPt>
-          <c:dPt>
-            <c:idx val="1"/>
-            <c:invertIfNegative val="0"/>
-            <c:bubble3D val="0"/>
-            <c:spPr>
-              <a:solidFill>
-                <a:srgbClr val="EC700A"/>
-              </a:solidFill>
-              <a:ln w="9525">
-                <a:solidFill>
-                  <a:srgbClr val="FFFFFF"/>
-                </a:solidFill>
-              </a:ln>
-            </c:spPr>
-            <c:extLst>
-              <c:ext xmlns:c16="http://schemas.microsoft.com/office/drawing/2014/chart" uri="{C3380CC4-5D6E-409C-BE32-E72D297353CC}">
-                <c16:uniqueId val="{0000000D-8971-9D44-B874-A559F382D7EA}"/>
-              </c:ext>
-            </c:extLst>
-          </c:dPt>
-          <c:dPt>
-            <c:idx val="2"/>
-            <c:invertIfNegative val="0"/>
-            <c:bubble3D val="0"/>
-            <c:spPr>
-              <a:solidFill>
-                <a:srgbClr val="76191C"/>
-              </a:solidFill>
-              <a:ln w="9525">
-                <a:solidFill>
-                  <a:srgbClr val="FFFFFF"/>
-                </a:solidFill>
-              </a:ln>
-            </c:spPr>
-            <c:extLst>
-              <c:ext xmlns:c16="http://schemas.microsoft.com/office/drawing/2014/chart" uri="{C3380CC4-5D6E-409C-BE32-E72D297353CC}">
-                <c16:uniqueId val="{0000000F-8971-9D44-B874-A559F382D7EA}"/>
-              </c:ext>
-            </c:extLst>
-          </c:dPt>
-          <c:dPt>
-            <c:idx val="3"/>
-            <c:invertIfNegative val="0"/>
-            <c:bubble3D val="0"/>
-            <c:spPr>
-              <a:solidFill>
-                <a:srgbClr val="76191C"/>
-              </a:solidFill>
-              <a:ln w="9525">
-                <a:solidFill>
-                  <a:srgbClr val="FFFFFF"/>
-                </a:solidFill>
-              </a:ln>
-            </c:spPr>
-            <c:extLst>
-              <c:ext xmlns:c16="http://schemas.microsoft.com/office/drawing/2014/chart" uri="{C3380CC4-5D6E-409C-BE32-E72D297353CC}">
-                <c16:uniqueId val="{00000011-8971-9D44-B874-A559F382D7EA}"/>
-              </c:ext>
-            </c:extLst>
-          </c:dPt>
+          </c:marker>
           <c:cat>
             <c:strRef>
-              <c:f>Sheet1!$A$2:$A$5</c:f>
+              <c:f>Sheet1!$A$2:$A$17</c:f>
               <c:strCache>
-                <c:ptCount val="4"/>
+                <c:ptCount val="15"/>
                 <c:pt idx="0">
-                  <c:v>Year 12</c:v>
+                  <c:v>2006</c:v>
                 </c:pt>
                 <c:pt idx="1">
-                  <c:v>Bachelor</c:v>
+                  <c:v>11</c:v>
                 </c:pt>
                 <c:pt idx="2">
-                  <c:v>Year 12</c:v>
-                </c:pt>
-                <c:pt idx="3">
-                  <c:v>Bachelor</c:v>
+                  <c:v>16</c:v>
+                </c:pt>
+                <c:pt idx="4">
+                  <c:v>06</c:v>
+                </c:pt>
+                <c:pt idx="5">
+                  <c:v>11</c:v>
+                </c:pt>
+                <c:pt idx="6">
+                  <c:v>16</c:v>
+                </c:pt>
+                <c:pt idx="8">
+                  <c:v>06</c:v>
+                </c:pt>
+                <c:pt idx="9">
+                  <c:v>11</c:v>
+                </c:pt>
+                <c:pt idx="10">
+                  <c:v>16</c:v>
+                </c:pt>
+                <c:pt idx="12">
+                  <c:v>06</c:v>
+                </c:pt>
+                <c:pt idx="13">
+                  <c:v>11</c:v>
+                </c:pt>
+                <c:pt idx="14">
+                  <c:v>16</c:v>
                 </c:pt>
               </c:strCache>
             </c:strRef>
           </c:cat>
           <c:val>
             <c:numRef>
-              <c:f>Sheet1!$D$2:$D$5</c:f>
+              <c:f>Sheet1!$D$2:$D$17</c:f>
               <c:numCache>
-                <c:formatCode>0.0000</c:formatCode>
-                <c:ptCount val="4"/>
+                <c:formatCode>_(* #,##0.00_);_(* \(#,##0.00\);_(* "-"??_);_(@_)</c:formatCode>
+                <c:ptCount val="16"/>
                 <c:pt idx="0">
-                  <c:v>1.4060272470859609</c:v>
+                  <c:v>6.4447735544461953</c:v>
                 </c:pt>
                 <c:pt idx="1">
-                  <c:v>1.9912006971264504</c:v>
+                  <c:v>7.5357710659346377</c:v>
                 </c:pt>
                 <c:pt idx="2">
-                  <c:v>1.9503594451429558</c:v>
-                </c:pt>
-                <c:pt idx="3">
-                  <c:v>2.7389256040145726</c:v>
+                  <c:v>7.54961700036114</c:v>
+                </c:pt>
+                <c:pt idx="4">
+                  <c:v>5.0251613957749486</c:v>
+                </c:pt>
+                <c:pt idx="5">
+                  <c:v>5.3536753238420349</c:v>
+                </c:pt>
+                <c:pt idx="6">
+                  <c:v>4.8095272699401166</c:v>
+                </c:pt>
+                <c:pt idx="8">
+                  <c:v>3.8264012640516869</c:v>
+                </c:pt>
+                <c:pt idx="9">
+                  <c:v>3.3443466359471534</c:v>
+                </c:pt>
+                <c:pt idx="10">
+                  <c:v>2.9151028060913475</c:v>
+                </c:pt>
+                <c:pt idx="12">
+                  <c:v>3.8395677854550256</c:v>
+                </c:pt>
+                <c:pt idx="13">
+                  <c:v>3.2864310512100396</c:v>
+                </c:pt>
+                <c:pt idx="14">
+                  <c:v>2.5590941529288522</c:v>
                 </c:pt>
               </c:numCache>
             </c:numRef>
           </c:val>
+          <c:smooth val="0"/>
           <c:extLst>
             <c:ext xmlns:c16="http://schemas.microsoft.com/office/drawing/2014/chart" uri="{C3380CC4-5D6E-409C-BE32-E72D297353CC}">
-              <c16:uniqueId val="{00000012-8971-9D44-B874-A559F382D7EA}"/>
+              <c16:uniqueId val="{00000002-C353-A643-9756-BC8828084916}"/>
+            </c:ext>
+          </c:extLst>
+        </c:ser>
+        <c:ser>
+          <c:idx val="3"/>
+          <c:order val="3"/>
+          <c:tx>
+            <c:strRef>
+              <c:f>Sheet1!$E$1</c:f>
+              <c:strCache>
+                <c:ptCount val="1"/>
+                <c:pt idx="0">
+                  <c:v>Bachelor Degree Level_Female_Unemp</c:v>
+                </c:pt>
+              </c:strCache>
+            </c:strRef>
+          </c:tx>
+          <c:spPr>
+            <a:ln w="28575" cap="rnd">
+              <a:solidFill>
+                <a:schemeClr val="tx2"/>
+              </a:solidFill>
+              <a:prstDash val="dash"/>
+              <a:round/>
+            </a:ln>
+            <a:effectLst/>
+          </c:spPr>
+          <c:marker>
+            <c:symbol val="circle"/>
+            <c:size val="7"/>
+            <c:spPr>
+              <a:solidFill>
+                <a:schemeClr val="tx2"/>
+              </a:solidFill>
+              <a:ln w="9525">
+                <a:noFill/>
+                <a:prstDash val="dash"/>
+              </a:ln>
+              <a:effectLst/>
+            </c:spPr>
+          </c:marker>
+          <c:cat>
+            <c:strRef>
+              <c:f>Sheet1!$A$2:$A$17</c:f>
+              <c:strCache>
+                <c:ptCount val="15"/>
+                <c:pt idx="0">
+                  <c:v>2006</c:v>
+                </c:pt>
+                <c:pt idx="1">
+                  <c:v>11</c:v>
+                </c:pt>
+                <c:pt idx="2">
+                  <c:v>16</c:v>
+                </c:pt>
+                <c:pt idx="4">
+                  <c:v>06</c:v>
+                </c:pt>
+                <c:pt idx="5">
+                  <c:v>11</c:v>
+                </c:pt>
+                <c:pt idx="6">
+                  <c:v>16</c:v>
+                </c:pt>
+                <c:pt idx="8">
+                  <c:v>06</c:v>
+                </c:pt>
+                <c:pt idx="9">
+                  <c:v>11</c:v>
+                </c:pt>
+                <c:pt idx="10">
+                  <c:v>16</c:v>
+                </c:pt>
+                <c:pt idx="12">
+                  <c:v>06</c:v>
+                </c:pt>
+                <c:pt idx="13">
+                  <c:v>11</c:v>
+                </c:pt>
+                <c:pt idx="14">
+                  <c:v>16</c:v>
+                </c:pt>
+              </c:strCache>
+            </c:strRef>
+          </c:cat>
+          <c:val>
+            <c:numRef>
+              <c:f>Sheet1!$E$2:$E$17</c:f>
+              <c:numCache>
+                <c:formatCode>_(* #,##0.00_);_(* \(#,##0.00\);_(* "-"??_);_(@_)</c:formatCode>
+                <c:ptCount val="16"/>
+                <c:pt idx="0">
+                  <c:v>1.5273523112815857</c:v>
+                </c:pt>
+                <c:pt idx="1">
+                  <c:v>1.8518147583586568</c:v>
+                </c:pt>
+                <c:pt idx="2">
+                  <c:v>2.135256304506985</c:v>
+                </c:pt>
+                <c:pt idx="4">
+                  <c:v>1.801041067938101</c:v>
+                </c:pt>
+                <c:pt idx="5">
+                  <c:v>2.0584050531106115</c:v>
+                </c:pt>
+                <c:pt idx="6">
+                  <c:v>2.5041783073286226</c:v>
+                </c:pt>
+                <c:pt idx="8">
+                  <c:v>2.0171223664694198</c:v>
+                </c:pt>
+                <c:pt idx="9">
+                  <c:v>2.3612181219082258</c:v>
+                </c:pt>
+                <c:pt idx="10">
+                  <c:v>3.0184458983014859</c:v>
+                </c:pt>
+                <c:pt idx="12">
+                  <c:v>1.7872262085537058</c:v>
+                </c:pt>
+                <c:pt idx="13">
+                  <c:v>2.0243665455156545</c:v>
+                </c:pt>
+                <c:pt idx="14">
+                  <c:v>2.4585164720443915</c:v>
+                </c:pt>
+              </c:numCache>
+            </c:numRef>
+          </c:val>
+          <c:smooth val="0"/>
+          <c:extLst>
+            <c:ext xmlns:c16="http://schemas.microsoft.com/office/drawing/2014/chart" uri="{C3380CC4-5D6E-409C-BE32-E72D297353CC}">
+              <c16:uniqueId val="{00000003-C353-A643-9756-BC8828084916}"/>
+            </c:ext>
+          </c:extLst>
+        </c:ser>
+        <c:ser>
+          <c:idx val="4"/>
+          <c:order val="4"/>
+          <c:tx>
+            <c:strRef>
+              <c:f>Sheet1!$F$1</c:f>
+              <c:strCache>
+                <c:ptCount val="1"/>
+                <c:pt idx="0">
+                  <c:v>Participation</c:v>
+                </c:pt>
+              </c:strCache>
+            </c:strRef>
+          </c:tx>
+          <c:spPr>
+            <a:ln w="28575" cap="rnd">
+              <a:solidFill>
+                <a:schemeClr val="tx1"/>
+              </a:solidFill>
+              <a:prstDash val="solid"/>
+              <a:round/>
+            </a:ln>
+            <a:effectLst/>
+          </c:spPr>
+          <c:marker>
+            <c:symbol val="circle"/>
+            <c:size val="7"/>
+            <c:spPr>
+              <a:solidFill>
+                <a:schemeClr val="tx1"/>
+              </a:solidFill>
+              <a:ln w="9525">
+                <a:solidFill>
+                  <a:schemeClr val="tx1"/>
+                </a:solidFill>
+                <a:prstDash val="solid"/>
+              </a:ln>
+              <a:effectLst/>
+            </c:spPr>
+          </c:marker>
+          <c:cat>
+            <c:strRef>
+              <c:f>Sheet1!$A$2:$A$17</c:f>
+              <c:strCache>
+                <c:ptCount val="15"/>
+                <c:pt idx="0">
+                  <c:v>2006</c:v>
+                </c:pt>
+                <c:pt idx="1">
+                  <c:v>11</c:v>
+                </c:pt>
+                <c:pt idx="2">
+                  <c:v>16</c:v>
+                </c:pt>
+                <c:pt idx="4">
+                  <c:v>06</c:v>
+                </c:pt>
+                <c:pt idx="5">
+                  <c:v>11</c:v>
+                </c:pt>
+                <c:pt idx="6">
+                  <c:v>16</c:v>
+                </c:pt>
+                <c:pt idx="8">
+                  <c:v>06</c:v>
+                </c:pt>
+                <c:pt idx="9">
+                  <c:v>11</c:v>
+                </c:pt>
+                <c:pt idx="10">
+                  <c:v>16</c:v>
+                </c:pt>
+                <c:pt idx="12">
+                  <c:v>06</c:v>
+                </c:pt>
+                <c:pt idx="13">
+                  <c:v>11</c:v>
+                </c:pt>
+                <c:pt idx="14">
+                  <c:v>16</c:v>
+                </c:pt>
+              </c:strCache>
+            </c:strRef>
+          </c:cat>
+          <c:val>
+            <c:numRef>
+              <c:f>Sheet1!$F$2:$F$17</c:f>
+              <c:numCache>
+                <c:formatCode>_(* #,##0.00_);_(* \(#,##0.00\);_(* "-"??_);_(@_)</c:formatCode>
+                <c:ptCount val="16"/>
+                <c:pt idx="0">
+                  <c:v>87.42096271479268</c:v>
+                </c:pt>
+                <c:pt idx="1">
+                  <c:v>88.43210953821422</c:v>
+                </c:pt>
+                <c:pt idx="2">
+                  <c:v>90.026240526268992</c:v>
+                </c:pt>
+                <c:pt idx="4">
+                  <c:v>83.961477398051798</c:v>
+                </c:pt>
+                <c:pt idx="5">
+                  <c:v>84.365715159150938</c:v>
+                </c:pt>
+                <c:pt idx="6">
+                  <c:v>86.855096036477931</c:v>
+                </c:pt>
+                <c:pt idx="8">
+                  <c:v>96.318033789302248</c:v>
+                </c:pt>
+                <c:pt idx="9">
+                  <c:v>96.097515932585651</c:v>
+                </c:pt>
+                <c:pt idx="10">
+                  <c:v>95.757375284179403</c:v>
+                </c:pt>
+                <c:pt idx="12">
+                  <c:v>96.569829394535233</c:v>
+                </c:pt>
+                <c:pt idx="13">
+                  <c:v>96.765196490030078</c:v>
+                </c:pt>
+                <c:pt idx="14">
+                  <c:v>96.466806017318106</c:v>
+                </c:pt>
+              </c:numCache>
+            </c:numRef>
+          </c:val>
+          <c:smooth val="0"/>
+          <c:extLst>
+            <c:ext xmlns:c16="http://schemas.microsoft.com/office/drawing/2014/chart" uri="{C3380CC4-5D6E-409C-BE32-E72D297353CC}">
+              <c16:uniqueId val="{00000004-C353-A643-9756-BC8828084916}"/>
             </c:ext>
           </c:extLst>
         </c:ser>
@@ -4414,12 +3367,13 @@
           <c:showPercent val="0"/>
           <c:showBubbleSize val="0"/>
         </c:dLbls>
-        <c:gapWidth val="100"/>
-        <c:axId val="324265856"/>
-        <c:axId val="327427200"/>
-      </c:barChart>
+        <c:marker val="1"/>
+        <c:smooth val="0"/>
+        <c:axId val="266766111"/>
+        <c:axId val="315424735"/>
+      </c:lineChart>
       <c:catAx>
-        <c:axId val="324265856"/>
+        <c:axId val="266766111"/>
         <c:scaling>
           <c:orientation val="minMax"/>
         </c:scaling>
@@ -4430,23 +3384,33 @@
         <c:minorTickMark val="none"/>
         <c:tickLblPos val="nextTo"/>
         <c:spPr>
-          <a:ln>
+          <a:noFill/>
+          <a:ln w="9525" cap="flat" cmpd="sng" algn="ctr">
             <a:solidFill>
               <a:schemeClr val="tx1"/>
             </a:solidFill>
+            <a:round/>
           </a:ln>
+          <a:effectLst/>
         </c:spPr>
         <c:txPr>
-          <a:bodyPr/>
+          <a:bodyPr rot="-60000000" spcFirstLastPara="1" vertOverflow="ellipsis" vert="horz" wrap="square" anchor="ctr" anchorCtr="1"/>
           <a:lstStyle/>
           <a:p>
             <a:pPr>
-              <a:defRPr sz="1800"/>
+              <a:defRPr sz="1800" b="0" i="0" u="none" strike="noStrike" kern="1200" baseline="0">
+                <a:solidFill>
+                  <a:schemeClr val="tx1"/>
+                </a:solidFill>
+                <a:latin typeface="+mn-lt"/>
+                <a:ea typeface="+mn-ea"/>
+                <a:cs typeface="+mn-cs"/>
+              </a:defRPr>
             </a:pPr>
             <a:endParaRPr lang="en-US"/>
           </a:p>
         </c:txPr>
-        <c:crossAx val="327427200"/>
+        <c:crossAx val="315424735"/>
         <c:crosses val="autoZero"/>
         <c:auto val="1"/>
         <c:lblAlgn val="ctr"/>
@@ -4454,68 +3418,98 @@
         <c:noMultiLvlLbl val="0"/>
       </c:catAx>
       <c:valAx>
-        <c:axId val="327427200"/>
+        <c:axId val="315424735"/>
         <c:scaling>
           <c:orientation val="minMax"/>
-          <c:max val="3.2"/>
+          <c:max val="100"/>
           <c:min val="0"/>
         </c:scaling>
         <c:delete val="0"/>
         <c:axPos val="l"/>
         <c:majorGridlines>
           <c:spPr>
-            <a:ln>
+            <a:ln w="9525" cap="flat" cmpd="sng" algn="ctr">
               <a:solidFill>
-                <a:srgbClr val="6A737B">
-                  <a:lumMod val="40000"/>
-                  <a:lumOff val="60000"/>
-                </a:srgbClr>
+                <a:schemeClr val="tx1">
+                  <a:lumMod val="15000"/>
+                  <a:lumOff val="85000"/>
+                </a:schemeClr>
               </a:solidFill>
+              <a:round/>
             </a:ln>
+            <a:effectLst/>
           </c:spPr>
         </c:majorGridlines>
-        <c:minorGridlines/>
-        <c:numFmt formatCode="0" sourceLinked="0"/>
-        <c:majorTickMark val="out"/>
+        <c:numFmt formatCode="#,##0" sourceLinked="0"/>
+        <c:majorTickMark val="none"/>
         <c:minorTickMark val="none"/>
         <c:tickLblPos val="nextTo"/>
         <c:spPr>
+          <a:noFill/>
           <a:ln>
             <a:noFill/>
           </a:ln>
+          <a:effectLst/>
         </c:spPr>
         <c:txPr>
-          <a:bodyPr/>
+          <a:bodyPr rot="-60000000" spcFirstLastPara="1" vertOverflow="ellipsis" vert="horz" wrap="square" anchor="ctr" anchorCtr="1"/>
           <a:lstStyle/>
           <a:p>
             <a:pPr>
-              <a:defRPr sz="1800"/>
+              <a:defRPr sz="1800" b="0" i="0" u="none" strike="noStrike" kern="1200" baseline="0">
+                <a:solidFill>
+                  <a:schemeClr val="tx1"/>
+                </a:solidFill>
+                <a:latin typeface="+mn-lt"/>
+                <a:ea typeface="+mn-ea"/>
+                <a:cs typeface="+mn-cs"/>
+              </a:defRPr>
             </a:pPr>
             <a:endParaRPr lang="en-US"/>
           </a:p>
         </c:txPr>
-        <c:crossAx val="324265856"/>
+        <c:crossAx val="266766111"/>
         <c:crosses val="autoZero"/>
-        <c:crossBetween val="between"/>
-        <c:majorUnit val="1"/>
-        <c:minorUnit val="0.5"/>
+        <c:crossBetween val="midCat"/>
+        <c:majorUnit val="10"/>
       </c:valAx>
+      <c:spPr>
+        <a:noFill/>
+        <a:ln>
+          <a:noFill/>
+        </a:ln>
+        <a:effectLst/>
+      </c:spPr>
     </c:plotArea>
     <c:plotVisOnly val="1"/>
     <c:dispBlanksAs val="gap"/>
+    <c:extLst>
+      <c:ext xmlns:c16r3="http://schemas.microsoft.com/office/drawing/2017/03/chart" uri="{56B9EC1D-385E-4148-901F-78D8002777C0}">
+        <c16r3:dataDisplayOptions16>
+          <c16r3:dispNaAsBlank val="1"/>
+        </c16r3:dataDisplayOptions16>
+      </c:ext>
+    </c:extLst>
     <c:showDLblsOverMax val="0"/>
   </c:chart>
+  <c:spPr>
+    <a:noFill/>
+    <a:ln>
+      <a:noFill/>
+    </a:ln>
+    <a:effectLst/>
+  </c:spPr>
   <c:txPr>
     <a:bodyPr/>
     <a:lstStyle/>
     <a:p>
       <a:pPr>
-        <a:defRPr sz="1800"/>
+        <a:defRPr/>
       </a:pPr>
       <a:endParaRPr lang="en-US"/>
     </a:p>
   </c:txPr>
-  <c:externalData r:id="rId2">
+  <c:externalData r:id="rId3">
     <c:autoUpdate val="0"/>
   </c:externalData>
 </c:chartSpace>
@@ -4534,24 +3528,22 @@
       <c:style val="2"/>
     </mc:Fallback>
   </mc:AlternateContent>
-  <c:clrMapOvr bg1="lt1" tx1="dk1" bg2="lt2" tx2="dk2" accent1="accent1" accent2="accent2" accent3="accent3" accent4="accent4" accent5="accent5" accent6="accent6" hlink="hlink" folHlink="folHlink"/>
   <c:chart>
-    <c:autoTitleDeleted val="0"/>
+    <c:autoTitleDeleted val="1"/>
     <c:plotArea>
       <c:layout>
         <c:manualLayout>
           <c:layoutTarget val="inner"/>
           <c:xMode val="edge"/>
           <c:yMode val="edge"/>
-          <c:x val="8.0823620823620823E-2"/>
-          <c:y val="0.12700527121237884"/>
-          <c:w val="0.90208236208236203"/>
-          <c:h val="0.77388086184313021"/>
+          <c:x val="4.8513162702222841E-2"/>
+          <c:y val="1.5943096378219241E-2"/>
+          <c:w val="0.9222681749150351"/>
+          <c:h val="0.91222923192305994"/>
         </c:manualLayout>
       </c:layout>
-      <c:barChart>
-        <c:barDir val="col"/>
-        <c:grouping val="clustered"/>
+      <c:lineChart>
+        <c:grouping val="standard"/>
         <c:varyColors val="0"/>
         <c:ser>
           <c:idx val="0"/>
@@ -4562,260 +3554,137 @@
               <c:strCache>
                 <c:ptCount val="1"/>
                 <c:pt idx="0">
-                  <c:v>2006</c:v>
+                  <c:v>__FT</c:v>
                 </c:pt>
               </c:strCache>
             </c:strRef>
           </c:tx>
           <c:spPr>
-            <a:solidFill>
-              <a:srgbClr val="F9B074"/>
-            </a:solidFill>
-            <a:ln w="9525">
+            <a:ln w="28575" cap="rnd">
               <a:solidFill>
-                <a:srgbClr val="FFFFFF"/>
+                <a:schemeClr val="accent3"/>
               </a:solidFill>
+              <a:round/>
             </a:ln>
+            <a:effectLst/>
           </c:spPr>
-          <c:invertIfNegative val="0"/>
-          <c:dPt>
-            <c:idx val="0"/>
-            <c:invertIfNegative val="0"/>
-            <c:bubble3D val="0"/>
+          <c:marker>
+            <c:symbol val="circle"/>
+            <c:size val="7"/>
             <c:spPr>
               <a:solidFill>
-                <a:srgbClr val="F8A866"/>
+                <a:schemeClr val="accent3"/>
               </a:solidFill>
               <a:ln w="9525">
                 <a:solidFill>
-                  <a:srgbClr val="FFFFFF"/>
+                  <a:schemeClr val="accent3"/>
                 </a:solidFill>
               </a:ln>
+              <a:effectLst/>
             </c:spPr>
-            <c:extLst>
-              <c:ext xmlns:c16="http://schemas.microsoft.com/office/drawing/2014/chart" uri="{C3380CC4-5D6E-409C-BE32-E72D297353CC}">
-                <c16:uniqueId val="{00000000-60A5-2D48-920B-632FE23EC326}"/>
-              </c:ext>
-            </c:extLst>
-          </c:dPt>
-          <c:dPt>
-            <c:idx val="1"/>
-            <c:invertIfNegative val="0"/>
-            <c:bubble3D val="0"/>
-            <c:spPr>
-              <a:solidFill>
-                <a:srgbClr val="F8A866"/>
-              </a:solidFill>
-              <a:ln w="9525">
-                <a:solidFill>
-                  <a:srgbClr val="FFFFFF"/>
-                </a:solidFill>
-              </a:ln>
-            </c:spPr>
-            <c:extLst>
-              <c:ext xmlns:c16="http://schemas.microsoft.com/office/drawing/2014/chart" uri="{C3380CC4-5D6E-409C-BE32-E72D297353CC}">
-                <c16:uniqueId val="{00000001-60A5-2D48-920B-632FE23EC326}"/>
-              </c:ext>
-            </c:extLst>
-          </c:dPt>
-          <c:dPt>
-            <c:idx val="2"/>
-            <c:invertIfNegative val="0"/>
-            <c:bubble3D val="0"/>
-            <c:spPr>
-              <a:solidFill>
-                <a:srgbClr val="F8A866"/>
-              </a:solidFill>
-              <a:ln w="9525">
-                <a:solidFill>
-                  <a:srgbClr val="FFFFFF"/>
-                </a:solidFill>
-              </a:ln>
-            </c:spPr>
-            <c:extLst>
-              <c:ext xmlns:c16="http://schemas.microsoft.com/office/drawing/2014/chart" uri="{C3380CC4-5D6E-409C-BE32-E72D297353CC}">
-                <c16:uniqueId val="{00000002-60A5-2D48-920B-632FE23EC326}"/>
-              </c:ext>
-            </c:extLst>
-          </c:dPt>
-          <c:dPt>
-            <c:idx val="3"/>
-            <c:invertIfNegative val="0"/>
-            <c:bubble3D val="0"/>
-            <c:spPr>
-              <a:solidFill>
-                <a:srgbClr val="F8A866"/>
-              </a:solidFill>
-              <a:ln w="9525">
-                <a:solidFill>
-                  <a:srgbClr val="FFFFFF"/>
-                </a:solidFill>
-              </a:ln>
-            </c:spPr>
-            <c:extLst>
-              <c:ext xmlns:c16="http://schemas.microsoft.com/office/drawing/2014/chart" uri="{C3380CC4-5D6E-409C-BE32-E72D297353CC}">
-                <c16:uniqueId val="{00000003-60A5-2D48-920B-632FE23EC326}"/>
-              </c:ext>
-            </c:extLst>
-          </c:dPt>
-          <c:dPt>
-            <c:idx val="4"/>
-            <c:invertIfNegative val="0"/>
-            <c:bubble3D val="0"/>
-            <c:extLst>
-              <c:ext xmlns:c16="http://schemas.microsoft.com/office/drawing/2014/chart" uri="{C3380CC4-5D6E-409C-BE32-E72D297353CC}">
-                <c16:uniqueId val="{00000001-796D-0644-8507-F548E9A9863C}"/>
-              </c:ext>
-            </c:extLst>
-          </c:dPt>
-          <c:dPt>
-            <c:idx val="5"/>
-            <c:invertIfNegative val="0"/>
-            <c:bubble3D val="0"/>
-            <c:spPr>
-              <a:solidFill>
-                <a:srgbClr val="B7595C"/>
-              </a:solidFill>
-              <a:ln w="9525">
-                <a:solidFill>
-                  <a:srgbClr val="FFFFFF"/>
-                </a:solidFill>
-              </a:ln>
-            </c:spPr>
-            <c:extLst>
-              <c:ext xmlns:c16="http://schemas.microsoft.com/office/drawing/2014/chart" uri="{C3380CC4-5D6E-409C-BE32-E72D297353CC}">
-                <c16:uniqueId val="{00000003-796D-0644-8507-F548E9A9863C}"/>
-              </c:ext>
-            </c:extLst>
-          </c:dPt>
-          <c:dPt>
-            <c:idx val="6"/>
-            <c:invertIfNegative val="0"/>
-            <c:bubble3D val="0"/>
-            <c:spPr>
-              <a:solidFill>
-                <a:srgbClr val="B7595C"/>
-              </a:solidFill>
-              <a:ln w="9525">
-                <a:solidFill>
-                  <a:srgbClr val="FFFFFF"/>
-                </a:solidFill>
-              </a:ln>
-            </c:spPr>
-            <c:extLst>
-              <c:ext xmlns:c16="http://schemas.microsoft.com/office/drawing/2014/chart" uri="{C3380CC4-5D6E-409C-BE32-E72D297353CC}">
-                <c16:uniqueId val="{00000005-796D-0644-8507-F548E9A9863C}"/>
-              </c:ext>
-            </c:extLst>
-          </c:dPt>
-          <c:dPt>
-            <c:idx val="7"/>
-            <c:invertIfNegative val="0"/>
-            <c:bubble3D val="0"/>
-            <c:spPr>
-              <a:solidFill>
-                <a:srgbClr val="B7595C"/>
-              </a:solidFill>
-              <a:ln w="9525">
-                <a:solidFill>
-                  <a:srgbClr val="FFFFFF"/>
-                </a:solidFill>
-              </a:ln>
-            </c:spPr>
-            <c:extLst>
-              <c:ext xmlns:c16="http://schemas.microsoft.com/office/drawing/2014/chart" uri="{C3380CC4-5D6E-409C-BE32-E72D297353CC}">
-                <c16:uniqueId val="{00000007-796D-0644-8507-F548E9A9863C}"/>
-              </c:ext>
-            </c:extLst>
-          </c:dPt>
-          <c:dPt>
-            <c:idx val="8"/>
-            <c:invertIfNegative val="0"/>
-            <c:bubble3D val="0"/>
-            <c:spPr>
-              <a:solidFill>
-                <a:srgbClr val="B7595C"/>
-              </a:solidFill>
-              <a:ln w="9525">
-                <a:solidFill>
-                  <a:srgbClr val="FFFFFF"/>
-                </a:solidFill>
-              </a:ln>
-            </c:spPr>
-            <c:extLst>
-              <c:ext xmlns:c16="http://schemas.microsoft.com/office/drawing/2014/chart" uri="{C3380CC4-5D6E-409C-BE32-E72D297353CC}">
-                <c16:uniqueId val="{00000009-796D-0644-8507-F548E9A9863C}"/>
-              </c:ext>
-            </c:extLst>
-          </c:dPt>
+          </c:marker>
           <c:cat>
             <c:strRef>
-              <c:f>Sheet1!$A$2:$A$10</c:f>
+              <c:f>Sheet1!$A$2:$A$17</c:f>
               <c:strCache>
-                <c:ptCount val="9"/>
+                <c:ptCount val="15"/>
                 <c:pt idx="0">
-                  <c:v>25-34</c:v>
+                  <c:v>2006</c:v>
                 </c:pt>
                 <c:pt idx="1">
-                  <c:v>35-44</c:v>
+                  <c:v>11</c:v>
                 </c:pt>
                 <c:pt idx="2">
-                  <c:v>45-54</c:v>
-                </c:pt>
-                <c:pt idx="3">
-                  <c:v>55-64</c:v>
+                  <c:v>16</c:v>
+                </c:pt>
+                <c:pt idx="4">
+                  <c:v>06</c:v>
                 </c:pt>
                 <c:pt idx="5">
-                  <c:v>25-34</c:v>
+                  <c:v>11</c:v>
                 </c:pt>
                 <c:pt idx="6">
-                  <c:v>35-44</c:v>
-                </c:pt>
-                <c:pt idx="7">
-                  <c:v>45-54</c:v>
+                  <c:v>16</c:v>
                 </c:pt>
                 <c:pt idx="8">
-                  <c:v>55-64</c:v>
+                  <c:v>06</c:v>
+                </c:pt>
+                <c:pt idx="9">
+                  <c:v>11</c:v>
+                </c:pt>
+                <c:pt idx="10">
+                  <c:v>16</c:v>
+                </c:pt>
+                <c:pt idx="12">
+                  <c:v>06</c:v>
+                </c:pt>
+                <c:pt idx="13">
+                  <c:v>11</c:v>
+                </c:pt>
+                <c:pt idx="14">
+                  <c:v>16</c:v>
                 </c:pt>
               </c:strCache>
             </c:strRef>
           </c:cat>
           <c:val>
             <c:numRef>
-              <c:f>Sheet1!$B$2:$B$10</c:f>
+              <c:f>Sheet1!$B$2:$B$17</c:f>
               <c:numCache>
-                <c:formatCode>0</c:formatCode>
-                <c:ptCount val="9"/>
+                <c:formatCode>_(* #,##0.00_);_(* \(#,##0.00\);_(* "-"??_);_(@_)</c:formatCode>
+                <c:ptCount val="16"/>
                 <c:pt idx="0">
-                  <c:v>442.58457848324252</c:v>
+                  <c:v>18.634748108528203</c:v>
                 </c:pt>
                 <c:pt idx="1">
-                  <c:v>424.04001003868916</c:v>
+                  <c:v>18.456957716953887</c:v>
                 </c:pt>
                 <c:pt idx="2">
-                  <c:v>484.89349563228603</c:v>
+                  <c:v>20.275304011480944</c:v>
                 </c:pt>
                 <c:pt idx="3">
-                  <c:v>367.65834355687281</c:v>
+                  <c:v>#N/A</c:v>
+                </c:pt>
+                <c:pt idx="4">
+                  <c:v>76.358118310048383</c:v>
                 </c:pt>
                 <c:pt idx="5">
-                  <c:v>557.67313044455068</c:v>
+                  <c:v>75.888279074577852</c:v>
                 </c:pt>
                 <c:pt idx="6">
-                  <c:v>698.04514467966203</c:v>
+                  <c:v>74.443352386671691</c:v>
                 </c:pt>
                 <c:pt idx="7">
-                  <c:v>694.8055529777879</c:v>
+                  <c:v>#N/A</c:v>
                 </c:pt>
                 <c:pt idx="8">
-                  <c:v>565.38981170101954</c:v>
+                  <c:v>31.891539595031503</c:v>
+                </c:pt>
+                <c:pt idx="9">
+                  <c:v>30.967083236504784</c:v>
+                </c:pt>
+                <c:pt idx="10">
+                  <c:v>33.999273791239297</c:v>
+                </c:pt>
+                <c:pt idx="11">
+                  <c:v>#N/A</c:v>
+                </c:pt>
+                <c:pt idx="12">
+                  <c:v>68.755999829686573</c:v>
+                </c:pt>
+                <c:pt idx="13">
+                  <c:v>69.541554090480147</c:v>
+                </c:pt>
+                <c:pt idx="14">
+                  <c:v>69.341067080408436</c:v>
                 </c:pt>
               </c:numCache>
             </c:numRef>
           </c:val>
+          <c:smooth val="0"/>
           <c:extLst>
             <c:ext xmlns:c16="http://schemas.microsoft.com/office/drawing/2014/chart" uri="{C3380CC4-5D6E-409C-BE32-E72D297353CC}">
-              <c16:uniqueId val="{0000000A-796D-0644-8507-F548E9A9863C}"/>
+              <c16:uniqueId val="{00000000-C353-A643-9756-BC8828084916}"/>
             </c:ext>
           </c:extLst>
         </c:ser>
@@ -4828,180 +3697,139 @@
               <c:strCache>
                 <c:ptCount val="1"/>
                 <c:pt idx="0">
-                  <c:v>2011</c:v>
+                  <c:v>__PT</c:v>
                 </c:pt>
               </c:strCache>
             </c:strRef>
           </c:tx>
           <c:spPr>
-            <a:solidFill>
-              <a:srgbClr val="F68B33"/>
-            </a:solidFill>
-            <a:ln w="9525">
+            <a:ln w="28575" cap="rnd">
               <a:solidFill>
-                <a:srgbClr val="FFFFFF"/>
+                <a:schemeClr val="accent2"/>
               </a:solidFill>
+              <a:prstDash val="solid"/>
+              <a:round/>
             </a:ln>
+            <a:effectLst/>
           </c:spPr>
-          <c:invertIfNegative val="0"/>
-          <c:dPt>
-            <c:idx val="4"/>
-            <c:invertIfNegative val="0"/>
-            <c:bubble3D val="0"/>
-            <c:extLst>
-              <c:ext xmlns:c16="http://schemas.microsoft.com/office/drawing/2014/chart" uri="{C3380CC4-5D6E-409C-BE32-E72D297353CC}">
-                <c16:uniqueId val="{0000000C-796D-0644-8507-F548E9A9863C}"/>
-              </c:ext>
-            </c:extLst>
-          </c:dPt>
-          <c:dPt>
-            <c:idx val="5"/>
-            <c:invertIfNegative val="0"/>
-            <c:bubble3D val="0"/>
+          <c:marker>
+            <c:symbol val="circle"/>
+            <c:size val="7"/>
             <c:spPr>
               <a:solidFill>
-                <a:srgbClr val="A02226"/>
+                <a:schemeClr val="accent2"/>
               </a:solidFill>
               <a:ln w="9525">
                 <a:solidFill>
-                  <a:srgbClr val="FFFFFF"/>
+                  <a:schemeClr val="accent2"/>
                 </a:solidFill>
+                <a:prstDash val="solid"/>
               </a:ln>
+              <a:effectLst/>
             </c:spPr>
-            <c:extLst>
-              <c:ext xmlns:c16="http://schemas.microsoft.com/office/drawing/2014/chart" uri="{C3380CC4-5D6E-409C-BE32-E72D297353CC}">
-                <c16:uniqueId val="{0000000E-796D-0644-8507-F548E9A9863C}"/>
-              </c:ext>
-            </c:extLst>
-          </c:dPt>
-          <c:dPt>
-            <c:idx val="6"/>
-            <c:invertIfNegative val="0"/>
-            <c:bubble3D val="0"/>
-            <c:spPr>
-              <a:solidFill>
-                <a:srgbClr val="A02226"/>
-              </a:solidFill>
-              <a:ln w="9525">
-                <a:solidFill>
-                  <a:srgbClr val="FFFFFF"/>
-                </a:solidFill>
-              </a:ln>
-            </c:spPr>
-            <c:extLst>
-              <c:ext xmlns:c16="http://schemas.microsoft.com/office/drawing/2014/chart" uri="{C3380CC4-5D6E-409C-BE32-E72D297353CC}">
-                <c16:uniqueId val="{00000010-796D-0644-8507-F548E9A9863C}"/>
-              </c:ext>
-            </c:extLst>
-          </c:dPt>
-          <c:dPt>
-            <c:idx val="7"/>
-            <c:invertIfNegative val="0"/>
-            <c:bubble3D val="0"/>
-            <c:spPr>
-              <a:solidFill>
-                <a:srgbClr val="A02226"/>
-              </a:solidFill>
-              <a:ln w="9525">
-                <a:solidFill>
-                  <a:srgbClr val="FFFFFF"/>
-                </a:solidFill>
-              </a:ln>
-            </c:spPr>
-            <c:extLst>
-              <c:ext xmlns:c16="http://schemas.microsoft.com/office/drawing/2014/chart" uri="{C3380CC4-5D6E-409C-BE32-E72D297353CC}">
-                <c16:uniqueId val="{00000012-796D-0644-8507-F548E9A9863C}"/>
-              </c:ext>
-            </c:extLst>
-          </c:dPt>
-          <c:dPt>
-            <c:idx val="8"/>
-            <c:invertIfNegative val="0"/>
-            <c:bubble3D val="0"/>
-            <c:spPr>
-              <a:solidFill>
-                <a:srgbClr val="A02226"/>
-              </a:solidFill>
-              <a:ln w="9525">
-                <a:solidFill>
-                  <a:srgbClr val="FFFFFF"/>
-                </a:solidFill>
-              </a:ln>
-            </c:spPr>
-            <c:extLst>
-              <c:ext xmlns:c16="http://schemas.microsoft.com/office/drawing/2014/chart" uri="{C3380CC4-5D6E-409C-BE32-E72D297353CC}">
-                <c16:uniqueId val="{00000014-796D-0644-8507-F548E9A9863C}"/>
-              </c:ext>
-            </c:extLst>
-          </c:dPt>
+          </c:marker>
           <c:cat>
             <c:strRef>
-              <c:f>Sheet1!$A$2:$A$10</c:f>
+              <c:f>Sheet1!$A$2:$A$17</c:f>
               <c:strCache>
-                <c:ptCount val="9"/>
+                <c:ptCount val="15"/>
                 <c:pt idx="0">
-                  <c:v>25-34</c:v>
+                  <c:v>2006</c:v>
                 </c:pt>
                 <c:pt idx="1">
-                  <c:v>35-44</c:v>
+                  <c:v>11</c:v>
                 </c:pt>
                 <c:pt idx="2">
-                  <c:v>45-54</c:v>
-                </c:pt>
-                <c:pt idx="3">
-                  <c:v>55-64</c:v>
+                  <c:v>16</c:v>
+                </c:pt>
+                <c:pt idx="4">
+                  <c:v>06</c:v>
                 </c:pt>
                 <c:pt idx="5">
-                  <c:v>25-34</c:v>
+                  <c:v>11</c:v>
                 </c:pt>
                 <c:pt idx="6">
-                  <c:v>35-44</c:v>
-                </c:pt>
-                <c:pt idx="7">
-                  <c:v>45-54</c:v>
+                  <c:v>16</c:v>
                 </c:pt>
                 <c:pt idx="8">
-                  <c:v>55-64</c:v>
+                  <c:v>06</c:v>
+                </c:pt>
+                <c:pt idx="9">
+                  <c:v>11</c:v>
+                </c:pt>
+                <c:pt idx="10">
+                  <c:v>16</c:v>
+                </c:pt>
+                <c:pt idx="12">
+                  <c:v>06</c:v>
+                </c:pt>
+                <c:pt idx="13">
+                  <c:v>11</c:v>
+                </c:pt>
+                <c:pt idx="14">
+                  <c:v>16</c:v>
                 </c:pt>
               </c:strCache>
             </c:strRef>
           </c:cat>
           <c:val>
             <c:numRef>
-              <c:f>Sheet1!$C$2:$C$10</c:f>
+              <c:f>Sheet1!$C$2:$C$17</c:f>
               <c:numCache>
-                <c:formatCode>0</c:formatCode>
-                <c:ptCount val="9"/>
+                <c:formatCode>_(* #,##0.00_);_(* \(#,##0.00\);_(* "-"??_);_(@_)</c:formatCode>
+                <c:ptCount val="16"/>
                 <c:pt idx="0">
-                  <c:v>457.67987728415358</c:v>
+                  <c:v>37.147658021551614</c:v>
                 </c:pt>
                 <c:pt idx="1">
-                  <c:v>451.29839139703034</c:v>
+                  <c:v>36.801249179817844</c:v>
                 </c:pt>
                 <c:pt idx="2">
-                  <c:v>501.74597759772359</c:v>
+                  <c:v>37.138818347117351</c:v>
                 </c:pt>
                 <c:pt idx="3">
-                  <c:v>406.01300545146705</c:v>
+                  <c:v>#N/A</c:v>
+                </c:pt>
+                <c:pt idx="4">
+                  <c:v>13.860241514419211</c:v>
                 </c:pt>
                 <c:pt idx="5">
-                  <c:v>576.54396229115991</c:v>
+                  <c:v>14.045873600007226</c:v>
                 </c:pt>
                 <c:pt idx="6">
-                  <c:v>739.19192799120765</c:v>
+                  <c:v>15.856215642008602</c:v>
                 </c:pt>
                 <c:pt idx="7">
-                  <c:v>738.60077989142121</c:v>
+                  <c:v>#N/A</c:v>
                 </c:pt>
                 <c:pt idx="8">
-                  <c:v>604.0561754458314</c:v>
+                  <c:v>41.989321836068257</c:v>
+                </c:pt>
+                <c:pt idx="9">
+                  <c:v>43.076949931327007</c:v>
+                </c:pt>
+                <c:pt idx="10">
+                  <c:v>43.480109066115048</c:v>
+                </c:pt>
+                <c:pt idx="11">
+                  <c:v>#N/A</c:v>
+                </c:pt>
+                <c:pt idx="12">
+                  <c:v>17.801719263493229</c:v>
+                </c:pt>
+                <c:pt idx="13">
+                  <c:v>16.659261544541529</c:v>
+                </c:pt>
+                <c:pt idx="14">
+                  <c:v>16.940561528858932</c:v>
                 </c:pt>
               </c:numCache>
             </c:numRef>
           </c:val>
+          <c:smooth val="0"/>
           <c:extLst>
             <c:ext xmlns:c16="http://schemas.microsoft.com/office/drawing/2014/chart" uri="{C3380CC4-5D6E-409C-BE32-E72D297353CC}">
-              <c16:uniqueId val="{00000015-796D-0644-8507-F548E9A9863C}"/>
+              <c16:uniqueId val="{00000001-C353-A643-9756-BC8828084916}"/>
             </c:ext>
           </c:extLst>
         </c:ser>
@@ -5014,180 +3842,416 @@
               <c:strCache>
                 <c:ptCount val="1"/>
                 <c:pt idx="0">
-                  <c:v>2016</c:v>
+                  <c:v>__Away</c:v>
                 </c:pt>
               </c:strCache>
             </c:strRef>
           </c:tx>
           <c:spPr>
-            <a:solidFill>
-              <a:srgbClr val="EC700A"/>
-            </a:solidFill>
-            <a:ln w="9525">
+            <a:ln w="28575" cap="rnd">
               <a:solidFill>
-                <a:srgbClr val="FFFFFF"/>
+                <a:schemeClr val="accent1"/>
               </a:solidFill>
+              <a:round/>
             </a:ln>
+            <a:effectLst/>
           </c:spPr>
-          <c:invertIfNegative val="0"/>
-          <c:dPt>
-            <c:idx val="4"/>
-            <c:invertIfNegative val="0"/>
-            <c:bubble3D val="0"/>
-            <c:extLst>
-              <c:ext xmlns:c16="http://schemas.microsoft.com/office/drawing/2014/chart" uri="{C3380CC4-5D6E-409C-BE32-E72D297353CC}">
-                <c16:uniqueId val="{00000017-796D-0644-8507-F548E9A9863C}"/>
-              </c:ext>
-            </c:extLst>
-          </c:dPt>
-          <c:dPt>
-            <c:idx val="5"/>
-            <c:invertIfNegative val="0"/>
-            <c:bubble3D val="0"/>
+          <c:marker>
+            <c:symbol val="circle"/>
+            <c:size val="7"/>
             <c:spPr>
               <a:solidFill>
-                <a:srgbClr val="76191C"/>
+                <a:schemeClr val="accent1"/>
               </a:solidFill>
               <a:ln w="9525">
                 <a:solidFill>
-                  <a:srgbClr val="FFFFFF"/>
+                  <a:schemeClr val="accent1"/>
                 </a:solidFill>
               </a:ln>
+              <a:effectLst/>
             </c:spPr>
-            <c:extLst>
-              <c:ext xmlns:c16="http://schemas.microsoft.com/office/drawing/2014/chart" uri="{C3380CC4-5D6E-409C-BE32-E72D297353CC}">
-                <c16:uniqueId val="{00000019-796D-0644-8507-F548E9A9863C}"/>
-              </c:ext>
-            </c:extLst>
-          </c:dPt>
-          <c:dPt>
-            <c:idx val="6"/>
-            <c:invertIfNegative val="0"/>
-            <c:bubble3D val="0"/>
-            <c:spPr>
-              <a:solidFill>
-                <a:srgbClr val="76191C"/>
-              </a:solidFill>
-              <a:ln w="9525">
-                <a:solidFill>
-                  <a:srgbClr val="FFFFFF"/>
-                </a:solidFill>
-              </a:ln>
-            </c:spPr>
-            <c:extLst>
-              <c:ext xmlns:c16="http://schemas.microsoft.com/office/drawing/2014/chart" uri="{C3380CC4-5D6E-409C-BE32-E72D297353CC}">
-                <c16:uniqueId val="{0000001B-796D-0644-8507-F548E9A9863C}"/>
-              </c:ext>
-            </c:extLst>
-          </c:dPt>
-          <c:dPt>
-            <c:idx val="7"/>
-            <c:invertIfNegative val="0"/>
-            <c:bubble3D val="0"/>
-            <c:spPr>
-              <a:solidFill>
-                <a:srgbClr val="76191C"/>
-              </a:solidFill>
-              <a:ln w="9525">
-                <a:solidFill>
-                  <a:srgbClr val="FFFFFF"/>
-                </a:solidFill>
-              </a:ln>
-            </c:spPr>
-            <c:extLst>
-              <c:ext xmlns:c16="http://schemas.microsoft.com/office/drawing/2014/chart" uri="{C3380CC4-5D6E-409C-BE32-E72D297353CC}">
-                <c16:uniqueId val="{0000001D-796D-0644-8507-F548E9A9863C}"/>
-              </c:ext>
-            </c:extLst>
-          </c:dPt>
-          <c:dPt>
-            <c:idx val="8"/>
-            <c:invertIfNegative val="0"/>
-            <c:bubble3D val="0"/>
-            <c:spPr>
-              <a:solidFill>
-                <a:srgbClr val="76191C"/>
-              </a:solidFill>
-              <a:ln w="9525">
-                <a:solidFill>
-                  <a:srgbClr val="FFFFFF"/>
-                </a:solidFill>
-              </a:ln>
-            </c:spPr>
-            <c:extLst>
-              <c:ext xmlns:c16="http://schemas.microsoft.com/office/drawing/2014/chart" uri="{C3380CC4-5D6E-409C-BE32-E72D297353CC}">
-                <c16:uniqueId val="{0000001F-796D-0644-8507-F548E9A9863C}"/>
-              </c:ext>
-            </c:extLst>
-          </c:dPt>
+          </c:marker>
           <c:cat>
             <c:strRef>
-              <c:f>Sheet1!$A$2:$A$10</c:f>
+              <c:f>Sheet1!$A$2:$A$17</c:f>
               <c:strCache>
-                <c:ptCount val="9"/>
+                <c:ptCount val="15"/>
                 <c:pt idx="0">
-                  <c:v>25-34</c:v>
+                  <c:v>2006</c:v>
                 </c:pt>
                 <c:pt idx="1">
-                  <c:v>35-44</c:v>
+                  <c:v>11</c:v>
                 </c:pt>
                 <c:pt idx="2">
-                  <c:v>45-54</c:v>
-                </c:pt>
-                <c:pt idx="3">
-                  <c:v>55-64</c:v>
+                  <c:v>16</c:v>
+                </c:pt>
+                <c:pt idx="4">
+                  <c:v>06</c:v>
                 </c:pt>
                 <c:pt idx="5">
-                  <c:v>25-34</c:v>
+                  <c:v>11</c:v>
                 </c:pt>
                 <c:pt idx="6">
-                  <c:v>35-44</c:v>
-                </c:pt>
-                <c:pt idx="7">
-                  <c:v>45-54</c:v>
+                  <c:v>16</c:v>
                 </c:pt>
                 <c:pt idx="8">
-                  <c:v>55-64</c:v>
+                  <c:v>06</c:v>
+                </c:pt>
+                <c:pt idx="9">
+                  <c:v>11</c:v>
+                </c:pt>
+                <c:pt idx="10">
+                  <c:v>16</c:v>
+                </c:pt>
+                <c:pt idx="12">
+                  <c:v>06</c:v>
+                </c:pt>
+                <c:pt idx="13">
+                  <c:v>11</c:v>
+                </c:pt>
+                <c:pt idx="14">
+                  <c:v>16</c:v>
                 </c:pt>
               </c:strCache>
             </c:strRef>
           </c:cat>
           <c:val>
             <c:numRef>
-              <c:f>Sheet1!$D$2:$D$10</c:f>
+              <c:f>Sheet1!$D$2:$D$17</c:f>
               <c:numCache>
-                <c:formatCode>0</c:formatCode>
-                <c:ptCount val="9"/>
+                <c:formatCode>_(* #,##0.00_);_(* \(#,##0.00\);_(* "-"??_);_(@_)</c:formatCode>
+                <c:ptCount val="16"/>
                 <c:pt idx="0">
-                  <c:v>460.85930319917048</c:v>
+                  <c:v>11.858664360085871</c:v>
                 </c:pt>
                 <c:pt idx="1">
-                  <c:v>467.00065688144036</c:v>
+                  <c:v>16.256997080416042</c:v>
                 </c:pt>
                 <c:pt idx="2">
-                  <c:v>508.9395784058899</c:v>
+                  <c:v>17.635891678884665</c:v>
                 </c:pt>
                 <c:pt idx="3">
-                  <c:v>428.77868626958968</c:v>
+                  <c:v>#N/A</c:v>
+                </c:pt>
+                <c:pt idx="4">
+                  <c:v>4.1013911087244352</c:v>
                 </c:pt>
                 <c:pt idx="5">
-                  <c:v>543.4841617431731</c:v>
+                  <c:v>3.9125507900933263</c:v>
                 </c:pt>
                 <c:pt idx="6">
-                  <c:v>722.27762989431119</c:v>
+                  <c:v>3.2142051922659647</c:v>
                 </c:pt>
                 <c:pt idx="7">
-                  <c:v>729.56857251372537</c:v>
+                  <c:v>#N/A</c:v>
                 </c:pt>
                 <c:pt idx="8">
-                  <c:v>607.98489468183254</c:v>
+                  <c:v>5.1738044128297478</c:v>
+                </c:pt>
+                <c:pt idx="9">
+                  <c:v>5.7187153559620629</c:v>
+                </c:pt>
+                <c:pt idx="10">
+                  <c:v>5.2286331140415303</c:v>
+                </c:pt>
+                <c:pt idx="11">
+                  <c:v>#N/A</c:v>
+                </c:pt>
+                <c:pt idx="12">
+                  <c:v>4.751097566284737</c:v>
+                </c:pt>
+                <c:pt idx="13">
+                  <c:v>4.3563220749444396</c:v>
+                </c:pt>
+                <c:pt idx="14">
+                  <c:v>3.6323839092520211</c:v>
                 </c:pt>
               </c:numCache>
             </c:numRef>
           </c:val>
+          <c:smooth val="0"/>
           <c:extLst>
             <c:ext xmlns:c16="http://schemas.microsoft.com/office/drawing/2014/chart" uri="{C3380CC4-5D6E-409C-BE32-E72D297353CC}">
-              <c16:uniqueId val="{00000020-796D-0644-8507-F548E9A9863C}"/>
+              <c16:uniqueId val="{00000002-C353-A643-9756-BC8828084916}"/>
+            </c:ext>
+          </c:extLst>
+        </c:ser>
+        <c:ser>
+          <c:idx val="3"/>
+          <c:order val="3"/>
+          <c:tx>
+            <c:strRef>
+              <c:f>Sheet1!$E$1</c:f>
+              <c:strCache>
+                <c:ptCount val="1"/>
+                <c:pt idx="0">
+                  <c:v>__Unemp</c:v>
+                </c:pt>
+              </c:strCache>
+            </c:strRef>
+          </c:tx>
+          <c:spPr>
+            <a:ln w="28575" cap="rnd">
+              <a:solidFill>
+                <a:schemeClr val="tx2"/>
+              </a:solidFill>
+              <a:prstDash val="dash"/>
+              <a:round/>
+            </a:ln>
+            <a:effectLst/>
+          </c:spPr>
+          <c:marker>
+            <c:symbol val="circle"/>
+            <c:size val="7"/>
+            <c:spPr>
+              <a:solidFill>
+                <a:schemeClr val="tx2"/>
+              </a:solidFill>
+              <a:ln w="9525">
+                <a:noFill/>
+                <a:prstDash val="dash"/>
+              </a:ln>
+              <a:effectLst/>
+            </c:spPr>
+          </c:marker>
+          <c:cat>
+            <c:strRef>
+              <c:f>Sheet1!$A$2:$A$17</c:f>
+              <c:strCache>
+                <c:ptCount val="15"/>
+                <c:pt idx="0">
+                  <c:v>2006</c:v>
+                </c:pt>
+                <c:pt idx="1">
+                  <c:v>11</c:v>
+                </c:pt>
+                <c:pt idx="2">
+                  <c:v>16</c:v>
+                </c:pt>
+                <c:pt idx="4">
+                  <c:v>06</c:v>
+                </c:pt>
+                <c:pt idx="5">
+                  <c:v>11</c:v>
+                </c:pt>
+                <c:pt idx="6">
+                  <c:v>16</c:v>
+                </c:pt>
+                <c:pt idx="8">
+                  <c:v>06</c:v>
+                </c:pt>
+                <c:pt idx="9">
+                  <c:v>11</c:v>
+                </c:pt>
+                <c:pt idx="10">
+                  <c:v>16</c:v>
+                </c:pt>
+                <c:pt idx="12">
+                  <c:v>06</c:v>
+                </c:pt>
+                <c:pt idx="13">
+                  <c:v>11</c:v>
+                </c:pt>
+                <c:pt idx="14">
+                  <c:v>16</c:v>
+                </c:pt>
+              </c:strCache>
+            </c:strRef>
+          </c:cat>
+          <c:val>
+            <c:numRef>
+              <c:f>Sheet1!$E$2:$E$17</c:f>
+              <c:numCache>
+                <c:formatCode>_(* #,##0.00_);_(* \(#,##0.00\);_(* "-"??_);_(@_)</c:formatCode>
+                <c:ptCount val="16"/>
+                <c:pt idx="0">
+                  <c:v>1.4714708408340222</c:v>
+                </c:pt>
+                <c:pt idx="1">
+                  <c:v>1.7925584960529402</c:v>
+                </c:pt>
+                <c:pt idx="2">
+                  <c:v>2.1039710752953686</c:v>
+                </c:pt>
+                <c:pt idx="3">
+                  <c:v>#N/A</c:v>
+                </c:pt>
+                <c:pt idx="4">
+                  <c:v>1.5670681477080317</c:v>
+                </c:pt>
+                <c:pt idx="5">
+                  <c:v>1.9294909256464756</c:v>
+                </c:pt>
+                <c:pt idx="6">
+                  <c:v>2.193540292268148</c:v>
+                </c:pt>
+                <c:pt idx="7">
+                  <c:v>#N/A</c:v>
+                </c:pt>
+                <c:pt idx="8">
+                  <c:v>1.7138146282211408</c:v>
+                </c:pt>
+                <c:pt idx="9">
+                  <c:v>1.9215192447875542</c:v>
+                </c:pt>
+                <c:pt idx="10">
+                  <c:v>2.3687507318675984</c:v>
+                </c:pt>
+                <c:pt idx="11">
+                  <c:v>#N/A</c:v>
+                </c:pt>
+                <c:pt idx="12">
+                  <c:v>2.0083702155398826</c:v>
+                </c:pt>
+                <c:pt idx="13">
+                  <c:v>2.5189253965079947</c:v>
+                </c:pt>
+                <c:pt idx="14">
+                  <c:v>3.0138734522051469</c:v>
+                </c:pt>
+              </c:numCache>
+            </c:numRef>
+          </c:val>
+          <c:smooth val="0"/>
+          <c:extLst>
+            <c:ext xmlns:c16="http://schemas.microsoft.com/office/drawing/2014/chart" uri="{C3380CC4-5D6E-409C-BE32-E72D297353CC}">
+              <c16:uniqueId val="{00000003-C353-A643-9756-BC8828084916}"/>
+            </c:ext>
+          </c:extLst>
+        </c:ser>
+        <c:ser>
+          <c:idx val="4"/>
+          <c:order val="4"/>
+          <c:tx>
+            <c:strRef>
+              <c:f>Sheet1!$F$1</c:f>
+              <c:strCache>
+                <c:ptCount val="1"/>
+                <c:pt idx="0">
+                  <c:v>Participation</c:v>
+                </c:pt>
+              </c:strCache>
+            </c:strRef>
+          </c:tx>
+          <c:spPr>
+            <a:ln w="28575" cap="rnd">
+              <a:solidFill>
+                <a:schemeClr val="tx1"/>
+              </a:solidFill>
+              <a:prstDash val="solid"/>
+              <a:round/>
+            </a:ln>
+            <a:effectLst/>
+          </c:spPr>
+          <c:marker>
+            <c:symbol val="circle"/>
+            <c:size val="7"/>
+            <c:spPr>
+              <a:solidFill>
+                <a:schemeClr val="tx1"/>
+              </a:solidFill>
+              <a:ln w="9525">
+                <a:solidFill>
+                  <a:schemeClr val="tx1"/>
+                </a:solidFill>
+                <a:prstDash val="solid"/>
+              </a:ln>
+              <a:effectLst/>
+            </c:spPr>
+          </c:marker>
+          <c:cat>
+            <c:strRef>
+              <c:f>Sheet1!$A$2:$A$17</c:f>
+              <c:strCache>
+                <c:ptCount val="15"/>
+                <c:pt idx="0">
+                  <c:v>2006</c:v>
+                </c:pt>
+                <c:pt idx="1">
+                  <c:v>11</c:v>
+                </c:pt>
+                <c:pt idx="2">
+                  <c:v>16</c:v>
+                </c:pt>
+                <c:pt idx="4">
+                  <c:v>06</c:v>
+                </c:pt>
+                <c:pt idx="5">
+                  <c:v>11</c:v>
+                </c:pt>
+                <c:pt idx="6">
+                  <c:v>16</c:v>
+                </c:pt>
+                <c:pt idx="8">
+                  <c:v>06</c:v>
+                </c:pt>
+                <c:pt idx="9">
+                  <c:v>11</c:v>
+                </c:pt>
+                <c:pt idx="10">
+                  <c:v>16</c:v>
+                </c:pt>
+                <c:pt idx="12">
+                  <c:v>06</c:v>
+                </c:pt>
+                <c:pt idx="13">
+                  <c:v>11</c:v>
+                </c:pt>
+                <c:pt idx="14">
+                  <c:v>16</c:v>
+                </c:pt>
+              </c:strCache>
+            </c:strRef>
+          </c:cat>
+          <c:val>
+            <c:numRef>
+              <c:f>Sheet1!$F$2:$F$17</c:f>
+              <c:numCache>
+                <c:formatCode>_(* #,##0.00_);_(* \(#,##0.00\);_(* "-"??_);_(@_)</c:formatCode>
+                <c:ptCount val="16"/>
+                <c:pt idx="0">
+                  <c:v>69.112541330999704</c:v>
+                </c:pt>
+                <c:pt idx="1">
+                  <c:v>73.307762473240714</c:v>
+                </c:pt>
+                <c:pt idx="2">
+                  <c:v>77.153985112778344</c:v>
+                </c:pt>
+                <c:pt idx="4">
+                  <c:v>95.886819080900068</c:v>
+                </c:pt>
+                <c:pt idx="5">
+                  <c:v>95.776194390324875</c:v>
+                </c:pt>
+                <c:pt idx="6">
+                  <c:v>95.707313513214416</c:v>
+                </c:pt>
+                <c:pt idx="8">
+                  <c:v>80.768480472150642</c:v>
+                </c:pt>
+                <c:pt idx="9">
+                  <c:v>81.684267768581407</c:v>
+                </c:pt>
+                <c:pt idx="10">
+                  <c:v>85.076766703263459</c:v>
+                </c:pt>
+                <c:pt idx="12">
+                  <c:v>93.317186875004424</c:v>
+                </c:pt>
+                <c:pt idx="13">
+                  <c:v>93.076063106474095</c:v>
+                </c:pt>
+                <c:pt idx="14">
+                  <c:v>92.927885970724532</c:v>
+                </c:pt>
+              </c:numCache>
+            </c:numRef>
+          </c:val>
+          <c:smooth val="0"/>
+          <c:extLst>
+            <c:ext xmlns:c16="http://schemas.microsoft.com/office/drawing/2014/chart" uri="{C3380CC4-5D6E-409C-BE32-E72D297353CC}">
+              <c16:uniqueId val="{00000004-C353-A643-9756-BC8828084916}"/>
             </c:ext>
           </c:extLst>
         </c:ser>
@@ -5199,12 +4263,13 @@
           <c:showPercent val="0"/>
           <c:showBubbleSize val="0"/>
         </c:dLbls>
-        <c:gapWidth val="100"/>
-        <c:axId val="324265856"/>
-        <c:axId val="327427200"/>
-      </c:barChart>
+        <c:marker val="1"/>
+        <c:smooth val="0"/>
+        <c:axId val="266766111"/>
+        <c:axId val="315424735"/>
+      </c:lineChart>
       <c:catAx>
-        <c:axId val="324265856"/>
+        <c:axId val="266766111"/>
         <c:scaling>
           <c:orientation val="minMax"/>
         </c:scaling>
@@ -5215,23 +4280,33 @@
         <c:minorTickMark val="none"/>
         <c:tickLblPos val="nextTo"/>
         <c:spPr>
-          <a:ln>
+          <a:noFill/>
+          <a:ln w="9525" cap="flat" cmpd="sng" algn="ctr">
             <a:solidFill>
               <a:schemeClr val="tx1"/>
             </a:solidFill>
+            <a:round/>
           </a:ln>
+          <a:effectLst/>
         </c:spPr>
         <c:txPr>
-          <a:bodyPr/>
+          <a:bodyPr rot="-60000000" spcFirstLastPara="1" vertOverflow="ellipsis" vert="horz" wrap="square" anchor="ctr" anchorCtr="1"/>
           <a:lstStyle/>
           <a:p>
             <a:pPr>
-              <a:defRPr sz="1800"/>
+              <a:defRPr sz="1800" b="0" i="0" u="none" strike="noStrike" kern="1200" baseline="0">
+                <a:solidFill>
+                  <a:schemeClr val="tx1"/>
+                </a:solidFill>
+                <a:latin typeface="+mn-lt"/>
+                <a:ea typeface="+mn-ea"/>
+                <a:cs typeface="+mn-cs"/>
+              </a:defRPr>
             </a:pPr>
             <a:endParaRPr lang="en-US"/>
           </a:p>
         </c:txPr>
-        <c:crossAx val="327427200"/>
+        <c:crossAx val="315424735"/>
         <c:crosses val="autoZero"/>
         <c:auto val="1"/>
         <c:lblAlgn val="ctr"/>
@@ -5239,68 +4314,98 @@
         <c:noMultiLvlLbl val="0"/>
       </c:catAx>
       <c:valAx>
-        <c:axId val="327427200"/>
+        <c:axId val="315424735"/>
         <c:scaling>
           <c:orientation val="minMax"/>
-          <c:max val="800"/>
+          <c:max val="100"/>
           <c:min val="0"/>
         </c:scaling>
         <c:delete val="0"/>
         <c:axPos val="l"/>
         <c:majorGridlines>
           <c:spPr>
-            <a:ln>
+            <a:ln w="9525" cap="flat" cmpd="sng" algn="ctr">
               <a:solidFill>
-                <a:srgbClr val="6A737B">
-                  <a:lumMod val="40000"/>
-                  <a:lumOff val="60000"/>
-                </a:srgbClr>
+                <a:schemeClr val="tx1">
+                  <a:lumMod val="15000"/>
+                  <a:lumOff val="85000"/>
+                </a:schemeClr>
               </a:solidFill>
+              <a:round/>
             </a:ln>
+            <a:effectLst/>
           </c:spPr>
         </c:majorGridlines>
-        <c:minorGridlines/>
-        <c:numFmt formatCode="0" sourceLinked="1"/>
-        <c:majorTickMark val="out"/>
+        <c:numFmt formatCode="#,##0" sourceLinked="0"/>
+        <c:majorTickMark val="none"/>
         <c:minorTickMark val="none"/>
         <c:tickLblPos val="nextTo"/>
         <c:spPr>
+          <a:noFill/>
           <a:ln>
             <a:noFill/>
           </a:ln>
+          <a:effectLst/>
         </c:spPr>
         <c:txPr>
-          <a:bodyPr/>
+          <a:bodyPr rot="-60000000" spcFirstLastPara="1" vertOverflow="ellipsis" vert="horz" wrap="square" anchor="ctr" anchorCtr="1"/>
           <a:lstStyle/>
           <a:p>
             <a:pPr>
-              <a:defRPr sz="1800"/>
+              <a:defRPr sz="1800" b="0" i="0" u="none" strike="noStrike" kern="1200" baseline="0">
+                <a:solidFill>
+                  <a:schemeClr val="tx1"/>
+                </a:solidFill>
+                <a:latin typeface="+mn-lt"/>
+                <a:ea typeface="+mn-ea"/>
+                <a:cs typeface="+mn-cs"/>
+              </a:defRPr>
             </a:pPr>
             <a:endParaRPr lang="en-US"/>
           </a:p>
         </c:txPr>
-        <c:crossAx val="324265856"/>
+        <c:crossAx val="266766111"/>
         <c:crosses val="autoZero"/>
-        <c:crossBetween val="between"/>
-        <c:majorUnit val="200"/>
-        <c:minorUnit val="100"/>
+        <c:crossBetween val="midCat"/>
+        <c:majorUnit val="10"/>
       </c:valAx>
+      <c:spPr>
+        <a:noFill/>
+        <a:ln>
+          <a:noFill/>
+        </a:ln>
+        <a:effectLst/>
+      </c:spPr>
     </c:plotArea>
     <c:plotVisOnly val="1"/>
     <c:dispBlanksAs val="gap"/>
+    <c:extLst>
+      <c:ext xmlns:c16r3="http://schemas.microsoft.com/office/drawing/2017/03/chart" uri="{56B9EC1D-385E-4148-901F-78D8002777C0}">
+        <c16r3:dataDisplayOptions16>
+          <c16r3:dispNaAsBlank val="1"/>
+        </c16r3:dataDisplayOptions16>
+      </c:ext>
+    </c:extLst>
     <c:showDLblsOverMax val="0"/>
   </c:chart>
+  <c:spPr>
+    <a:noFill/>
+    <a:ln>
+      <a:noFill/>
+    </a:ln>
+    <a:effectLst/>
+  </c:spPr>
   <c:txPr>
     <a:bodyPr/>
     <a:lstStyle/>
     <a:p>
       <a:pPr>
-        <a:defRPr sz="1800"/>
+        <a:defRPr/>
       </a:pPr>
       <a:endParaRPr lang="en-US"/>
     </a:p>
   </c:txPr>
-  <c:externalData r:id="rId2">
+  <c:externalData r:id="rId3">
     <c:autoUpdate val="0"/>
   </c:externalData>
 </c:chartSpace>
@@ -5345,7 +4450,7 @@
               <c:strCache>
                 <c:ptCount val="1"/>
                 <c:pt idx="0">
-                  <c:v>Bachelor Degree Level_Female_FT</c:v>
+                  <c:v>__FT</c:v>
                 </c:pt>
               </c:strCache>
             </c:strRef>
@@ -5425,40 +4530,40 @@
                 <c:formatCode>_(* #,##0.00_);_(* \(#,##0.00\);_(* "-"??_);_(@_)</c:formatCode>
                 <c:ptCount val="16"/>
                 <c:pt idx="0">
-                  <c:v>57.057600752865902</c:v>
+                  <c:v>30.225545103846496</c:v>
                 </c:pt>
                 <c:pt idx="1">
-                  <c:v>56.383711429418511</c:v>
+                  <c:v>33.293104944960056</c:v>
                 </c:pt>
                 <c:pt idx="2">
-                  <c:v>56.138924128634088</c:v>
+                  <c:v>33.99481761219208</c:v>
                 </c:pt>
                 <c:pt idx="4">
-                  <c:v>41.01483421146807</c:v>
+                  <c:v>53.077321541791662</c:v>
                 </c:pt>
                 <c:pt idx="5">
-                  <c:v>39.833964761862532</c:v>
+                  <c:v>55.393468056532903</c:v>
                 </c:pt>
                 <c:pt idx="6">
-                  <c:v>41.743249525768405</c:v>
+                  <c:v>54.972633735911963</c:v>
                 </c:pt>
                 <c:pt idx="8">
-                  <c:v>81.293574084586453</c:v>
+                  <c:v>21.904274173676896</c:v>
                 </c:pt>
                 <c:pt idx="9">
-                  <c:v>80.665135911752358</c:v>
+                  <c:v>24.925938736941667</c:v>
                 </c:pt>
                 <c:pt idx="10">
-                  <c:v>78.441029343379967</c:v>
+                  <c:v>25.837104340612477</c:v>
                 </c:pt>
                 <c:pt idx="12">
-                  <c:v>82.328584012704269</c:v>
+                  <c:v>46.19573560508266</c:v>
                 </c:pt>
                 <c:pt idx="13">
-                  <c:v>82.821935504311611</c:v>
+                  <c:v>48.482885810536381</c:v>
                 </c:pt>
                 <c:pt idx="14">
-                  <c:v>82.346778391386238</c:v>
+                  <c:v>48.729923561723837</c:v>
                 </c:pt>
               </c:numCache>
             </c:numRef>
@@ -5479,7 +4584,7 @@
               <c:strCache>
                 <c:ptCount val="1"/>
                 <c:pt idx="0">
-                  <c:v>Bachelor Degree Level_Female_PT</c:v>
+                  <c:v>__PT</c:v>
                 </c:pt>
               </c:strCache>
             </c:strRef>
@@ -5561,40 +4666,40 @@
                 <c:formatCode>_(* #,##0.00_);_(* \(#,##0.00\);_(* "-"??_);_(@_)</c:formatCode>
                 <c:ptCount val="16"/>
                 <c:pt idx="0">
-                  <c:v>22.391236096198988</c:v>
+                  <c:v>27.300592003676019</c:v>
                 </c:pt>
                 <c:pt idx="1">
-                  <c:v>22.660812284502427</c:v>
+                  <c:v>28.73423957534245</c:v>
                 </c:pt>
                 <c:pt idx="2">
-                  <c:v>24.202443092766771</c:v>
+                  <c:v>29.532040228647212</c:v>
                 </c:pt>
                 <c:pt idx="4">
-                  <c:v>36.120440722870676</c:v>
+                  <c:v>16.36872217862696</c:v>
                 </c:pt>
                 <c:pt idx="5">
-                  <c:v>37.119670020335754</c:v>
+                  <c:v>16.356279676623725</c:v>
                 </c:pt>
                 <c:pt idx="6">
-                  <c:v>37.798140933440777</c:v>
+                  <c:v>16.011082979473379</c:v>
                 </c:pt>
                 <c:pt idx="8">
-                  <c:v>9.1809360741946904</c:v>
+                  <c:v>19.612917027214408</c:v>
                 </c:pt>
                 <c:pt idx="9">
-                  <c:v>9.7268152629779099</c:v>
+                  <c:v>22.20208270146269</c:v>
                 </c:pt>
                 <c:pt idx="10">
-                  <c:v>11.382797236406599</c:v>
+                  <c:v>24.028115926830687</c:v>
                 </c:pt>
                 <c:pt idx="12">
-                  <c:v>8.6144513878222302</c:v>
+                  <c:v>12.936287904031872</c:v>
                 </c:pt>
                 <c:pt idx="13">
-                  <c:v>8.6324633889927771</c:v>
+                  <c:v>13.487905052282079</c:v>
                 </c:pt>
                 <c:pt idx="14">
-                  <c:v>9.1024170009586332</c:v>
+                  <c:v>13.996107437387291</c:v>
                 </c:pt>
               </c:numCache>
             </c:numRef>
@@ -5615,7 +4720,7 @@
               <c:strCache>
                 <c:ptCount val="1"/>
                 <c:pt idx="0">
-                  <c:v>Bachelor Degree Level_Female_Away</c:v>
+                  <c:v>__Away</c:v>
                 </c:pt>
               </c:strCache>
             </c:strRef>
@@ -5695,40 +4800,40 @@
                 <c:formatCode>_(* #,##0.00_);_(* \(#,##0.00\);_(* "-"??_);_(@_)</c:formatCode>
                 <c:ptCount val="16"/>
                 <c:pt idx="0">
-                  <c:v>6.4447735544461953</c:v>
+                  <c:v>4.510918697616539</c:v>
                 </c:pt>
                 <c:pt idx="1">
-                  <c:v>7.5357710659346377</c:v>
+                  <c:v>4.5843529594136125</c:v>
                 </c:pt>
                 <c:pt idx="2">
-                  <c:v>7.54961700036114</c:v>
+                  <c:v>3.9034961156004626</c:v>
                 </c:pt>
                 <c:pt idx="4">
-                  <c:v>5.0251613957749486</c:v>
+                  <c:v>3.6939980448305412</c:v>
                 </c:pt>
                 <c:pt idx="5">
-                  <c:v>5.3536753238420349</c:v>
+                  <c:v>3.6522333281694137</c:v>
                 </c:pt>
                 <c:pt idx="6">
-                  <c:v>4.8095272699401166</c:v>
+                  <c:v>3.0521073956301854</c:v>
                 </c:pt>
                 <c:pt idx="8">
-                  <c:v>3.8264012640516869</c:v>
+                  <c:v>2.9814413886667128</c:v>
                 </c:pt>
                 <c:pt idx="9">
-                  <c:v>3.3443466359471534</c:v>
+                  <c:v>3.1332161197771677</c:v>
                 </c:pt>
                 <c:pt idx="10">
-                  <c:v>2.9151028060913475</c:v>
+                  <c:v>2.6301823948100882</c:v>
                 </c:pt>
                 <c:pt idx="12">
-                  <c:v>3.8395677854550256</c:v>
+                  <c:v>3.5252821691494196</c:v>
                 </c:pt>
                 <c:pt idx="13">
-                  <c:v>3.2864310512100396</c:v>
+                  <c:v>3.7777196020423474</c:v>
                 </c:pt>
                 <c:pt idx="14">
-                  <c:v>2.5590941529288522</c:v>
+                  <c:v>3.2145811106981284</c:v>
                 </c:pt>
               </c:numCache>
             </c:numRef>
@@ -5749,7 +4854,7 @@
               <c:strCache>
                 <c:ptCount val="1"/>
                 <c:pt idx="0">
-                  <c:v>Bachelor Degree Level_Female_Unemp</c:v>
+                  <c:v>__Unemp</c:v>
                 </c:pt>
               </c:strCache>
             </c:strRef>
@@ -5829,40 +4934,40 @@
                 <c:formatCode>_(* #,##0.00_);_(* \(#,##0.00\);_(* "-"??_);_(@_)</c:formatCode>
                 <c:ptCount val="16"/>
                 <c:pt idx="0">
-                  <c:v>1.5273523112815857</c:v>
+                  <c:v>1.3291940656176839</c:v>
                 </c:pt>
                 <c:pt idx="1">
-                  <c:v>1.8518147583586568</c:v>
+                  <c:v>1.5700568851280461</c:v>
                 </c:pt>
                 <c:pt idx="2">
-                  <c:v>2.135256304506985</c:v>
+                  <c:v>2.2309899466576981</c:v>
                 </c:pt>
                 <c:pt idx="4">
-                  <c:v>1.801041067938101</c:v>
+                  <c:v>2.4326818560334438</c:v>
                 </c:pt>
                 <c:pt idx="5">
-                  <c:v>2.0584050531106115</c:v>
+                  <c:v>2.6902726302688951</c:v>
                 </c:pt>
                 <c:pt idx="6">
-                  <c:v>2.5041783073286226</c:v>
+                  <c:v>3.7322037029111628</c:v>
                 </c:pt>
                 <c:pt idx="8">
-                  <c:v>2.0171223664694198</c:v>
+                  <c:v>1.5235800289764676</c:v>
                 </c:pt>
                 <c:pt idx="9">
-                  <c:v>2.3612181219082258</c:v>
+                  <c:v>1.7098729248427205</c:v>
                 </c:pt>
                 <c:pt idx="10">
-                  <c:v>3.0184458983014859</c:v>
+                  <c:v>2.5320997496314837</c:v>
                 </c:pt>
                 <c:pt idx="12">
-                  <c:v>1.7872262085537058</c:v>
+                  <c:v>3.3849762831228318</c:v>
                 </c:pt>
                 <c:pt idx="13">
-                  <c:v>2.0243665455156545</c:v>
+                  <c:v>3.1744993118232281</c:v>
                 </c:pt>
                 <c:pt idx="14">
-                  <c:v>2.4585164720443915</c:v>
+                  <c:v>4.094648775824572</c:v>
                 </c:pt>
               </c:numCache>
             </c:numRef>
@@ -5965,40 +5070,40 @@
                 <c:formatCode>_(* #,##0.00_);_(* \(#,##0.00\);_(* "-"??_);_(@_)</c:formatCode>
                 <c:ptCount val="16"/>
                 <c:pt idx="0">
-                  <c:v>87.42096271479268</c:v>
+                  <c:v>63.366249870756739</c:v>
                 </c:pt>
                 <c:pt idx="1">
-                  <c:v>88.43210953821422</c:v>
+                  <c:v>68.181754364844167</c:v>
                 </c:pt>
                 <c:pt idx="2">
-                  <c:v>90.026240526268992</c:v>
+                  <c:v>69.661343903097446</c:v>
                 </c:pt>
                 <c:pt idx="4">
-                  <c:v>83.961477398051798</c:v>
+                  <c:v>75.572723621282606</c:v>
                 </c:pt>
                 <c:pt idx="5">
-                  <c:v>84.365715159150938</c:v>
+                  <c:v>78.092253691594919</c:v>
                 </c:pt>
                 <c:pt idx="6">
-                  <c:v>86.855096036477931</c:v>
+                  <c:v>77.768027813926679</c:v>
                 </c:pt>
                 <c:pt idx="8">
-                  <c:v>96.318033789302248</c:v>
+                  <c:v>46.022212618534489</c:v>
                 </c:pt>
                 <c:pt idx="9">
-                  <c:v>96.097515932585651</c:v>
+                  <c:v>51.971110483024248</c:v>
                 </c:pt>
                 <c:pt idx="10">
-                  <c:v>95.757375284179403</c:v>
+                  <c:v>55.02750241188474</c:v>
                 </c:pt>
                 <c:pt idx="12">
-                  <c:v>96.569829394535233</c:v>
+                  <c:v>66.042281961386777</c:v>
                 </c:pt>
                 <c:pt idx="13">
-                  <c:v>96.765196490030078</c:v>
+                  <c:v>68.92300977668404</c:v>
                 </c:pt>
                 <c:pt idx="14">
-                  <c:v>96.466806017318106</c:v>
+                  <c:v>70.035260885633832</c:v>
                 </c:pt>
               </c:numCache>
             </c:numRef>
@@ -6179,1762 +5284,6 @@
       <c:style val="2"/>
     </mc:Fallback>
   </mc:AlternateContent>
-  <c:chart>
-    <c:autoTitleDeleted val="1"/>
-    <c:plotArea>
-      <c:layout>
-        <c:manualLayout>
-          <c:layoutTarget val="inner"/>
-          <c:xMode val="edge"/>
-          <c:yMode val="edge"/>
-          <c:x val="4.8513162702222841E-2"/>
-          <c:y val="1.5943096378219241E-2"/>
-          <c:w val="0.9222681749150351"/>
-          <c:h val="0.91222923192305994"/>
-        </c:manualLayout>
-      </c:layout>
-      <c:lineChart>
-        <c:grouping val="standard"/>
-        <c:varyColors val="0"/>
-        <c:ser>
-          <c:idx val="0"/>
-          <c:order val="0"/>
-          <c:tx>
-            <c:strRef>
-              <c:f>Sheet1!$B$1</c:f>
-              <c:strCache>
-                <c:ptCount val="1"/>
-                <c:pt idx="0">
-                  <c:v>__FT</c:v>
-                </c:pt>
-              </c:strCache>
-            </c:strRef>
-          </c:tx>
-          <c:spPr>
-            <a:ln w="28575" cap="rnd">
-              <a:solidFill>
-                <a:schemeClr val="accent3"/>
-              </a:solidFill>
-              <a:round/>
-            </a:ln>
-            <a:effectLst/>
-          </c:spPr>
-          <c:marker>
-            <c:symbol val="circle"/>
-            <c:size val="7"/>
-            <c:spPr>
-              <a:solidFill>
-                <a:schemeClr val="accent3"/>
-              </a:solidFill>
-              <a:ln w="9525">
-                <a:solidFill>
-                  <a:schemeClr val="accent3"/>
-                </a:solidFill>
-              </a:ln>
-              <a:effectLst/>
-            </c:spPr>
-          </c:marker>
-          <c:cat>
-            <c:strRef>
-              <c:f>Sheet1!$A$2:$A$17</c:f>
-              <c:strCache>
-                <c:ptCount val="15"/>
-                <c:pt idx="0">
-                  <c:v>2006</c:v>
-                </c:pt>
-                <c:pt idx="1">
-                  <c:v>11</c:v>
-                </c:pt>
-                <c:pt idx="2">
-                  <c:v>16</c:v>
-                </c:pt>
-                <c:pt idx="4">
-                  <c:v>06</c:v>
-                </c:pt>
-                <c:pt idx="5">
-                  <c:v>11</c:v>
-                </c:pt>
-                <c:pt idx="6">
-                  <c:v>16</c:v>
-                </c:pt>
-                <c:pt idx="8">
-                  <c:v>06</c:v>
-                </c:pt>
-                <c:pt idx="9">
-                  <c:v>11</c:v>
-                </c:pt>
-                <c:pt idx="10">
-                  <c:v>16</c:v>
-                </c:pt>
-                <c:pt idx="12">
-                  <c:v>06</c:v>
-                </c:pt>
-                <c:pt idx="13">
-                  <c:v>11</c:v>
-                </c:pt>
-                <c:pt idx="14">
-                  <c:v>16</c:v>
-                </c:pt>
-              </c:strCache>
-            </c:strRef>
-          </c:cat>
-          <c:val>
-            <c:numRef>
-              <c:f>Sheet1!$B$2:$B$17</c:f>
-              <c:numCache>
-                <c:formatCode>_(* #,##0.00_);_(* \(#,##0.00\);_(* "-"??_);_(@_)</c:formatCode>
-                <c:ptCount val="16"/>
-                <c:pt idx="0">
-                  <c:v>18.634748108528203</c:v>
-                </c:pt>
-                <c:pt idx="1">
-                  <c:v>18.456957716953887</c:v>
-                </c:pt>
-                <c:pt idx="2">
-                  <c:v>20.275304011480944</c:v>
-                </c:pt>
-                <c:pt idx="3">
-                  <c:v>#N/A</c:v>
-                </c:pt>
-                <c:pt idx="4">
-                  <c:v>76.358118310048383</c:v>
-                </c:pt>
-                <c:pt idx="5">
-                  <c:v>75.888279074577852</c:v>
-                </c:pt>
-                <c:pt idx="6">
-                  <c:v>74.443352386671691</c:v>
-                </c:pt>
-                <c:pt idx="7">
-                  <c:v>#N/A</c:v>
-                </c:pt>
-                <c:pt idx="8">
-                  <c:v>31.891539595031503</c:v>
-                </c:pt>
-                <c:pt idx="9">
-                  <c:v>30.967083236504784</c:v>
-                </c:pt>
-                <c:pt idx="10">
-                  <c:v>33.999273791239297</c:v>
-                </c:pt>
-                <c:pt idx="11">
-                  <c:v>#N/A</c:v>
-                </c:pt>
-                <c:pt idx="12">
-                  <c:v>68.755999829686573</c:v>
-                </c:pt>
-                <c:pt idx="13">
-                  <c:v>69.541554090480147</c:v>
-                </c:pt>
-                <c:pt idx="14">
-                  <c:v>69.341067080408436</c:v>
-                </c:pt>
-              </c:numCache>
-            </c:numRef>
-          </c:val>
-          <c:smooth val="0"/>
-          <c:extLst>
-            <c:ext xmlns:c16="http://schemas.microsoft.com/office/drawing/2014/chart" uri="{C3380CC4-5D6E-409C-BE32-E72D297353CC}">
-              <c16:uniqueId val="{00000000-C353-A643-9756-BC8828084916}"/>
-            </c:ext>
-          </c:extLst>
-        </c:ser>
-        <c:ser>
-          <c:idx val="1"/>
-          <c:order val="1"/>
-          <c:tx>
-            <c:strRef>
-              <c:f>Sheet1!$C$1</c:f>
-              <c:strCache>
-                <c:ptCount val="1"/>
-                <c:pt idx="0">
-                  <c:v>__PT</c:v>
-                </c:pt>
-              </c:strCache>
-            </c:strRef>
-          </c:tx>
-          <c:spPr>
-            <a:ln w="28575" cap="rnd">
-              <a:solidFill>
-                <a:schemeClr val="accent2"/>
-              </a:solidFill>
-              <a:prstDash val="solid"/>
-              <a:round/>
-            </a:ln>
-            <a:effectLst/>
-          </c:spPr>
-          <c:marker>
-            <c:symbol val="circle"/>
-            <c:size val="7"/>
-            <c:spPr>
-              <a:solidFill>
-                <a:schemeClr val="accent2"/>
-              </a:solidFill>
-              <a:ln w="9525">
-                <a:solidFill>
-                  <a:schemeClr val="accent2"/>
-                </a:solidFill>
-                <a:prstDash val="solid"/>
-              </a:ln>
-              <a:effectLst/>
-            </c:spPr>
-          </c:marker>
-          <c:cat>
-            <c:strRef>
-              <c:f>Sheet1!$A$2:$A$17</c:f>
-              <c:strCache>
-                <c:ptCount val="15"/>
-                <c:pt idx="0">
-                  <c:v>2006</c:v>
-                </c:pt>
-                <c:pt idx="1">
-                  <c:v>11</c:v>
-                </c:pt>
-                <c:pt idx="2">
-                  <c:v>16</c:v>
-                </c:pt>
-                <c:pt idx="4">
-                  <c:v>06</c:v>
-                </c:pt>
-                <c:pt idx="5">
-                  <c:v>11</c:v>
-                </c:pt>
-                <c:pt idx="6">
-                  <c:v>16</c:v>
-                </c:pt>
-                <c:pt idx="8">
-                  <c:v>06</c:v>
-                </c:pt>
-                <c:pt idx="9">
-                  <c:v>11</c:v>
-                </c:pt>
-                <c:pt idx="10">
-                  <c:v>16</c:v>
-                </c:pt>
-                <c:pt idx="12">
-                  <c:v>06</c:v>
-                </c:pt>
-                <c:pt idx="13">
-                  <c:v>11</c:v>
-                </c:pt>
-                <c:pt idx="14">
-                  <c:v>16</c:v>
-                </c:pt>
-              </c:strCache>
-            </c:strRef>
-          </c:cat>
-          <c:val>
-            <c:numRef>
-              <c:f>Sheet1!$C$2:$C$17</c:f>
-              <c:numCache>
-                <c:formatCode>_(* #,##0.00_);_(* \(#,##0.00\);_(* "-"??_);_(@_)</c:formatCode>
-                <c:ptCount val="16"/>
-                <c:pt idx="0">
-                  <c:v>37.147658021551614</c:v>
-                </c:pt>
-                <c:pt idx="1">
-                  <c:v>36.801249179817844</c:v>
-                </c:pt>
-                <c:pt idx="2">
-                  <c:v>37.138818347117351</c:v>
-                </c:pt>
-                <c:pt idx="3">
-                  <c:v>#N/A</c:v>
-                </c:pt>
-                <c:pt idx="4">
-                  <c:v>13.860241514419211</c:v>
-                </c:pt>
-                <c:pt idx="5">
-                  <c:v>14.045873600007226</c:v>
-                </c:pt>
-                <c:pt idx="6">
-                  <c:v>15.856215642008602</c:v>
-                </c:pt>
-                <c:pt idx="7">
-                  <c:v>#N/A</c:v>
-                </c:pt>
-                <c:pt idx="8">
-                  <c:v>41.989321836068257</c:v>
-                </c:pt>
-                <c:pt idx="9">
-                  <c:v>43.076949931327007</c:v>
-                </c:pt>
-                <c:pt idx="10">
-                  <c:v>43.480109066115048</c:v>
-                </c:pt>
-                <c:pt idx="11">
-                  <c:v>#N/A</c:v>
-                </c:pt>
-                <c:pt idx="12">
-                  <c:v>17.801719263493229</c:v>
-                </c:pt>
-                <c:pt idx="13">
-                  <c:v>16.659261544541529</c:v>
-                </c:pt>
-                <c:pt idx="14">
-                  <c:v>16.940561528858932</c:v>
-                </c:pt>
-              </c:numCache>
-            </c:numRef>
-          </c:val>
-          <c:smooth val="0"/>
-          <c:extLst>
-            <c:ext xmlns:c16="http://schemas.microsoft.com/office/drawing/2014/chart" uri="{C3380CC4-5D6E-409C-BE32-E72D297353CC}">
-              <c16:uniqueId val="{00000001-C353-A643-9756-BC8828084916}"/>
-            </c:ext>
-          </c:extLst>
-        </c:ser>
-        <c:ser>
-          <c:idx val="2"/>
-          <c:order val="2"/>
-          <c:tx>
-            <c:strRef>
-              <c:f>Sheet1!$D$1</c:f>
-              <c:strCache>
-                <c:ptCount val="1"/>
-                <c:pt idx="0">
-                  <c:v>__Away</c:v>
-                </c:pt>
-              </c:strCache>
-            </c:strRef>
-          </c:tx>
-          <c:spPr>
-            <a:ln w="28575" cap="rnd">
-              <a:solidFill>
-                <a:schemeClr val="accent1"/>
-              </a:solidFill>
-              <a:round/>
-            </a:ln>
-            <a:effectLst/>
-          </c:spPr>
-          <c:marker>
-            <c:symbol val="circle"/>
-            <c:size val="7"/>
-            <c:spPr>
-              <a:solidFill>
-                <a:schemeClr val="accent1"/>
-              </a:solidFill>
-              <a:ln w="9525">
-                <a:solidFill>
-                  <a:schemeClr val="accent1"/>
-                </a:solidFill>
-              </a:ln>
-              <a:effectLst/>
-            </c:spPr>
-          </c:marker>
-          <c:cat>
-            <c:strRef>
-              <c:f>Sheet1!$A$2:$A$17</c:f>
-              <c:strCache>
-                <c:ptCount val="15"/>
-                <c:pt idx="0">
-                  <c:v>2006</c:v>
-                </c:pt>
-                <c:pt idx="1">
-                  <c:v>11</c:v>
-                </c:pt>
-                <c:pt idx="2">
-                  <c:v>16</c:v>
-                </c:pt>
-                <c:pt idx="4">
-                  <c:v>06</c:v>
-                </c:pt>
-                <c:pt idx="5">
-                  <c:v>11</c:v>
-                </c:pt>
-                <c:pt idx="6">
-                  <c:v>16</c:v>
-                </c:pt>
-                <c:pt idx="8">
-                  <c:v>06</c:v>
-                </c:pt>
-                <c:pt idx="9">
-                  <c:v>11</c:v>
-                </c:pt>
-                <c:pt idx="10">
-                  <c:v>16</c:v>
-                </c:pt>
-                <c:pt idx="12">
-                  <c:v>06</c:v>
-                </c:pt>
-                <c:pt idx="13">
-                  <c:v>11</c:v>
-                </c:pt>
-                <c:pt idx="14">
-                  <c:v>16</c:v>
-                </c:pt>
-              </c:strCache>
-            </c:strRef>
-          </c:cat>
-          <c:val>
-            <c:numRef>
-              <c:f>Sheet1!$D$2:$D$17</c:f>
-              <c:numCache>
-                <c:formatCode>_(* #,##0.00_);_(* \(#,##0.00\);_(* "-"??_);_(@_)</c:formatCode>
-                <c:ptCount val="16"/>
-                <c:pt idx="0">
-                  <c:v>11.858664360085871</c:v>
-                </c:pt>
-                <c:pt idx="1">
-                  <c:v>16.256997080416042</c:v>
-                </c:pt>
-                <c:pt idx="2">
-                  <c:v>17.635891678884665</c:v>
-                </c:pt>
-                <c:pt idx="3">
-                  <c:v>#N/A</c:v>
-                </c:pt>
-                <c:pt idx="4">
-                  <c:v>4.1013911087244352</c:v>
-                </c:pt>
-                <c:pt idx="5">
-                  <c:v>3.9125507900933263</c:v>
-                </c:pt>
-                <c:pt idx="6">
-                  <c:v>3.2142051922659647</c:v>
-                </c:pt>
-                <c:pt idx="7">
-                  <c:v>#N/A</c:v>
-                </c:pt>
-                <c:pt idx="8">
-                  <c:v>5.1738044128297478</c:v>
-                </c:pt>
-                <c:pt idx="9">
-                  <c:v>5.7187153559620629</c:v>
-                </c:pt>
-                <c:pt idx="10">
-                  <c:v>5.2286331140415303</c:v>
-                </c:pt>
-                <c:pt idx="11">
-                  <c:v>#N/A</c:v>
-                </c:pt>
-                <c:pt idx="12">
-                  <c:v>4.751097566284737</c:v>
-                </c:pt>
-                <c:pt idx="13">
-                  <c:v>4.3563220749444396</c:v>
-                </c:pt>
-                <c:pt idx="14">
-                  <c:v>3.6323839092520211</c:v>
-                </c:pt>
-              </c:numCache>
-            </c:numRef>
-          </c:val>
-          <c:smooth val="0"/>
-          <c:extLst>
-            <c:ext xmlns:c16="http://schemas.microsoft.com/office/drawing/2014/chart" uri="{C3380CC4-5D6E-409C-BE32-E72D297353CC}">
-              <c16:uniqueId val="{00000002-C353-A643-9756-BC8828084916}"/>
-            </c:ext>
-          </c:extLst>
-        </c:ser>
-        <c:ser>
-          <c:idx val="3"/>
-          <c:order val="3"/>
-          <c:tx>
-            <c:strRef>
-              <c:f>Sheet1!$E$1</c:f>
-              <c:strCache>
-                <c:ptCount val="1"/>
-                <c:pt idx="0">
-                  <c:v>__Unemp</c:v>
-                </c:pt>
-              </c:strCache>
-            </c:strRef>
-          </c:tx>
-          <c:spPr>
-            <a:ln w="28575" cap="rnd">
-              <a:solidFill>
-                <a:schemeClr val="tx2"/>
-              </a:solidFill>
-              <a:prstDash val="dash"/>
-              <a:round/>
-            </a:ln>
-            <a:effectLst/>
-          </c:spPr>
-          <c:marker>
-            <c:symbol val="circle"/>
-            <c:size val="7"/>
-            <c:spPr>
-              <a:solidFill>
-                <a:schemeClr val="tx2"/>
-              </a:solidFill>
-              <a:ln w="9525">
-                <a:noFill/>
-                <a:prstDash val="dash"/>
-              </a:ln>
-              <a:effectLst/>
-            </c:spPr>
-          </c:marker>
-          <c:cat>
-            <c:strRef>
-              <c:f>Sheet1!$A$2:$A$17</c:f>
-              <c:strCache>
-                <c:ptCount val="15"/>
-                <c:pt idx="0">
-                  <c:v>2006</c:v>
-                </c:pt>
-                <c:pt idx="1">
-                  <c:v>11</c:v>
-                </c:pt>
-                <c:pt idx="2">
-                  <c:v>16</c:v>
-                </c:pt>
-                <c:pt idx="4">
-                  <c:v>06</c:v>
-                </c:pt>
-                <c:pt idx="5">
-                  <c:v>11</c:v>
-                </c:pt>
-                <c:pt idx="6">
-                  <c:v>16</c:v>
-                </c:pt>
-                <c:pt idx="8">
-                  <c:v>06</c:v>
-                </c:pt>
-                <c:pt idx="9">
-                  <c:v>11</c:v>
-                </c:pt>
-                <c:pt idx="10">
-                  <c:v>16</c:v>
-                </c:pt>
-                <c:pt idx="12">
-                  <c:v>06</c:v>
-                </c:pt>
-                <c:pt idx="13">
-                  <c:v>11</c:v>
-                </c:pt>
-                <c:pt idx="14">
-                  <c:v>16</c:v>
-                </c:pt>
-              </c:strCache>
-            </c:strRef>
-          </c:cat>
-          <c:val>
-            <c:numRef>
-              <c:f>Sheet1!$E$2:$E$17</c:f>
-              <c:numCache>
-                <c:formatCode>_(* #,##0.00_);_(* \(#,##0.00\);_(* "-"??_);_(@_)</c:formatCode>
-                <c:ptCount val="16"/>
-                <c:pt idx="0">
-                  <c:v>1.4714708408340222</c:v>
-                </c:pt>
-                <c:pt idx="1">
-                  <c:v>1.7925584960529402</c:v>
-                </c:pt>
-                <c:pt idx="2">
-                  <c:v>2.1039710752953686</c:v>
-                </c:pt>
-                <c:pt idx="3">
-                  <c:v>#N/A</c:v>
-                </c:pt>
-                <c:pt idx="4">
-                  <c:v>1.5670681477080317</c:v>
-                </c:pt>
-                <c:pt idx="5">
-                  <c:v>1.9294909256464756</c:v>
-                </c:pt>
-                <c:pt idx="6">
-                  <c:v>2.193540292268148</c:v>
-                </c:pt>
-                <c:pt idx="7">
-                  <c:v>#N/A</c:v>
-                </c:pt>
-                <c:pt idx="8">
-                  <c:v>1.7138146282211408</c:v>
-                </c:pt>
-                <c:pt idx="9">
-                  <c:v>1.9215192447875542</c:v>
-                </c:pt>
-                <c:pt idx="10">
-                  <c:v>2.3687507318675984</c:v>
-                </c:pt>
-                <c:pt idx="11">
-                  <c:v>#N/A</c:v>
-                </c:pt>
-                <c:pt idx="12">
-                  <c:v>2.0083702155398826</c:v>
-                </c:pt>
-                <c:pt idx="13">
-                  <c:v>2.5189253965079947</c:v>
-                </c:pt>
-                <c:pt idx="14">
-                  <c:v>3.0138734522051469</c:v>
-                </c:pt>
-              </c:numCache>
-            </c:numRef>
-          </c:val>
-          <c:smooth val="0"/>
-          <c:extLst>
-            <c:ext xmlns:c16="http://schemas.microsoft.com/office/drawing/2014/chart" uri="{C3380CC4-5D6E-409C-BE32-E72D297353CC}">
-              <c16:uniqueId val="{00000003-C353-A643-9756-BC8828084916}"/>
-            </c:ext>
-          </c:extLst>
-        </c:ser>
-        <c:ser>
-          <c:idx val="4"/>
-          <c:order val="4"/>
-          <c:tx>
-            <c:strRef>
-              <c:f>Sheet1!$F$1</c:f>
-              <c:strCache>
-                <c:ptCount val="1"/>
-                <c:pt idx="0">
-                  <c:v>Participation</c:v>
-                </c:pt>
-              </c:strCache>
-            </c:strRef>
-          </c:tx>
-          <c:spPr>
-            <a:ln w="28575" cap="rnd">
-              <a:solidFill>
-                <a:schemeClr val="tx1"/>
-              </a:solidFill>
-              <a:prstDash val="solid"/>
-              <a:round/>
-            </a:ln>
-            <a:effectLst/>
-          </c:spPr>
-          <c:marker>
-            <c:symbol val="circle"/>
-            <c:size val="7"/>
-            <c:spPr>
-              <a:solidFill>
-                <a:schemeClr val="tx1"/>
-              </a:solidFill>
-              <a:ln w="9525">
-                <a:solidFill>
-                  <a:schemeClr val="tx1"/>
-                </a:solidFill>
-                <a:prstDash val="solid"/>
-              </a:ln>
-              <a:effectLst/>
-            </c:spPr>
-          </c:marker>
-          <c:cat>
-            <c:strRef>
-              <c:f>Sheet1!$A$2:$A$17</c:f>
-              <c:strCache>
-                <c:ptCount val="15"/>
-                <c:pt idx="0">
-                  <c:v>2006</c:v>
-                </c:pt>
-                <c:pt idx="1">
-                  <c:v>11</c:v>
-                </c:pt>
-                <c:pt idx="2">
-                  <c:v>16</c:v>
-                </c:pt>
-                <c:pt idx="4">
-                  <c:v>06</c:v>
-                </c:pt>
-                <c:pt idx="5">
-                  <c:v>11</c:v>
-                </c:pt>
-                <c:pt idx="6">
-                  <c:v>16</c:v>
-                </c:pt>
-                <c:pt idx="8">
-                  <c:v>06</c:v>
-                </c:pt>
-                <c:pt idx="9">
-                  <c:v>11</c:v>
-                </c:pt>
-                <c:pt idx="10">
-                  <c:v>16</c:v>
-                </c:pt>
-                <c:pt idx="12">
-                  <c:v>06</c:v>
-                </c:pt>
-                <c:pt idx="13">
-                  <c:v>11</c:v>
-                </c:pt>
-                <c:pt idx="14">
-                  <c:v>16</c:v>
-                </c:pt>
-              </c:strCache>
-            </c:strRef>
-          </c:cat>
-          <c:val>
-            <c:numRef>
-              <c:f>Sheet1!$F$2:$F$17</c:f>
-              <c:numCache>
-                <c:formatCode>_(* #,##0.00_);_(* \(#,##0.00\);_(* "-"??_);_(@_)</c:formatCode>
-                <c:ptCount val="16"/>
-                <c:pt idx="0">
-                  <c:v>69.112541330999704</c:v>
-                </c:pt>
-                <c:pt idx="1">
-                  <c:v>73.307762473240714</c:v>
-                </c:pt>
-                <c:pt idx="2">
-                  <c:v>77.153985112778344</c:v>
-                </c:pt>
-                <c:pt idx="4">
-                  <c:v>95.886819080900068</c:v>
-                </c:pt>
-                <c:pt idx="5">
-                  <c:v>95.776194390324875</c:v>
-                </c:pt>
-                <c:pt idx="6">
-                  <c:v>95.707313513214416</c:v>
-                </c:pt>
-                <c:pt idx="8">
-                  <c:v>80.768480472150642</c:v>
-                </c:pt>
-                <c:pt idx="9">
-                  <c:v>81.684267768581407</c:v>
-                </c:pt>
-                <c:pt idx="10">
-                  <c:v>85.076766703263459</c:v>
-                </c:pt>
-                <c:pt idx="12">
-                  <c:v>93.317186875004424</c:v>
-                </c:pt>
-                <c:pt idx="13">
-                  <c:v>93.076063106474095</c:v>
-                </c:pt>
-                <c:pt idx="14">
-                  <c:v>92.927885970724532</c:v>
-                </c:pt>
-              </c:numCache>
-            </c:numRef>
-          </c:val>
-          <c:smooth val="0"/>
-          <c:extLst>
-            <c:ext xmlns:c16="http://schemas.microsoft.com/office/drawing/2014/chart" uri="{C3380CC4-5D6E-409C-BE32-E72D297353CC}">
-              <c16:uniqueId val="{00000004-C353-A643-9756-BC8828084916}"/>
-            </c:ext>
-          </c:extLst>
-        </c:ser>
-        <c:dLbls>
-          <c:showLegendKey val="0"/>
-          <c:showVal val="0"/>
-          <c:showCatName val="0"/>
-          <c:showSerName val="0"/>
-          <c:showPercent val="0"/>
-          <c:showBubbleSize val="0"/>
-        </c:dLbls>
-        <c:marker val="1"/>
-        <c:smooth val="0"/>
-        <c:axId val="266766111"/>
-        <c:axId val="315424735"/>
-      </c:lineChart>
-      <c:catAx>
-        <c:axId val="266766111"/>
-        <c:scaling>
-          <c:orientation val="minMax"/>
-        </c:scaling>
-        <c:delete val="0"/>
-        <c:axPos val="b"/>
-        <c:numFmt formatCode="General" sourceLinked="1"/>
-        <c:majorTickMark val="none"/>
-        <c:minorTickMark val="none"/>
-        <c:tickLblPos val="nextTo"/>
-        <c:spPr>
-          <a:noFill/>
-          <a:ln w="9525" cap="flat" cmpd="sng" algn="ctr">
-            <a:solidFill>
-              <a:schemeClr val="tx1"/>
-            </a:solidFill>
-            <a:round/>
-          </a:ln>
-          <a:effectLst/>
-        </c:spPr>
-        <c:txPr>
-          <a:bodyPr rot="-60000000" spcFirstLastPara="1" vertOverflow="ellipsis" vert="horz" wrap="square" anchor="ctr" anchorCtr="1"/>
-          <a:lstStyle/>
-          <a:p>
-            <a:pPr>
-              <a:defRPr sz="1800" b="0" i="0" u="none" strike="noStrike" kern="1200" baseline="0">
-                <a:solidFill>
-                  <a:schemeClr val="tx1"/>
-                </a:solidFill>
-                <a:latin typeface="+mn-lt"/>
-                <a:ea typeface="+mn-ea"/>
-                <a:cs typeface="+mn-cs"/>
-              </a:defRPr>
-            </a:pPr>
-            <a:endParaRPr lang="en-US"/>
-          </a:p>
-        </c:txPr>
-        <c:crossAx val="315424735"/>
-        <c:crosses val="autoZero"/>
-        <c:auto val="1"/>
-        <c:lblAlgn val="ctr"/>
-        <c:lblOffset val="100"/>
-        <c:noMultiLvlLbl val="0"/>
-      </c:catAx>
-      <c:valAx>
-        <c:axId val="315424735"/>
-        <c:scaling>
-          <c:orientation val="minMax"/>
-          <c:max val="100"/>
-          <c:min val="0"/>
-        </c:scaling>
-        <c:delete val="0"/>
-        <c:axPos val="l"/>
-        <c:majorGridlines>
-          <c:spPr>
-            <a:ln w="9525" cap="flat" cmpd="sng" algn="ctr">
-              <a:solidFill>
-                <a:schemeClr val="tx1">
-                  <a:lumMod val="15000"/>
-                  <a:lumOff val="85000"/>
-                </a:schemeClr>
-              </a:solidFill>
-              <a:round/>
-            </a:ln>
-            <a:effectLst/>
-          </c:spPr>
-        </c:majorGridlines>
-        <c:numFmt formatCode="#,##0" sourceLinked="0"/>
-        <c:majorTickMark val="none"/>
-        <c:minorTickMark val="none"/>
-        <c:tickLblPos val="nextTo"/>
-        <c:spPr>
-          <a:noFill/>
-          <a:ln>
-            <a:noFill/>
-          </a:ln>
-          <a:effectLst/>
-        </c:spPr>
-        <c:txPr>
-          <a:bodyPr rot="-60000000" spcFirstLastPara="1" vertOverflow="ellipsis" vert="horz" wrap="square" anchor="ctr" anchorCtr="1"/>
-          <a:lstStyle/>
-          <a:p>
-            <a:pPr>
-              <a:defRPr sz="1800" b="0" i="0" u="none" strike="noStrike" kern="1200" baseline="0">
-                <a:solidFill>
-                  <a:schemeClr val="tx1"/>
-                </a:solidFill>
-                <a:latin typeface="+mn-lt"/>
-                <a:ea typeface="+mn-ea"/>
-                <a:cs typeface="+mn-cs"/>
-              </a:defRPr>
-            </a:pPr>
-            <a:endParaRPr lang="en-US"/>
-          </a:p>
-        </c:txPr>
-        <c:crossAx val="266766111"/>
-        <c:crosses val="autoZero"/>
-        <c:crossBetween val="midCat"/>
-        <c:majorUnit val="10"/>
-      </c:valAx>
-      <c:spPr>
-        <a:noFill/>
-        <a:ln>
-          <a:noFill/>
-        </a:ln>
-        <a:effectLst/>
-      </c:spPr>
-    </c:plotArea>
-    <c:plotVisOnly val="1"/>
-    <c:dispBlanksAs val="gap"/>
-    <c:extLst>
-      <c:ext xmlns:c16r3="http://schemas.microsoft.com/office/drawing/2017/03/chart" uri="{56B9EC1D-385E-4148-901F-78D8002777C0}">
-        <c16r3:dataDisplayOptions16>
-          <c16r3:dispNaAsBlank val="1"/>
-        </c16r3:dataDisplayOptions16>
-      </c:ext>
-    </c:extLst>
-    <c:showDLblsOverMax val="0"/>
-  </c:chart>
-  <c:spPr>
-    <a:noFill/>
-    <a:ln>
-      <a:noFill/>
-    </a:ln>
-    <a:effectLst/>
-  </c:spPr>
-  <c:txPr>
-    <a:bodyPr/>
-    <a:lstStyle/>
-    <a:p>
-      <a:pPr>
-        <a:defRPr/>
-      </a:pPr>
-      <a:endParaRPr lang="en-US"/>
-    </a:p>
-  </c:txPr>
-  <c:externalData r:id="rId3">
-    <c:autoUpdate val="0"/>
-  </c:externalData>
-</c:chartSpace>
-</file>
-
-<file path=ppt/charts/chart7.xml><?xml version="1.0" encoding="utf-8"?>
-<c:chartSpace xmlns:c="http://schemas.openxmlformats.org/drawingml/2006/chart" xmlns:a="http://schemas.openxmlformats.org/drawingml/2006/main" xmlns:r="http://schemas.openxmlformats.org/officeDocument/2006/relationships" xmlns:c16r2="http://schemas.microsoft.com/office/drawing/2015/06/chart">
-  <c:date1904 val="0"/>
-  <c:lang val="en-US"/>
-  <c:roundedCorners val="0"/>
-  <mc:AlternateContent xmlns:mc="http://schemas.openxmlformats.org/markup-compatibility/2006">
-    <mc:Choice xmlns:c14="http://schemas.microsoft.com/office/drawing/2007/8/2/chart" Requires="c14">
-      <c14:style val="102"/>
-    </mc:Choice>
-    <mc:Fallback>
-      <c:style val="2"/>
-    </mc:Fallback>
-  </mc:AlternateContent>
-  <c:chart>
-    <c:autoTitleDeleted val="1"/>
-    <c:plotArea>
-      <c:layout>
-        <c:manualLayout>
-          <c:layoutTarget val="inner"/>
-          <c:xMode val="edge"/>
-          <c:yMode val="edge"/>
-          <c:x val="4.8513162702222841E-2"/>
-          <c:y val="1.5943096378219241E-2"/>
-          <c:w val="0.9222681749150351"/>
-          <c:h val="0.91222923192305994"/>
-        </c:manualLayout>
-      </c:layout>
-      <c:lineChart>
-        <c:grouping val="standard"/>
-        <c:varyColors val="0"/>
-        <c:ser>
-          <c:idx val="0"/>
-          <c:order val="0"/>
-          <c:tx>
-            <c:strRef>
-              <c:f>Sheet1!$B$1</c:f>
-              <c:strCache>
-                <c:ptCount val="1"/>
-                <c:pt idx="0">
-                  <c:v>__FT</c:v>
-                </c:pt>
-              </c:strCache>
-            </c:strRef>
-          </c:tx>
-          <c:spPr>
-            <a:ln w="28575" cap="rnd">
-              <a:solidFill>
-                <a:schemeClr val="accent3"/>
-              </a:solidFill>
-              <a:round/>
-            </a:ln>
-            <a:effectLst/>
-          </c:spPr>
-          <c:marker>
-            <c:symbol val="circle"/>
-            <c:size val="7"/>
-            <c:spPr>
-              <a:solidFill>
-                <a:schemeClr val="accent3"/>
-              </a:solidFill>
-              <a:ln w="9525">
-                <a:solidFill>
-                  <a:schemeClr val="accent3"/>
-                </a:solidFill>
-              </a:ln>
-              <a:effectLst/>
-            </c:spPr>
-          </c:marker>
-          <c:cat>
-            <c:strRef>
-              <c:f>Sheet1!$A$2:$A$17</c:f>
-              <c:strCache>
-                <c:ptCount val="15"/>
-                <c:pt idx="0">
-                  <c:v>2006</c:v>
-                </c:pt>
-                <c:pt idx="1">
-                  <c:v>11</c:v>
-                </c:pt>
-                <c:pt idx="2">
-                  <c:v>16</c:v>
-                </c:pt>
-                <c:pt idx="4">
-                  <c:v>06</c:v>
-                </c:pt>
-                <c:pt idx="5">
-                  <c:v>11</c:v>
-                </c:pt>
-                <c:pt idx="6">
-                  <c:v>16</c:v>
-                </c:pt>
-                <c:pt idx="8">
-                  <c:v>06</c:v>
-                </c:pt>
-                <c:pt idx="9">
-                  <c:v>11</c:v>
-                </c:pt>
-                <c:pt idx="10">
-                  <c:v>16</c:v>
-                </c:pt>
-                <c:pt idx="12">
-                  <c:v>06</c:v>
-                </c:pt>
-                <c:pt idx="13">
-                  <c:v>11</c:v>
-                </c:pt>
-                <c:pt idx="14">
-                  <c:v>16</c:v>
-                </c:pt>
-              </c:strCache>
-            </c:strRef>
-          </c:cat>
-          <c:val>
-            <c:numRef>
-              <c:f>Sheet1!$B$2:$B$17</c:f>
-              <c:numCache>
-                <c:formatCode>_(* #,##0.00_);_(* \(#,##0.00\);_(* "-"??_);_(@_)</c:formatCode>
-                <c:ptCount val="16"/>
-                <c:pt idx="0">
-                  <c:v>30.225545103846496</c:v>
-                </c:pt>
-                <c:pt idx="1">
-                  <c:v>33.293104944960056</c:v>
-                </c:pt>
-                <c:pt idx="2">
-                  <c:v>33.99481761219208</c:v>
-                </c:pt>
-                <c:pt idx="4">
-                  <c:v>53.077321541791662</c:v>
-                </c:pt>
-                <c:pt idx="5">
-                  <c:v>55.393468056532903</c:v>
-                </c:pt>
-                <c:pt idx="6">
-                  <c:v>54.972633735911963</c:v>
-                </c:pt>
-                <c:pt idx="8">
-                  <c:v>21.904274173676896</c:v>
-                </c:pt>
-                <c:pt idx="9">
-                  <c:v>24.925938736941667</c:v>
-                </c:pt>
-                <c:pt idx="10">
-                  <c:v>25.837104340612477</c:v>
-                </c:pt>
-                <c:pt idx="12">
-                  <c:v>46.19573560508266</c:v>
-                </c:pt>
-                <c:pt idx="13">
-                  <c:v>48.482885810536381</c:v>
-                </c:pt>
-                <c:pt idx="14">
-                  <c:v>48.729923561723837</c:v>
-                </c:pt>
-              </c:numCache>
-            </c:numRef>
-          </c:val>
-          <c:smooth val="0"/>
-          <c:extLst>
-            <c:ext xmlns:c16="http://schemas.microsoft.com/office/drawing/2014/chart" uri="{C3380CC4-5D6E-409C-BE32-E72D297353CC}">
-              <c16:uniqueId val="{00000000-C353-A643-9756-BC8828084916}"/>
-            </c:ext>
-          </c:extLst>
-        </c:ser>
-        <c:ser>
-          <c:idx val="1"/>
-          <c:order val="1"/>
-          <c:tx>
-            <c:strRef>
-              <c:f>Sheet1!$C$1</c:f>
-              <c:strCache>
-                <c:ptCount val="1"/>
-                <c:pt idx="0">
-                  <c:v>__PT</c:v>
-                </c:pt>
-              </c:strCache>
-            </c:strRef>
-          </c:tx>
-          <c:spPr>
-            <a:ln w="28575" cap="rnd">
-              <a:solidFill>
-                <a:schemeClr val="accent2"/>
-              </a:solidFill>
-              <a:prstDash val="solid"/>
-              <a:round/>
-            </a:ln>
-            <a:effectLst/>
-          </c:spPr>
-          <c:marker>
-            <c:symbol val="circle"/>
-            <c:size val="7"/>
-            <c:spPr>
-              <a:solidFill>
-                <a:schemeClr val="accent2"/>
-              </a:solidFill>
-              <a:ln w="9525">
-                <a:solidFill>
-                  <a:schemeClr val="accent2"/>
-                </a:solidFill>
-                <a:prstDash val="solid"/>
-              </a:ln>
-              <a:effectLst/>
-            </c:spPr>
-          </c:marker>
-          <c:cat>
-            <c:strRef>
-              <c:f>Sheet1!$A$2:$A$17</c:f>
-              <c:strCache>
-                <c:ptCount val="15"/>
-                <c:pt idx="0">
-                  <c:v>2006</c:v>
-                </c:pt>
-                <c:pt idx="1">
-                  <c:v>11</c:v>
-                </c:pt>
-                <c:pt idx="2">
-                  <c:v>16</c:v>
-                </c:pt>
-                <c:pt idx="4">
-                  <c:v>06</c:v>
-                </c:pt>
-                <c:pt idx="5">
-                  <c:v>11</c:v>
-                </c:pt>
-                <c:pt idx="6">
-                  <c:v>16</c:v>
-                </c:pt>
-                <c:pt idx="8">
-                  <c:v>06</c:v>
-                </c:pt>
-                <c:pt idx="9">
-                  <c:v>11</c:v>
-                </c:pt>
-                <c:pt idx="10">
-                  <c:v>16</c:v>
-                </c:pt>
-                <c:pt idx="12">
-                  <c:v>06</c:v>
-                </c:pt>
-                <c:pt idx="13">
-                  <c:v>11</c:v>
-                </c:pt>
-                <c:pt idx="14">
-                  <c:v>16</c:v>
-                </c:pt>
-              </c:strCache>
-            </c:strRef>
-          </c:cat>
-          <c:val>
-            <c:numRef>
-              <c:f>Sheet1!$C$2:$C$17</c:f>
-              <c:numCache>
-                <c:formatCode>_(* #,##0.00_);_(* \(#,##0.00\);_(* "-"??_);_(@_)</c:formatCode>
-                <c:ptCount val="16"/>
-                <c:pt idx="0">
-                  <c:v>27.300592003676019</c:v>
-                </c:pt>
-                <c:pt idx="1">
-                  <c:v>28.73423957534245</c:v>
-                </c:pt>
-                <c:pt idx="2">
-                  <c:v>29.532040228647212</c:v>
-                </c:pt>
-                <c:pt idx="4">
-                  <c:v>16.36872217862696</c:v>
-                </c:pt>
-                <c:pt idx="5">
-                  <c:v>16.356279676623725</c:v>
-                </c:pt>
-                <c:pt idx="6">
-                  <c:v>16.011082979473379</c:v>
-                </c:pt>
-                <c:pt idx="8">
-                  <c:v>19.612917027214408</c:v>
-                </c:pt>
-                <c:pt idx="9">
-                  <c:v>22.20208270146269</c:v>
-                </c:pt>
-                <c:pt idx="10">
-                  <c:v>24.028115926830687</c:v>
-                </c:pt>
-                <c:pt idx="12">
-                  <c:v>12.936287904031872</c:v>
-                </c:pt>
-                <c:pt idx="13">
-                  <c:v>13.487905052282079</c:v>
-                </c:pt>
-                <c:pt idx="14">
-                  <c:v>13.996107437387291</c:v>
-                </c:pt>
-              </c:numCache>
-            </c:numRef>
-          </c:val>
-          <c:smooth val="0"/>
-          <c:extLst>
-            <c:ext xmlns:c16="http://schemas.microsoft.com/office/drawing/2014/chart" uri="{C3380CC4-5D6E-409C-BE32-E72D297353CC}">
-              <c16:uniqueId val="{00000001-C353-A643-9756-BC8828084916}"/>
-            </c:ext>
-          </c:extLst>
-        </c:ser>
-        <c:ser>
-          <c:idx val="2"/>
-          <c:order val="2"/>
-          <c:tx>
-            <c:strRef>
-              <c:f>Sheet1!$D$1</c:f>
-              <c:strCache>
-                <c:ptCount val="1"/>
-                <c:pt idx="0">
-                  <c:v>__Away</c:v>
-                </c:pt>
-              </c:strCache>
-            </c:strRef>
-          </c:tx>
-          <c:spPr>
-            <a:ln w="28575" cap="rnd">
-              <a:solidFill>
-                <a:schemeClr val="accent1"/>
-              </a:solidFill>
-              <a:round/>
-            </a:ln>
-            <a:effectLst/>
-          </c:spPr>
-          <c:marker>
-            <c:symbol val="circle"/>
-            <c:size val="7"/>
-            <c:spPr>
-              <a:solidFill>
-                <a:schemeClr val="accent1"/>
-              </a:solidFill>
-              <a:ln w="9525">
-                <a:solidFill>
-                  <a:schemeClr val="accent1"/>
-                </a:solidFill>
-              </a:ln>
-              <a:effectLst/>
-            </c:spPr>
-          </c:marker>
-          <c:cat>
-            <c:strRef>
-              <c:f>Sheet1!$A$2:$A$17</c:f>
-              <c:strCache>
-                <c:ptCount val="15"/>
-                <c:pt idx="0">
-                  <c:v>2006</c:v>
-                </c:pt>
-                <c:pt idx="1">
-                  <c:v>11</c:v>
-                </c:pt>
-                <c:pt idx="2">
-                  <c:v>16</c:v>
-                </c:pt>
-                <c:pt idx="4">
-                  <c:v>06</c:v>
-                </c:pt>
-                <c:pt idx="5">
-                  <c:v>11</c:v>
-                </c:pt>
-                <c:pt idx="6">
-                  <c:v>16</c:v>
-                </c:pt>
-                <c:pt idx="8">
-                  <c:v>06</c:v>
-                </c:pt>
-                <c:pt idx="9">
-                  <c:v>11</c:v>
-                </c:pt>
-                <c:pt idx="10">
-                  <c:v>16</c:v>
-                </c:pt>
-                <c:pt idx="12">
-                  <c:v>06</c:v>
-                </c:pt>
-                <c:pt idx="13">
-                  <c:v>11</c:v>
-                </c:pt>
-                <c:pt idx="14">
-                  <c:v>16</c:v>
-                </c:pt>
-              </c:strCache>
-            </c:strRef>
-          </c:cat>
-          <c:val>
-            <c:numRef>
-              <c:f>Sheet1!$D$2:$D$17</c:f>
-              <c:numCache>
-                <c:formatCode>_(* #,##0.00_);_(* \(#,##0.00\);_(* "-"??_);_(@_)</c:formatCode>
-                <c:ptCount val="16"/>
-                <c:pt idx="0">
-                  <c:v>4.510918697616539</c:v>
-                </c:pt>
-                <c:pt idx="1">
-                  <c:v>4.5843529594136125</c:v>
-                </c:pt>
-                <c:pt idx="2">
-                  <c:v>3.9034961156004626</c:v>
-                </c:pt>
-                <c:pt idx="4">
-                  <c:v>3.6939980448305412</c:v>
-                </c:pt>
-                <c:pt idx="5">
-                  <c:v>3.6522333281694137</c:v>
-                </c:pt>
-                <c:pt idx="6">
-                  <c:v>3.0521073956301854</c:v>
-                </c:pt>
-                <c:pt idx="8">
-                  <c:v>2.9814413886667128</c:v>
-                </c:pt>
-                <c:pt idx="9">
-                  <c:v>3.1332161197771677</c:v>
-                </c:pt>
-                <c:pt idx="10">
-                  <c:v>2.6301823948100882</c:v>
-                </c:pt>
-                <c:pt idx="12">
-                  <c:v>3.5252821691494196</c:v>
-                </c:pt>
-                <c:pt idx="13">
-                  <c:v>3.7777196020423474</c:v>
-                </c:pt>
-                <c:pt idx="14">
-                  <c:v>3.2145811106981284</c:v>
-                </c:pt>
-              </c:numCache>
-            </c:numRef>
-          </c:val>
-          <c:smooth val="0"/>
-          <c:extLst>
-            <c:ext xmlns:c16="http://schemas.microsoft.com/office/drawing/2014/chart" uri="{C3380CC4-5D6E-409C-BE32-E72D297353CC}">
-              <c16:uniqueId val="{00000002-C353-A643-9756-BC8828084916}"/>
-            </c:ext>
-          </c:extLst>
-        </c:ser>
-        <c:ser>
-          <c:idx val="3"/>
-          <c:order val="3"/>
-          <c:tx>
-            <c:strRef>
-              <c:f>Sheet1!$E$1</c:f>
-              <c:strCache>
-                <c:ptCount val="1"/>
-                <c:pt idx="0">
-                  <c:v>__Unemp</c:v>
-                </c:pt>
-              </c:strCache>
-            </c:strRef>
-          </c:tx>
-          <c:spPr>
-            <a:ln w="28575" cap="rnd">
-              <a:solidFill>
-                <a:schemeClr val="tx2"/>
-              </a:solidFill>
-              <a:prstDash val="dash"/>
-              <a:round/>
-            </a:ln>
-            <a:effectLst/>
-          </c:spPr>
-          <c:marker>
-            <c:symbol val="circle"/>
-            <c:size val="7"/>
-            <c:spPr>
-              <a:solidFill>
-                <a:schemeClr val="tx2"/>
-              </a:solidFill>
-              <a:ln w="9525">
-                <a:noFill/>
-                <a:prstDash val="dash"/>
-              </a:ln>
-              <a:effectLst/>
-            </c:spPr>
-          </c:marker>
-          <c:cat>
-            <c:strRef>
-              <c:f>Sheet1!$A$2:$A$17</c:f>
-              <c:strCache>
-                <c:ptCount val="15"/>
-                <c:pt idx="0">
-                  <c:v>2006</c:v>
-                </c:pt>
-                <c:pt idx="1">
-                  <c:v>11</c:v>
-                </c:pt>
-                <c:pt idx="2">
-                  <c:v>16</c:v>
-                </c:pt>
-                <c:pt idx="4">
-                  <c:v>06</c:v>
-                </c:pt>
-                <c:pt idx="5">
-                  <c:v>11</c:v>
-                </c:pt>
-                <c:pt idx="6">
-                  <c:v>16</c:v>
-                </c:pt>
-                <c:pt idx="8">
-                  <c:v>06</c:v>
-                </c:pt>
-                <c:pt idx="9">
-                  <c:v>11</c:v>
-                </c:pt>
-                <c:pt idx="10">
-                  <c:v>16</c:v>
-                </c:pt>
-                <c:pt idx="12">
-                  <c:v>06</c:v>
-                </c:pt>
-                <c:pt idx="13">
-                  <c:v>11</c:v>
-                </c:pt>
-                <c:pt idx="14">
-                  <c:v>16</c:v>
-                </c:pt>
-              </c:strCache>
-            </c:strRef>
-          </c:cat>
-          <c:val>
-            <c:numRef>
-              <c:f>Sheet1!$E$2:$E$17</c:f>
-              <c:numCache>
-                <c:formatCode>_(* #,##0.00_);_(* \(#,##0.00\);_(* "-"??_);_(@_)</c:formatCode>
-                <c:ptCount val="16"/>
-                <c:pt idx="0">
-                  <c:v>1.3291940656176839</c:v>
-                </c:pt>
-                <c:pt idx="1">
-                  <c:v>1.5700568851280461</c:v>
-                </c:pt>
-                <c:pt idx="2">
-                  <c:v>2.2309899466576981</c:v>
-                </c:pt>
-                <c:pt idx="4">
-                  <c:v>2.4326818560334438</c:v>
-                </c:pt>
-                <c:pt idx="5">
-                  <c:v>2.6902726302688951</c:v>
-                </c:pt>
-                <c:pt idx="6">
-                  <c:v>3.7322037029111628</c:v>
-                </c:pt>
-                <c:pt idx="8">
-                  <c:v>1.5235800289764676</c:v>
-                </c:pt>
-                <c:pt idx="9">
-                  <c:v>1.7098729248427205</c:v>
-                </c:pt>
-                <c:pt idx="10">
-                  <c:v>2.5320997496314837</c:v>
-                </c:pt>
-                <c:pt idx="12">
-                  <c:v>3.3849762831228318</c:v>
-                </c:pt>
-                <c:pt idx="13">
-                  <c:v>3.1744993118232281</c:v>
-                </c:pt>
-                <c:pt idx="14">
-                  <c:v>4.094648775824572</c:v>
-                </c:pt>
-              </c:numCache>
-            </c:numRef>
-          </c:val>
-          <c:smooth val="0"/>
-          <c:extLst>
-            <c:ext xmlns:c16="http://schemas.microsoft.com/office/drawing/2014/chart" uri="{C3380CC4-5D6E-409C-BE32-E72D297353CC}">
-              <c16:uniqueId val="{00000003-C353-A643-9756-BC8828084916}"/>
-            </c:ext>
-          </c:extLst>
-        </c:ser>
-        <c:ser>
-          <c:idx val="4"/>
-          <c:order val="4"/>
-          <c:tx>
-            <c:strRef>
-              <c:f>Sheet1!$F$1</c:f>
-              <c:strCache>
-                <c:ptCount val="1"/>
-                <c:pt idx="0">
-                  <c:v>Participation</c:v>
-                </c:pt>
-              </c:strCache>
-            </c:strRef>
-          </c:tx>
-          <c:spPr>
-            <a:ln w="28575" cap="rnd">
-              <a:solidFill>
-                <a:schemeClr val="tx1"/>
-              </a:solidFill>
-              <a:prstDash val="solid"/>
-              <a:round/>
-            </a:ln>
-            <a:effectLst/>
-          </c:spPr>
-          <c:marker>
-            <c:symbol val="circle"/>
-            <c:size val="7"/>
-            <c:spPr>
-              <a:solidFill>
-                <a:schemeClr val="tx1"/>
-              </a:solidFill>
-              <a:ln w="9525">
-                <a:solidFill>
-                  <a:schemeClr val="tx1"/>
-                </a:solidFill>
-                <a:prstDash val="solid"/>
-              </a:ln>
-              <a:effectLst/>
-            </c:spPr>
-          </c:marker>
-          <c:cat>
-            <c:strRef>
-              <c:f>Sheet1!$A$2:$A$17</c:f>
-              <c:strCache>
-                <c:ptCount val="15"/>
-                <c:pt idx="0">
-                  <c:v>2006</c:v>
-                </c:pt>
-                <c:pt idx="1">
-                  <c:v>11</c:v>
-                </c:pt>
-                <c:pt idx="2">
-                  <c:v>16</c:v>
-                </c:pt>
-                <c:pt idx="4">
-                  <c:v>06</c:v>
-                </c:pt>
-                <c:pt idx="5">
-                  <c:v>11</c:v>
-                </c:pt>
-                <c:pt idx="6">
-                  <c:v>16</c:v>
-                </c:pt>
-                <c:pt idx="8">
-                  <c:v>06</c:v>
-                </c:pt>
-                <c:pt idx="9">
-                  <c:v>11</c:v>
-                </c:pt>
-                <c:pt idx="10">
-                  <c:v>16</c:v>
-                </c:pt>
-                <c:pt idx="12">
-                  <c:v>06</c:v>
-                </c:pt>
-                <c:pt idx="13">
-                  <c:v>11</c:v>
-                </c:pt>
-                <c:pt idx="14">
-                  <c:v>16</c:v>
-                </c:pt>
-              </c:strCache>
-            </c:strRef>
-          </c:cat>
-          <c:val>
-            <c:numRef>
-              <c:f>Sheet1!$F$2:$F$17</c:f>
-              <c:numCache>
-                <c:formatCode>_(* #,##0.00_);_(* \(#,##0.00\);_(* "-"??_);_(@_)</c:formatCode>
-                <c:ptCount val="16"/>
-                <c:pt idx="0">
-                  <c:v>63.366249870756739</c:v>
-                </c:pt>
-                <c:pt idx="1">
-                  <c:v>68.181754364844167</c:v>
-                </c:pt>
-                <c:pt idx="2">
-                  <c:v>69.661343903097446</c:v>
-                </c:pt>
-                <c:pt idx="4">
-                  <c:v>75.572723621282606</c:v>
-                </c:pt>
-                <c:pt idx="5">
-                  <c:v>78.092253691594919</c:v>
-                </c:pt>
-                <c:pt idx="6">
-                  <c:v>77.768027813926679</c:v>
-                </c:pt>
-                <c:pt idx="8">
-                  <c:v>46.022212618534489</c:v>
-                </c:pt>
-                <c:pt idx="9">
-                  <c:v>51.971110483024248</c:v>
-                </c:pt>
-                <c:pt idx="10">
-                  <c:v>55.02750241188474</c:v>
-                </c:pt>
-                <c:pt idx="12">
-                  <c:v>66.042281961386777</c:v>
-                </c:pt>
-                <c:pt idx="13">
-                  <c:v>68.92300977668404</c:v>
-                </c:pt>
-                <c:pt idx="14">
-                  <c:v>70.035260885633832</c:v>
-                </c:pt>
-              </c:numCache>
-            </c:numRef>
-          </c:val>
-          <c:smooth val="0"/>
-          <c:extLst>
-            <c:ext xmlns:c16="http://schemas.microsoft.com/office/drawing/2014/chart" uri="{C3380CC4-5D6E-409C-BE32-E72D297353CC}">
-              <c16:uniqueId val="{00000004-C353-A643-9756-BC8828084916}"/>
-            </c:ext>
-          </c:extLst>
-        </c:ser>
-        <c:dLbls>
-          <c:showLegendKey val="0"/>
-          <c:showVal val="0"/>
-          <c:showCatName val="0"/>
-          <c:showSerName val="0"/>
-          <c:showPercent val="0"/>
-          <c:showBubbleSize val="0"/>
-        </c:dLbls>
-        <c:marker val="1"/>
-        <c:smooth val="0"/>
-        <c:axId val="266766111"/>
-        <c:axId val="315424735"/>
-      </c:lineChart>
-      <c:catAx>
-        <c:axId val="266766111"/>
-        <c:scaling>
-          <c:orientation val="minMax"/>
-        </c:scaling>
-        <c:delete val="0"/>
-        <c:axPos val="b"/>
-        <c:numFmt formatCode="General" sourceLinked="1"/>
-        <c:majorTickMark val="none"/>
-        <c:minorTickMark val="none"/>
-        <c:tickLblPos val="nextTo"/>
-        <c:spPr>
-          <a:noFill/>
-          <a:ln w="9525" cap="flat" cmpd="sng" algn="ctr">
-            <a:solidFill>
-              <a:schemeClr val="tx1"/>
-            </a:solidFill>
-            <a:round/>
-          </a:ln>
-          <a:effectLst/>
-        </c:spPr>
-        <c:txPr>
-          <a:bodyPr rot="-60000000" spcFirstLastPara="1" vertOverflow="ellipsis" vert="horz" wrap="square" anchor="ctr" anchorCtr="1"/>
-          <a:lstStyle/>
-          <a:p>
-            <a:pPr>
-              <a:defRPr sz="1800" b="0" i="0" u="none" strike="noStrike" kern="1200" baseline="0">
-                <a:solidFill>
-                  <a:schemeClr val="tx1"/>
-                </a:solidFill>
-                <a:latin typeface="+mn-lt"/>
-                <a:ea typeface="+mn-ea"/>
-                <a:cs typeface="+mn-cs"/>
-              </a:defRPr>
-            </a:pPr>
-            <a:endParaRPr lang="en-US"/>
-          </a:p>
-        </c:txPr>
-        <c:crossAx val="315424735"/>
-        <c:crosses val="autoZero"/>
-        <c:auto val="1"/>
-        <c:lblAlgn val="ctr"/>
-        <c:lblOffset val="100"/>
-        <c:noMultiLvlLbl val="0"/>
-      </c:catAx>
-      <c:valAx>
-        <c:axId val="315424735"/>
-        <c:scaling>
-          <c:orientation val="minMax"/>
-          <c:max val="100"/>
-          <c:min val="0"/>
-        </c:scaling>
-        <c:delete val="0"/>
-        <c:axPos val="l"/>
-        <c:majorGridlines>
-          <c:spPr>
-            <a:ln w="9525" cap="flat" cmpd="sng" algn="ctr">
-              <a:solidFill>
-                <a:schemeClr val="tx1">
-                  <a:lumMod val="15000"/>
-                  <a:lumOff val="85000"/>
-                </a:schemeClr>
-              </a:solidFill>
-              <a:round/>
-            </a:ln>
-            <a:effectLst/>
-          </c:spPr>
-        </c:majorGridlines>
-        <c:numFmt formatCode="#,##0" sourceLinked="0"/>
-        <c:majorTickMark val="none"/>
-        <c:minorTickMark val="none"/>
-        <c:tickLblPos val="nextTo"/>
-        <c:spPr>
-          <a:noFill/>
-          <a:ln>
-            <a:noFill/>
-          </a:ln>
-          <a:effectLst/>
-        </c:spPr>
-        <c:txPr>
-          <a:bodyPr rot="-60000000" spcFirstLastPara="1" vertOverflow="ellipsis" vert="horz" wrap="square" anchor="ctr" anchorCtr="1"/>
-          <a:lstStyle/>
-          <a:p>
-            <a:pPr>
-              <a:defRPr sz="1800" b="0" i="0" u="none" strike="noStrike" kern="1200" baseline="0">
-                <a:solidFill>
-                  <a:schemeClr val="tx1"/>
-                </a:solidFill>
-                <a:latin typeface="+mn-lt"/>
-                <a:ea typeface="+mn-ea"/>
-                <a:cs typeface="+mn-cs"/>
-              </a:defRPr>
-            </a:pPr>
-            <a:endParaRPr lang="en-US"/>
-          </a:p>
-        </c:txPr>
-        <c:crossAx val="266766111"/>
-        <c:crosses val="autoZero"/>
-        <c:crossBetween val="midCat"/>
-        <c:majorUnit val="10"/>
-      </c:valAx>
-      <c:spPr>
-        <a:noFill/>
-        <a:ln>
-          <a:noFill/>
-        </a:ln>
-        <a:effectLst/>
-      </c:spPr>
-    </c:plotArea>
-    <c:plotVisOnly val="1"/>
-    <c:dispBlanksAs val="gap"/>
-    <c:extLst>
-      <c:ext xmlns:c16r3="http://schemas.microsoft.com/office/drawing/2017/03/chart" uri="{56B9EC1D-385E-4148-901F-78D8002777C0}">
-        <c16r3:dataDisplayOptions16>
-          <c16r3:dispNaAsBlank val="1"/>
-        </c16r3:dataDisplayOptions16>
-      </c:ext>
-    </c:extLst>
-    <c:showDLblsOverMax val="0"/>
-  </c:chart>
-  <c:spPr>
-    <a:noFill/>
-    <a:ln>
-      <a:noFill/>
-    </a:ln>
-    <a:effectLst/>
-  </c:spPr>
-  <c:txPr>
-    <a:bodyPr/>
-    <a:lstStyle/>
-    <a:p>
-      <a:pPr>
-        <a:defRPr/>
-      </a:pPr>
-      <a:endParaRPr lang="en-US"/>
-    </a:p>
-  </c:txPr>
-  <c:externalData r:id="rId3">
-    <c:autoUpdate val="0"/>
-  </c:externalData>
-</c:chartSpace>
-</file>
-
-<file path=ppt/charts/chart8.xml><?xml version="1.0" encoding="utf-8"?>
-<c:chartSpace xmlns:c="http://schemas.openxmlformats.org/drawingml/2006/chart" xmlns:a="http://schemas.openxmlformats.org/drawingml/2006/main" xmlns:r="http://schemas.openxmlformats.org/officeDocument/2006/relationships" xmlns:c16r2="http://schemas.microsoft.com/office/drawing/2015/06/chart">
-  <c:date1904 val="0"/>
-  <c:lang val="en-US"/>
-  <c:roundedCorners val="0"/>
-  <mc:AlternateContent xmlns:mc="http://schemas.openxmlformats.org/markup-compatibility/2006">
-    <mc:Choice xmlns:c14="http://schemas.microsoft.com/office/drawing/2007/8/2/chart" Requires="c14">
-      <c14:style val="102"/>
-    </mc:Choice>
-    <mc:Fallback>
-      <c:style val="2"/>
-    </mc:Fallback>
-  </mc:AlternateContent>
   <c:clrMapOvr bg1="lt1" tx1="dk1" bg2="lt2" tx2="dk2" accent1="accent1" accent2="accent2" accent3="accent3" accent4="accent4" accent5="accent5" accent6="accent6" hlink="hlink" folHlink="folHlink"/>
   <c:chart>
     <c:autoTitleDeleted val="0"/>
@@ -8547,7 +5896,7 @@
 </c:chartSpace>
 </file>
 
-<file path=ppt/charts/chart9.xml><?xml version="1.0" encoding="utf-8"?>
+<file path=ppt/charts/chart7.xml><?xml version="1.0" encoding="utf-8"?>
 <c:chartSpace xmlns:c="http://schemas.openxmlformats.org/drawingml/2006/chart" xmlns:a="http://schemas.openxmlformats.org/drawingml/2006/main" xmlns:r="http://schemas.openxmlformats.org/officeDocument/2006/relationships" xmlns:c16r2="http://schemas.microsoft.com/office/drawing/2015/06/chart">
   <c:date1904 val="0"/>
   <c:lang val="en-US"/>
@@ -9140,6 +6489,1248 @@
         <c:crosses val="autoZero"/>
         <c:crossBetween val="between"/>
         <c:majorUnit val="2"/>
+      </c:valAx>
+    </c:plotArea>
+    <c:plotVisOnly val="1"/>
+    <c:dispBlanksAs val="gap"/>
+    <c:showDLblsOverMax val="0"/>
+  </c:chart>
+  <c:txPr>
+    <a:bodyPr/>
+    <a:lstStyle/>
+    <a:p>
+      <a:pPr>
+        <a:defRPr sz="1800"/>
+      </a:pPr>
+      <a:endParaRPr lang="en-US"/>
+    </a:p>
+  </c:txPr>
+  <c:externalData r:id="rId2">
+    <c:autoUpdate val="0"/>
+  </c:externalData>
+</c:chartSpace>
+</file>
+
+<file path=ppt/charts/chart8.xml><?xml version="1.0" encoding="utf-8"?>
+<c:chartSpace xmlns:c="http://schemas.openxmlformats.org/drawingml/2006/chart" xmlns:a="http://schemas.openxmlformats.org/drawingml/2006/main" xmlns:r="http://schemas.openxmlformats.org/officeDocument/2006/relationships" xmlns:c16r2="http://schemas.microsoft.com/office/drawing/2015/06/chart">
+  <c:date1904 val="0"/>
+  <c:lang val="en-US"/>
+  <c:roundedCorners val="0"/>
+  <mc:AlternateContent xmlns:mc="http://schemas.openxmlformats.org/markup-compatibility/2006">
+    <mc:Choice xmlns:c14="http://schemas.microsoft.com/office/drawing/2007/8/2/chart" Requires="c14">
+      <c14:style val="102"/>
+    </mc:Choice>
+    <mc:Fallback>
+      <c:style val="2"/>
+    </mc:Fallback>
+  </mc:AlternateContent>
+  <c:clrMapOvr bg1="lt1" tx1="dk1" bg2="lt2" tx2="dk2" accent1="accent1" accent2="accent2" accent3="accent3" accent4="accent4" accent5="accent5" accent6="accent6" hlink="hlink" folHlink="folHlink"/>
+  <c:chart>
+    <c:autoTitleDeleted val="0"/>
+    <c:plotArea>
+      <c:layout/>
+      <c:barChart>
+        <c:barDir val="col"/>
+        <c:grouping val="clustered"/>
+        <c:varyColors val="0"/>
+        <c:ser>
+          <c:idx val="0"/>
+          <c:order val="0"/>
+          <c:tx>
+            <c:strRef>
+              <c:f>Sheet1!$B$1</c:f>
+              <c:strCache>
+                <c:ptCount val="1"/>
+                <c:pt idx="0">
+                  <c:v>2006</c:v>
+                </c:pt>
+              </c:strCache>
+            </c:strRef>
+          </c:tx>
+          <c:spPr>
+            <a:solidFill>
+              <a:srgbClr val="B7595C"/>
+            </a:solidFill>
+            <a:ln w="9525">
+              <a:noFill/>
+            </a:ln>
+          </c:spPr>
+          <c:invertIfNegative val="0"/>
+          <c:dPt>
+            <c:idx val="1"/>
+            <c:invertIfNegative val="0"/>
+            <c:bubble3D val="0"/>
+            <c:spPr>
+              <a:solidFill>
+                <a:srgbClr val="B7595C"/>
+              </a:solidFill>
+              <a:ln w="12700">
+                <a:solidFill>
+                  <a:srgbClr val="000000"/>
+                </a:solidFill>
+              </a:ln>
+            </c:spPr>
+            <c:extLst>
+              <c:ext xmlns:c16="http://schemas.microsoft.com/office/drawing/2014/chart" uri="{C3380CC4-5D6E-409C-BE32-E72D297353CC}">
+                <c16:uniqueId val="{00000001-0875-B944-AB9C-F6FA5D4BD96E}"/>
+              </c:ext>
+            </c:extLst>
+          </c:dPt>
+          <c:dPt>
+            <c:idx val="6"/>
+            <c:invertIfNegative val="0"/>
+            <c:bubble3D val="0"/>
+            <c:spPr>
+              <a:solidFill>
+                <a:srgbClr val="B7595C"/>
+              </a:solidFill>
+              <a:ln w="12700">
+                <a:solidFill>
+                  <a:srgbClr val="000000"/>
+                </a:solidFill>
+              </a:ln>
+            </c:spPr>
+            <c:extLst>
+              <c:ext xmlns:c16="http://schemas.microsoft.com/office/drawing/2014/chart" uri="{C3380CC4-5D6E-409C-BE32-E72D297353CC}">
+                <c16:uniqueId val="{00000003-0875-B944-AB9C-F6FA5D4BD96E}"/>
+              </c:ext>
+            </c:extLst>
+          </c:dPt>
+          <c:cat>
+            <c:strRef>
+              <c:f>Sheet1!$A$2:$A$14</c:f>
+              <c:strCache>
+                <c:ptCount val="13"/>
+                <c:pt idx="0">
+                  <c:v>Performing arts</c:v>
+                </c:pt>
+                <c:pt idx="1">
+                  <c:v>Year 12</c:v>
+                </c:pt>
+                <c:pt idx="2">
+                  <c:v>Humanities</c:v>
+                </c:pt>
+                <c:pt idx="3">
+                  <c:v>Nursing</c:v>
+                </c:pt>
+                <c:pt idx="4">
+                  <c:v>Education</c:v>
+                </c:pt>
+                <c:pt idx="5">
+                  <c:v>Science</c:v>
+                </c:pt>
+                <c:pt idx="6">
+                  <c:v>Bachalor (all)</c:v>
+                </c:pt>
+                <c:pt idx="7">
+                  <c:v>Other health</c:v>
+                </c:pt>
+                <c:pt idx="8">
+                  <c:v>IT</c:v>
+                </c:pt>
+                <c:pt idx="9">
+                  <c:v>Engneering</c:v>
+                </c:pt>
+                <c:pt idx="10">
+                  <c:v>Commerce</c:v>
+                </c:pt>
+                <c:pt idx="11">
+                  <c:v>Law</c:v>
+                </c:pt>
+                <c:pt idx="12">
+                  <c:v>Medicine</c:v>
+                </c:pt>
+              </c:strCache>
+            </c:strRef>
+          </c:cat>
+          <c:val>
+            <c:numRef>
+              <c:f>Sheet1!$B$2:$B$14</c:f>
+              <c:numCache>
+                <c:formatCode>General</c:formatCode>
+                <c:ptCount val="13"/>
+                <c:pt idx="0">
+                  <c:v>1.7203283251291077</c:v>
+                </c:pt>
+                <c:pt idx="1">
+                  <c:v>1.890644338306728</c:v>
+                </c:pt>
+                <c:pt idx="2">
+                  <c:v>1.936938538192706</c:v>
+                </c:pt>
+                <c:pt idx="3">
+                  <c:v>2.3725889444604835</c:v>
+                </c:pt>
+                <c:pt idx="4">
+                  <c:v>2.3712367072849365</c:v>
+                </c:pt>
+                <c:pt idx="5">
+                  <c:v>2.4533109525394265</c:v>
+                </c:pt>
+                <c:pt idx="6">
+                  <c:v>2.6935024335067492</c:v>
+                </c:pt>
+                <c:pt idx="7">
+                  <c:v>2.6996703913249394</c:v>
+                </c:pt>
+                <c:pt idx="8">
+                  <c:v>2.7905326517416498</c:v>
+                </c:pt>
+                <c:pt idx="9">
+                  <c:v>2.935106691562531</c:v>
+                </c:pt>
+                <c:pt idx="10">
+                  <c:v>2.9877879042471092</c:v>
+                </c:pt>
+                <c:pt idx="11">
+                  <c:v>3.5382729929057972</c:v>
+                </c:pt>
+                <c:pt idx="12">
+                  <c:v>3.6669760114450396</c:v>
+                </c:pt>
+              </c:numCache>
+            </c:numRef>
+          </c:val>
+          <c:extLst>
+            <c:ext xmlns:c16="http://schemas.microsoft.com/office/drawing/2014/chart" uri="{C3380CC4-5D6E-409C-BE32-E72D297353CC}">
+              <c16:uniqueId val="{00000004-0875-B944-AB9C-F6FA5D4BD96E}"/>
+            </c:ext>
+          </c:extLst>
+        </c:ser>
+        <c:ser>
+          <c:idx val="1"/>
+          <c:order val="1"/>
+          <c:tx>
+            <c:strRef>
+              <c:f>Sheet1!$C$1</c:f>
+              <c:strCache>
+                <c:ptCount val="1"/>
+                <c:pt idx="0">
+                  <c:v>2011</c:v>
+                </c:pt>
+              </c:strCache>
+            </c:strRef>
+          </c:tx>
+          <c:spPr>
+            <a:solidFill>
+              <a:srgbClr val="A02226"/>
+            </a:solidFill>
+            <a:ln w="9525">
+              <a:noFill/>
+            </a:ln>
+          </c:spPr>
+          <c:invertIfNegative val="0"/>
+          <c:dPt>
+            <c:idx val="1"/>
+            <c:invertIfNegative val="0"/>
+            <c:bubble3D val="0"/>
+            <c:spPr>
+              <a:solidFill>
+                <a:srgbClr val="A02226"/>
+              </a:solidFill>
+              <a:ln w="12700">
+                <a:solidFill>
+                  <a:srgbClr val="000000"/>
+                </a:solidFill>
+              </a:ln>
+            </c:spPr>
+            <c:extLst>
+              <c:ext xmlns:c16="http://schemas.microsoft.com/office/drawing/2014/chart" uri="{C3380CC4-5D6E-409C-BE32-E72D297353CC}">
+                <c16:uniqueId val="{00000006-0875-B944-AB9C-F6FA5D4BD96E}"/>
+              </c:ext>
+            </c:extLst>
+          </c:dPt>
+          <c:dPt>
+            <c:idx val="6"/>
+            <c:invertIfNegative val="0"/>
+            <c:bubble3D val="0"/>
+            <c:spPr>
+              <a:solidFill>
+                <a:srgbClr val="A02226"/>
+              </a:solidFill>
+              <a:ln w="12700">
+                <a:solidFill>
+                  <a:srgbClr val="000000"/>
+                </a:solidFill>
+              </a:ln>
+            </c:spPr>
+            <c:extLst>
+              <c:ext xmlns:c16="http://schemas.microsoft.com/office/drawing/2014/chart" uri="{C3380CC4-5D6E-409C-BE32-E72D297353CC}">
+                <c16:uniqueId val="{00000008-0875-B944-AB9C-F6FA5D4BD96E}"/>
+              </c:ext>
+            </c:extLst>
+          </c:dPt>
+          <c:cat>
+            <c:strRef>
+              <c:f>Sheet1!$A$2:$A$14</c:f>
+              <c:strCache>
+                <c:ptCount val="13"/>
+                <c:pt idx="0">
+                  <c:v>Performing arts</c:v>
+                </c:pt>
+                <c:pt idx="1">
+                  <c:v>Year 12</c:v>
+                </c:pt>
+                <c:pt idx="2">
+                  <c:v>Humanities</c:v>
+                </c:pt>
+                <c:pt idx="3">
+                  <c:v>Nursing</c:v>
+                </c:pt>
+                <c:pt idx="4">
+                  <c:v>Education</c:v>
+                </c:pt>
+                <c:pt idx="5">
+                  <c:v>Science</c:v>
+                </c:pt>
+                <c:pt idx="6">
+                  <c:v>Bachalor (all)</c:v>
+                </c:pt>
+                <c:pt idx="7">
+                  <c:v>Other health</c:v>
+                </c:pt>
+                <c:pt idx="8">
+                  <c:v>IT</c:v>
+                </c:pt>
+                <c:pt idx="9">
+                  <c:v>Engneering</c:v>
+                </c:pt>
+                <c:pt idx="10">
+                  <c:v>Commerce</c:v>
+                </c:pt>
+                <c:pt idx="11">
+                  <c:v>Law</c:v>
+                </c:pt>
+                <c:pt idx="12">
+                  <c:v>Medicine</c:v>
+                </c:pt>
+              </c:strCache>
+            </c:strRef>
+          </c:cat>
+          <c:val>
+            <c:numRef>
+              <c:f>Sheet1!$C$2:$C$14</c:f>
+              <c:numCache>
+                <c:formatCode>General</c:formatCode>
+                <c:ptCount val="13"/>
+                <c:pt idx="0">
+                  <c:v>1.8111079065093199</c:v>
+                </c:pt>
+                <c:pt idx="1">
+                  <c:v>1.95900410269614</c:v>
+                </c:pt>
+                <c:pt idx="2">
+                  <c:v>2.0450531072410305</c:v>
+                </c:pt>
+                <c:pt idx="3">
+                  <c:v>2.4868686266708826</c:v>
+                </c:pt>
+                <c:pt idx="4">
+                  <c:v>2.5678832662270037</c:v>
+                </c:pt>
+                <c:pt idx="5">
+                  <c:v>2.5884630641523039</c:v>
+                </c:pt>
+                <c:pt idx="6">
+                  <c:v>2.8308837591205109</c:v>
+                </c:pt>
+                <c:pt idx="7">
+                  <c:v>2.7934190696635923</c:v>
+                </c:pt>
+                <c:pt idx="8">
+                  <c:v>2.9060027514404658</c:v>
+                </c:pt>
+                <c:pt idx="9">
+                  <c:v>3.1453347322885326</c:v>
+                </c:pt>
+                <c:pt idx="10">
+                  <c:v>3.0386430366200243</c:v>
+                </c:pt>
+                <c:pt idx="11">
+                  <c:v>3.3009167761302898</c:v>
+                </c:pt>
+                <c:pt idx="12">
+                  <c:v>3.3211536423131549</c:v>
+                </c:pt>
+              </c:numCache>
+            </c:numRef>
+          </c:val>
+          <c:extLst>
+            <c:ext xmlns:c16="http://schemas.microsoft.com/office/drawing/2014/chart" uri="{C3380CC4-5D6E-409C-BE32-E72D297353CC}">
+              <c16:uniqueId val="{00000009-0875-B944-AB9C-F6FA5D4BD96E}"/>
+            </c:ext>
+          </c:extLst>
+        </c:ser>
+        <c:ser>
+          <c:idx val="2"/>
+          <c:order val="2"/>
+          <c:tx>
+            <c:strRef>
+              <c:f>Sheet1!$D$1</c:f>
+              <c:strCache>
+                <c:ptCount val="1"/>
+                <c:pt idx="0">
+                  <c:v>2016</c:v>
+                </c:pt>
+              </c:strCache>
+            </c:strRef>
+          </c:tx>
+          <c:spPr>
+            <a:solidFill>
+              <a:srgbClr val="76191C"/>
+            </a:solidFill>
+            <a:ln w="9525">
+              <a:noFill/>
+            </a:ln>
+          </c:spPr>
+          <c:invertIfNegative val="0"/>
+          <c:dPt>
+            <c:idx val="1"/>
+            <c:invertIfNegative val="0"/>
+            <c:bubble3D val="0"/>
+            <c:spPr>
+              <a:solidFill>
+                <a:srgbClr val="76191C"/>
+              </a:solidFill>
+              <a:ln w="12700">
+                <a:solidFill>
+                  <a:srgbClr val="000000"/>
+                </a:solidFill>
+              </a:ln>
+            </c:spPr>
+            <c:extLst>
+              <c:ext xmlns:c16="http://schemas.microsoft.com/office/drawing/2014/chart" uri="{C3380CC4-5D6E-409C-BE32-E72D297353CC}">
+                <c16:uniqueId val="{0000000B-0875-B944-AB9C-F6FA5D4BD96E}"/>
+              </c:ext>
+            </c:extLst>
+          </c:dPt>
+          <c:dPt>
+            <c:idx val="6"/>
+            <c:invertIfNegative val="0"/>
+            <c:bubble3D val="0"/>
+            <c:spPr>
+              <a:solidFill>
+                <a:srgbClr val="76191C"/>
+              </a:solidFill>
+              <a:ln w="12700">
+                <a:solidFill>
+                  <a:srgbClr val="000000"/>
+                </a:solidFill>
+              </a:ln>
+            </c:spPr>
+            <c:extLst>
+              <c:ext xmlns:c16="http://schemas.microsoft.com/office/drawing/2014/chart" uri="{C3380CC4-5D6E-409C-BE32-E72D297353CC}">
+                <c16:uniqueId val="{0000000D-0875-B944-AB9C-F6FA5D4BD96E}"/>
+              </c:ext>
+            </c:extLst>
+          </c:dPt>
+          <c:cat>
+            <c:strRef>
+              <c:f>Sheet1!$A$2:$A$14</c:f>
+              <c:strCache>
+                <c:ptCount val="13"/>
+                <c:pt idx="0">
+                  <c:v>Performing arts</c:v>
+                </c:pt>
+                <c:pt idx="1">
+                  <c:v>Year 12</c:v>
+                </c:pt>
+                <c:pt idx="2">
+                  <c:v>Humanities</c:v>
+                </c:pt>
+                <c:pt idx="3">
+                  <c:v>Nursing</c:v>
+                </c:pt>
+                <c:pt idx="4">
+                  <c:v>Education</c:v>
+                </c:pt>
+                <c:pt idx="5">
+                  <c:v>Science</c:v>
+                </c:pt>
+                <c:pt idx="6">
+                  <c:v>Bachalor (all)</c:v>
+                </c:pt>
+                <c:pt idx="7">
+                  <c:v>Other health</c:v>
+                </c:pt>
+                <c:pt idx="8">
+                  <c:v>IT</c:v>
+                </c:pt>
+                <c:pt idx="9">
+                  <c:v>Engneering</c:v>
+                </c:pt>
+                <c:pt idx="10">
+                  <c:v>Commerce</c:v>
+                </c:pt>
+                <c:pt idx="11">
+                  <c:v>Law</c:v>
+                </c:pt>
+                <c:pt idx="12">
+                  <c:v>Medicine</c:v>
+                </c:pt>
+              </c:strCache>
+            </c:strRef>
+          </c:cat>
+          <c:val>
+            <c:numRef>
+              <c:f>Sheet1!$D$2:$D$14</c:f>
+              <c:numCache>
+                <c:formatCode>General</c:formatCode>
+                <c:ptCount val="13"/>
+                <c:pt idx="0">
+                  <c:v>1.7874941402990527</c:v>
+                </c:pt>
+                <c:pt idx="1">
+                  <c:v>1.9503594451429558</c:v>
+                </c:pt>
+                <c:pt idx="2">
+                  <c:v>2.0470029587021168</c:v>
+                </c:pt>
+                <c:pt idx="3">
+                  <c:v>2.5367879776717164</c:v>
+                </c:pt>
+                <c:pt idx="4">
+                  <c:v>2.6298803548089502</c:v>
+                </c:pt>
+                <c:pt idx="5">
+                  <c:v>2.4891391616228353</c:v>
+                </c:pt>
+                <c:pt idx="6">
+                  <c:v>2.7389256040145726</c:v>
+                </c:pt>
+                <c:pt idx="7">
+                  <c:v>2.7245578180583014</c:v>
+                </c:pt>
+                <c:pt idx="8">
+                  <c:v>2.8893965323916184</c:v>
+                </c:pt>
+                <c:pt idx="9">
+                  <c:v>3.0772313082636038</c:v>
+                </c:pt>
+                <c:pt idx="10">
+                  <c:v>2.9777274494913613</c:v>
+                </c:pt>
+                <c:pt idx="11">
+                  <c:v>3.7947799701597011</c:v>
+                </c:pt>
+                <c:pt idx="12">
+                  <c:v>4.1608156317344589</c:v>
+                </c:pt>
+              </c:numCache>
+            </c:numRef>
+          </c:val>
+          <c:extLst>
+            <c:ext xmlns:c16="http://schemas.microsoft.com/office/drawing/2014/chart" uri="{C3380CC4-5D6E-409C-BE32-E72D297353CC}">
+              <c16:uniqueId val="{0000000E-0875-B944-AB9C-F6FA5D4BD96E}"/>
+            </c:ext>
+          </c:extLst>
+        </c:ser>
+        <c:dLbls>
+          <c:showLegendKey val="0"/>
+          <c:showVal val="0"/>
+          <c:showCatName val="0"/>
+          <c:showSerName val="0"/>
+          <c:showPercent val="0"/>
+          <c:showBubbleSize val="0"/>
+        </c:dLbls>
+        <c:gapWidth val="100"/>
+        <c:axId val="324265856"/>
+        <c:axId val="327427200"/>
+      </c:barChart>
+      <c:catAx>
+        <c:axId val="324265856"/>
+        <c:scaling>
+          <c:orientation val="minMax"/>
+        </c:scaling>
+        <c:delete val="0"/>
+        <c:axPos val="b"/>
+        <c:numFmt formatCode="General" sourceLinked="1"/>
+        <c:majorTickMark val="none"/>
+        <c:minorTickMark val="none"/>
+        <c:tickLblPos val="nextTo"/>
+        <c:spPr>
+          <a:ln>
+            <a:solidFill>
+              <a:schemeClr val="tx1"/>
+            </a:solidFill>
+          </a:ln>
+        </c:spPr>
+        <c:txPr>
+          <a:bodyPr/>
+          <a:lstStyle/>
+          <a:p>
+            <a:pPr>
+              <a:defRPr sz="1800"/>
+            </a:pPr>
+            <a:endParaRPr lang="en-US"/>
+          </a:p>
+        </c:txPr>
+        <c:crossAx val="327427200"/>
+        <c:crosses val="autoZero"/>
+        <c:auto val="1"/>
+        <c:lblAlgn val="ctr"/>
+        <c:lblOffset val="100"/>
+        <c:noMultiLvlLbl val="0"/>
+      </c:catAx>
+      <c:valAx>
+        <c:axId val="327427200"/>
+        <c:scaling>
+          <c:orientation val="minMax"/>
+          <c:max val="4.2"/>
+          <c:min val="0"/>
+        </c:scaling>
+        <c:delete val="0"/>
+        <c:axPos val="l"/>
+        <c:majorGridlines>
+          <c:spPr>
+            <a:ln>
+              <a:solidFill>
+                <a:srgbClr val="6A737B">
+                  <a:lumMod val="40000"/>
+                  <a:lumOff val="60000"/>
+                </a:srgbClr>
+              </a:solidFill>
+            </a:ln>
+          </c:spPr>
+        </c:majorGridlines>
+        <c:numFmt formatCode="General" sourceLinked="0"/>
+        <c:majorTickMark val="out"/>
+        <c:minorTickMark val="none"/>
+        <c:tickLblPos val="nextTo"/>
+        <c:spPr>
+          <a:ln>
+            <a:noFill/>
+          </a:ln>
+        </c:spPr>
+        <c:txPr>
+          <a:bodyPr/>
+          <a:lstStyle/>
+          <a:p>
+            <a:pPr>
+              <a:defRPr sz="1800"/>
+            </a:pPr>
+            <a:endParaRPr lang="en-US"/>
+          </a:p>
+        </c:txPr>
+        <c:crossAx val="324265856"/>
+        <c:crosses val="autoZero"/>
+        <c:crossBetween val="between"/>
+        <c:majorUnit val="1"/>
+      </c:valAx>
+    </c:plotArea>
+    <c:plotVisOnly val="1"/>
+    <c:dispBlanksAs val="gap"/>
+    <c:showDLblsOverMax val="0"/>
+  </c:chart>
+  <c:txPr>
+    <a:bodyPr/>
+    <a:lstStyle/>
+    <a:p>
+      <a:pPr>
+        <a:defRPr sz="1800"/>
+      </a:pPr>
+      <a:endParaRPr lang="en-US"/>
+    </a:p>
+  </c:txPr>
+  <c:externalData r:id="rId2">
+    <c:autoUpdate val="0"/>
+  </c:externalData>
+</c:chartSpace>
+</file>
+
+<file path=ppt/charts/chart9.xml><?xml version="1.0" encoding="utf-8"?>
+<c:chartSpace xmlns:c="http://schemas.openxmlformats.org/drawingml/2006/chart" xmlns:a="http://schemas.openxmlformats.org/drawingml/2006/main" xmlns:r="http://schemas.openxmlformats.org/officeDocument/2006/relationships" xmlns:c16r2="http://schemas.microsoft.com/office/drawing/2015/06/chart">
+  <c:date1904 val="0"/>
+  <c:lang val="en-US"/>
+  <c:roundedCorners val="0"/>
+  <mc:AlternateContent xmlns:mc="http://schemas.openxmlformats.org/markup-compatibility/2006">
+    <mc:Choice xmlns:c14="http://schemas.microsoft.com/office/drawing/2007/8/2/chart" Requires="c14">
+      <c14:style val="102"/>
+    </mc:Choice>
+    <mc:Fallback>
+      <c:style val="2"/>
+    </mc:Fallback>
+  </mc:AlternateContent>
+  <c:clrMapOvr bg1="lt1" tx1="dk1" bg2="lt2" tx2="dk2" accent1="accent1" accent2="accent2" accent3="accent3" accent4="accent4" accent5="accent5" accent6="accent6" hlink="hlink" folHlink="folHlink"/>
+  <c:chart>
+    <c:autoTitleDeleted val="0"/>
+    <c:plotArea>
+      <c:layout/>
+      <c:barChart>
+        <c:barDir val="col"/>
+        <c:grouping val="clustered"/>
+        <c:varyColors val="0"/>
+        <c:ser>
+          <c:idx val="0"/>
+          <c:order val="0"/>
+          <c:tx>
+            <c:strRef>
+              <c:f>Sheet1!$B$1</c:f>
+              <c:strCache>
+                <c:ptCount val="1"/>
+                <c:pt idx="0">
+                  <c:v>2006</c:v>
+                </c:pt>
+              </c:strCache>
+            </c:strRef>
+          </c:tx>
+          <c:spPr>
+            <a:solidFill>
+              <a:srgbClr val="F8A866"/>
+            </a:solidFill>
+            <a:ln w="9525">
+              <a:noFill/>
+            </a:ln>
+          </c:spPr>
+          <c:invertIfNegative val="0"/>
+          <c:dPt>
+            <c:idx val="1"/>
+            <c:invertIfNegative val="0"/>
+            <c:bubble3D val="0"/>
+            <c:spPr>
+              <a:solidFill>
+                <a:srgbClr val="F8A866"/>
+              </a:solidFill>
+              <a:ln w="12700">
+                <a:solidFill>
+                  <a:srgbClr val="000000"/>
+                </a:solidFill>
+              </a:ln>
+            </c:spPr>
+            <c:extLst>
+              <c:ext xmlns:c16="http://schemas.microsoft.com/office/drawing/2014/chart" uri="{C3380CC4-5D6E-409C-BE32-E72D297353CC}">
+                <c16:uniqueId val="{00000001-4493-ED42-BD86-75F5E4C8F6AE}"/>
+              </c:ext>
+            </c:extLst>
+          </c:dPt>
+          <c:dPt>
+            <c:idx val="6"/>
+            <c:invertIfNegative val="0"/>
+            <c:bubble3D val="0"/>
+            <c:spPr>
+              <a:solidFill>
+                <a:srgbClr val="F8A866"/>
+              </a:solidFill>
+              <a:ln w="12700">
+                <a:solidFill>
+                  <a:srgbClr val="000000"/>
+                </a:solidFill>
+              </a:ln>
+            </c:spPr>
+            <c:extLst>
+              <c:ext xmlns:c16="http://schemas.microsoft.com/office/drawing/2014/chart" uri="{C3380CC4-5D6E-409C-BE32-E72D297353CC}">
+                <c16:uniqueId val="{00000003-4493-ED42-BD86-75F5E4C8F6AE}"/>
+              </c:ext>
+            </c:extLst>
+          </c:dPt>
+          <c:cat>
+            <c:strRef>
+              <c:f>Sheet1!$A$2:$A$14</c:f>
+              <c:strCache>
+                <c:ptCount val="13"/>
+                <c:pt idx="0">
+                  <c:v>Performing arts</c:v>
+                </c:pt>
+                <c:pt idx="1">
+                  <c:v>Year 12</c:v>
+                </c:pt>
+                <c:pt idx="2">
+                  <c:v>Humanities</c:v>
+                </c:pt>
+                <c:pt idx="3">
+                  <c:v>Nursing</c:v>
+                </c:pt>
+                <c:pt idx="4">
+                  <c:v>Education</c:v>
+                </c:pt>
+                <c:pt idx="5">
+                  <c:v>Science</c:v>
+                </c:pt>
+                <c:pt idx="6">
+                  <c:v>Bachalor (all)</c:v>
+                </c:pt>
+                <c:pt idx="7">
+                  <c:v>Other health</c:v>
+                </c:pt>
+                <c:pt idx="8">
+                  <c:v>IT</c:v>
+                </c:pt>
+                <c:pt idx="9">
+                  <c:v>Engneering</c:v>
+                </c:pt>
+                <c:pt idx="10">
+                  <c:v>Commerce</c:v>
+                </c:pt>
+                <c:pt idx="11">
+                  <c:v>Law</c:v>
+                </c:pt>
+                <c:pt idx="12">
+                  <c:v>Medicine</c:v>
+                </c:pt>
+              </c:strCache>
+            </c:strRef>
+          </c:cat>
+          <c:val>
+            <c:numRef>
+              <c:f>Sheet1!$B$2:$B$14</c:f>
+              <c:numCache>
+                <c:formatCode>General</c:formatCode>
+                <c:ptCount val="13"/>
+                <c:pt idx="0">
+                  <c:v>1.3845984388152448</c:v>
+                </c:pt>
+                <c:pt idx="1">
+                  <c:v>1.2753646466442372</c:v>
+                </c:pt>
+                <c:pt idx="2">
+                  <c:v>1.6107808079196815</c:v>
+                </c:pt>
+                <c:pt idx="3">
+                  <c:v>1.7956075509092353</c:v>
+                </c:pt>
+                <c:pt idx="4">
+                  <c:v>1.9235021550370976</c:v>
+                </c:pt>
+                <c:pt idx="5">
+                  <c:v>1.7618968414090197</c:v>
+                </c:pt>
+                <c:pt idx="6">
+                  <c:v>1.8800678279899339</c:v>
+                </c:pt>
+                <c:pt idx="7">
+                  <c:v>1.9342006167710288</c:v>
+                </c:pt>
+                <c:pt idx="8">
+                  <c:v>2.1615467665726023</c:v>
+                </c:pt>
+                <c:pt idx="9">
+                  <c:v>1.8000586313060052</c:v>
+                </c:pt>
+                <c:pt idx="10">
+                  <c:v>1.9993131007810832</c:v>
+                </c:pt>
+                <c:pt idx="11">
+                  <c:v>2.621671750787443</c:v>
+                </c:pt>
+                <c:pt idx="12">
+                  <c:v>3.0705778995696362</c:v>
+                </c:pt>
+              </c:numCache>
+            </c:numRef>
+          </c:val>
+          <c:extLst>
+            <c:ext xmlns:c16="http://schemas.microsoft.com/office/drawing/2014/chart" uri="{C3380CC4-5D6E-409C-BE32-E72D297353CC}">
+              <c16:uniqueId val="{00000004-4493-ED42-BD86-75F5E4C8F6AE}"/>
+            </c:ext>
+          </c:extLst>
+        </c:ser>
+        <c:ser>
+          <c:idx val="1"/>
+          <c:order val="1"/>
+          <c:tx>
+            <c:strRef>
+              <c:f>Sheet1!$C$1</c:f>
+              <c:strCache>
+                <c:ptCount val="1"/>
+                <c:pt idx="0">
+                  <c:v>2011</c:v>
+                </c:pt>
+              </c:strCache>
+            </c:strRef>
+          </c:tx>
+          <c:spPr>
+            <a:solidFill>
+              <a:srgbClr val="F68B33"/>
+            </a:solidFill>
+            <a:ln w="9525">
+              <a:noFill/>
+            </a:ln>
+          </c:spPr>
+          <c:invertIfNegative val="0"/>
+          <c:dPt>
+            <c:idx val="1"/>
+            <c:invertIfNegative val="0"/>
+            <c:bubble3D val="0"/>
+            <c:spPr>
+              <a:solidFill>
+                <a:srgbClr val="F68B33"/>
+              </a:solidFill>
+              <a:ln w="12700">
+                <a:solidFill>
+                  <a:srgbClr val="000000"/>
+                </a:solidFill>
+              </a:ln>
+            </c:spPr>
+            <c:extLst>
+              <c:ext xmlns:c16="http://schemas.microsoft.com/office/drawing/2014/chart" uri="{C3380CC4-5D6E-409C-BE32-E72D297353CC}">
+                <c16:uniqueId val="{00000006-4493-ED42-BD86-75F5E4C8F6AE}"/>
+              </c:ext>
+            </c:extLst>
+          </c:dPt>
+          <c:dPt>
+            <c:idx val="6"/>
+            <c:invertIfNegative val="0"/>
+            <c:bubble3D val="0"/>
+            <c:spPr>
+              <a:solidFill>
+                <a:srgbClr val="F68B33"/>
+              </a:solidFill>
+              <a:ln w="12700">
+                <a:solidFill>
+                  <a:srgbClr val="000000"/>
+                </a:solidFill>
+              </a:ln>
+            </c:spPr>
+            <c:extLst>
+              <c:ext xmlns:c16="http://schemas.microsoft.com/office/drawing/2014/chart" uri="{C3380CC4-5D6E-409C-BE32-E72D297353CC}">
+                <c16:uniqueId val="{00000008-4493-ED42-BD86-75F5E4C8F6AE}"/>
+              </c:ext>
+            </c:extLst>
+          </c:dPt>
+          <c:cat>
+            <c:strRef>
+              <c:f>Sheet1!$A$2:$A$14</c:f>
+              <c:strCache>
+                <c:ptCount val="13"/>
+                <c:pt idx="0">
+                  <c:v>Performing arts</c:v>
+                </c:pt>
+                <c:pt idx="1">
+                  <c:v>Year 12</c:v>
+                </c:pt>
+                <c:pt idx="2">
+                  <c:v>Humanities</c:v>
+                </c:pt>
+                <c:pt idx="3">
+                  <c:v>Nursing</c:v>
+                </c:pt>
+                <c:pt idx="4">
+                  <c:v>Education</c:v>
+                </c:pt>
+                <c:pt idx="5">
+                  <c:v>Science</c:v>
+                </c:pt>
+                <c:pt idx="6">
+                  <c:v>Bachalor (all)</c:v>
+                </c:pt>
+                <c:pt idx="7">
+                  <c:v>Other health</c:v>
+                </c:pt>
+                <c:pt idx="8">
+                  <c:v>IT</c:v>
+                </c:pt>
+                <c:pt idx="9">
+                  <c:v>Engneering</c:v>
+                </c:pt>
+                <c:pt idx="10">
+                  <c:v>Commerce</c:v>
+                </c:pt>
+                <c:pt idx="11">
+                  <c:v>Law</c:v>
+                </c:pt>
+                <c:pt idx="12">
+                  <c:v>Medicine</c:v>
+                </c:pt>
+              </c:strCache>
+            </c:strRef>
+          </c:cat>
+          <c:val>
+            <c:numRef>
+              <c:f>Sheet1!$C$2:$C$14</c:f>
+              <c:numCache>
+                <c:formatCode>General</c:formatCode>
+                <c:ptCount val="13"/>
+                <c:pt idx="0">
+                  <c:v>1.4047606323618442</c:v>
+                </c:pt>
+                <c:pt idx="1">
+                  <c:v>1.3509920464012946</c:v>
+                </c:pt>
+                <c:pt idx="2">
+                  <c:v>1.6534592991835237</c:v>
+                </c:pt>
+                <c:pt idx="3">
+                  <c:v>1.944156901619196</c:v>
+                </c:pt>
+                <c:pt idx="4">
+                  <c:v>2.0172875033692055</c:v>
+                </c:pt>
+                <c:pt idx="5">
+                  <c:v>1.8012598797414345</c:v>
+                </c:pt>
+                <c:pt idx="6">
+                  <c:v>1.977099560201969</c:v>
+                </c:pt>
+                <c:pt idx="7">
+                  <c:v>1.9832087787571357</c:v>
+                </c:pt>
+                <c:pt idx="8">
+                  <c:v>2.278228835352536</c:v>
+                </c:pt>
+                <c:pt idx="9">
+                  <c:v>2.0279491672038157</c:v>
+                </c:pt>
+                <c:pt idx="10">
+                  <c:v>2.0627088417931385</c:v>
+                </c:pt>
+                <c:pt idx="11">
+                  <c:v>2.7330782189296614</c:v>
+                </c:pt>
+                <c:pt idx="12">
+                  <c:v>3.2009395651775159</c:v>
+                </c:pt>
+              </c:numCache>
+            </c:numRef>
+          </c:val>
+          <c:extLst>
+            <c:ext xmlns:c16="http://schemas.microsoft.com/office/drawing/2014/chart" uri="{C3380CC4-5D6E-409C-BE32-E72D297353CC}">
+              <c16:uniqueId val="{00000009-4493-ED42-BD86-75F5E4C8F6AE}"/>
+            </c:ext>
+          </c:extLst>
+        </c:ser>
+        <c:ser>
+          <c:idx val="2"/>
+          <c:order val="2"/>
+          <c:tx>
+            <c:strRef>
+              <c:f>Sheet1!$D$1</c:f>
+              <c:strCache>
+                <c:ptCount val="1"/>
+                <c:pt idx="0">
+                  <c:v>2016</c:v>
+                </c:pt>
+              </c:strCache>
+            </c:strRef>
+          </c:tx>
+          <c:spPr>
+            <a:solidFill>
+              <a:srgbClr val="EC700A"/>
+            </a:solidFill>
+            <a:ln w="9525">
+              <a:noFill/>
+            </a:ln>
+          </c:spPr>
+          <c:invertIfNegative val="0"/>
+          <c:dPt>
+            <c:idx val="1"/>
+            <c:invertIfNegative val="0"/>
+            <c:bubble3D val="0"/>
+            <c:spPr>
+              <a:solidFill>
+                <a:srgbClr val="EC700A"/>
+              </a:solidFill>
+              <a:ln w="12700">
+                <a:solidFill>
+                  <a:srgbClr val="000000"/>
+                </a:solidFill>
+              </a:ln>
+            </c:spPr>
+            <c:extLst>
+              <c:ext xmlns:c16="http://schemas.microsoft.com/office/drawing/2014/chart" uri="{C3380CC4-5D6E-409C-BE32-E72D297353CC}">
+                <c16:uniqueId val="{0000000B-4493-ED42-BD86-75F5E4C8F6AE}"/>
+              </c:ext>
+            </c:extLst>
+          </c:dPt>
+          <c:dPt>
+            <c:idx val="6"/>
+            <c:invertIfNegative val="0"/>
+            <c:bubble3D val="0"/>
+            <c:spPr>
+              <a:solidFill>
+                <a:srgbClr val="EC700A"/>
+              </a:solidFill>
+              <a:ln w="12700">
+                <a:solidFill>
+                  <a:srgbClr val="000000"/>
+                </a:solidFill>
+              </a:ln>
+            </c:spPr>
+            <c:extLst>
+              <c:ext xmlns:c16="http://schemas.microsoft.com/office/drawing/2014/chart" uri="{C3380CC4-5D6E-409C-BE32-E72D297353CC}">
+                <c16:uniqueId val="{0000000D-4493-ED42-BD86-75F5E4C8F6AE}"/>
+              </c:ext>
+            </c:extLst>
+          </c:dPt>
+          <c:cat>
+            <c:strRef>
+              <c:f>Sheet1!$A$2:$A$14</c:f>
+              <c:strCache>
+                <c:ptCount val="13"/>
+                <c:pt idx="0">
+                  <c:v>Performing arts</c:v>
+                </c:pt>
+                <c:pt idx="1">
+                  <c:v>Year 12</c:v>
+                </c:pt>
+                <c:pt idx="2">
+                  <c:v>Humanities</c:v>
+                </c:pt>
+                <c:pt idx="3">
+                  <c:v>Nursing</c:v>
+                </c:pt>
+                <c:pt idx="4">
+                  <c:v>Education</c:v>
+                </c:pt>
+                <c:pt idx="5">
+                  <c:v>Science</c:v>
+                </c:pt>
+                <c:pt idx="6">
+                  <c:v>Bachalor (all)</c:v>
+                </c:pt>
+                <c:pt idx="7">
+                  <c:v>Other health</c:v>
+                </c:pt>
+                <c:pt idx="8">
+                  <c:v>IT</c:v>
+                </c:pt>
+                <c:pt idx="9">
+                  <c:v>Engneering</c:v>
+                </c:pt>
+                <c:pt idx="10">
+                  <c:v>Commerce</c:v>
+                </c:pt>
+                <c:pt idx="11">
+                  <c:v>Law</c:v>
+                </c:pt>
+                <c:pt idx="12">
+                  <c:v>Medicine</c:v>
+                </c:pt>
+              </c:strCache>
+            </c:strRef>
+          </c:cat>
+          <c:val>
+            <c:numRef>
+              <c:f>Sheet1!$D$2:$D$14</c:f>
+              <c:numCache>
+                <c:formatCode>General</c:formatCode>
+                <c:ptCount val="13"/>
+                <c:pt idx="0">
+                  <c:v>1.4338900027462573</c:v>
+                </c:pt>
+                <c:pt idx="1">
+                  <c:v>1.4060272470859609</c:v>
+                </c:pt>
+                <c:pt idx="2">
+                  <c:v>1.6389675653307234</c:v>
+                </c:pt>
+                <c:pt idx="3">
+                  <c:v>2.0597417549157173</c:v>
+                </c:pt>
+                <c:pt idx="4">
+                  <c:v>2.1167942981887413</c:v>
+                </c:pt>
+                <c:pt idx="5">
+                  <c:v>1.8366746129150577</c:v>
+                </c:pt>
+                <c:pt idx="6">
+                  <c:v>1.9912006971264504</c:v>
+                </c:pt>
+                <c:pt idx="7">
+                  <c:v>2.0175785182379067</c:v>
+                </c:pt>
+                <c:pt idx="8">
+                  <c:v>2.2734362671067005</c:v>
+                </c:pt>
+                <c:pt idx="9">
+                  <c:v>2.0659693767290448</c:v>
+                </c:pt>
+                <c:pt idx="10">
+                  <c:v>2.0739020750330863</c:v>
+                </c:pt>
+                <c:pt idx="11">
+                  <c:v>2.7380207127496665</c:v>
+                </c:pt>
+                <c:pt idx="12">
+                  <c:v>3.5518469732487632</c:v>
+                </c:pt>
+              </c:numCache>
+            </c:numRef>
+          </c:val>
+          <c:extLst>
+            <c:ext xmlns:c16="http://schemas.microsoft.com/office/drawing/2014/chart" uri="{C3380CC4-5D6E-409C-BE32-E72D297353CC}">
+              <c16:uniqueId val="{0000000E-4493-ED42-BD86-75F5E4C8F6AE}"/>
+            </c:ext>
+          </c:extLst>
+        </c:ser>
+        <c:dLbls>
+          <c:showLegendKey val="0"/>
+          <c:showVal val="0"/>
+          <c:showCatName val="0"/>
+          <c:showSerName val="0"/>
+          <c:showPercent val="0"/>
+          <c:showBubbleSize val="0"/>
+        </c:dLbls>
+        <c:gapWidth val="100"/>
+        <c:axId val="324265856"/>
+        <c:axId val="327427200"/>
+      </c:barChart>
+      <c:catAx>
+        <c:axId val="324265856"/>
+        <c:scaling>
+          <c:orientation val="minMax"/>
+        </c:scaling>
+        <c:delete val="0"/>
+        <c:axPos val="b"/>
+        <c:numFmt formatCode="General" sourceLinked="1"/>
+        <c:majorTickMark val="none"/>
+        <c:minorTickMark val="none"/>
+        <c:tickLblPos val="none"/>
+        <c:spPr>
+          <a:ln>
+            <a:solidFill>
+              <a:srgbClr val="000000"/>
+            </a:solidFill>
+          </a:ln>
+        </c:spPr>
+        <c:crossAx val="327427200"/>
+        <c:crosses val="autoZero"/>
+        <c:auto val="1"/>
+        <c:lblAlgn val="ctr"/>
+        <c:lblOffset val="100"/>
+        <c:noMultiLvlLbl val="0"/>
+      </c:catAx>
+      <c:valAx>
+        <c:axId val="327427200"/>
+        <c:scaling>
+          <c:orientation val="minMax"/>
+        </c:scaling>
+        <c:delete val="0"/>
+        <c:axPos val="l"/>
+        <c:majorGridlines>
+          <c:spPr>
+            <a:ln>
+              <a:solidFill>
+                <a:srgbClr val="6A737B">
+                  <a:lumMod val="40000"/>
+                  <a:lumOff val="60000"/>
+                </a:srgbClr>
+              </a:solidFill>
+            </a:ln>
+          </c:spPr>
+        </c:majorGridlines>
+        <c:numFmt formatCode="General" sourceLinked="1"/>
+        <c:majorTickMark val="out"/>
+        <c:minorTickMark val="none"/>
+        <c:tickLblPos val="nextTo"/>
+        <c:spPr>
+          <a:ln>
+            <a:noFill/>
+          </a:ln>
+        </c:spPr>
+        <c:txPr>
+          <a:bodyPr/>
+          <a:lstStyle/>
+          <a:p>
+            <a:pPr>
+              <a:defRPr sz="1800"/>
+            </a:pPr>
+            <a:endParaRPr lang="en-US"/>
+          </a:p>
+        </c:txPr>
+        <c:crossAx val="324265856"/>
+        <c:crosses val="autoZero"/>
+        <c:crossBetween val="between"/>
+        <c:majorUnit val="1"/>
       </c:valAx>
     </c:plotArea>
     <c:plotVisOnly val="1"/>
@@ -10924,7 +9515,7 @@
           <a:p>
             <a:fld id="{76C041D4-D626-A847-9D59-36229899474F}" type="datetimeFigureOut">
               <a:rPr lang="en-AU" smtClean="0"/>
-              <a:t>3/8/18</a:t>
+              <a:t>6/8/18</a:t>
             </a:fld>
             <a:endParaRPr lang="en-AU"/>
           </a:p>
@@ -12007,7 +10598,7 @@
           <p:nvPr>
             <p:extLst>
               <p:ext uri="{D42A27DB-BD31-4B8C-83A1-F6EECF244321}">
-                <p14:modId xmlns:p14="http://schemas.microsoft.com/office/powerpoint/2010/main" val="1788020481"/>
+                <p14:modId xmlns:p14="http://schemas.microsoft.com/office/powerpoint/2010/main" val="3142569473"/>
               </p:ext>
             </p:extLst>
           </p:nvPr>
@@ -12073,7 +10664,7 @@
           <p:nvPr>
             <p:extLst>
               <p:ext uri="{D42A27DB-BD31-4B8C-83A1-F6EECF244321}">
-                <p14:modId xmlns:p14="http://schemas.microsoft.com/office/powerpoint/2010/main" val="2141533070"/>
+                <p14:modId xmlns:p14="http://schemas.microsoft.com/office/powerpoint/2010/main" val="2176599189"/>
               </p:ext>
             </p:extLst>
           </p:nvPr>
@@ -12818,844 +11409,6 @@
 </file>
 
 <file path=ppt/slides/slide2.xml><?xml version="1.0" encoding="utf-8"?>
-<p:sld xmlns:a="http://schemas.openxmlformats.org/drawingml/2006/main" xmlns:r="http://schemas.openxmlformats.org/officeDocument/2006/relationships" xmlns:p="http://schemas.openxmlformats.org/presentationml/2006/main">
-  <p:cSld>
-    <p:spTree>
-      <p:nvGrpSpPr>
-        <p:cNvPr id="1" name=""/>
-        <p:cNvGrpSpPr/>
-        <p:nvPr/>
-      </p:nvGrpSpPr>
-      <p:grpSpPr>
-        <a:xfrm>
-          <a:off x="0" y="0"/>
-          <a:ext cx="0" cy="0"/>
-          <a:chOff x="0" y="0"/>
-          <a:chExt cx="0" cy="0"/>
-        </a:xfrm>
-      </p:grpSpPr>
-      <p:graphicFrame>
-        <p:nvGraphicFramePr>
-          <p:cNvPr id="3" name="Chart Placeholder 14">
-            <a:extLst>
-              <a:ext uri="{FF2B5EF4-FFF2-40B4-BE49-F238E27FC236}">
-                <a16:creationId xmlns:a16="http://schemas.microsoft.com/office/drawing/2014/main" id="{406C7351-21FD-5A46-9C28-E88B22D3B84F}"/>
-              </a:ext>
-            </a:extLst>
-          </p:cNvPr>
-          <p:cNvGraphicFramePr>
-            <a:graphicFrameLocks/>
-          </p:cNvGraphicFramePr>
-          <p:nvPr>
-            <p:extLst>
-              <p:ext uri="{D42A27DB-BD31-4B8C-83A1-F6EECF244321}">
-                <p14:modId xmlns:p14="http://schemas.microsoft.com/office/powerpoint/2010/main" val="3406367384"/>
-              </p:ext>
-            </p:extLst>
-          </p:nvPr>
-        </p:nvGraphicFramePr>
-        <p:xfrm>
-          <a:off x="172170" y="-13252"/>
-          <a:ext cx="7805018" cy="3831168"/>
-        </p:xfrm>
-        <a:graphic>
-          <a:graphicData uri="http://schemas.openxmlformats.org/drawingml/2006/chart">
-            <c:chart xmlns:c="http://schemas.openxmlformats.org/drawingml/2006/chart" xmlns:r="http://schemas.openxmlformats.org/officeDocument/2006/relationships" r:id="rId2"/>
-          </a:graphicData>
-        </a:graphic>
-      </p:graphicFrame>
-      <p:sp>
-        <p:nvSpPr>
-          <p:cNvPr id="4" name="TextBox 3">
-            <a:extLst>
-              <a:ext uri="{FF2B5EF4-FFF2-40B4-BE49-F238E27FC236}">
-                <a16:creationId xmlns:a16="http://schemas.microsoft.com/office/drawing/2014/main" id="{6CD7E281-602A-7644-A4D7-AAA6BF93FEC3}"/>
-              </a:ext>
-            </a:extLst>
-          </p:cNvPr>
-          <p:cNvSpPr txBox="1"/>
-          <p:nvPr/>
-        </p:nvSpPr>
-        <p:spPr>
-          <a:xfrm>
-            <a:off x="2893666" y="-53146"/>
-            <a:ext cx="2646878" cy="369332"/>
-          </a:xfrm>
-          <a:prstGeom prst="rect">
-            <a:avLst/>
-          </a:prstGeom>
-          <a:noFill/>
-        </p:spPr>
-        <p:txBody>
-          <a:bodyPr wrap="none" rtlCol="0">
-            <a:spAutoFit/>
-          </a:bodyPr>
-          <a:lstStyle/>
-          <a:p>
-            <a:pPr algn="l"/>
-            <a:r>
-              <a:rPr lang="en-AU" sz="1800" b="1" dirty="0"/>
-              <a:t>Lifetime earnings ($m)</a:t>
-            </a:r>
-          </a:p>
-        </p:txBody>
-      </p:sp>
-      <p:graphicFrame>
-        <p:nvGraphicFramePr>
-          <p:cNvPr id="5" name="Chart Placeholder 9">
-            <a:extLst>
-              <a:ext uri="{FF2B5EF4-FFF2-40B4-BE49-F238E27FC236}">
-                <a16:creationId xmlns:a16="http://schemas.microsoft.com/office/drawing/2014/main" id="{D9F18FD1-8EE2-454F-A118-107FF278137B}"/>
-              </a:ext>
-            </a:extLst>
-          </p:cNvPr>
-          <p:cNvGraphicFramePr>
-            <a:graphicFrameLocks/>
-          </p:cNvGraphicFramePr>
-          <p:nvPr>
-            <p:extLst/>
-          </p:nvPr>
-        </p:nvGraphicFramePr>
-        <p:xfrm>
-          <a:off x="-54591" y="3817916"/>
-          <a:ext cx="8094797" cy="3872422"/>
-        </p:xfrm>
-        <a:graphic>
-          <a:graphicData uri="http://schemas.openxmlformats.org/drawingml/2006/chart">
-            <c:chart xmlns:c="http://schemas.openxmlformats.org/drawingml/2006/chart" xmlns:r="http://schemas.openxmlformats.org/officeDocument/2006/relationships" r:id="rId3"/>
-          </a:graphicData>
-        </a:graphic>
-      </p:graphicFrame>
-      <p:sp>
-        <p:nvSpPr>
-          <p:cNvPr id="10" name="TextBox 9">
-            <a:extLst>
-              <a:ext uri="{FF2B5EF4-FFF2-40B4-BE49-F238E27FC236}">
-                <a16:creationId xmlns:a16="http://schemas.microsoft.com/office/drawing/2014/main" id="{4EBF4E2B-2185-994D-92B0-7DBB0A91E77B}"/>
-              </a:ext>
-            </a:extLst>
-          </p:cNvPr>
-          <p:cNvSpPr txBox="1"/>
-          <p:nvPr/>
-        </p:nvSpPr>
-        <p:spPr>
-          <a:xfrm>
-            <a:off x="1005205" y="3989388"/>
-            <a:ext cx="5968365" cy="369332"/>
-          </a:xfrm>
-          <a:prstGeom prst="rect">
-            <a:avLst/>
-          </a:prstGeom>
-          <a:noFill/>
-        </p:spPr>
-        <p:txBody>
-          <a:bodyPr wrap="none" rtlCol="0">
-            <a:spAutoFit/>
-          </a:bodyPr>
-          <a:lstStyle/>
-          <a:p>
-            <a:pPr algn="l"/>
-            <a:r>
-              <a:rPr lang="en-AU" sz="1800" b="1" dirty="0"/>
-              <a:t>Bachelor graduates’ earnings by career stage ($’000)</a:t>
-            </a:r>
-          </a:p>
-        </p:txBody>
-      </p:sp>
-      <p:sp>
-        <p:nvSpPr>
-          <p:cNvPr id="11" name="TextBox 10">
-            <a:extLst>
-              <a:ext uri="{FF2B5EF4-FFF2-40B4-BE49-F238E27FC236}">
-                <a16:creationId xmlns:a16="http://schemas.microsoft.com/office/drawing/2014/main" id="{C875BB42-C4F1-8749-81CD-5A67802985CC}"/>
-              </a:ext>
-            </a:extLst>
-          </p:cNvPr>
-          <p:cNvSpPr txBox="1"/>
-          <p:nvPr/>
-        </p:nvSpPr>
-        <p:spPr>
-          <a:xfrm>
-            <a:off x="1652497" y="172170"/>
-            <a:ext cx="1014060" cy="369332"/>
-          </a:xfrm>
-          <a:prstGeom prst="rect">
-            <a:avLst/>
-          </a:prstGeom>
-          <a:solidFill>
-            <a:schemeClr val="bg1"/>
-          </a:solidFill>
-        </p:spPr>
-        <p:txBody>
-          <a:bodyPr wrap="none" rtlCol="0">
-            <a:spAutoFit/>
-          </a:bodyPr>
-          <a:lstStyle/>
-          <a:p>
-            <a:pPr algn="l"/>
-            <a:r>
-              <a:rPr lang="en-AU" sz="1800" b="1" dirty="0">
-                <a:solidFill>
-                  <a:schemeClr val="accent5"/>
-                </a:solidFill>
-              </a:rPr>
-              <a:t>Women</a:t>
-            </a:r>
-          </a:p>
-        </p:txBody>
-      </p:sp>
-      <p:sp>
-        <p:nvSpPr>
-          <p:cNvPr id="12" name="TextBox 11">
-            <a:extLst>
-              <a:ext uri="{FF2B5EF4-FFF2-40B4-BE49-F238E27FC236}">
-                <a16:creationId xmlns:a16="http://schemas.microsoft.com/office/drawing/2014/main" id="{24CFA1AF-9389-9942-87AD-9FE9154187F8}"/>
-              </a:ext>
-            </a:extLst>
-          </p:cNvPr>
-          <p:cNvSpPr txBox="1"/>
-          <p:nvPr/>
-        </p:nvSpPr>
-        <p:spPr>
-          <a:xfrm>
-            <a:off x="5646519" y="172170"/>
-            <a:ext cx="646331" cy="369332"/>
-          </a:xfrm>
-          <a:prstGeom prst="rect">
-            <a:avLst/>
-          </a:prstGeom>
-          <a:solidFill>
-            <a:schemeClr val="bg1"/>
-          </a:solidFill>
-        </p:spPr>
-        <p:txBody>
-          <a:bodyPr wrap="none" rtlCol="0">
-            <a:spAutoFit/>
-          </a:bodyPr>
-          <a:lstStyle/>
-          <a:p>
-            <a:pPr algn="l"/>
-            <a:r>
-              <a:rPr lang="en-AU" sz="1800" b="1" dirty="0">
-                <a:solidFill>
-                  <a:schemeClr val="tx2"/>
-                </a:solidFill>
-              </a:rPr>
-              <a:t>Men</a:t>
-            </a:r>
-          </a:p>
-        </p:txBody>
-      </p:sp>
-      <p:sp>
-        <p:nvSpPr>
-          <p:cNvPr id="13" name="TextBox 12">
-            <a:extLst>
-              <a:ext uri="{FF2B5EF4-FFF2-40B4-BE49-F238E27FC236}">
-                <a16:creationId xmlns:a16="http://schemas.microsoft.com/office/drawing/2014/main" id="{1F799BD5-6122-454A-B751-319D886C4E9D}"/>
-              </a:ext>
-            </a:extLst>
-          </p:cNvPr>
-          <p:cNvSpPr txBox="1"/>
-          <p:nvPr/>
-        </p:nvSpPr>
-        <p:spPr>
-          <a:xfrm>
-            <a:off x="702855" y="3127673"/>
-            <a:ext cx="639919" cy="338554"/>
-          </a:xfrm>
-          <a:prstGeom prst="rect">
-            <a:avLst/>
-          </a:prstGeom>
-          <a:noFill/>
-        </p:spPr>
-        <p:txBody>
-          <a:bodyPr wrap="none" rtlCol="0">
-            <a:spAutoFit/>
-          </a:bodyPr>
-          <a:lstStyle/>
-          <a:p>
-            <a:pPr algn="l"/>
-            <a:r>
-              <a:rPr lang="en-AU" sz="1600" dirty="0"/>
-              <a:t>2006</a:t>
-            </a:r>
-          </a:p>
-        </p:txBody>
-      </p:sp>
-      <p:sp>
-        <p:nvSpPr>
-          <p:cNvPr id="14" name="TextBox 13">
-            <a:extLst>
-              <a:ext uri="{FF2B5EF4-FFF2-40B4-BE49-F238E27FC236}">
-                <a16:creationId xmlns:a16="http://schemas.microsoft.com/office/drawing/2014/main" id="{42670FD9-738D-784E-8DF3-BF76BF123B26}"/>
-              </a:ext>
-            </a:extLst>
-          </p:cNvPr>
-          <p:cNvSpPr txBox="1"/>
-          <p:nvPr/>
-        </p:nvSpPr>
-        <p:spPr>
-          <a:xfrm>
-            <a:off x="1318258" y="3162971"/>
-            <a:ext cx="275588" cy="261610"/>
-          </a:xfrm>
-          <a:prstGeom prst="rect">
-            <a:avLst/>
-          </a:prstGeom>
-          <a:noFill/>
-        </p:spPr>
-        <p:txBody>
-          <a:bodyPr wrap="none" lIns="0" tIns="0" rIns="0" bIns="0" rtlCol="0">
-            <a:spAutoFit/>
-          </a:bodyPr>
-          <a:lstStyle/>
-          <a:p>
-            <a:pPr algn="l"/>
-            <a:r>
-              <a:rPr lang="en-AU" sz="1700" dirty="0"/>
-              <a:t>‘11</a:t>
-            </a:r>
-          </a:p>
-        </p:txBody>
-      </p:sp>
-      <p:sp>
-        <p:nvSpPr>
-          <p:cNvPr id="15" name="TextBox 14">
-            <a:extLst>
-              <a:ext uri="{FF2B5EF4-FFF2-40B4-BE49-F238E27FC236}">
-                <a16:creationId xmlns:a16="http://schemas.microsoft.com/office/drawing/2014/main" id="{5BE83E5C-F891-DA4B-B08A-4587BBF79A55}"/>
-              </a:ext>
-            </a:extLst>
-          </p:cNvPr>
-          <p:cNvSpPr txBox="1"/>
-          <p:nvPr/>
-        </p:nvSpPr>
-        <p:spPr>
-          <a:xfrm>
-            <a:off x="1770200" y="3170665"/>
-            <a:ext cx="272510" cy="246221"/>
-          </a:xfrm>
-          <a:prstGeom prst="rect">
-            <a:avLst/>
-          </a:prstGeom>
-          <a:noFill/>
-        </p:spPr>
-        <p:txBody>
-          <a:bodyPr wrap="none" lIns="0" tIns="0" rIns="0" bIns="0" rtlCol="0">
-            <a:spAutoFit/>
-          </a:bodyPr>
-          <a:lstStyle/>
-          <a:p>
-            <a:pPr algn="l"/>
-            <a:r>
-              <a:rPr lang="en-AU" sz="1600" dirty="0"/>
-              <a:t>‘16</a:t>
-            </a:r>
-          </a:p>
-        </p:txBody>
-      </p:sp>
-      <p:sp>
-        <p:nvSpPr>
-          <p:cNvPr id="16" name="TextBox 15">
-            <a:extLst>
-              <a:ext uri="{FF2B5EF4-FFF2-40B4-BE49-F238E27FC236}">
-                <a16:creationId xmlns:a16="http://schemas.microsoft.com/office/drawing/2014/main" id="{878BB8D7-E81C-EC45-9821-618A0596690B}"/>
-              </a:ext>
-            </a:extLst>
-          </p:cNvPr>
-          <p:cNvSpPr txBox="1"/>
-          <p:nvPr/>
-        </p:nvSpPr>
-        <p:spPr>
-          <a:xfrm>
-            <a:off x="3918882" y="7591758"/>
-            <a:ext cx="595035" cy="369332"/>
-          </a:xfrm>
-          <a:prstGeom prst="rect">
-            <a:avLst/>
-          </a:prstGeom>
-          <a:noFill/>
-        </p:spPr>
-        <p:txBody>
-          <a:bodyPr wrap="none" rtlCol="0">
-            <a:spAutoFit/>
-          </a:bodyPr>
-          <a:lstStyle/>
-          <a:p>
-            <a:pPr algn="ctr"/>
-            <a:r>
-              <a:rPr lang="en-AU" sz="1800" dirty="0"/>
-              <a:t>Age</a:t>
-            </a:r>
-          </a:p>
-        </p:txBody>
-      </p:sp>
-      <p:sp>
-        <p:nvSpPr>
-          <p:cNvPr id="17" name="Rectangle 16">
-            <a:extLst>
-              <a:ext uri="{FF2B5EF4-FFF2-40B4-BE49-F238E27FC236}">
-                <a16:creationId xmlns:a16="http://schemas.microsoft.com/office/drawing/2014/main" id="{CC212327-CBD0-9B4D-882D-C19E8F9290CC}"/>
-              </a:ext>
-            </a:extLst>
-          </p:cNvPr>
-          <p:cNvSpPr/>
-          <p:nvPr/>
-        </p:nvSpPr>
-        <p:spPr bwMode="auto">
-          <a:xfrm>
-            <a:off x="1676904" y="1358438"/>
-            <a:ext cx="543831" cy="266618"/>
-          </a:xfrm>
-          <a:prstGeom prst="rect">
-            <a:avLst/>
-          </a:prstGeom>
-          <a:solidFill>
-            <a:schemeClr val="bg1"/>
-          </a:solidFill>
-          <a:ln w="9525" cap="flat" cmpd="sng" algn="ctr">
-            <a:solidFill>
-              <a:schemeClr val="accent6"/>
-            </a:solidFill>
-            <a:prstDash val="solid"/>
-            <a:round/>
-            <a:headEnd type="none" w="med" len="med"/>
-            <a:tailEnd type="none" w="med" len="med"/>
-          </a:ln>
-          <a:effectLst/>
-        </p:spPr>
-        <p:txBody>
-          <a:bodyPr vert="horz" wrap="square" lIns="36000" tIns="36000" rIns="36000" bIns="36000" numCol="1" rtlCol="0" anchor="t" anchorCtr="0" compatLnSpc="1">
-            <a:prstTxWarp prst="textNoShape">
-              <a:avLst/>
-            </a:prstTxWarp>
-          </a:bodyPr>
-          <a:lstStyle/>
-          <a:p>
-            <a:pPr marL="0" marR="0" indent="0" algn="l" defTabSz="914400" rtl="0" eaLnBrk="0" fontAlgn="base" latinLnBrk="0" hangingPunct="0">
-              <a:lnSpc>
-                <a:spcPct val="100000"/>
-              </a:lnSpc>
-              <a:spcBef>
-                <a:spcPct val="0"/>
-              </a:spcBef>
-              <a:spcAft>
-                <a:spcPct val="0"/>
-              </a:spcAft>
-              <a:buClrTx/>
-              <a:buSzTx/>
-              <a:buFontTx/>
-              <a:buNone/>
-              <a:tabLst/>
-            </a:pPr>
-            <a:r>
-              <a:rPr kumimoji="0" lang="en-AU" sz="1400" b="0" i="0" u="none" strike="noStrike" cap="none" normalizeH="0" baseline="0" dirty="0">
-                <a:ln>
-                  <a:noFill/>
-                </a:ln>
-                <a:solidFill>
-                  <a:schemeClr val="accent6"/>
-                </a:solidFill>
-                <a:effectLst/>
-                <a:latin typeface="Arial" charset="0"/>
-                <a:ea typeface="ＭＳ Ｐゴシック" pitchFamily="34" charset="-128"/>
-              </a:rPr>
-              <a:t>+10%</a:t>
-            </a:r>
-          </a:p>
-        </p:txBody>
-      </p:sp>
-      <p:cxnSp>
-        <p:nvCxnSpPr>
-          <p:cNvPr id="19" name="Straight Arrow Connector 18">
-            <a:extLst>
-              <a:ext uri="{FF2B5EF4-FFF2-40B4-BE49-F238E27FC236}">
-                <a16:creationId xmlns:a16="http://schemas.microsoft.com/office/drawing/2014/main" id="{A04CE0D3-4472-5342-A236-CE8E1494B1E4}"/>
-              </a:ext>
-            </a:extLst>
-          </p:cNvPr>
-          <p:cNvCxnSpPr>
-            <a:cxnSpLocks/>
-            <a:endCxn id="17" idx="1"/>
-          </p:cNvCxnSpPr>
-          <p:nvPr/>
-        </p:nvCxnSpPr>
-        <p:spPr bwMode="auto">
-          <a:xfrm flipV="1">
-            <a:off x="1021976" y="1491747"/>
-            <a:ext cx="654928" cy="645113"/>
-          </a:xfrm>
-          <a:prstGeom prst="straightConnector1">
-            <a:avLst/>
-          </a:prstGeom>
-          <a:solidFill>
-            <a:schemeClr val="accent1"/>
-          </a:solidFill>
-          <a:ln w="9525" cap="flat" cmpd="sng" algn="ctr">
-            <a:solidFill>
-              <a:schemeClr val="accent6"/>
-            </a:solidFill>
-            <a:prstDash val="solid"/>
-            <a:round/>
-            <a:headEnd type="oval" w="med" len="med"/>
-            <a:tailEnd type="triangle"/>
-          </a:ln>
-          <a:effectLst/>
-        </p:spPr>
-      </p:cxnSp>
-      <p:sp>
-        <p:nvSpPr>
-          <p:cNvPr id="20" name="Rectangle 19">
-            <a:extLst>
-              <a:ext uri="{FF2B5EF4-FFF2-40B4-BE49-F238E27FC236}">
-                <a16:creationId xmlns:a16="http://schemas.microsoft.com/office/drawing/2014/main" id="{06D39DC2-C44B-C24E-8E65-25B76FC2C29C}"/>
-              </a:ext>
-            </a:extLst>
-          </p:cNvPr>
-          <p:cNvSpPr/>
-          <p:nvPr/>
-        </p:nvSpPr>
-        <p:spPr bwMode="auto">
-          <a:xfrm>
-            <a:off x="3470389" y="913664"/>
-            <a:ext cx="543831" cy="266618"/>
-          </a:xfrm>
-          <a:prstGeom prst="rect">
-            <a:avLst/>
-          </a:prstGeom>
-          <a:solidFill>
-            <a:schemeClr val="bg1"/>
-          </a:solidFill>
-          <a:ln w="9525" cap="flat" cmpd="sng" algn="ctr">
-            <a:solidFill>
-              <a:schemeClr val="accent6"/>
-            </a:solidFill>
-            <a:prstDash val="solid"/>
-            <a:round/>
-            <a:headEnd type="none" w="med" len="med"/>
-            <a:tailEnd type="none" w="med" len="med"/>
-          </a:ln>
-          <a:effectLst/>
-        </p:spPr>
-        <p:txBody>
-          <a:bodyPr vert="horz" wrap="square" lIns="36000" tIns="36000" rIns="36000" bIns="36000" numCol="1" rtlCol="0" anchor="t" anchorCtr="0" compatLnSpc="1">
-            <a:prstTxWarp prst="textNoShape">
-              <a:avLst/>
-            </a:prstTxWarp>
-          </a:bodyPr>
-          <a:lstStyle/>
-          <a:p>
-            <a:pPr marL="0" marR="0" indent="0" algn="l" defTabSz="914400" rtl="0" eaLnBrk="0" fontAlgn="base" latinLnBrk="0" hangingPunct="0">
-              <a:lnSpc>
-                <a:spcPct val="100000"/>
-              </a:lnSpc>
-              <a:spcBef>
-                <a:spcPct val="0"/>
-              </a:spcBef>
-              <a:spcAft>
-                <a:spcPct val="0"/>
-              </a:spcAft>
-              <a:buClrTx/>
-              <a:buSzTx/>
-              <a:buFontTx/>
-              <a:buNone/>
-              <a:tabLst/>
-            </a:pPr>
-            <a:r>
-              <a:rPr kumimoji="0" lang="en-AU" sz="1400" b="0" i="0" u="none" strike="noStrike" cap="none" normalizeH="0" baseline="0" dirty="0">
-                <a:ln>
-                  <a:noFill/>
-                </a:ln>
-                <a:solidFill>
-                  <a:schemeClr val="accent6"/>
-                </a:solidFill>
-                <a:effectLst/>
-                <a:latin typeface="Arial" charset="0"/>
-                <a:ea typeface="ＭＳ Ｐゴシック" pitchFamily="34" charset="-128"/>
-              </a:rPr>
-              <a:t> +6%</a:t>
-            </a:r>
-          </a:p>
-        </p:txBody>
-      </p:sp>
-      <p:cxnSp>
-        <p:nvCxnSpPr>
-          <p:cNvPr id="21" name="Straight Arrow Connector 20">
-            <a:extLst>
-              <a:ext uri="{FF2B5EF4-FFF2-40B4-BE49-F238E27FC236}">
-                <a16:creationId xmlns:a16="http://schemas.microsoft.com/office/drawing/2014/main" id="{CB0CBAE3-A30A-7E49-A61C-98C5632CAAF5}"/>
-              </a:ext>
-            </a:extLst>
-          </p:cNvPr>
-          <p:cNvCxnSpPr>
-            <a:cxnSpLocks/>
-            <a:endCxn id="20" idx="1"/>
-          </p:cNvCxnSpPr>
-          <p:nvPr/>
-        </p:nvCxnSpPr>
-        <p:spPr bwMode="auto">
-          <a:xfrm flipV="1">
-            <a:off x="2826327" y="1046973"/>
-            <a:ext cx="644062" cy="473767"/>
-          </a:xfrm>
-          <a:prstGeom prst="straightConnector1">
-            <a:avLst/>
-          </a:prstGeom>
-          <a:solidFill>
-            <a:schemeClr val="accent1"/>
-          </a:solidFill>
-          <a:ln w="9525" cap="flat" cmpd="sng" algn="ctr">
-            <a:solidFill>
-              <a:schemeClr val="accent6"/>
-            </a:solidFill>
-            <a:prstDash val="solid"/>
-            <a:round/>
-            <a:headEnd type="oval" w="med" len="med"/>
-            <a:tailEnd type="triangle"/>
-          </a:ln>
-          <a:effectLst/>
-        </p:spPr>
-      </p:cxnSp>
-      <p:sp>
-        <p:nvSpPr>
-          <p:cNvPr id="24" name="Rectangle 23">
-            <a:extLst>
-              <a:ext uri="{FF2B5EF4-FFF2-40B4-BE49-F238E27FC236}">
-                <a16:creationId xmlns:a16="http://schemas.microsoft.com/office/drawing/2014/main" id="{AEDB827B-B0F1-5B47-8F4D-2125F7627781}"/>
-              </a:ext>
-            </a:extLst>
-          </p:cNvPr>
-          <p:cNvSpPr/>
-          <p:nvPr/>
-        </p:nvSpPr>
-        <p:spPr bwMode="auto">
-          <a:xfrm>
-            <a:off x="5275618" y="1060938"/>
-            <a:ext cx="543831" cy="266618"/>
-          </a:xfrm>
-          <a:prstGeom prst="rect">
-            <a:avLst/>
-          </a:prstGeom>
-          <a:solidFill>
-            <a:schemeClr val="bg1"/>
-          </a:solidFill>
-          <a:ln w="9525" cap="flat" cmpd="sng" algn="ctr">
-            <a:solidFill>
-              <a:schemeClr val="accent6"/>
-            </a:solidFill>
-            <a:prstDash val="solid"/>
-            <a:round/>
-            <a:headEnd type="none" w="med" len="med"/>
-            <a:tailEnd type="none" w="med" len="med"/>
-          </a:ln>
-          <a:effectLst/>
-        </p:spPr>
-        <p:txBody>
-          <a:bodyPr vert="horz" wrap="square" lIns="36000" tIns="36000" rIns="36000" bIns="36000" numCol="1" rtlCol="0" anchor="t" anchorCtr="0" compatLnSpc="1">
-            <a:prstTxWarp prst="textNoShape">
-              <a:avLst/>
-            </a:prstTxWarp>
-          </a:bodyPr>
-          <a:lstStyle/>
-          <a:p>
-            <a:pPr marL="0" marR="0" indent="0" algn="l" defTabSz="914400" rtl="0" eaLnBrk="0" fontAlgn="base" latinLnBrk="0" hangingPunct="0">
-              <a:lnSpc>
-                <a:spcPct val="100000"/>
-              </a:lnSpc>
-              <a:spcBef>
-                <a:spcPct val="0"/>
-              </a:spcBef>
-              <a:spcAft>
-                <a:spcPct val="0"/>
-              </a:spcAft>
-              <a:buClrTx/>
-              <a:buSzTx/>
-              <a:buFontTx/>
-              <a:buNone/>
-              <a:tabLst/>
-            </a:pPr>
-            <a:r>
-              <a:rPr kumimoji="0" lang="en-AU" sz="1400" b="0" i="0" u="none" strike="noStrike" cap="none" normalizeH="0" baseline="0" dirty="0">
-                <a:ln>
-                  <a:noFill/>
-                </a:ln>
-                <a:solidFill>
-                  <a:schemeClr val="accent6"/>
-                </a:solidFill>
-                <a:effectLst/>
-                <a:latin typeface="Arial" charset="0"/>
-                <a:ea typeface="ＭＳ Ｐゴシック" pitchFamily="34" charset="-128"/>
-              </a:rPr>
-              <a:t> +3%</a:t>
-            </a:r>
-          </a:p>
-        </p:txBody>
-      </p:sp>
-      <p:cxnSp>
-        <p:nvCxnSpPr>
-          <p:cNvPr id="25" name="Straight Arrow Connector 24">
-            <a:extLst>
-              <a:ext uri="{FF2B5EF4-FFF2-40B4-BE49-F238E27FC236}">
-                <a16:creationId xmlns:a16="http://schemas.microsoft.com/office/drawing/2014/main" id="{428F7DF5-7E9A-AC4F-ABF1-77B503D0D124}"/>
-              </a:ext>
-            </a:extLst>
-          </p:cNvPr>
-          <p:cNvCxnSpPr>
-            <a:cxnSpLocks/>
-            <a:endCxn id="24" idx="1"/>
-          </p:cNvCxnSpPr>
-          <p:nvPr/>
-        </p:nvCxnSpPr>
-        <p:spPr bwMode="auto">
-          <a:xfrm flipV="1">
-            <a:off x="4640458" y="1194247"/>
-            <a:ext cx="635160" cy="321603"/>
-          </a:xfrm>
-          <a:prstGeom prst="straightConnector1">
-            <a:avLst/>
-          </a:prstGeom>
-          <a:solidFill>
-            <a:schemeClr val="accent1"/>
-          </a:solidFill>
-          <a:ln w="9525" cap="flat" cmpd="sng" algn="ctr">
-            <a:solidFill>
-              <a:schemeClr val="accent6"/>
-            </a:solidFill>
-            <a:prstDash val="solid"/>
-            <a:round/>
-            <a:headEnd type="oval" w="med" len="med"/>
-            <a:tailEnd type="triangle"/>
-          </a:ln>
-          <a:effectLst/>
-        </p:spPr>
-      </p:cxnSp>
-      <p:sp>
-        <p:nvSpPr>
-          <p:cNvPr id="31" name="Rectangle 30">
-            <a:extLst>
-              <a:ext uri="{FF2B5EF4-FFF2-40B4-BE49-F238E27FC236}">
-                <a16:creationId xmlns:a16="http://schemas.microsoft.com/office/drawing/2014/main" id="{18045905-058C-E147-96DF-C16858DC5C98}"/>
-              </a:ext>
-            </a:extLst>
-          </p:cNvPr>
-          <p:cNvSpPr/>
-          <p:nvPr/>
-        </p:nvSpPr>
-        <p:spPr bwMode="auto">
-          <a:xfrm>
-            <a:off x="7097694" y="298718"/>
-            <a:ext cx="543831" cy="266618"/>
-          </a:xfrm>
-          <a:prstGeom prst="rect">
-            <a:avLst/>
-          </a:prstGeom>
-          <a:solidFill>
-            <a:schemeClr val="bg1"/>
-          </a:solidFill>
-          <a:ln w="9525" cap="flat" cmpd="sng" algn="ctr">
-            <a:solidFill>
-              <a:schemeClr val="accent6"/>
-            </a:solidFill>
-            <a:prstDash val="solid"/>
-            <a:round/>
-            <a:headEnd type="none" w="med" len="med"/>
-            <a:tailEnd type="none" w="med" len="med"/>
-          </a:ln>
-          <a:effectLst/>
-        </p:spPr>
-        <p:txBody>
-          <a:bodyPr vert="horz" wrap="square" lIns="36000" tIns="36000" rIns="36000" bIns="36000" numCol="1" rtlCol="0" anchor="t" anchorCtr="0" compatLnSpc="1">
-            <a:prstTxWarp prst="textNoShape">
-              <a:avLst/>
-            </a:prstTxWarp>
-          </a:bodyPr>
-          <a:lstStyle/>
-          <a:p>
-            <a:pPr marL="0" marR="0" indent="0" algn="l" defTabSz="914400" rtl="0" eaLnBrk="0" fontAlgn="base" latinLnBrk="0" hangingPunct="0">
-              <a:lnSpc>
-                <a:spcPct val="100000"/>
-              </a:lnSpc>
-              <a:spcBef>
-                <a:spcPct val="0"/>
-              </a:spcBef>
-              <a:spcAft>
-                <a:spcPct val="0"/>
-              </a:spcAft>
-              <a:buClrTx/>
-              <a:buSzTx/>
-              <a:buFontTx/>
-              <a:buNone/>
-              <a:tabLst/>
-            </a:pPr>
-            <a:r>
-              <a:rPr kumimoji="0" lang="en-AU" sz="1400" b="0" i="0" u="none" strike="noStrike" cap="none" normalizeH="0" baseline="0" dirty="0">
-                <a:ln>
-                  <a:noFill/>
-                </a:ln>
-                <a:solidFill>
-                  <a:schemeClr val="accent6"/>
-                </a:solidFill>
-                <a:effectLst/>
-                <a:latin typeface="Arial" charset="0"/>
-                <a:ea typeface="ＭＳ Ｐゴシック" pitchFamily="34" charset="-128"/>
-              </a:rPr>
-              <a:t> +2%</a:t>
-            </a:r>
-          </a:p>
-        </p:txBody>
-      </p:sp>
-      <p:cxnSp>
-        <p:nvCxnSpPr>
-          <p:cNvPr id="32" name="Straight Arrow Connector 31">
-            <a:extLst>
-              <a:ext uri="{FF2B5EF4-FFF2-40B4-BE49-F238E27FC236}">
-                <a16:creationId xmlns:a16="http://schemas.microsoft.com/office/drawing/2014/main" id="{7DAF9A6F-8534-B143-8AA1-4B0914C7F8D5}"/>
-              </a:ext>
-            </a:extLst>
-          </p:cNvPr>
-          <p:cNvCxnSpPr>
-            <a:cxnSpLocks/>
-            <a:endCxn id="31" idx="1"/>
-          </p:cNvCxnSpPr>
-          <p:nvPr/>
-        </p:nvCxnSpPr>
-        <p:spPr bwMode="auto">
-          <a:xfrm flipV="1">
-            <a:off x="6498597" y="432027"/>
-            <a:ext cx="599097" cy="262330"/>
-          </a:xfrm>
-          <a:prstGeom prst="straightConnector1">
-            <a:avLst/>
-          </a:prstGeom>
-          <a:solidFill>
-            <a:schemeClr val="accent1"/>
-          </a:solidFill>
-          <a:ln w="9525" cap="flat" cmpd="sng" algn="ctr">
-            <a:solidFill>
-              <a:schemeClr val="accent6"/>
-            </a:solidFill>
-            <a:prstDash val="solid"/>
-            <a:round/>
-            <a:headEnd type="oval" w="med" len="med"/>
-            <a:tailEnd type="triangle"/>
-          </a:ln>
-          <a:effectLst/>
-        </p:spPr>
-      </p:cxnSp>
-    </p:spTree>
-    <p:extLst>
-      <p:ext uri="{BB962C8B-B14F-4D97-AF65-F5344CB8AC3E}">
-        <p14:creationId xmlns:p14="http://schemas.microsoft.com/office/powerpoint/2010/main" val="4289655213"/>
-      </p:ext>
-    </p:extLst>
-  </p:cSld>
-  <p:clrMapOvr>
-    <a:masterClrMapping/>
-  </p:clrMapOvr>
-</p:sld>
-</file>
-
-<file path=ppt/slides/slide3.xml><?xml version="1.0" encoding="utf-8"?>
 <p:sld xmlns:a="http://schemas.openxmlformats.org/drawingml/2006/main" xmlns:r="http://schemas.openxmlformats.org/officeDocument/2006/relationships" xmlns:p="http://schemas.openxmlformats.org/presentationml/2006/main">
   <p:cSld>
     <p:spTree>
@@ -14586,7 +12339,7 @@
 </p:sld>
 </file>
 
-<file path=ppt/slides/slide4.xml><?xml version="1.0" encoding="utf-8"?>
+<file path=ppt/slides/slide3.xml><?xml version="1.0" encoding="utf-8"?>
 <p:sld xmlns:a="http://schemas.openxmlformats.org/drawingml/2006/main" xmlns:r="http://schemas.openxmlformats.org/officeDocument/2006/relationships" xmlns:p="http://schemas.openxmlformats.org/presentationml/2006/main">
   <p:cSld>
     <p:spTree>
@@ -15519,7 +13272,7 @@
 </p:sld>
 </file>
 
-<file path=ppt/slides/slide5.xml><?xml version="1.0" encoding="utf-8"?>
+<file path=ppt/slides/slide4.xml><?xml version="1.0" encoding="utf-8"?>
 <p:sld xmlns:a="http://schemas.openxmlformats.org/drawingml/2006/main" xmlns:r="http://schemas.openxmlformats.org/officeDocument/2006/relationships" xmlns:p="http://schemas.openxmlformats.org/presentationml/2006/main">
   <p:cSld>
     <p:spTree>
@@ -16487,7 +14240,7 @@
 </p:sld>
 </file>
 
-<file path=ppt/slides/slide6.xml><?xml version="1.0" encoding="utf-8"?>
+<file path=ppt/slides/slide5.xml><?xml version="1.0" encoding="utf-8"?>
 <p:sld xmlns:a="http://schemas.openxmlformats.org/drawingml/2006/main" xmlns:r="http://schemas.openxmlformats.org/officeDocument/2006/relationships" xmlns:p="http://schemas.openxmlformats.org/presentationml/2006/main">
   <p:cSld>
     <p:spTree>
@@ -17147,7 +14900,7 @@
 </p:sld>
 </file>
 
-<file path=ppt/slides/slide7.xml><?xml version="1.0" encoding="utf-8"?>
+<file path=ppt/slides/slide6.xml><?xml version="1.0" encoding="utf-8"?>
 <p:sld xmlns:a="http://schemas.openxmlformats.org/drawingml/2006/main" xmlns:r="http://schemas.openxmlformats.org/officeDocument/2006/relationships" xmlns:p="http://schemas.openxmlformats.org/presentationml/2006/main">
   <p:cSld>
     <p:spTree>
@@ -17806,7 +15559,7 @@
 </p:sld>
 </file>
 
-<file path=ppt/slides/slide8.xml><?xml version="1.0" encoding="utf-8"?>
+<file path=ppt/slides/slide7.xml><?xml version="1.0" encoding="utf-8"?>
 <p:sld xmlns:a="http://schemas.openxmlformats.org/drawingml/2006/main" xmlns:r="http://schemas.openxmlformats.org/officeDocument/2006/relationships" xmlns:p="http://schemas.openxmlformats.org/presentationml/2006/main">
   <p:cSld>
     <p:spTree>
@@ -18400,138 +16153,6 @@
           </a:p>
         </p:txBody>
       </p:sp>
-      <p:grpSp>
-        <p:nvGrpSpPr>
-          <p:cNvPr id="23" name="Group 22">
-            <a:extLst>
-              <a:ext uri="{FF2B5EF4-FFF2-40B4-BE49-F238E27FC236}">
-                <a16:creationId xmlns:a16="http://schemas.microsoft.com/office/drawing/2014/main" id="{DD9A1B73-5245-504B-84ED-3BC18F69709F}"/>
-              </a:ext>
-            </a:extLst>
-          </p:cNvPr>
-          <p:cNvGrpSpPr/>
-          <p:nvPr/>
-        </p:nvGrpSpPr>
-        <p:grpSpPr>
-          <a:xfrm>
-            <a:off x="8949301" y="3124498"/>
-            <a:ext cx="252173" cy="290022"/>
-            <a:chOff x="4377898" y="4281539"/>
-            <a:chExt cx="252173" cy="290022"/>
-          </a:xfrm>
-        </p:grpSpPr>
-        <p:cxnSp>
-          <p:nvCxnSpPr>
-            <p:cNvPr id="10" name="Straight Connector 9">
-              <a:extLst>
-                <a:ext uri="{FF2B5EF4-FFF2-40B4-BE49-F238E27FC236}">
-                  <a16:creationId xmlns:a16="http://schemas.microsoft.com/office/drawing/2014/main" id="{F6BB2D3B-71CE-1646-946E-A3E0FC9F24A4}"/>
-                </a:ext>
-              </a:extLst>
-            </p:cNvPr>
-            <p:cNvCxnSpPr>
-              <a:cxnSpLocks/>
-            </p:cNvCxnSpPr>
-            <p:nvPr/>
-          </p:nvCxnSpPr>
-          <p:spPr bwMode="auto">
-            <a:xfrm>
-              <a:off x="4377898" y="4485625"/>
-              <a:ext cx="118654" cy="0"/>
-            </a:xfrm>
-            <a:prstGeom prst="line">
-              <a:avLst/>
-            </a:prstGeom>
-            <a:solidFill>
-              <a:schemeClr val="accent1"/>
-            </a:solidFill>
-            <a:ln w="9525" cap="flat" cmpd="sng" algn="ctr">
-              <a:solidFill>
-                <a:schemeClr val="tx1"/>
-              </a:solidFill>
-              <a:prstDash val="sysDash"/>
-              <a:round/>
-              <a:headEnd type="none" w="med" len="med"/>
-              <a:tailEnd type="none" w="med" len="med"/>
-            </a:ln>
-            <a:effectLst/>
-          </p:spPr>
-        </p:cxnSp>
-        <p:cxnSp>
-          <p:nvCxnSpPr>
-            <p:cNvPr id="11" name="Straight Connector 10">
-              <a:extLst>
-                <a:ext uri="{FF2B5EF4-FFF2-40B4-BE49-F238E27FC236}">
-                  <a16:creationId xmlns:a16="http://schemas.microsoft.com/office/drawing/2014/main" id="{D1F17C55-5BFD-DD4A-B16F-13A053798D5B}"/>
-                </a:ext>
-              </a:extLst>
-            </p:cNvPr>
-            <p:cNvCxnSpPr>
-              <a:cxnSpLocks/>
-            </p:cNvCxnSpPr>
-            <p:nvPr/>
-          </p:nvCxnSpPr>
-          <p:spPr bwMode="auto">
-            <a:xfrm>
-              <a:off x="4380365" y="4364018"/>
-              <a:ext cx="184842" cy="0"/>
-            </a:xfrm>
-            <a:prstGeom prst="line">
-              <a:avLst/>
-            </a:prstGeom>
-            <a:solidFill>
-              <a:schemeClr val="accent1"/>
-            </a:solidFill>
-            <a:ln w="9525" cap="flat" cmpd="sng" algn="ctr">
-              <a:solidFill>
-                <a:schemeClr val="tx1"/>
-              </a:solidFill>
-              <a:prstDash val="sysDash"/>
-              <a:round/>
-              <a:headEnd type="none" w="med" len="med"/>
-              <a:tailEnd type="none" w="med" len="med"/>
-            </a:ln>
-            <a:effectLst/>
-          </p:spPr>
-        </p:cxnSp>
-        <p:cxnSp>
-          <p:nvCxnSpPr>
-            <p:cNvPr id="12" name="Straight Connector 11">
-              <a:extLst>
-                <a:ext uri="{FF2B5EF4-FFF2-40B4-BE49-F238E27FC236}">
-                  <a16:creationId xmlns:a16="http://schemas.microsoft.com/office/drawing/2014/main" id="{52C1BE83-670C-844F-849E-8E95ACB9F8A2}"/>
-                </a:ext>
-              </a:extLst>
-            </p:cNvPr>
-            <p:cNvCxnSpPr>
-              <a:cxnSpLocks/>
-            </p:cNvCxnSpPr>
-            <p:nvPr/>
-          </p:nvCxnSpPr>
-          <p:spPr bwMode="auto">
-            <a:xfrm flipV="1">
-              <a:off x="4456058" y="4281539"/>
-              <a:ext cx="174013" cy="290022"/>
-            </a:xfrm>
-            <a:prstGeom prst="line">
-              <a:avLst/>
-            </a:prstGeom>
-            <a:solidFill>
-              <a:schemeClr val="accent1"/>
-            </a:solidFill>
-            <a:ln w="9525" cap="flat" cmpd="sng" algn="ctr">
-              <a:solidFill>
-                <a:schemeClr val="tx1"/>
-              </a:solidFill>
-              <a:prstDash val="solid"/>
-              <a:round/>
-              <a:headEnd type="none" w="med" len="med"/>
-              <a:tailEnd type="none" w="med" len="med"/>
-            </a:ln>
-            <a:effectLst/>
-          </p:spPr>
-        </p:cxnSp>
-      </p:grpSp>
       <p:sp>
         <p:nvSpPr>
           <p:cNvPr id="16" name="TextBox 15">
@@ -18694,7 +16315,7 @@
         <p:spPr bwMode="auto">
           <a:xfrm>
             <a:off x="4276626" y="6702038"/>
-            <a:ext cx="288032" cy="0"/>
+            <a:ext cx="432048" cy="0"/>
           </a:xfrm>
           <a:prstGeom prst="straightConnector1">
             <a:avLst/>
@@ -18768,7 +16389,7 @@
         <p:spPr bwMode="auto">
           <a:xfrm>
             <a:off x="7613080" y="6206623"/>
-            <a:ext cx="288032" cy="0"/>
+            <a:ext cx="364108" cy="0"/>
           </a:xfrm>
           <a:prstGeom prst="straightConnector1">
             <a:avLst/>
@@ -19795,227 +17416,6 @@
 </file>
 
 <file path=ppt/theme/themeOverride1.xml><?xml version="1.0" encoding="utf-8"?>
-<a:themeOverride xmlns:a="http://schemas.openxmlformats.org/drawingml/2006/main">
-  <a:clrScheme name="Grattan">
-    <a:dk1>
-      <a:srgbClr val="000000"/>
-    </a:dk1>
-    <a:lt1>
-      <a:srgbClr val="FFFFFF"/>
-    </a:lt1>
-    <a:dk2>
-      <a:srgbClr val="A02226"/>
-    </a:dk2>
-    <a:lt2>
-      <a:srgbClr val="621214"/>
-    </a:lt2>
-    <a:accent1>
-      <a:srgbClr val="D4582A"/>
-    </a:accent1>
-    <a:accent2>
-      <a:srgbClr val="F68B33"/>
-    </a:accent2>
-    <a:accent3>
-      <a:srgbClr val="FFC35A"/>
-    </a:accent3>
-    <a:accent4>
-      <a:srgbClr val="FFE07F"/>
-    </a:accent4>
-    <a:accent5>
-      <a:srgbClr val="F3901D"/>
-    </a:accent5>
-    <a:accent6>
-      <a:srgbClr val="6A737B"/>
-    </a:accent6>
-    <a:hlink>
-      <a:srgbClr val="757575"/>
-    </a:hlink>
-    <a:folHlink>
-      <a:srgbClr val="AEAEAE"/>
-    </a:folHlink>
-  </a:clrScheme>
-  <a:fontScheme name="Blank Presentation">
-    <a:majorFont>
-      <a:latin typeface="Arial"/>
-      <a:ea typeface="ＭＳ Ｐゴシック"/>
-      <a:cs typeface=""/>
-    </a:majorFont>
-    <a:minorFont>
-      <a:latin typeface="Arial"/>
-      <a:ea typeface="ＭＳ Ｐゴシック"/>
-      <a:cs typeface=""/>
-    </a:minorFont>
-  </a:fontScheme>
-  <a:fmtScheme name="Office">
-    <a:fillStyleLst>
-      <a:solidFill>
-        <a:schemeClr val="phClr"/>
-      </a:solidFill>
-      <a:gradFill rotWithShape="1">
-        <a:gsLst>
-          <a:gs pos="0">
-            <a:schemeClr val="phClr">
-              <a:tint val="50000"/>
-              <a:satMod val="300000"/>
-            </a:schemeClr>
-          </a:gs>
-          <a:gs pos="35000">
-            <a:schemeClr val="phClr">
-              <a:tint val="37000"/>
-              <a:satMod val="300000"/>
-            </a:schemeClr>
-          </a:gs>
-          <a:gs pos="100000">
-            <a:schemeClr val="phClr">
-              <a:tint val="15000"/>
-              <a:satMod val="350000"/>
-            </a:schemeClr>
-          </a:gs>
-        </a:gsLst>
-        <a:lin ang="16200000" scaled="1"/>
-      </a:gradFill>
-      <a:gradFill rotWithShape="1">
-        <a:gsLst>
-          <a:gs pos="0">
-            <a:schemeClr val="phClr">
-              <a:shade val="51000"/>
-              <a:satMod val="130000"/>
-            </a:schemeClr>
-          </a:gs>
-          <a:gs pos="80000">
-            <a:schemeClr val="phClr">
-              <a:shade val="93000"/>
-              <a:satMod val="130000"/>
-            </a:schemeClr>
-          </a:gs>
-          <a:gs pos="100000">
-            <a:schemeClr val="phClr">
-              <a:shade val="94000"/>
-              <a:satMod val="135000"/>
-            </a:schemeClr>
-          </a:gs>
-        </a:gsLst>
-        <a:lin ang="16200000" scaled="0"/>
-      </a:gradFill>
-    </a:fillStyleLst>
-    <a:lnStyleLst>
-      <a:ln w="9525" cap="flat" cmpd="sng" algn="ctr">
-        <a:solidFill>
-          <a:schemeClr val="phClr">
-            <a:shade val="95000"/>
-            <a:satMod val="105000"/>
-          </a:schemeClr>
-        </a:solidFill>
-        <a:prstDash val="solid"/>
-      </a:ln>
-      <a:ln w="25400" cap="flat" cmpd="sng" algn="ctr">
-        <a:solidFill>
-          <a:schemeClr val="phClr"/>
-        </a:solidFill>
-        <a:prstDash val="solid"/>
-      </a:ln>
-      <a:ln w="38100" cap="flat" cmpd="sng" algn="ctr">
-        <a:solidFill>
-          <a:schemeClr val="phClr"/>
-        </a:solidFill>
-        <a:prstDash val="solid"/>
-      </a:ln>
-    </a:lnStyleLst>
-    <a:effectStyleLst>
-      <a:effectStyle>
-        <a:effectLst>
-          <a:outerShdw blurRad="40000" dist="20000" dir="5400000" rotWithShape="0">
-            <a:srgbClr val="000000">
-              <a:alpha val="38000"/>
-            </a:srgbClr>
-          </a:outerShdw>
-        </a:effectLst>
-      </a:effectStyle>
-      <a:effectStyle>
-        <a:effectLst>
-          <a:outerShdw blurRad="40000" dist="23000" dir="5400000" rotWithShape="0">
-            <a:srgbClr val="000000">
-              <a:alpha val="35000"/>
-            </a:srgbClr>
-          </a:outerShdw>
-        </a:effectLst>
-      </a:effectStyle>
-      <a:effectStyle>
-        <a:effectLst>
-          <a:outerShdw blurRad="40000" dist="23000" dir="5400000" rotWithShape="0">
-            <a:srgbClr val="000000">
-              <a:alpha val="35000"/>
-            </a:srgbClr>
-          </a:outerShdw>
-        </a:effectLst>
-        <a:scene3d>
-          <a:camera prst="orthographicFront">
-            <a:rot lat="0" lon="0" rev="0"/>
-          </a:camera>
-          <a:lightRig rig="threePt" dir="t">
-            <a:rot lat="0" lon="0" rev="1200000"/>
-          </a:lightRig>
-        </a:scene3d>
-        <a:sp3d>
-          <a:bevelT w="63500" h="25400"/>
-        </a:sp3d>
-      </a:effectStyle>
-    </a:effectStyleLst>
-    <a:bgFillStyleLst>
-      <a:solidFill>
-        <a:schemeClr val="phClr"/>
-      </a:solidFill>
-      <a:gradFill rotWithShape="1">
-        <a:gsLst>
-          <a:gs pos="0">
-            <a:schemeClr val="phClr">
-              <a:tint val="40000"/>
-              <a:satMod val="350000"/>
-            </a:schemeClr>
-          </a:gs>
-          <a:gs pos="40000">
-            <a:schemeClr val="phClr">
-              <a:tint val="45000"/>
-              <a:shade val="99000"/>
-              <a:satMod val="350000"/>
-            </a:schemeClr>
-          </a:gs>
-          <a:gs pos="100000">
-            <a:schemeClr val="phClr">
-              <a:shade val="20000"/>
-              <a:satMod val="255000"/>
-            </a:schemeClr>
-          </a:gs>
-        </a:gsLst>
-        <a:path path="circle">
-          <a:fillToRect l="50000" t="-80000" r="50000" b="180000"/>
-        </a:path>
-      </a:gradFill>
-      <a:gradFill rotWithShape="1">
-        <a:gsLst>
-          <a:gs pos="0">
-            <a:schemeClr val="phClr">
-              <a:tint val="80000"/>
-              <a:satMod val="300000"/>
-            </a:schemeClr>
-          </a:gs>
-          <a:gs pos="100000">
-            <a:schemeClr val="phClr">
-              <a:shade val="30000"/>
-              <a:satMod val="200000"/>
-            </a:schemeClr>
-          </a:gs>
-        </a:gsLst>
-        <a:path path="circle">
-          <a:fillToRect l="50000" t="50000" r="50000" b="50000"/>
-        </a:path>
-      </a:gradFill>
-    </a:bgFillStyleLst>
-  </a:fmtScheme>
-</a:themeOverride>
-</file>
-
-<file path=ppt/theme/themeOverride10.xml><?xml version="1.0" encoding="utf-8"?>
 <a:themeOverride xmlns:a="http://schemas.openxmlformats.org/drawingml/2006/main">
   <a:clrScheme name="Grattan">
     <a:dk1>
@@ -21781,225 +19181,4 @@
     </a:bgFillStyleLst>
   </a:fmtScheme>
 </a:themeOverride>
-</file>
-
-<file path=ppt/theme/themeOverride9.xml><?xml version="1.0" encoding="utf-8"?>
-<a:themeOverride xmlns:a="http://schemas.openxmlformats.org/drawingml/2006/main">
-  <a:clrScheme name="Grattan">
-    <a:dk1>
-      <a:srgbClr val="000000"/>
-    </a:dk1>
-    <a:lt1>
-      <a:srgbClr val="FFFFFF"/>
-    </a:lt1>
-    <a:dk2>
-      <a:srgbClr val="A02226"/>
-    </a:dk2>
-    <a:lt2>
-      <a:srgbClr val="621214"/>
-    </a:lt2>
-    <a:accent1>
-      <a:srgbClr val="D4582A"/>
-    </a:accent1>
-    <a:accent2>
-      <a:srgbClr val="F68B33"/>
-    </a:accent2>
-    <a:accent3>
-      <a:srgbClr val="FFC35A"/>
-    </a:accent3>
-    <a:accent4>
-      <a:srgbClr val="FFE07F"/>
-    </a:accent4>
-    <a:accent5>
-      <a:srgbClr val="F3901D"/>
-    </a:accent5>
-    <a:accent6>
-      <a:srgbClr val="6A737B"/>
-    </a:accent6>
-    <a:hlink>
-      <a:srgbClr val="757575"/>
-    </a:hlink>
-    <a:folHlink>
-      <a:srgbClr val="AEAEAE"/>
-    </a:folHlink>
-  </a:clrScheme>
-  <a:fontScheme name="Blank Presentation">
-    <a:majorFont>
-      <a:latin typeface="Arial"/>
-      <a:ea typeface="ＭＳ Ｐゴシック"/>
-      <a:cs typeface=""/>
-    </a:majorFont>
-    <a:minorFont>
-      <a:latin typeface="Arial"/>
-      <a:ea typeface="ＭＳ Ｐゴシック"/>
-      <a:cs typeface=""/>
-    </a:minorFont>
-  </a:fontScheme>
-  <a:fmtScheme name="Office">
-    <a:fillStyleLst>
-      <a:solidFill>
-        <a:schemeClr val="phClr"/>
-      </a:solidFill>
-      <a:gradFill rotWithShape="1">
-        <a:gsLst>
-          <a:gs pos="0">
-            <a:schemeClr val="phClr">
-              <a:tint val="50000"/>
-              <a:satMod val="300000"/>
-            </a:schemeClr>
-          </a:gs>
-          <a:gs pos="35000">
-            <a:schemeClr val="phClr">
-              <a:tint val="37000"/>
-              <a:satMod val="300000"/>
-            </a:schemeClr>
-          </a:gs>
-          <a:gs pos="100000">
-            <a:schemeClr val="phClr">
-              <a:tint val="15000"/>
-              <a:satMod val="350000"/>
-            </a:schemeClr>
-          </a:gs>
-        </a:gsLst>
-        <a:lin ang="16200000" scaled="1"/>
-      </a:gradFill>
-      <a:gradFill rotWithShape="1">
-        <a:gsLst>
-          <a:gs pos="0">
-            <a:schemeClr val="phClr">
-              <a:shade val="51000"/>
-              <a:satMod val="130000"/>
-            </a:schemeClr>
-          </a:gs>
-          <a:gs pos="80000">
-            <a:schemeClr val="phClr">
-              <a:shade val="93000"/>
-              <a:satMod val="130000"/>
-            </a:schemeClr>
-          </a:gs>
-          <a:gs pos="100000">
-            <a:schemeClr val="phClr">
-              <a:shade val="94000"/>
-              <a:satMod val="135000"/>
-            </a:schemeClr>
-          </a:gs>
-        </a:gsLst>
-        <a:lin ang="16200000" scaled="0"/>
-      </a:gradFill>
-    </a:fillStyleLst>
-    <a:lnStyleLst>
-      <a:ln w="9525" cap="flat" cmpd="sng" algn="ctr">
-        <a:solidFill>
-          <a:schemeClr val="phClr">
-            <a:shade val="95000"/>
-            <a:satMod val="105000"/>
-          </a:schemeClr>
-        </a:solidFill>
-        <a:prstDash val="solid"/>
-      </a:ln>
-      <a:ln w="25400" cap="flat" cmpd="sng" algn="ctr">
-        <a:solidFill>
-          <a:schemeClr val="phClr"/>
-        </a:solidFill>
-        <a:prstDash val="solid"/>
-      </a:ln>
-      <a:ln w="38100" cap="flat" cmpd="sng" algn="ctr">
-        <a:solidFill>
-          <a:schemeClr val="phClr"/>
-        </a:solidFill>
-        <a:prstDash val="solid"/>
-      </a:ln>
-    </a:lnStyleLst>
-    <a:effectStyleLst>
-      <a:effectStyle>
-        <a:effectLst>
-          <a:outerShdw blurRad="40000" dist="20000" dir="5400000" rotWithShape="0">
-            <a:srgbClr val="000000">
-              <a:alpha val="38000"/>
-            </a:srgbClr>
-          </a:outerShdw>
-        </a:effectLst>
-      </a:effectStyle>
-      <a:effectStyle>
-        <a:effectLst>
-          <a:outerShdw blurRad="40000" dist="23000" dir="5400000" rotWithShape="0">
-            <a:srgbClr val="000000">
-              <a:alpha val="35000"/>
-            </a:srgbClr>
-          </a:outerShdw>
-        </a:effectLst>
-      </a:effectStyle>
-      <a:effectStyle>
-        <a:effectLst>
-          <a:outerShdw blurRad="40000" dist="23000" dir="5400000" rotWithShape="0">
-            <a:srgbClr val="000000">
-              <a:alpha val="35000"/>
-            </a:srgbClr>
-          </a:outerShdw>
-        </a:effectLst>
-        <a:scene3d>
-          <a:camera prst="orthographicFront">
-            <a:rot lat="0" lon="0" rev="0"/>
-          </a:camera>
-          <a:lightRig rig="threePt" dir="t">
-            <a:rot lat="0" lon="0" rev="1200000"/>
-          </a:lightRig>
-        </a:scene3d>
-        <a:sp3d>
-          <a:bevelT w="63500" h="25400"/>
-        </a:sp3d>
-      </a:effectStyle>
-    </a:effectStyleLst>
-    <a:bgFillStyleLst>
-      <a:solidFill>
-        <a:schemeClr val="phClr"/>
-      </a:solidFill>
-      <a:gradFill rotWithShape="1">
-        <a:gsLst>
-          <a:gs pos="0">
-            <a:schemeClr val="phClr">
-              <a:tint val="40000"/>
-              <a:satMod val="350000"/>
-            </a:schemeClr>
-          </a:gs>
-          <a:gs pos="40000">
-            <a:schemeClr val="phClr">
-              <a:tint val="45000"/>
-              <a:shade val="99000"/>
-              <a:satMod val="350000"/>
-            </a:schemeClr>
-          </a:gs>
-          <a:gs pos="100000">
-            <a:schemeClr val="phClr">
-              <a:shade val="20000"/>
-              <a:satMod val="255000"/>
-            </a:schemeClr>
-          </a:gs>
-        </a:gsLst>
-        <a:path path="circle">
-          <a:fillToRect l="50000" t="-80000" r="50000" b="180000"/>
-        </a:path>
-      </a:gradFill>
-      <a:gradFill rotWithShape="1">
-        <a:gsLst>
-          <a:gs pos="0">
-            <a:schemeClr val="phClr">
-              <a:tint val="80000"/>
-              <a:satMod val="300000"/>
-            </a:schemeClr>
-          </a:gs>
-          <a:gs pos="100000">
-            <a:schemeClr val="phClr">
-              <a:shade val="30000"/>
-              <a:satMod val="200000"/>
-            </a:schemeClr>
-          </a:gs>
-        </a:gsLst>
-        <a:path path="circle">
-          <a:fillToRect l="50000" t="50000" r="50000" b="50000"/>
-        </a:path>
-      </a:gradFill>
-    </a:bgFillStyleLst>
-  </a:fmtScheme>
-</a:themeOverride>
 </file>